--- a/Java Portfolio.pptx
+++ b/Java Portfolio.pptx
@@ -9,6 +9,10 @@
     <p:sldId id="257" r:id="rId3"/>
     <p:sldId id="259" r:id="rId4"/>
     <p:sldId id="258" r:id="rId5"/>
+    <p:sldId id="260" r:id="rId6"/>
+    <p:sldId id="261" r:id="rId7"/>
+    <p:sldId id="262" r:id="rId8"/>
+    <p:sldId id="263" r:id="rId9"/>
   </p:sldIdLst>
   <p:sldSz cx="12192000" cy="6858000"/>
   <p:notesSz cx="6858000" cy="9144000"/>
@@ -107,6 +111,11 @@
       </a:defRPr>
     </a:lvl9pPr>
   </p:defaultTextStyle>
+  <p:extLst>
+    <p:ext uri="{EFAFB233-063F-42B5-8137-9DF3F51BA10A}">
+      <p15:sldGuideLst xmlns:p15="http://schemas.microsoft.com/office/powerpoint/2012/main"/>
+    </p:ext>
+  </p:extLst>
 </p:presentation>
 </file>
 
@@ -241,7 +250,7 @@
           <a:p>
             <a:fld id="{981F6B69-1E7B-452E-AEE2-7CF2478E64BD}" type="datetimeFigureOut">
               <a:rPr lang="ko-KR" altLang="en-US" smtClean="0"/>
-              <a:t>2023-12-12</a:t>
+              <a:t>2023-12-13</a:t>
             </a:fld>
             <a:endParaRPr lang="ko-KR" altLang="en-US"/>
           </a:p>
@@ -411,7 +420,7 @@
           <a:p>
             <a:fld id="{981F6B69-1E7B-452E-AEE2-7CF2478E64BD}" type="datetimeFigureOut">
               <a:rPr lang="ko-KR" altLang="en-US" smtClean="0"/>
-              <a:t>2023-12-12</a:t>
+              <a:t>2023-12-13</a:t>
             </a:fld>
             <a:endParaRPr lang="ko-KR" altLang="en-US"/>
           </a:p>
@@ -591,7 +600,7 @@
           <a:p>
             <a:fld id="{981F6B69-1E7B-452E-AEE2-7CF2478E64BD}" type="datetimeFigureOut">
               <a:rPr lang="ko-KR" altLang="en-US" smtClean="0"/>
-              <a:t>2023-12-12</a:t>
+              <a:t>2023-12-13</a:t>
             </a:fld>
             <a:endParaRPr lang="ko-KR" altLang="en-US"/>
           </a:p>
@@ -761,7 +770,7 @@
           <a:p>
             <a:fld id="{981F6B69-1E7B-452E-AEE2-7CF2478E64BD}" type="datetimeFigureOut">
               <a:rPr lang="ko-KR" altLang="en-US" smtClean="0"/>
-              <a:t>2023-12-12</a:t>
+              <a:t>2023-12-13</a:t>
             </a:fld>
             <a:endParaRPr lang="ko-KR" altLang="en-US"/>
           </a:p>
@@ -1007,7 +1016,7 @@
           <a:p>
             <a:fld id="{981F6B69-1E7B-452E-AEE2-7CF2478E64BD}" type="datetimeFigureOut">
               <a:rPr lang="ko-KR" altLang="en-US" smtClean="0"/>
-              <a:t>2023-12-12</a:t>
+              <a:t>2023-12-13</a:t>
             </a:fld>
             <a:endParaRPr lang="ko-KR" altLang="en-US"/>
           </a:p>
@@ -1239,7 +1248,7 @@
           <a:p>
             <a:fld id="{981F6B69-1E7B-452E-AEE2-7CF2478E64BD}" type="datetimeFigureOut">
               <a:rPr lang="ko-KR" altLang="en-US" smtClean="0"/>
-              <a:t>2023-12-12</a:t>
+              <a:t>2023-12-13</a:t>
             </a:fld>
             <a:endParaRPr lang="ko-KR" altLang="en-US"/>
           </a:p>
@@ -1606,7 +1615,7 @@
           <a:p>
             <a:fld id="{981F6B69-1E7B-452E-AEE2-7CF2478E64BD}" type="datetimeFigureOut">
               <a:rPr lang="ko-KR" altLang="en-US" smtClean="0"/>
-              <a:t>2023-12-12</a:t>
+              <a:t>2023-12-13</a:t>
             </a:fld>
             <a:endParaRPr lang="ko-KR" altLang="en-US"/>
           </a:p>
@@ -1724,7 +1733,7 @@
           <a:p>
             <a:fld id="{981F6B69-1E7B-452E-AEE2-7CF2478E64BD}" type="datetimeFigureOut">
               <a:rPr lang="ko-KR" altLang="en-US" smtClean="0"/>
-              <a:t>2023-12-12</a:t>
+              <a:t>2023-12-13</a:t>
             </a:fld>
             <a:endParaRPr lang="ko-KR" altLang="en-US"/>
           </a:p>
@@ -1819,7 +1828,7 @@
           <a:p>
             <a:fld id="{981F6B69-1E7B-452E-AEE2-7CF2478E64BD}" type="datetimeFigureOut">
               <a:rPr lang="ko-KR" altLang="en-US" smtClean="0"/>
-              <a:t>2023-12-12</a:t>
+              <a:t>2023-12-13</a:t>
             </a:fld>
             <a:endParaRPr lang="ko-KR" altLang="en-US"/>
           </a:p>
@@ -2096,7 +2105,7 @@
           <a:p>
             <a:fld id="{981F6B69-1E7B-452E-AEE2-7CF2478E64BD}" type="datetimeFigureOut">
               <a:rPr lang="ko-KR" altLang="en-US" smtClean="0"/>
-              <a:t>2023-12-12</a:t>
+              <a:t>2023-12-13</a:t>
             </a:fld>
             <a:endParaRPr lang="ko-KR" altLang="en-US"/>
           </a:p>
@@ -2349,7 +2358,7 @@
           <a:p>
             <a:fld id="{981F6B69-1E7B-452E-AEE2-7CF2478E64BD}" type="datetimeFigureOut">
               <a:rPr lang="ko-KR" altLang="en-US" smtClean="0"/>
-              <a:t>2023-12-12</a:t>
+              <a:t>2023-12-13</a:t>
             </a:fld>
             <a:endParaRPr lang="ko-KR" altLang="en-US"/>
           </a:p>
@@ -2562,7 +2571,7 @@
           <a:p>
             <a:fld id="{981F6B69-1E7B-452E-AEE2-7CF2478E64BD}" type="datetimeFigureOut">
               <a:rPr lang="ko-KR" altLang="en-US" smtClean="0"/>
-              <a:t>2023-12-12</a:t>
+              <a:t>2023-12-13</a:t>
             </a:fld>
             <a:endParaRPr lang="ko-KR" altLang="en-US"/>
           </a:p>
@@ -3800,13 +3809,13 @@
             </a:ln>
           </p:spPr>
           <p:style>
-            <a:lnRef idx="1">
+            <a:lnRef idx="3">
               <a:schemeClr val="accent4"/>
             </a:lnRef>
             <a:fillRef idx="0">
               <a:schemeClr val="accent4"/>
             </a:fillRef>
-            <a:effectRef idx="0">
+            <a:effectRef idx="2">
               <a:schemeClr val="accent4"/>
             </a:effectRef>
             <a:fontRef idx="minor">
@@ -3836,13 +3845,13 @@
             </a:ln>
           </p:spPr>
           <p:style>
-            <a:lnRef idx="1">
+            <a:lnRef idx="3">
               <a:schemeClr val="accent4"/>
             </a:lnRef>
             <a:fillRef idx="0">
               <a:schemeClr val="accent4"/>
             </a:fillRef>
-            <a:effectRef idx="0">
+            <a:effectRef idx="2">
               <a:schemeClr val="accent4"/>
             </a:effectRef>
             <a:fontRef idx="minor">
@@ -3872,13 +3881,13 @@
             </a:ln>
           </p:spPr>
           <p:style>
-            <a:lnRef idx="1">
+            <a:lnRef idx="3">
               <a:schemeClr val="accent4"/>
             </a:lnRef>
             <a:fillRef idx="0">
               <a:schemeClr val="accent4"/>
             </a:fillRef>
-            <a:effectRef idx="0">
+            <a:effectRef idx="2">
               <a:schemeClr val="accent4"/>
             </a:effectRef>
             <a:fontRef idx="minor">
@@ -3906,13 +3915,13 @@
             </a:ln>
           </p:spPr>
           <p:style>
-            <a:lnRef idx="1">
+            <a:lnRef idx="3">
               <a:schemeClr val="accent4"/>
             </a:lnRef>
             <a:fillRef idx="0">
               <a:schemeClr val="accent4"/>
             </a:fillRef>
-            <a:effectRef idx="0">
+            <a:effectRef idx="2">
               <a:schemeClr val="accent4"/>
             </a:effectRef>
             <a:fontRef idx="minor">
@@ -3943,13 +3952,13 @@
             </a:ln>
           </p:spPr>
           <p:style>
-            <a:lnRef idx="1">
+            <a:lnRef idx="3">
               <a:schemeClr val="accent4"/>
             </a:lnRef>
             <a:fillRef idx="0">
               <a:schemeClr val="accent4"/>
             </a:fillRef>
-            <a:effectRef idx="0">
+            <a:effectRef idx="2">
               <a:schemeClr val="accent4"/>
             </a:effectRef>
             <a:fontRef idx="minor">
@@ -3977,13 +3986,13 @@
             </a:ln>
           </p:spPr>
           <p:style>
-            <a:lnRef idx="1">
+            <a:lnRef idx="3">
               <a:schemeClr val="accent4"/>
             </a:lnRef>
             <a:fillRef idx="0">
               <a:schemeClr val="accent4"/>
             </a:fillRef>
-            <a:effectRef idx="0">
+            <a:effectRef idx="2">
               <a:schemeClr val="accent4"/>
             </a:effectRef>
             <a:fontRef idx="minor">
@@ -4011,13 +4020,13 @@
             </a:ln>
           </p:spPr>
           <p:style>
-            <a:lnRef idx="1">
+            <a:lnRef idx="3">
               <a:schemeClr val="accent4"/>
             </a:lnRef>
             <a:fillRef idx="0">
               <a:schemeClr val="accent4"/>
             </a:fillRef>
-            <a:effectRef idx="0">
+            <a:effectRef idx="2">
               <a:schemeClr val="accent4"/>
             </a:effectRef>
             <a:fontRef idx="minor">
@@ -4045,13 +4054,13 @@
             </a:ln>
           </p:spPr>
           <p:style>
-            <a:lnRef idx="1">
+            <a:lnRef idx="3">
               <a:schemeClr val="accent4"/>
             </a:lnRef>
             <a:fillRef idx="0">
               <a:schemeClr val="accent4"/>
             </a:fillRef>
-            <a:effectRef idx="0">
+            <a:effectRef idx="2">
               <a:schemeClr val="accent4"/>
             </a:effectRef>
             <a:fontRef idx="minor">
@@ -4079,13 +4088,13 @@
             </a:ln>
           </p:spPr>
           <p:style>
-            <a:lnRef idx="1">
+            <a:lnRef idx="3">
               <a:schemeClr val="accent4"/>
             </a:lnRef>
             <a:fillRef idx="0">
               <a:schemeClr val="accent4"/>
             </a:fillRef>
-            <a:effectRef idx="0">
+            <a:effectRef idx="2">
               <a:schemeClr val="accent4"/>
             </a:effectRef>
             <a:fontRef idx="minor">
@@ -4251,14 +4260,14 @@
           </a:ln>
         </p:spPr>
         <p:style>
-          <a:lnRef idx="1">
-            <a:schemeClr val="accent4"/>
+          <a:lnRef idx="3">
+            <a:schemeClr val="accent1"/>
           </a:lnRef>
           <a:fillRef idx="0">
-            <a:schemeClr val="accent4"/>
+            <a:schemeClr val="accent1"/>
           </a:fillRef>
-          <a:effectRef idx="0">
-            <a:schemeClr val="accent4"/>
+          <a:effectRef idx="2">
+            <a:schemeClr val="accent1"/>
           </a:effectRef>
           <a:fontRef idx="minor">
             <a:schemeClr val="tx1"/>
@@ -4318,14 +4327,14 @@
           </a:ln>
         </p:spPr>
         <p:style>
-          <a:lnRef idx="1">
-            <a:schemeClr val="accent4"/>
+          <a:lnRef idx="3">
+            <a:schemeClr val="accent1"/>
           </a:lnRef>
           <a:fillRef idx="0">
-            <a:schemeClr val="accent4"/>
+            <a:schemeClr val="accent1"/>
           </a:fillRef>
-          <a:effectRef idx="0">
-            <a:schemeClr val="accent4"/>
+          <a:effectRef idx="2">
+            <a:schemeClr val="accent1"/>
           </a:effectRef>
           <a:fontRef idx="minor">
             <a:schemeClr val="tx1"/>
@@ -4351,14 +4360,14 @@
           </a:ln>
         </p:spPr>
         <p:style>
-          <a:lnRef idx="1">
-            <a:schemeClr val="accent4"/>
+          <a:lnRef idx="3">
+            <a:schemeClr val="accent1"/>
           </a:lnRef>
           <a:fillRef idx="0">
-            <a:schemeClr val="accent4"/>
+            <a:schemeClr val="accent1"/>
           </a:fillRef>
-          <a:effectRef idx="0">
-            <a:schemeClr val="accent4"/>
+          <a:effectRef idx="2">
+            <a:schemeClr val="accent1"/>
           </a:effectRef>
           <a:fontRef idx="minor">
             <a:schemeClr val="tx1"/>
@@ -4426,14 +4435,14 @@
           </a:ln>
         </p:spPr>
         <p:style>
-          <a:lnRef idx="1">
-            <a:schemeClr val="accent4"/>
+          <a:lnRef idx="3">
+            <a:schemeClr val="accent1"/>
           </a:lnRef>
           <a:fillRef idx="0">
-            <a:schemeClr val="accent4"/>
+            <a:schemeClr val="accent1"/>
           </a:fillRef>
-          <a:effectRef idx="0">
-            <a:schemeClr val="accent4"/>
+          <a:effectRef idx="2">
+            <a:schemeClr val="accent1"/>
           </a:effectRef>
           <a:fontRef idx="minor">
             <a:schemeClr val="tx1"/>
@@ -4509,14 +4518,14 @@
           </a:ln>
         </p:spPr>
         <p:style>
-          <a:lnRef idx="1">
-            <a:schemeClr val="accent4"/>
+          <a:lnRef idx="3">
+            <a:schemeClr val="accent1"/>
           </a:lnRef>
           <a:fillRef idx="0">
-            <a:schemeClr val="accent4"/>
+            <a:schemeClr val="accent1"/>
           </a:fillRef>
-          <a:effectRef idx="0">
-            <a:schemeClr val="accent4"/>
+          <a:effectRef idx="2">
+            <a:schemeClr val="accent1"/>
           </a:effectRef>
           <a:fontRef idx="minor">
             <a:schemeClr val="tx1"/>
@@ -4594,29 +4603,6 @@
           <a:chExt cx="0" cy="0"/>
         </a:xfrm>
       </p:grpSpPr>
-      <p:pic>
-        <p:nvPicPr>
-          <p:cNvPr id="48" name="그림 47"/>
-          <p:cNvPicPr>
-            <a:picLocks noChangeAspect="1"/>
-          </p:cNvPicPr>
-          <p:nvPr/>
-        </p:nvPicPr>
-        <p:blipFill rotWithShape="1">
-          <a:blip r:embed="rId2"/>
-          <a:srcRect l="561" t="-630"/>
-          <a:stretch/>
-        </p:blipFill>
-        <p:spPr>
-          <a:xfrm>
-            <a:off x="7177640" y="205116"/>
-            <a:ext cx="3784134" cy="3967704"/>
-          </a:xfrm>
-          <a:prstGeom prst="rect">
-            <a:avLst/>
-          </a:prstGeom>
-        </p:spPr>
-      </p:pic>
       <p:sp>
         <p:nvSpPr>
           <p:cNvPr id="2" name="제목 1"/>
@@ -4634,50 +4620,30 @@
           <a:p>
             <a:r>
               <a:rPr lang="ko-KR" altLang="en-US" dirty="0" smtClean="0"/>
-              <a:t>실행 구조</a:t>
+              <a:t>주요 실행</a:t>
+            </a:r>
+            <a:r>
+              <a:rPr lang="ko-KR" altLang="en-US" dirty="0" smtClean="0"/>
+              <a:t> </a:t>
+            </a:r>
+            <a:r>
+              <a:rPr lang="ko-KR" altLang="en-US" dirty="0" smtClean="0"/>
+              <a:t>구조</a:t>
             </a:r>
             <a:endParaRPr lang="ko-KR" altLang="en-US" dirty="0"/>
           </a:p>
         </p:txBody>
       </p:sp>
-      <p:pic>
-        <p:nvPicPr>
-          <p:cNvPr id="4" name="내용 개체 틀 3"/>
-          <p:cNvPicPr>
-            <a:picLocks noGrp="1" noChangeAspect="1"/>
-          </p:cNvPicPr>
-          <p:nvPr>
-            <p:ph idx="1"/>
-          </p:nvPr>
-        </p:nvPicPr>
-        <p:blipFill>
-          <a:blip r:embed="rId3"/>
-          <a:stretch>
-            <a:fillRect/>
-          </a:stretch>
-        </p:blipFill>
-        <p:spPr>
-          <a:xfrm>
-            <a:off x="838200" y="1690688"/>
-            <a:ext cx="2267266" cy="257211"/>
-          </a:xfrm>
-          <a:prstGeom prst="rect">
-            <a:avLst/>
-          </a:prstGeom>
-        </p:spPr>
-      </p:pic>
       <p:cxnSp>
         <p:nvCxnSpPr>
-          <p:cNvPr id="9" name="직선 화살표 연결선 8"/>
-          <p:cNvCxnSpPr>
-            <a:stCxn id="4" idx="2"/>
-          </p:cNvCxnSpPr>
+          <p:cNvPr id="67" name="직선 화살표 연결선 66"/>
+          <p:cNvCxnSpPr/>
           <p:nvPr/>
         </p:nvCxnSpPr>
         <p:spPr>
-          <a:xfrm>
-            <a:off x="1971833" y="1947899"/>
-            <a:ext cx="0" cy="241069"/>
+          <a:xfrm flipH="1">
+            <a:off x="3291840" y="3142697"/>
+            <a:ext cx="1718" cy="232924"/>
           </a:xfrm>
           <a:prstGeom prst="straightConnector1">
             <a:avLst/>
@@ -4687,14 +4653,14 @@
           </a:ln>
         </p:spPr>
         <p:style>
-          <a:lnRef idx="1">
-            <a:schemeClr val="accent1"/>
+          <a:lnRef idx="3">
+            <a:schemeClr val="accent4"/>
           </a:lnRef>
           <a:fillRef idx="0">
-            <a:schemeClr val="accent1"/>
+            <a:schemeClr val="accent4"/>
           </a:fillRef>
-          <a:effectRef idx="0">
-            <a:schemeClr val="accent1"/>
+          <a:effectRef idx="2">
+            <a:schemeClr val="accent4"/>
           </a:effectRef>
           <a:fontRef idx="minor">
             <a:schemeClr val="tx1"/>
@@ -4703,22 +4669,22 @@
       </p:cxnSp>
       <p:pic>
         <p:nvPicPr>
-          <p:cNvPr id="10" name="그림 9"/>
+          <p:cNvPr id="3" name="그림 2"/>
           <p:cNvPicPr>
             <a:picLocks noChangeAspect="1"/>
           </p:cNvPicPr>
           <p:nvPr/>
         </p:nvPicPr>
         <p:blipFill>
-          <a:blip r:embed="rId4"/>
+          <a:blip r:embed="rId2"/>
           <a:stretch>
             <a:fillRect/>
           </a:stretch>
         </p:blipFill>
         <p:spPr>
           <a:xfrm>
-            <a:off x="10866133" y="570393"/>
-            <a:ext cx="1333686" cy="714475"/>
+            <a:off x="2158207" y="3375621"/>
+            <a:ext cx="5420600" cy="622036"/>
           </a:xfrm>
           <a:prstGeom prst="rect">
             <a:avLst/>
@@ -4727,23 +4693,23 @@
       </p:pic>
       <p:sp>
         <p:nvSpPr>
-          <p:cNvPr id="11" name="직사각형 10"/>
+          <p:cNvPr id="6" name="직사각형 5"/>
           <p:cNvSpPr/>
           <p:nvPr/>
         </p:nvSpPr>
         <p:spPr>
           <a:xfrm>
-            <a:off x="8713872" y="894400"/>
-            <a:ext cx="1019967" cy="381000"/>
+            <a:off x="952304" y="2255081"/>
+            <a:ext cx="905425" cy="887616"/>
           </a:xfrm>
           <a:prstGeom prst="rect">
             <a:avLst/>
           </a:prstGeom>
-          <a:noFill/>
-          <a:ln w="38100">
-            <a:solidFill>
-              <a:schemeClr val="tx1"/>
-            </a:solidFill>
+          <a:solidFill>
+            <a:srgbClr val="00B0F0"/>
+          </a:solidFill>
+          <a:ln>
+            <a:noFill/>
           </a:ln>
         </p:spPr>
         <p:style>
@@ -4767,23 +4733,48 @@
           <a:lstStyle/>
           <a:p>
             <a:pPr algn="ctr"/>
-            <a:endParaRPr lang="ko-KR" altLang="en-US"/>
-          </a:p>
-        </p:txBody>
-      </p:sp>
+            <a:r>
+              <a:rPr lang="en-US" altLang="ko-KR" dirty="0" smtClean="0"/>
+              <a:t>Client</a:t>
+            </a:r>
+            <a:endParaRPr lang="ko-KR" altLang="en-US" dirty="0"/>
+          </a:p>
+        </p:txBody>
+      </p:sp>
+      <p:pic>
+        <p:nvPicPr>
+          <p:cNvPr id="7" name="그림 6"/>
+          <p:cNvPicPr>
+            <a:picLocks noChangeAspect="1"/>
+          </p:cNvPicPr>
+          <p:nvPr/>
+        </p:nvPicPr>
+        <p:blipFill>
+          <a:blip r:embed="rId3"/>
+          <a:stretch>
+            <a:fillRect/>
+          </a:stretch>
+        </p:blipFill>
+        <p:spPr>
+          <a:xfrm>
+            <a:off x="2158207" y="4230581"/>
+            <a:ext cx="1648055" cy="409632"/>
+          </a:xfrm>
+          <a:prstGeom prst="rect">
+            <a:avLst/>
+          </a:prstGeom>
+        </p:spPr>
+      </p:pic>
       <p:cxnSp>
         <p:nvCxnSpPr>
-          <p:cNvPr id="12" name="직선 화살표 연결선 11"/>
-          <p:cNvCxnSpPr>
-            <a:stCxn id="11" idx="3"/>
-            <a:endCxn id="10" idx="1"/>
-          </p:cNvCxnSpPr>
+          <p:cNvPr id="26" name="직선 화살표 연결선 25"/>
+          <p:cNvCxnSpPr/>
           <p:nvPr/>
         </p:nvCxnSpPr>
         <p:spPr>
-          <a:xfrm flipV="1">
-            <a:off x="9733839" y="927631"/>
-            <a:ext cx="1132294" cy="157269"/>
+          <a:xfrm flipH="1">
+            <a:off x="3290122" y="3990470"/>
+            <a:ext cx="1718" cy="232924"/>
           </a:xfrm>
           <a:prstGeom prst="straightConnector1">
             <a:avLst/>
@@ -4794,32 +4785,103 @@
         </p:spPr>
         <p:style>
           <a:lnRef idx="3">
-            <a:schemeClr val="dk1"/>
+            <a:schemeClr val="accent4"/>
           </a:lnRef>
           <a:fillRef idx="0">
-            <a:schemeClr val="dk1"/>
+            <a:schemeClr val="accent4"/>
           </a:fillRef>
           <a:effectRef idx="2">
-            <a:schemeClr val="dk1"/>
+            <a:schemeClr val="accent4"/>
           </a:effectRef>
           <a:fontRef idx="minor">
             <a:schemeClr val="tx1"/>
           </a:fontRef>
         </p:style>
       </p:cxnSp>
+      <p:sp>
+        <p:nvSpPr>
+          <p:cNvPr id="27" name="직사각형 26"/>
+          <p:cNvSpPr/>
+          <p:nvPr/>
+        </p:nvSpPr>
+        <p:spPr>
+          <a:xfrm>
+            <a:off x="952304" y="3376108"/>
+            <a:ext cx="905425" cy="1264105"/>
+          </a:xfrm>
+          <a:prstGeom prst="rect">
+            <a:avLst/>
+          </a:prstGeom>
+          <a:solidFill>
+            <a:srgbClr val="00B0F0"/>
+          </a:solidFill>
+          <a:ln>
+            <a:noFill/>
+          </a:ln>
+        </p:spPr>
+        <p:style>
+          <a:lnRef idx="2">
+            <a:schemeClr val="accent1">
+              <a:shade val="50000"/>
+            </a:schemeClr>
+          </a:lnRef>
+          <a:fillRef idx="1">
+            <a:schemeClr val="accent1"/>
+          </a:fillRef>
+          <a:effectRef idx="0">
+            <a:schemeClr val="accent1"/>
+          </a:effectRef>
+          <a:fontRef idx="minor">
+            <a:schemeClr val="lt1"/>
+          </a:fontRef>
+        </p:style>
+        <p:txBody>
+          <a:bodyPr rtlCol="0" anchor="ctr"/>
+          <a:lstStyle/>
+          <a:p>
+            <a:pPr algn="ctr"/>
+            <a:r>
+              <a:rPr lang="en-US" altLang="ko-KR" dirty="0" smtClean="0"/>
+              <a:t>Server</a:t>
+            </a:r>
+            <a:endParaRPr lang="ko-KR" altLang="en-US" dirty="0"/>
+          </a:p>
+        </p:txBody>
+      </p:sp>
+      <p:pic>
+        <p:nvPicPr>
+          <p:cNvPr id="14" name="그림 13"/>
+          <p:cNvPicPr>
+            <a:picLocks noChangeAspect="1"/>
+          </p:cNvPicPr>
+          <p:nvPr/>
+        </p:nvPicPr>
+        <p:blipFill>
+          <a:blip r:embed="rId4"/>
+          <a:stretch>
+            <a:fillRect/>
+          </a:stretch>
+        </p:blipFill>
+        <p:spPr>
+          <a:xfrm>
+            <a:off x="2158207" y="4885273"/>
+            <a:ext cx="3572374" cy="219106"/>
+          </a:xfrm>
+          <a:prstGeom prst="rect">
+            <a:avLst/>
+          </a:prstGeom>
+        </p:spPr>
+      </p:pic>
       <p:cxnSp>
         <p:nvCxnSpPr>
-          <p:cNvPr id="16" name="직선 화살표 연결선 15"/>
-          <p:cNvCxnSpPr>
-            <a:stCxn id="10" idx="3"/>
-            <a:endCxn id="49" idx="1"/>
-          </p:cNvCxnSpPr>
+          <p:cNvPr id="29" name="직선 화살표 연결선 28"/>
+          <p:cNvCxnSpPr/>
           <p:nvPr/>
         </p:nvCxnSpPr>
         <p:spPr>
           <a:xfrm flipH="1">
-            <a:off x="8282732" y="927631"/>
-            <a:ext cx="3917087" cy="1075870"/>
+            <a:off x="3287693" y="4640213"/>
+            <a:ext cx="1718" cy="232924"/>
           </a:xfrm>
           <a:prstGeom prst="straightConnector1">
             <a:avLst/>
@@ -4829,23 +4891,73 @@
           </a:ln>
         </p:spPr>
         <p:style>
-          <a:lnRef idx="1">
-            <a:schemeClr val="dk1"/>
+          <a:lnRef idx="3">
+            <a:schemeClr val="accent4"/>
           </a:lnRef>
           <a:fillRef idx="0">
-            <a:schemeClr val="dk1"/>
+            <a:schemeClr val="accent4"/>
           </a:fillRef>
-          <a:effectRef idx="0">
-            <a:schemeClr val="dk1"/>
+          <a:effectRef idx="2">
+            <a:schemeClr val="accent4"/>
           </a:effectRef>
           <a:fontRef idx="minor">
             <a:schemeClr val="tx1"/>
           </a:fontRef>
         </p:style>
       </p:cxnSp>
+      <p:sp>
+        <p:nvSpPr>
+          <p:cNvPr id="30" name="직사각형 29"/>
+          <p:cNvSpPr/>
+          <p:nvPr/>
+        </p:nvSpPr>
+        <p:spPr>
+          <a:xfrm>
+            <a:off x="952304" y="4884796"/>
+            <a:ext cx="905425" cy="943172"/>
+          </a:xfrm>
+          <a:prstGeom prst="rect">
+            <a:avLst/>
+          </a:prstGeom>
+          <a:solidFill>
+            <a:srgbClr val="00B0F0"/>
+          </a:solidFill>
+          <a:ln>
+            <a:noFill/>
+          </a:ln>
+        </p:spPr>
+        <p:style>
+          <a:lnRef idx="2">
+            <a:schemeClr val="accent1">
+              <a:shade val="50000"/>
+            </a:schemeClr>
+          </a:lnRef>
+          <a:fillRef idx="1">
+            <a:schemeClr val="accent1"/>
+          </a:fillRef>
+          <a:effectRef idx="0">
+            <a:schemeClr val="accent1"/>
+          </a:effectRef>
+          <a:fontRef idx="minor">
+            <a:schemeClr val="lt1"/>
+          </a:fontRef>
+        </p:style>
+        <p:txBody>
+          <a:bodyPr rtlCol="0" anchor="ctr"/>
+          <a:lstStyle/>
+          <a:p>
+            <a:pPr algn="ctr"/>
+            <a:r>
+              <a:rPr lang="en-US" altLang="ko-KR" dirty="0" smtClean="0"/>
+              <a:t>Client</a:t>
+            </a:r>
+            <a:endParaRPr lang="ko-KR" altLang="en-US" dirty="0"/>
+          </a:p>
+        </p:txBody>
+      </p:sp>
       <p:pic>
         <p:nvPicPr>
-          <p:cNvPr id="19" name="그림 18"/>
+          <p:cNvPr id="15" name="그림 14"/>
           <p:cNvPicPr>
             <a:picLocks noChangeAspect="1"/>
           </p:cNvPicPr>
@@ -4859,8 +4971,8 @@
         </p:blipFill>
         <p:spPr>
           <a:xfrm>
-            <a:off x="8287766" y="3857805"/>
-            <a:ext cx="4591691" cy="453931"/>
+            <a:off x="2158207" y="5359599"/>
+            <a:ext cx="3000794" cy="457264"/>
           </a:xfrm>
           <a:prstGeom prst="rect">
             <a:avLst/>
@@ -4869,17 +4981,14 @@
       </p:pic>
       <p:cxnSp>
         <p:nvCxnSpPr>
-          <p:cNvPr id="20" name="직선 화살표 연결선 19"/>
-          <p:cNvCxnSpPr>
-            <a:stCxn id="49" idx="2"/>
-            <a:endCxn id="19" idx="0"/>
-          </p:cNvCxnSpPr>
+          <p:cNvPr id="32" name="직선 화살표 연결선 31"/>
+          <p:cNvCxnSpPr/>
           <p:nvPr/>
         </p:nvCxnSpPr>
         <p:spPr>
-          <a:xfrm>
-            <a:off x="10581095" y="2127479"/>
-            <a:ext cx="2517" cy="1730326"/>
+          <a:xfrm flipH="1">
+            <a:off x="3287693" y="5111010"/>
+            <a:ext cx="1718" cy="232924"/>
           </a:xfrm>
           <a:prstGeom prst="straightConnector1">
             <a:avLst/>
@@ -4889,14 +4998,14 @@
           </a:ln>
         </p:spPr>
         <p:style>
-          <a:lnRef idx="1">
-            <a:schemeClr val="dk1"/>
+          <a:lnRef idx="3">
+            <a:schemeClr val="accent4"/>
           </a:lnRef>
           <a:fillRef idx="0">
-            <a:schemeClr val="dk1"/>
+            <a:schemeClr val="accent4"/>
           </a:fillRef>
-          <a:effectRef idx="0">
-            <a:schemeClr val="dk1"/>
+          <a:effectRef idx="2">
+            <a:schemeClr val="accent4"/>
           </a:effectRef>
           <a:fontRef idx="minor">
             <a:schemeClr val="tx1"/>
@@ -4905,14 +5014,14 @@
       </p:cxnSp>
       <p:sp>
         <p:nvSpPr>
-          <p:cNvPr id="22" name="TextBox 21"/>
+          <p:cNvPr id="17" name="TextBox 16"/>
           <p:cNvSpPr txBox="1"/>
           <p:nvPr/>
         </p:nvSpPr>
         <p:spPr>
           <a:xfrm>
-            <a:off x="8282732" y="3484775"/>
-            <a:ext cx="646331" cy="369332"/>
+            <a:off x="5672483" y="5324198"/>
+            <a:ext cx="5213415" cy="307777"/>
           </a:xfrm>
           <a:prstGeom prst="rect">
             <a:avLst/>
@@ -4926,16 +5035,83 @@
           <a:lstStyle/>
           <a:p>
             <a:r>
-              <a:rPr lang="ko-KR" altLang="en-US" dirty="0" smtClean="0"/>
-              <a:t>서버</a:t>
-            </a:r>
-            <a:endParaRPr lang="ko-KR" altLang="en-US" dirty="0"/>
-          </a:p>
-        </p:txBody>
-      </p:sp>
+              <a:rPr lang="ko-KR" altLang="en-US" sz="1400" dirty="0" smtClean="0"/>
+              <a:t>이벤트</a:t>
+            </a:r>
+            <a:r>
+              <a:rPr lang="en-US" altLang="ko-KR" sz="1400" dirty="0" smtClean="0"/>
+              <a:t>(value</a:t>
+            </a:r>
+            <a:r>
+              <a:rPr lang="ko-KR" altLang="en-US" sz="1400" dirty="0" smtClean="0"/>
+              <a:t>의 변경</a:t>
+            </a:r>
+            <a:r>
+              <a:rPr lang="en-US" altLang="ko-KR" sz="1400" dirty="0" smtClean="0"/>
+              <a:t>)</a:t>
+            </a:r>
+            <a:r>
+              <a:rPr lang="ko-KR" altLang="en-US" sz="1400" dirty="0" smtClean="0"/>
+              <a:t>를 감지하면 </a:t>
+            </a:r>
+            <a:r>
+              <a:rPr lang="en-US" altLang="ko-KR" sz="1400" dirty="0" err="1" smtClean="0"/>
+              <a:t>printwriter</a:t>
+            </a:r>
+            <a:r>
+              <a:rPr lang="ko-KR" altLang="en-US" sz="1400" dirty="0" smtClean="0"/>
+              <a:t>가 </a:t>
+            </a:r>
+            <a:r>
+              <a:rPr lang="en-US" altLang="ko-KR" sz="1400" dirty="0" smtClean="0"/>
+              <a:t>query</a:t>
+            </a:r>
+            <a:r>
+              <a:rPr lang="ko-KR" altLang="en-US" sz="1400" dirty="0" smtClean="0"/>
+              <a:t>문을 보냄</a:t>
+            </a:r>
+            <a:endParaRPr lang="ko-KR" altLang="en-US" sz="1400" dirty="0"/>
+          </a:p>
+        </p:txBody>
+      </p:sp>
+      <p:cxnSp>
+        <p:nvCxnSpPr>
+          <p:cNvPr id="39" name="직선 화살표 연결선 38"/>
+          <p:cNvCxnSpPr>
+            <a:endCxn id="17" idx="1"/>
+          </p:cNvCxnSpPr>
+          <p:nvPr/>
+        </p:nvCxnSpPr>
+        <p:spPr>
+          <a:xfrm>
+            <a:off x="4247804" y="5478086"/>
+            <a:ext cx="1424679" cy="1"/>
+          </a:xfrm>
+          <a:prstGeom prst="straightConnector1">
+            <a:avLst/>
+          </a:prstGeom>
+          <a:ln>
+            <a:tailEnd type="triangle"/>
+          </a:ln>
+        </p:spPr>
+        <p:style>
+          <a:lnRef idx="3">
+            <a:schemeClr val="accent1"/>
+          </a:lnRef>
+          <a:fillRef idx="0">
+            <a:schemeClr val="accent1"/>
+          </a:fillRef>
+          <a:effectRef idx="2">
+            <a:schemeClr val="accent1"/>
+          </a:effectRef>
+          <a:fontRef idx="minor">
+            <a:schemeClr val="tx1"/>
+          </a:fontRef>
+        </p:style>
+      </p:cxnSp>
       <p:pic>
         <p:nvPicPr>
-          <p:cNvPr id="23" name="그림 22"/>
+          <p:cNvPr id="51" name="그림 50"/>
           <p:cNvPicPr>
             <a:picLocks noChangeAspect="1"/>
           </p:cNvPicPr>
@@ -4949,83 +5125,247 @@
         </p:blipFill>
         <p:spPr>
           <a:xfrm>
-            <a:off x="8282733" y="6042063"/>
-            <a:ext cx="4596725" cy="303473"/>
+            <a:off x="2158207" y="2255081"/>
+            <a:ext cx="3610479" cy="885949"/>
           </a:xfrm>
           <a:prstGeom prst="rect">
             <a:avLst/>
           </a:prstGeom>
         </p:spPr>
       </p:pic>
-      <p:cxnSp>
-        <p:nvCxnSpPr>
-          <p:cNvPr id="36" name="직선 화살표 연결선 35"/>
-          <p:cNvCxnSpPr>
-            <a:stCxn id="19" idx="2"/>
-            <a:endCxn id="23" idx="0"/>
-          </p:cNvCxnSpPr>
+    </p:spTree>
+    <p:extLst>
+      <p:ext uri="{BB962C8B-B14F-4D97-AF65-F5344CB8AC3E}">
+        <p14:creationId xmlns:p14="http://schemas.microsoft.com/office/powerpoint/2010/main" val="75030482"/>
+      </p:ext>
+    </p:extLst>
+  </p:cSld>
+  <p:clrMapOvr>
+    <a:masterClrMapping/>
+  </p:clrMapOvr>
+  <p:timing>
+    <p:tnLst>
+      <p:par>
+        <p:cTn id="1" dur="indefinite" restart="never" nodeType="tmRoot"/>
+      </p:par>
+    </p:tnLst>
+  </p:timing>
+</p:sld>
+</file>
+
+<file path=ppt/slides/slide5.xml><?xml version="1.0" encoding="utf-8"?>
+<p:sld xmlns:a="http://schemas.openxmlformats.org/drawingml/2006/main" xmlns:r="http://schemas.openxmlformats.org/officeDocument/2006/relationships" xmlns:p="http://schemas.openxmlformats.org/presentationml/2006/main">
+  <p:cSld>
+    <p:spTree>
+      <p:nvGrpSpPr>
+        <p:cNvPr id="1" name=""/>
+        <p:cNvGrpSpPr/>
+        <p:nvPr/>
+      </p:nvGrpSpPr>
+      <p:grpSpPr>
+        <a:xfrm>
+          <a:off x="0" y="0"/>
+          <a:ext cx="0" cy="0"/>
+          <a:chOff x="0" y="0"/>
+          <a:chExt cx="0" cy="0"/>
+        </a:xfrm>
+      </p:grpSpPr>
+      <p:sp>
+        <p:nvSpPr>
+          <p:cNvPr id="2" name="제목 1"/>
+          <p:cNvSpPr>
+            <a:spLocks noGrp="1"/>
+          </p:cNvSpPr>
+          <p:nvPr>
+            <p:ph type="title"/>
+          </p:nvPr>
+        </p:nvSpPr>
+        <p:spPr/>
+        <p:txBody>
+          <a:bodyPr/>
+          <a:lstStyle/>
+          <a:p>
+            <a:r>
+              <a:rPr lang="ko-KR" altLang="en-US" dirty="0" smtClean="0"/>
+              <a:t>주요 실행 화면</a:t>
+            </a:r>
+            <a:endParaRPr lang="ko-KR" altLang="en-US" dirty="0"/>
+          </a:p>
+        </p:txBody>
+      </p:sp>
+      <p:sp>
+        <p:nvSpPr>
+          <p:cNvPr id="16" name="직사각형 15"/>
+          <p:cNvSpPr/>
           <p:nvPr/>
-        </p:nvCxnSpPr>
-        <p:spPr>
-          <a:xfrm flipH="1">
-            <a:off x="10581096" y="4311736"/>
-            <a:ext cx="2516" cy="1730327"/>
-          </a:xfrm>
-          <a:prstGeom prst="straightConnector1">
-            <a:avLst/>
-          </a:prstGeom>
+        </p:nvSpPr>
+        <p:spPr>
+          <a:xfrm>
+            <a:off x="472440" y="1635704"/>
+            <a:ext cx="3617422" cy="325399"/>
+          </a:xfrm>
+          <a:prstGeom prst="rect">
+            <a:avLst/>
+          </a:prstGeom>
+          <a:solidFill>
+            <a:srgbClr val="00B0F0"/>
+          </a:solidFill>
           <a:ln>
-            <a:tailEnd type="triangle"/>
+            <a:noFill/>
           </a:ln>
         </p:spPr>
         <p:style>
-          <a:lnRef idx="1">
-            <a:schemeClr val="dk1"/>
+          <a:lnRef idx="2">
+            <a:schemeClr val="accent1">
+              <a:shade val="50000"/>
+            </a:schemeClr>
           </a:lnRef>
-          <a:fillRef idx="0">
-            <a:schemeClr val="dk1"/>
+          <a:fillRef idx="1">
+            <a:schemeClr val="accent1"/>
           </a:fillRef>
           <a:effectRef idx="0">
-            <a:schemeClr val="dk1"/>
+            <a:schemeClr val="accent1"/>
           </a:effectRef>
           <a:fontRef idx="minor">
-            <a:schemeClr val="tx1"/>
+            <a:schemeClr val="lt1"/>
           </a:fontRef>
         </p:style>
-      </p:cxnSp>
-      <p:sp>
-        <p:nvSpPr>
-          <p:cNvPr id="46" name="TextBox 45"/>
-          <p:cNvSpPr txBox="1"/>
-          <p:nvPr/>
-        </p:nvSpPr>
-        <p:spPr>
-          <a:xfrm>
-            <a:off x="8282733" y="5672730"/>
-            <a:ext cx="1882247" cy="369332"/>
-          </a:xfrm>
-          <a:prstGeom prst="rect">
-            <a:avLst/>
-          </a:prstGeom>
-          <a:noFill/>
-        </p:spPr>
-        <p:txBody>
-          <a:bodyPr wrap="none" rtlCol="0">
-            <a:spAutoFit/>
-          </a:bodyPr>
-          <a:lstStyle/>
-          <a:p>
-            <a:r>
-              <a:rPr lang="ko-KR" altLang="en-US" smtClean="0"/>
-              <a:t>다른 클라이언트</a:t>
-            </a:r>
-            <a:endParaRPr lang="ko-KR" altLang="en-US"/>
+        <p:txBody>
+          <a:bodyPr rtlCol="0" anchor="ctr"/>
+          <a:lstStyle/>
+          <a:p>
+            <a:pPr algn="ctr"/>
+            <a:r>
+              <a:rPr lang="en-US" altLang="ko-KR" dirty="0" smtClean="0"/>
+              <a:t>Client</a:t>
+            </a:r>
+            <a:endParaRPr lang="ko-KR" altLang="en-US" dirty="0"/>
           </a:p>
         </p:txBody>
       </p:sp>
       <p:pic>
         <p:nvPicPr>
-          <p:cNvPr id="49" name="그림 48"/>
+          <p:cNvPr id="19" name="그림 18"/>
+          <p:cNvPicPr>
+            <a:picLocks noChangeAspect="1"/>
+          </p:cNvPicPr>
+          <p:nvPr/>
+        </p:nvPicPr>
+        <p:blipFill>
+          <a:blip r:embed="rId2"/>
+          <a:stretch>
+            <a:fillRect/>
+          </a:stretch>
+        </p:blipFill>
+        <p:spPr>
+          <a:xfrm>
+            <a:off x="4278023" y="2073159"/>
+            <a:ext cx="1817840" cy="216410"/>
+          </a:xfrm>
+          <a:prstGeom prst="rect">
+            <a:avLst/>
+          </a:prstGeom>
+        </p:spPr>
+      </p:pic>
+      <p:pic>
+        <p:nvPicPr>
+          <p:cNvPr id="21" name="그림 20"/>
+          <p:cNvPicPr>
+            <a:picLocks noChangeAspect="1"/>
+          </p:cNvPicPr>
+          <p:nvPr/>
+        </p:nvPicPr>
+        <p:blipFill>
+          <a:blip r:embed="rId3"/>
+          <a:stretch>
+            <a:fillRect/>
+          </a:stretch>
+        </p:blipFill>
+        <p:spPr>
+          <a:xfrm>
+            <a:off x="472440" y="2073158"/>
+            <a:ext cx="2146069" cy="216410"/>
+          </a:xfrm>
+          <a:prstGeom prst="rect">
+            <a:avLst/>
+          </a:prstGeom>
+        </p:spPr>
+      </p:pic>
+      <p:pic>
+        <p:nvPicPr>
+          <p:cNvPr id="22" name="그림 21"/>
+          <p:cNvPicPr>
+            <a:picLocks noChangeAspect="1"/>
+          </p:cNvPicPr>
+          <p:nvPr/>
+        </p:nvPicPr>
+        <p:blipFill>
+          <a:blip r:embed="rId4"/>
+          <a:stretch>
+            <a:fillRect/>
+          </a:stretch>
+        </p:blipFill>
+        <p:spPr>
+          <a:xfrm>
+            <a:off x="4288537" y="2401623"/>
+            <a:ext cx="2075411" cy="207541"/>
+          </a:xfrm>
+          <a:prstGeom prst="rect">
+            <a:avLst/>
+          </a:prstGeom>
+        </p:spPr>
+      </p:pic>
+      <p:pic>
+        <p:nvPicPr>
+          <p:cNvPr id="23" name="그림 22"/>
+          <p:cNvPicPr>
+            <a:picLocks noChangeAspect="1"/>
+          </p:cNvPicPr>
+          <p:nvPr/>
+        </p:nvPicPr>
+        <p:blipFill>
+          <a:blip r:embed="rId5"/>
+          <a:stretch>
+            <a:fillRect/>
+          </a:stretch>
+        </p:blipFill>
+        <p:spPr>
+          <a:xfrm>
+            <a:off x="472440" y="2401623"/>
+            <a:ext cx="1447800" cy="199169"/>
+          </a:xfrm>
+          <a:prstGeom prst="rect">
+            <a:avLst/>
+          </a:prstGeom>
+        </p:spPr>
+      </p:pic>
+      <p:pic>
+        <p:nvPicPr>
+          <p:cNvPr id="26" name="그림 25"/>
+          <p:cNvPicPr>
+            <a:picLocks noChangeAspect="1"/>
+          </p:cNvPicPr>
+          <p:nvPr/>
+        </p:nvPicPr>
+        <p:blipFill>
+          <a:blip r:embed="rId6"/>
+          <a:stretch>
+            <a:fillRect/>
+          </a:stretch>
+        </p:blipFill>
+        <p:spPr>
+          <a:xfrm>
+            <a:off x="472440" y="2712847"/>
+            <a:ext cx="1314633" cy="581106"/>
+          </a:xfrm>
+          <a:prstGeom prst="rect">
+            <a:avLst/>
+          </a:prstGeom>
+        </p:spPr>
+      </p:pic>
+      <p:pic>
+        <p:nvPicPr>
+          <p:cNvPr id="27" name="그림 26"/>
           <p:cNvPicPr>
             <a:picLocks noChangeAspect="1"/>
           </p:cNvPicPr>
@@ -5039,8 +5379,8 @@
         </p:blipFill>
         <p:spPr>
           <a:xfrm>
-            <a:off x="8282732" y="1879523"/>
-            <a:ext cx="4596725" cy="247956"/>
+            <a:off x="472440" y="3436846"/>
+            <a:ext cx="3617421" cy="238751"/>
           </a:xfrm>
           <a:prstGeom prst="rect">
             <a:avLst/>
@@ -5049,30 +5389,7 @@
       </p:pic>
       <p:pic>
         <p:nvPicPr>
-          <p:cNvPr id="60" name="그림 59"/>
-          <p:cNvPicPr>
-            <a:picLocks noChangeAspect="1"/>
-          </p:cNvPicPr>
-          <p:nvPr/>
-        </p:nvPicPr>
-        <p:blipFill rotWithShape="1">
-          <a:blip r:embed="rId5"/>
-          <a:srcRect t="1" r="46563" b="41233"/>
-          <a:stretch/>
-        </p:blipFill>
-        <p:spPr>
-          <a:xfrm>
-            <a:off x="838200" y="4318780"/>
-            <a:ext cx="2453640" cy="266758"/>
-          </a:xfrm>
-          <a:prstGeom prst="rect">
-            <a:avLst/>
-          </a:prstGeom>
-        </p:spPr>
-      </p:pic>
-      <p:pic>
-        <p:nvPicPr>
-          <p:cNvPr id="65" name="그림 64"/>
+          <p:cNvPr id="28" name="그림 27"/>
           <p:cNvPicPr>
             <a:picLocks noChangeAspect="1"/>
           </p:cNvPicPr>
@@ -5086,51 +5403,1787 @@
         </p:blipFill>
         <p:spPr>
           <a:xfrm>
-            <a:off x="838200" y="2188968"/>
-            <a:ext cx="3187345" cy="428151"/>
+            <a:off x="4288537" y="3449318"/>
+            <a:ext cx="3614651" cy="213806"/>
           </a:xfrm>
           <a:prstGeom prst="rect">
             <a:avLst/>
           </a:prstGeom>
         </p:spPr>
       </p:pic>
-      <p:cxnSp>
-        <p:nvCxnSpPr>
-          <p:cNvPr id="67" name="직선 화살표 연결선 66"/>
-          <p:cNvCxnSpPr/>
+      <p:sp>
+        <p:nvSpPr>
+          <p:cNvPr id="29" name="직사각형 28"/>
+          <p:cNvSpPr/>
           <p:nvPr/>
-        </p:nvCxnSpPr>
-        <p:spPr>
-          <a:xfrm>
-            <a:off x="1971833" y="2618194"/>
-            <a:ext cx="0" cy="241069"/>
-          </a:xfrm>
-          <a:prstGeom prst="straightConnector1">
-            <a:avLst/>
-          </a:prstGeom>
+        </p:nvSpPr>
+        <p:spPr>
+          <a:xfrm>
+            <a:off x="4278023" y="1635703"/>
+            <a:ext cx="3617422" cy="325399"/>
+          </a:xfrm>
+          <a:prstGeom prst="rect">
+            <a:avLst/>
+          </a:prstGeom>
+          <a:solidFill>
+            <a:srgbClr val="00B0F0"/>
+          </a:solidFill>
           <a:ln>
-            <a:tailEnd type="triangle"/>
+            <a:noFill/>
           </a:ln>
         </p:spPr>
         <p:style>
-          <a:lnRef idx="1">
-            <a:schemeClr val="accent1"/>
+          <a:lnRef idx="2">
+            <a:schemeClr val="accent1">
+              <a:shade val="50000"/>
+            </a:schemeClr>
           </a:lnRef>
-          <a:fillRef idx="0">
+          <a:fillRef idx="1">
             <a:schemeClr val="accent1"/>
           </a:fillRef>
           <a:effectRef idx="0">
             <a:schemeClr val="accent1"/>
           </a:effectRef>
           <a:fontRef idx="minor">
+            <a:schemeClr val="lt1"/>
+          </a:fontRef>
+        </p:style>
+        <p:txBody>
+          <a:bodyPr rtlCol="0" anchor="ctr"/>
+          <a:lstStyle/>
+          <a:p>
+            <a:pPr algn="ctr"/>
+            <a:r>
+              <a:rPr lang="en-US" altLang="ko-KR" dirty="0" smtClean="0"/>
+              <a:t>Server</a:t>
+            </a:r>
+          </a:p>
+        </p:txBody>
+      </p:sp>
+      <p:pic>
+        <p:nvPicPr>
+          <p:cNvPr id="30" name="그림 29"/>
+          <p:cNvPicPr>
+            <a:picLocks noChangeAspect="1"/>
+          </p:cNvPicPr>
+          <p:nvPr/>
+        </p:nvPicPr>
+        <p:blipFill>
+          <a:blip r:embed="rId9"/>
+          <a:stretch>
+            <a:fillRect/>
+          </a:stretch>
+        </p:blipFill>
+        <p:spPr>
+          <a:xfrm>
+            <a:off x="8101864" y="3462487"/>
+            <a:ext cx="3617422" cy="187467"/>
+          </a:xfrm>
+          <a:prstGeom prst="rect">
+            <a:avLst/>
+          </a:prstGeom>
+        </p:spPr>
+      </p:pic>
+      <p:sp>
+        <p:nvSpPr>
+          <p:cNvPr id="31" name="직사각형 30"/>
+          <p:cNvSpPr/>
+          <p:nvPr/>
+        </p:nvSpPr>
+        <p:spPr>
+          <a:xfrm>
+            <a:off x="8083606" y="1635703"/>
+            <a:ext cx="3617422" cy="325399"/>
+          </a:xfrm>
+          <a:prstGeom prst="rect">
+            <a:avLst/>
+          </a:prstGeom>
+          <a:solidFill>
+            <a:srgbClr val="00B0F0"/>
+          </a:solidFill>
+          <a:ln>
+            <a:noFill/>
+          </a:ln>
+        </p:spPr>
+        <p:style>
+          <a:lnRef idx="2">
+            <a:schemeClr val="accent1">
+              <a:shade val="50000"/>
+            </a:schemeClr>
+          </a:lnRef>
+          <a:fillRef idx="1">
+            <a:schemeClr val="accent1"/>
+          </a:fillRef>
+          <a:effectRef idx="0">
+            <a:schemeClr val="accent1"/>
+          </a:effectRef>
+          <a:fontRef idx="minor">
+            <a:schemeClr val="lt1"/>
+          </a:fontRef>
+        </p:style>
+        <p:txBody>
+          <a:bodyPr rtlCol="0" anchor="ctr"/>
+          <a:lstStyle/>
+          <a:p>
+            <a:pPr algn="ctr"/>
+            <a:r>
+              <a:rPr lang="en-US" altLang="ko-KR" dirty="0" smtClean="0"/>
+              <a:t>Other Client</a:t>
+            </a:r>
+          </a:p>
+        </p:txBody>
+      </p:sp>
+      <p:pic>
+        <p:nvPicPr>
+          <p:cNvPr id="32" name="그림 31"/>
+          <p:cNvPicPr>
+            <a:picLocks noChangeAspect="1"/>
+          </p:cNvPicPr>
+          <p:nvPr/>
+        </p:nvPicPr>
+        <p:blipFill>
+          <a:blip r:embed="rId3"/>
+          <a:stretch>
+            <a:fillRect/>
+          </a:stretch>
+        </p:blipFill>
+        <p:spPr>
+          <a:xfrm>
+            <a:off x="8083606" y="2071353"/>
+            <a:ext cx="2146069" cy="216410"/>
+          </a:xfrm>
+          <a:prstGeom prst="rect">
+            <a:avLst/>
+          </a:prstGeom>
+        </p:spPr>
+      </p:pic>
+      <p:pic>
+        <p:nvPicPr>
+          <p:cNvPr id="33" name="그림 32"/>
+          <p:cNvPicPr>
+            <a:picLocks noChangeAspect="1"/>
+          </p:cNvPicPr>
+          <p:nvPr/>
+        </p:nvPicPr>
+        <p:blipFill>
+          <a:blip r:embed="rId5"/>
+          <a:stretch>
+            <a:fillRect/>
+          </a:stretch>
+        </p:blipFill>
+        <p:spPr>
+          <a:xfrm>
+            <a:off x="8129326" y="2738462"/>
+            <a:ext cx="1447800" cy="199169"/>
+          </a:xfrm>
+          <a:prstGeom prst="rect">
+            <a:avLst/>
+          </a:prstGeom>
+        </p:spPr>
+      </p:pic>
+      <p:pic>
+        <p:nvPicPr>
+          <p:cNvPr id="34" name="그림 33"/>
+          <p:cNvPicPr>
+            <a:picLocks noChangeAspect="1"/>
+          </p:cNvPicPr>
+          <p:nvPr/>
+        </p:nvPicPr>
+        <p:blipFill>
+          <a:blip r:embed="rId4"/>
+          <a:stretch>
+            <a:fillRect/>
+          </a:stretch>
+        </p:blipFill>
+        <p:spPr>
+          <a:xfrm>
+            <a:off x="5827777" y="2730090"/>
+            <a:ext cx="2075411" cy="207541"/>
+          </a:xfrm>
+          <a:prstGeom prst="rect">
+            <a:avLst/>
+          </a:prstGeom>
+        </p:spPr>
+      </p:pic>
+      <p:cxnSp>
+        <p:nvCxnSpPr>
+          <p:cNvPr id="37" name="직선 화살표 연결선 36"/>
+          <p:cNvCxnSpPr>
+            <a:stCxn id="21" idx="3"/>
+            <a:endCxn id="22" idx="1"/>
+          </p:cNvCxnSpPr>
+          <p:nvPr/>
+        </p:nvCxnSpPr>
+        <p:spPr>
+          <a:xfrm>
+            <a:off x="2618509" y="2181363"/>
+            <a:ext cx="1670028" cy="324031"/>
+          </a:xfrm>
+          <a:prstGeom prst="straightConnector1">
+            <a:avLst/>
+          </a:prstGeom>
+          <a:ln>
+            <a:tailEnd type="triangle"/>
+          </a:ln>
+        </p:spPr>
+        <p:style>
+          <a:lnRef idx="3">
+            <a:schemeClr val="accent4"/>
+          </a:lnRef>
+          <a:fillRef idx="0">
+            <a:schemeClr val="accent4"/>
+          </a:fillRef>
+          <a:effectRef idx="2">
+            <a:schemeClr val="accent4"/>
+          </a:effectRef>
+          <a:fontRef idx="minor">
             <a:schemeClr val="tx1"/>
           </a:fontRef>
         </p:style>
       </p:cxnSp>
+      <p:cxnSp>
+        <p:nvCxnSpPr>
+          <p:cNvPr id="38" name="직선 화살표 연결선 37"/>
+          <p:cNvCxnSpPr>
+            <a:stCxn id="22" idx="1"/>
+            <a:endCxn id="23" idx="3"/>
+          </p:cNvCxnSpPr>
+          <p:nvPr/>
+        </p:nvCxnSpPr>
+        <p:spPr>
+          <a:xfrm flipH="1" flipV="1">
+            <a:off x="1920240" y="2501208"/>
+            <a:ext cx="2368297" cy="4186"/>
+          </a:xfrm>
+          <a:prstGeom prst="straightConnector1">
+            <a:avLst/>
+          </a:prstGeom>
+          <a:ln>
+            <a:tailEnd type="triangle"/>
+          </a:ln>
+        </p:spPr>
+        <p:style>
+          <a:lnRef idx="3">
+            <a:schemeClr val="accent4"/>
+          </a:lnRef>
+          <a:fillRef idx="0">
+            <a:schemeClr val="accent4"/>
+          </a:fillRef>
+          <a:effectRef idx="2">
+            <a:schemeClr val="accent4"/>
+          </a:effectRef>
+          <a:fontRef idx="minor">
+            <a:schemeClr val="tx1"/>
+          </a:fontRef>
+        </p:style>
+      </p:cxnSp>
+      <p:cxnSp>
+        <p:nvCxnSpPr>
+          <p:cNvPr id="63" name="꺾인 연결선 62"/>
+          <p:cNvCxnSpPr>
+            <a:endCxn id="26" idx="3"/>
+          </p:cNvCxnSpPr>
+          <p:nvPr/>
+        </p:nvCxnSpPr>
+        <p:spPr>
+          <a:xfrm rot="5400000">
+            <a:off x="1682161" y="2765318"/>
+            <a:ext cx="342995" cy="133169"/>
+          </a:xfrm>
+          <a:prstGeom prst="bentConnector2">
+            <a:avLst/>
+          </a:prstGeom>
+          <a:ln>
+            <a:tailEnd type="triangle"/>
+          </a:ln>
+        </p:spPr>
+        <p:style>
+          <a:lnRef idx="3">
+            <a:schemeClr val="accent4"/>
+          </a:lnRef>
+          <a:fillRef idx="0">
+            <a:schemeClr val="accent4"/>
+          </a:fillRef>
+          <a:effectRef idx="2">
+            <a:schemeClr val="accent4"/>
+          </a:effectRef>
+          <a:fontRef idx="minor">
+            <a:schemeClr val="tx1"/>
+          </a:fontRef>
+        </p:style>
+      </p:cxnSp>
+      <p:sp>
+        <p:nvSpPr>
+          <p:cNvPr id="67" name="TextBox 66"/>
+          <p:cNvSpPr txBox="1"/>
+          <p:nvPr/>
+        </p:nvSpPr>
+        <p:spPr>
+          <a:xfrm>
+            <a:off x="2365375" y="2771151"/>
+            <a:ext cx="1438102" cy="415498"/>
+          </a:xfrm>
+          <a:prstGeom prst="rect">
+            <a:avLst/>
+          </a:prstGeom>
+          <a:noFill/>
+        </p:spPr>
+        <p:txBody>
+          <a:bodyPr wrap="square" rtlCol="0">
+            <a:spAutoFit/>
+          </a:bodyPr>
+          <a:lstStyle/>
+          <a:p>
+            <a:r>
+              <a:rPr lang="ko-KR" altLang="en-US" sz="1050" dirty="0" err="1" smtClean="0"/>
+              <a:t>엔터나</a:t>
+            </a:r>
+            <a:r>
+              <a:rPr lang="ko-KR" altLang="en-US" sz="1050" dirty="0" smtClean="0"/>
+              <a:t> </a:t>
+            </a:r>
+            <a:r>
+              <a:rPr lang="en-US" altLang="ko-KR" sz="1050" dirty="0" smtClean="0"/>
+              <a:t>focus out</a:t>
+            </a:r>
+            <a:r>
+              <a:rPr lang="ko-KR" altLang="en-US" sz="1050" dirty="0" smtClean="0"/>
+              <a:t>을 통해 </a:t>
+            </a:r>
+            <a:r>
+              <a:rPr lang="en-US" altLang="ko-KR" sz="1050" dirty="0" smtClean="0"/>
+              <a:t>value </a:t>
+            </a:r>
+            <a:r>
+              <a:rPr lang="ko-KR" altLang="en-US" sz="1050" dirty="0" smtClean="0"/>
+              <a:t>변경</a:t>
+            </a:r>
+            <a:endParaRPr lang="ko-KR" altLang="en-US" sz="1050" dirty="0"/>
+          </a:p>
+        </p:txBody>
+      </p:sp>
+      <p:cxnSp>
+        <p:nvCxnSpPr>
+          <p:cNvPr id="68" name="직선 화살표 연결선 67"/>
+          <p:cNvCxnSpPr>
+            <a:stCxn id="27" idx="3"/>
+            <a:endCxn id="28" idx="1"/>
+          </p:cNvCxnSpPr>
+          <p:nvPr/>
+        </p:nvCxnSpPr>
+        <p:spPr>
+          <a:xfrm flipV="1">
+            <a:off x="4089861" y="3556221"/>
+            <a:ext cx="198676" cy="1"/>
+          </a:xfrm>
+          <a:prstGeom prst="straightConnector1">
+            <a:avLst/>
+          </a:prstGeom>
+          <a:ln>
+            <a:tailEnd type="triangle"/>
+          </a:ln>
+        </p:spPr>
+        <p:style>
+          <a:lnRef idx="3">
+            <a:schemeClr val="accent4"/>
+          </a:lnRef>
+          <a:fillRef idx="0">
+            <a:schemeClr val="accent4"/>
+          </a:fillRef>
+          <a:effectRef idx="2">
+            <a:schemeClr val="accent4"/>
+          </a:effectRef>
+          <a:fontRef idx="minor">
+            <a:schemeClr val="tx1"/>
+          </a:fontRef>
+        </p:style>
+      </p:cxnSp>
+      <p:cxnSp>
+        <p:nvCxnSpPr>
+          <p:cNvPr id="74" name="직선 화살표 연결선 73"/>
+          <p:cNvCxnSpPr>
+            <a:stCxn id="32" idx="1"/>
+            <a:endCxn id="34" idx="0"/>
+          </p:cNvCxnSpPr>
+          <p:nvPr/>
+        </p:nvCxnSpPr>
+        <p:spPr>
+          <a:xfrm flipH="1">
+            <a:off x="6865483" y="2179558"/>
+            <a:ext cx="1218123" cy="550532"/>
+          </a:xfrm>
+          <a:prstGeom prst="straightConnector1">
+            <a:avLst/>
+          </a:prstGeom>
+          <a:ln>
+            <a:tailEnd type="triangle"/>
+          </a:ln>
+        </p:spPr>
+        <p:style>
+          <a:lnRef idx="3">
+            <a:schemeClr val="accent4"/>
+          </a:lnRef>
+          <a:fillRef idx="0">
+            <a:schemeClr val="accent4"/>
+          </a:fillRef>
+          <a:effectRef idx="2">
+            <a:schemeClr val="accent4"/>
+          </a:effectRef>
+          <a:fontRef idx="minor">
+            <a:schemeClr val="tx1"/>
+          </a:fontRef>
+        </p:style>
+      </p:cxnSp>
+      <p:cxnSp>
+        <p:nvCxnSpPr>
+          <p:cNvPr id="77" name="직선 화살표 연결선 76"/>
+          <p:cNvCxnSpPr>
+            <a:stCxn id="34" idx="3"/>
+            <a:endCxn id="33" idx="1"/>
+          </p:cNvCxnSpPr>
+          <p:nvPr/>
+        </p:nvCxnSpPr>
+        <p:spPr>
+          <a:xfrm>
+            <a:off x="7903188" y="2833861"/>
+            <a:ext cx="226138" cy="4186"/>
+          </a:xfrm>
+          <a:prstGeom prst="straightConnector1">
+            <a:avLst/>
+          </a:prstGeom>
+          <a:ln>
+            <a:tailEnd type="triangle"/>
+          </a:ln>
+        </p:spPr>
+        <p:style>
+          <a:lnRef idx="3">
+            <a:schemeClr val="accent4"/>
+          </a:lnRef>
+          <a:fillRef idx="0">
+            <a:schemeClr val="accent4"/>
+          </a:fillRef>
+          <a:effectRef idx="2">
+            <a:schemeClr val="accent4"/>
+          </a:effectRef>
+          <a:fontRef idx="minor">
+            <a:schemeClr val="tx1"/>
+          </a:fontRef>
+        </p:style>
+      </p:cxnSp>
+      <p:cxnSp>
+        <p:nvCxnSpPr>
+          <p:cNvPr id="83" name="직선 화살표 연결선 82"/>
+          <p:cNvCxnSpPr>
+            <a:stCxn id="28" idx="3"/>
+            <a:endCxn id="30" idx="1"/>
+          </p:cNvCxnSpPr>
+          <p:nvPr/>
+        </p:nvCxnSpPr>
+        <p:spPr>
+          <a:xfrm>
+            <a:off x="7903188" y="3556221"/>
+            <a:ext cx="198676" cy="0"/>
+          </a:xfrm>
+          <a:prstGeom prst="straightConnector1">
+            <a:avLst/>
+          </a:prstGeom>
+          <a:ln>
+            <a:tailEnd type="triangle"/>
+          </a:ln>
+        </p:spPr>
+        <p:style>
+          <a:lnRef idx="3">
+            <a:schemeClr val="accent4"/>
+          </a:lnRef>
+          <a:fillRef idx="0">
+            <a:schemeClr val="accent4"/>
+          </a:fillRef>
+          <a:effectRef idx="2">
+            <a:schemeClr val="accent4"/>
+          </a:effectRef>
+          <a:fontRef idx="minor">
+            <a:schemeClr val="tx1"/>
+          </a:fontRef>
+        </p:style>
+      </p:cxnSp>
+      <p:cxnSp>
+        <p:nvCxnSpPr>
+          <p:cNvPr id="86" name="직선 화살표 연결선 85"/>
+          <p:cNvCxnSpPr>
+            <a:stCxn id="30" idx="2"/>
+          </p:cNvCxnSpPr>
+          <p:nvPr/>
+        </p:nvCxnSpPr>
+        <p:spPr>
+          <a:xfrm>
+            <a:off x="9910575" y="3649954"/>
+            <a:ext cx="0" cy="323530"/>
+          </a:xfrm>
+          <a:prstGeom prst="straightConnector1">
+            <a:avLst/>
+          </a:prstGeom>
+          <a:ln>
+            <a:tailEnd type="triangle"/>
+          </a:ln>
+        </p:spPr>
+        <p:style>
+          <a:lnRef idx="3">
+            <a:schemeClr val="accent4"/>
+          </a:lnRef>
+          <a:fillRef idx="0">
+            <a:schemeClr val="accent4"/>
+          </a:fillRef>
+          <a:effectRef idx="2">
+            <a:schemeClr val="accent4"/>
+          </a:effectRef>
+          <a:fontRef idx="minor">
+            <a:schemeClr val="tx1"/>
+          </a:fontRef>
+        </p:style>
+      </p:cxnSp>
+      <p:sp>
+        <p:nvSpPr>
+          <p:cNvPr id="89" name="TextBox 88"/>
+          <p:cNvSpPr txBox="1"/>
+          <p:nvPr/>
+        </p:nvSpPr>
+        <p:spPr>
+          <a:xfrm>
+            <a:off x="9357728" y="3973484"/>
+            <a:ext cx="1105694" cy="253916"/>
+          </a:xfrm>
+          <a:prstGeom prst="rect">
+            <a:avLst/>
+          </a:prstGeom>
+          <a:noFill/>
+        </p:spPr>
+        <p:txBody>
+          <a:bodyPr wrap="square" rtlCol="0" anchor="t">
+            <a:spAutoFit/>
+          </a:bodyPr>
+          <a:lstStyle/>
+          <a:p>
+            <a:pPr algn="ctr"/>
+            <a:r>
+              <a:rPr lang="ko-KR" altLang="en-US" sz="1050" dirty="0" smtClean="0"/>
+              <a:t>테이블 값 변경</a:t>
+            </a:r>
+            <a:endParaRPr lang="ko-KR" altLang="en-US" sz="1050" dirty="0"/>
+          </a:p>
+        </p:txBody>
+      </p:sp>
+      <p:cxnSp>
+        <p:nvCxnSpPr>
+          <p:cNvPr id="90" name="꺾인 연결선 89"/>
+          <p:cNvCxnSpPr>
+            <a:endCxn id="67" idx="1"/>
+          </p:cNvCxnSpPr>
+          <p:nvPr/>
+        </p:nvCxnSpPr>
+        <p:spPr>
+          <a:xfrm flipV="1">
+            <a:off x="1787073" y="2978900"/>
+            <a:ext cx="578302" cy="177873"/>
+          </a:xfrm>
+          <a:prstGeom prst="bentConnector3">
+            <a:avLst>
+              <a:gd name="adj1" fmla="val 50000"/>
+            </a:avLst>
+          </a:prstGeom>
+          <a:ln>
+            <a:tailEnd type="triangle"/>
+          </a:ln>
+        </p:spPr>
+        <p:style>
+          <a:lnRef idx="3">
+            <a:schemeClr val="accent4"/>
+          </a:lnRef>
+          <a:fillRef idx="0">
+            <a:schemeClr val="accent4"/>
+          </a:fillRef>
+          <a:effectRef idx="2">
+            <a:schemeClr val="accent4"/>
+          </a:effectRef>
+          <a:fontRef idx="minor">
+            <a:schemeClr val="tx1"/>
+          </a:fontRef>
+        </p:style>
+      </p:cxnSp>
+      <p:cxnSp>
+        <p:nvCxnSpPr>
+          <p:cNvPr id="101" name="직선 화살표 연결선 100"/>
+          <p:cNvCxnSpPr>
+            <a:stCxn id="67" idx="2"/>
+          </p:cNvCxnSpPr>
+          <p:nvPr/>
+        </p:nvCxnSpPr>
+        <p:spPr>
+          <a:xfrm flipH="1">
+            <a:off x="3084022" y="3186649"/>
+            <a:ext cx="404" cy="250197"/>
+          </a:xfrm>
+          <a:prstGeom prst="straightConnector1">
+            <a:avLst/>
+          </a:prstGeom>
+          <a:ln>
+            <a:tailEnd type="triangle"/>
+          </a:ln>
+        </p:spPr>
+        <p:style>
+          <a:lnRef idx="3">
+            <a:schemeClr val="accent4"/>
+          </a:lnRef>
+          <a:fillRef idx="0">
+            <a:schemeClr val="accent4"/>
+          </a:fillRef>
+          <a:effectRef idx="2">
+            <a:schemeClr val="accent4"/>
+          </a:effectRef>
+          <a:fontRef idx="minor">
+            <a:schemeClr val="tx1"/>
+          </a:fontRef>
+        </p:style>
+      </p:cxnSp>
+      <p:sp>
+        <p:nvSpPr>
+          <p:cNvPr id="105" name="TextBox 104"/>
+          <p:cNvSpPr txBox="1"/>
+          <p:nvPr/>
+        </p:nvSpPr>
+        <p:spPr>
+          <a:xfrm>
+            <a:off x="466685" y="4167701"/>
+            <a:ext cx="2194832" cy="369332"/>
+          </a:xfrm>
+          <a:prstGeom prst="rect">
+            <a:avLst/>
+          </a:prstGeom>
+          <a:noFill/>
+        </p:spPr>
+        <p:txBody>
+          <a:bodyPr wrap="none" rtlCol="0">
+            <a:spAutoFit/>
+          </a:bodyPr>
+          <a:lstStyle/>
+          <a:p>
+            <a:r>
+              <a:rPr lang="ko-KR" altLang="en-US" dirty="0" smtClean="0"/>
+              <a:t>오류가 발생할 경우</a:t>
+            </a:r>
+            <a:endParaRPr lang="ko-KR" altLang="en-US" dirty="0"/>
+          </a:p>
+        </p:txBody>
+      </p:sp>
+      <p:pic>
+        <p:nvPicPr>
+          <p:cNvPr id="106" name="그림 105"/>
+          <p:cNvPicPr>
+            <a:picLocks noChangeAspect="1"/>
+          </p:cNvPicPr>
+          <p:nvPr/>
+        </p:nvPicPr>
+        <p:blipFill>
+          <a:blip r:embed="rId10"/>
+          <a:stretch>
+            <a:fillRect/>
+          </a:stretch>
+        </p:blipFill>
+        <p:spPr>
+          <a:xfrm>
+            <a:off x="466685" y="5075168"/>
+            <a:ext cx="3636769" cy="194827"/>
+          </a:xfrm>
+          <a:prstGeom prst="rect">
+            <a:avLst/>
+          </a:prstGeom>
+        </p:spPr>
+      </p:pic>
+      <p:pic>
+        <p:nvPicPr>
+          <p:cNvPr id="107" name="그림 106"/>
+          <p:cNvPicPr>
+            <a:picLocks noChangeAspect="1"/>
+          </p:cNvPicPr>
+          <p:nvPr/>
+        </p:nvPicPr>
+        <p:blipFill>
+          <a:blip r:embed="rId11"/>
+          <a:stretch>
+            <a:fillRect/>
+          </a:stretch>
+        </p:blipFill>
+        <p:spPr>
+          <a:xfrm>
+            <a:off x="5349903" y="5103352"/>
+            <a:ext cx="5486396" cy="333286"/>
+          </a:xfrm>
+          <a:prstGeom prst="rect">
+            <a:avLst/>
+          </a:prstGeom>
+        </p:spPr>
+      </p:pic>
+      <p:sp>
+        <p:nvSpPr>
+          <p:cNvPr id="108" name="직사각형 107"/>
+          <p:cNvSpPr/>
+          <p:nvPr/>
+        </p:nvSpPr>
+        <p:spPr>
+          <a:xfrm>
+            <a:off x="466685" y="4611289"/>
+            <a:ext cx="3617422" cy="325399"/>
+          </a:xfrm>
+          <a:prstGeom prst="rect">
+            <a:avLst/>
+          </a:prstGeom>
+          <a:solidFill>
+            <a:srgbClr val="00B0F0"/>
+          </a:solidFill>
+          <a:ln>
+            <a:noFill/>
+          </a:ln>
+        </p:spPr>
+        <p:style>
+          <a:lnRef idx="2">
+            <a:schemeClr val="accent1">
+              <a:shade val="50000"/>
+            </a:schemeClr>
+          </a:lnRef>
+          <a:fillRef idx="1">
+            <a:schemeClr val="accent1"/>
+          </a:fillRef>
+          <a:effectRef idx="0">
+            <a:schemeClr val="accent1"/>
+          </a:effectRef>
+          <a:fontRef idx="minor">
+            <a:schemeClr val="lt1"/>
+          </a:fontRef>
+        </p:style>
+        <p:txBody>
+          <a:bodyPr rtlCol="0" anchor="ctr"/>
+          <a:lstStyle/>
+          <a:p>
+            <a:pPr algn="ctr"/>
+            <a:r>
+              <a:rPr lang="en-US" altLang="ko-KR" dirty="0" smtClean="0"/>
+              <a:t>Client</a:t>
+            </a:r>
+            <a:endParaRPr lang="ko-KR" altLang="en-US" dirty="0"/>
+          </a:p>
+        </p:txBody>
+      </p:sp>
+      <p:sp>
+        <p:nvSpPr>
+          <p:cNvPr id="109" name="직사각형 108"/>
+          <p:cNvSpPr/>
+          <p:nvPr/>
+        </p:nvSpPr>
+        <p:spPr>
+          <a:xfrm>
+            <a:off x="5349903" y="4598817"/>
+            <a:ext cx="3617422" cy="325399"/>
+          </a:xfrm>
+          <a:prstGeom prst="rect">
+            <a:avLst/>
+          </a:prstGeom>
+          <a:solidFill>
+            <a:srgbClr val="00B0F0"/>
+          </a:solidFill>
+          <a:ln>
+            <a:noFill/>
+          </a:ln>
+        </p:spPr>
+        <p:style>
+          <a:lnRef idx="2">
+            <a:schemeClr val="accent1">
+              <a:shade val="50000"/>
+            </a:schemeClr>
+          </a:lnRef>
+          <a:fillRef idx="1">
+            <a:schemeClr val="accent1"/>
+          </a:fillRef>
+          <a:effectRef idx="0">
+            <a:schemeClr val="accent1"/>
+          </a:effectRef>
+          <a:fontRef idx="minor">
+            <a:schemeClr val="lt1"/>
+          </a:fontRef>
+        </p:style>
+        <p:txBody>
+          <a:bodyPr rtlCol="0" anchor="ctr"/>
+          <a:lstStyle/>
+          <a:p>
+            <a:pPr algn="ctr"/>
+            <a:r>
+              <a:rPr lang="en-US" altLang="ko-KR" dirty="0" smtClean="0"/>
+              <a:t>Server</a:t>
+            </a:r>
+          </a:p>
+        </p:txBody>
+      </p:sp>
+      <p:cxnSp>
+        <p:nvCxnSpPr>
+          <p:cNvPr id="110" name="직선 화살표 연결선 109"/>
+          <p:cNvCxnSpPr>
+            <a:stCxn id="106" idx="3"/>
+            <a:endCxn id="107" idx="1"/>
+          </p:cNvCxnSpPr>
+          <p:nvPr/>
+        </p:nvCxnSpPr>
+        <p:spPr>
+          <a:xfrm>
+            <a:off x="4103454" y="5172582"/>
+            <a:ext cx="1246449" cy="97413"/>
+          </a:xfrm>
+          <a:prstGeom prst="straightConnector1">
+            <a:avLst/>
+          </a:prstGeom>
+          <a:ln>
+            <a:tailEnd type="triangle"/>
+          </a:ln>
+        </p:spPr>
+        <p:style>
+          <a:lnRef idx="3">
+            <a:schemeClr val="accent4"/>
+          </a:lnRef>
+          <a:fillRef idx="0">
+            <a:schemeClr val="accent4"/>
+          </a:fillRef>
+          <a:effectRef idx="2">
+            <a:schemeClr val="accent4"/>
+          </a:effectRef>
+          <a:fontRef idx="minor">
+            <a:schemeClr val="tx1"/>
+          </a:fontRef>
+        </p:style>
+      </p:cxnSp>
+      <p:sp>
+        <p:nvSpPr>
+          <p:cNvPr id="114" name="TextBox 113"/>
+          <p:cNvSpPr txBox="1"/>
+          <p:nvPr/>
+        </p:nvSpPr>
+        <p:spPr>
+          <a:xfrm>
+            <a:off x="5298591" y="5442506"/>
+            <a:ext cx="1923892" cy="253916"/>
+          </a:xfrm>
+          <a:prstGeom prst="rect">
+            <a:avLst/>
+          </a:prstGeom>
+          <a:noFill/>
+        </p:spPr>
+        <p:txBody>
+          <a:bodyPr wrap="square" rtlCol="0" anchor="t">
+            <a:spAutoFit/>
+          </a:bodyPr>
+          <a:lstStyle/>
+          <a:p>
+            <a:pPr algn="ctr"/>
+            <a:r>
+              <a:rPr lang="en-US" altLang="ko-KR" sz="1050" dirty="0" smtClean="0"/>
+              <a:t>try-catch</a:t>
+            </a:r>
+            <a:r>
+              <a:rPr lang="ko-KR" altLang="en-US" sz="1050" dirty="0" smtClean="0"/>
+              <a:t>를 통해 오류 캐치</a:t>
+            </a:r>
+            <a:endParaRPr lang="ko-KR" altLang="en-US" sz="1050" dirty="0"/>
+          </a:p>
+        </p:txBody>
+      </p:sp>
+      <p:pic>
+        <p:nvPicPr>
+          <p:cNvPr id="115" name="그림 114"/>
+          <p:cNvPicPr>
+            <a:picLocks noChangeAspect="1"/>
+          </p:cNvPicPr>
+          <p:nvPr/>
+        </p:nvPicPr>
+        <p:blipFill>
+          <a:blip r:embed="rId12"/>
+          <a:stretch>
+            <a:fillRect/>
+          </a:stretch>
+        </p:blipFill>
+        <p:spPr>
+          <a:xfrm>
+            <a:off x="467345" y="5369282"/>
+            <a:ext cx="4302327" cy="505843"/>
+          </a:xfrm>
+          <a:prstGeom prst="rect">
+            <a:avLst/>
+          </a:prstGeom>
+        </p:spPr>
+      </p:pic>
+      <p:cxnSp>
+        <p:nvCxnSpPr>
+          <p:cNvPr id="116" name="직선 화살표 연결선 115"/>
+          <p:cNvCxnSpPr>
+            <a:stCxn id="107" idx="1"/>
+            <a:endCxn id="115" idx="3"/>
+          </p:cNvCxnSpPr>
+          <p:nvPr/>
+        </p:nvCxnSpPr>
+        <p:spPr>
+          <a:xfrm flipH="1">
+            <a:off x="4769672" y="5269995"/>
+            <a:ext cx="580231" cy="352209"/>
+          </a:xfrm>
+          <a:prstGeom prst="straightConnector1">
+            <a:avLst/>
+          </a:prstGeom>
+          <a:ln>
+            <a:tailEnd type="triangle"/>
+          </a:ln>
+        </p:spPr>
+        <p:style>
+          <a:lnRef idx="3">
+            <a:schemeClr val="accent4"/>
+          </a:lnRef>
+          <a:fillRef idx="0">
+            <a:schemeClr val="accent4"/>
+          </a:fillRef>
+          <a:effectRef idx="2">
+            <a:schemeClr val="accent4"/>
+          </a:effectRef>
+          <a:fontRef idx="minor">
+            <a:schemeClr val="tx1"/>
+          </a:fontRef>
+        </p:style>
+      </p:cxnSp>
+      <p:sp>
+        <p:nvSpPr>
+          <p:cNvPr id="124" name="TextBox 123"/>
+          <p:cNvSpPr txBox="1"/>
+          <p:nvPr/>
+        </p:nvSpPr>
+        <p:spPr>
+          <a:xfrm>
+            <a:off x="466685" y="5926318"/>
+            <a:ext cx="2956961" cy="253916"/>
+          </a:xfrm>
+          <a:prstGeom prst="rect">
+            <a:avLst/>
+          </a:prstGeom>
+          <a:noFill/>
+        </p:spPr>
+        <p:txBody>
+          <a:bodyPr wrap="square" rtlCol="0" anchor="t">
+            <a:spAutoFit/>
+          </a:bodyPr>
+          <a:lstStyle/>
+          <a:p>
+            <a:r>
+              <a:rPr lang="ko-KR" altLang="en-US" sz="1050" dirty="0" smtClean="0"/>
+              <a:t>오류 구문을 전달받으면 프로그램 종료</a:t>
+            </a:r>
+            <a:endParaRPr lang="ko-KR" altLang="en-US" sz="1050" dirty="0"/>
+          </a:p>
+        </p:txBody>
+      </p:sp>
+      <p:sp>
+        <p:nvSpPr>
+          <p:cNvPr id="125" name="TextBox 124"/>
+          <p:cNvSpPr txBox="1"/>
+          <p:nvPr/>
+        </p:nvSpPr>
+        <p:spPr>
+          <a:xfrm>
+            <a:off x="4278023" y="3675597"/>
+            <a:ext cx="3617422" cy="415498"/>
+          </a:xfrm>
+          <a:prstGeom prst="rect">
+            <a:avLst/>
+          </a:prstGeom>
+          <a:noFill/>
+        </p:spPr>
+        <p:txBody>
+          <a:bodyPr wrap="square" rtlCol="0" anchor="t">
+            <a:spAutoFit/>
+          </a:bodyPr>
+          <a:lstStyle/>
+          <a:p>
+            <a:r>
+              <a:rPr lang="en-US" altLang="ko-KR" sz="1050" dirty="0" smtClean="0"/>
+              <a:t>Broadcast </a:t>
+            </a:r>
+            <a:r>
+              <a:rPr lang="ko-KR" altLang="en-US" sz="1050" dirty="0" err="1" smtClean="0"/>
+              <a:t>메소드를</a:t>
+            </a:r>
+            <a:r>
+              <a:rPr lang="ko-KR" altLang="en-US" sz="1050" dirty="0" smtClean="0"/>
+              <a:t> 통해 전송한 클라이언트를 제외한 모든 클라이언트에 전송 </a:t>
+            </a:r>
+            <a:endParaRPr lang="ko-KR" altLang="en-US" sz="1050" dirty="0"/>
+          </a:p>
+        </p:txBody>
+      </p:sp>
     </p:spTree>
     <p:extLst>
       <p:ext uri="{BB962C8B-B14F-4D97-AF65-F5344CB8AC3E}">
-        <p14:creationId xmlns:p14="http://schemas.microsoft.com/office/powerpoint/2010/main" val="75030482"/>
+        <p14:creationId xmlns:p14="http://schemas.microsoft.com/office/powerpoint/2010/main" val="3995892497"/>
+      </p:ext>
+    </p:extLst>
+  </p:cSld>
+  <p:clrMapOvr>
+    <a:masterClrMapping/>
+  </p:clrMapOvr>
+  <p:timing>
+    <p:tnLst>
+      <p:par>
+        <p:cTn id="1" dur="indefinite" restart="never" nodeType="tmRoot"/>
+      </p:par>
+    </p:tnLst>
+  </p:timing>
+</p:sld>
+</file>
+
+<file path=ppt/slides/slide6.xml><?xml version="1.0" encoding="utf-8"?>
+<p:sld xmlns:a="http://schemas.openxmlformats.org/drawingml/2006/main" xmlns:r="http://schemas.openxmlformats.org/officeDocument/2006/relationships" xmlns:p="http://schemas.openxmlformats.org/presentationml/2006/main">
+  <p:cSld>
+    <p:spTree>
+      <p:nvGrpSpPr>
+        <p:cNvPr id="1" name=""/>
+        <p:cNvGrpSpPr/>
+        <p:nvPr/>
+      </p:nvGrpSpPr>
+      <p:grpSpPr>
+        <a:xfrm>
+          <a:off x="0" y="0"/>
+          <a:ext cx="0" cy="0"/>
+          <a:chOff x="0" y="0"/>
+          <a:chExt cx="0" cy="0"/>
+        </a:xfrm>
+      </p:grpSpPr>
+      <p:sp>
+        <p:nvSpPr>
+          <p:cNvPr id="2" name="제목 1"/>
+          <p:cNvSpPr>
+            <a:spLocks noGrp="1"/>
+          </p:cNvSpPr>
+          <p:nvPr>
+            <p:ph type="title"/>
+          </p:nvPr>
+        </p:nvSpPr>
+        <p:spPr/>
+        <p:txBody>
+          <a:bodyPr/>
+          <a:lstStyle/>
+          <a:p>
+            <a:r>
+              <a:rPr lang="en-US" altLang="ko-KR" dirty="0" smtClean="0"/>
+              <a:t>UI</a:t>
+            </a:r>
+            <a:endParaRPr lang="ko-KR" altLang="en-US" dirty="0"/>
+          </a:p>
+        </p:txBody>
+      </p:sp>
+      <p:pic>
+        <p:nvPicPr>
+          <p:cNvPr id="4" name="그림 3"/>
+          <p:cNvPicPr>
+            <a:picLocks noChangeAspect="1"/>
+          </p:cNvPicPr>
+          <p:nvPr/>
+        </p:nvPicPr>
+        <p:blipFill>
+          <a:blip r:embed="rId2"/>
+          <a:stretch>
+            <a:fillRect/>
+          </a:stretch>
+        </p:blipFill>
+        <p:spPr>
+          <a:xfrm>
+            <a:off x="838200" y="1755590"/>
+            <a:ext cx="3133979" cy="3315174"/>
+          </a:xfrm>
+          <a:prstGeom prst="rect">
+            <a:avLst/>
+          </a:prstGeom>
+        </p:spPr>
+      </p:pic>
+      <p:pic>
+        <p:nvPicPr>
+          <p:cNvPr id="6" name="그림 5"/>
+          <p:cNvPicPr>
+            <a:picLocks noChangeAspect="1"/>
+          </p:cNvPicPr>
+          <p:nvPr/>
+        </p:nvPicPr>
+        <p:blipFill>
+          <a:blip r:embed="rId3"/>
+          <a:stretch>
+            <a:fillRect/>
+          </a:stretch>
+        </p:blipFill>
+        <p:spPr>
+          <a:xfrm>
+            <a:off x="8467404" y="1755590"/>
+            <a:ext cx="3112204" cy="3315174"/>
+          </a:xfrm>
+          <a:prstGeom prst="rect">
+            <a:avLst/>
+          </a:prstGeom>
+        </p:spPr>
+      </p:pic>
+      <p:sp>
+        <p:nvSpPr>
+          <p:cNvPr id="12" name="직사각형 11"/>
+          <p:cNvSpPr/>
+          <p:nvPr/>
+        </p:nvSpPr>
+        <p:spPr>
+          <a:xfrm>
+            <a:off x="1864862" y="4729684"/>
+            <a:ext cx="1077843" cy="405982"/>
+          </a:xfrm>
+          <a:prstGeom prst="rect">
+            <a:avLst/>
+          </a:prstGeom>
+          <a:noFill/>
+          <a:ln w="38100">
+            <a:solidFill>
+              <a:srgbClr val="00B0F0"/>
+            </a:solidFill>
+          </a:ln>
+        </p:spPr>
+        <p:style>
+          <a:lnRef idx="2">
+            <a:schemeClr val="accent1">
+              <a:shade val="50000"/>
+            </a:schemeClr>
+          </a:lnRef>
+          <a:fillRef idx="1">
+            <a:schemeClr val="accent1"/>
+          </a:fillRef>
+          <a:effectRef idx="0">
+            <a:schemeClr val="accent1"/>
+          </a:effectRef>
+          <a:fontRef idx="minor">
+            <a:schemeClr val="lt1"/>
+          </a:fontRef>
+        </p:style>
+        <p:txBody>
+          <a:bodyPr rtlCol="0" anchor="ctr"/>
+          <a:lstStyle/>
+          <a:p>
+            <a:pPr algn="ctr"/>
+            <a:endParaRPr lang="ko-KR" altLang="en-US"/>
+          </a:p>
+        </p:txBody>
+      </p:sp>
+      <p:cxnSp>
+        <p:nvCxnSpPr>
+          <p:cNvPr id="13" name="직선 화살표 연결선 12"/>
+          <p:cNvCxnSpPr>
+            <a:stCxn id="12" idx="2"/>
+          </p:cNvCxnSpPr>
+          <p:nvPr/>
+        </p:nvCxnSpPr>
+        <p:spPr>
+          <a:xfrm flipH="1">
+            <a:off x="2402378" y="5135666"/>
+            <a:ext cx="1406" cy="408923"/>
+          </a:xfrm>
+          <a:prstGeom prst="straightConnector1">
+            <a:avLst/>
+          </a:prstGeom>
+          <a:ln>
+            <a:tailEnd type="triangle"/>
+          </a:ln>
+        </p:spPr>
+        <p:style>
+          <a:lnRef idx="3">
+            <a:schemeClr val="accent4"/>
+          </a:lnRef>
+          <a:fillRef idx="0">
+            <a:schemeClr val="accent4"/>
+          </a:fillRef>
+          <a:effectRef idx="2">
+            <a:schemeClr val="accent4"/>
+          </a:effectRef>
+          <a:fontRef idx="minor">
+            <a:schemeClr val="tx1"/>
+          </a:fontRef>
+        </p:style>
+      </p:cxnSp>
+      <p:sp>
+        <p:nvSpPr>
+          <p:cNvPr id="16" name="TextBox 15"/>
+          <p:cNvSpPr txBox="1"/>
+          <p:nvPr/>
+        </p:nvSpPr>
+        <p:spPr>
+          <a:xfrm>
+            <a:off x="838200" y="5609491"/>
+            <a:ext cx="3483032" cy="430887"/>
+          </a:xfrm>
+          <a:prstGeom prst="rect">
+            <a:avLst/>
+          </a:prstGeom>
+          <a:noFill/>
+        </p:spPr>
+        <p:txBody>
+          <a:bodyPr wrap="square" rtlCol="0">
+            <a:spAutoFit/>
+          </a:bodyPr>
+          <a:lstStyle/>
+          <a:p>
+            <a:r>
+              <a:rPr lang="ko-KR" altLang="en-US" sz="1100" dirty="0" smtClean="0"/>
+              <a:t>추가 버튼 </a:t>
+            </a:r>
+            <a:r>
+              <a:rPr lang="en-US" altLang="ko-KR" sz="1100" dirty="0" smtClean="0"/>
+              <a:t>-&gt; </a:t>
+            </a:r>
+            <a:r>
+              <a:rPr lang="ko-KR" altLang="en-US" sz="1100" dirty="0" smtClean="0"/>
+              <a:t>새로운 </a:t>
+            </a:r>
+            <a:r>
+              <a:rPr lang="en-US" altLang="ko-KR" sz="1100" dirty="0" smtClean="0"/>
+              <a:t>row</a:t>
+            </a:r>
+            <a:r>
+              <a:rPr lang="ko-KR" altLang="en-US" sz="1100" dirty="0" smtClean="0"/>
+              <a:t>을 추가함</a:t>
+            </a:r>
+            <a:endParaRPr lang="en-US" altLang="ko-KR" sz="1100" dirty="0" smtClean="0"/>
+          </a:p>
+          <a:p>
+            <a:r>
+              <a:rPr lang="ko-KR" altLang="en-US" sz="1100" dirty="0" smtClean="0"/>
+              <a:t>삭제 버튼 </a:t>
+            </a:r>
+            <a:r>
+              <a:rPr lang="en-US" altLang="ko-KR" sz="1100" dirty="0" smtClean="0"/>
+              <a:t>-&gt; </a:t>
+            </a:r>
+            <a:r>
+              <a:rPr lang="ko-KR" altLang="en-US" sz="1100" dirty="0" smtClean="0"/>
+              <a:t>선택한 </a:t>
+            </a:r>
+            <a:r>
+              <a:rPr lang="en-US" altLang="ko-KR" sz="1100" dirty="0" smtClean="0"/>
+              <a:t>row</a:t>
+            </a:r>
+            <a:r>
+              <a:rPr lang="ko-KR" altLang="en-US" sz="1100" dirty="0" smtClean="0"/>
+              <a:t>을 삭제함</a:t>
+            </a:r>
+            <a:endParaRPr lang="ko-KR" altLang="en-US" sz="1100" dirty="0"/>
+          </a:p>
+        </p:txBody>
+      </p:sp>
+      <p:pic>
+        <p:nvPicPr>
+          <p:cNvPr id="18" name="그림 17"/>
+          <p:cNvPicPr>
+            <a:picLocks noChangeAspect="1"/>
+          </p:cNvPicPr>
+          <p:nvPr/>
+        </p:nvPicPr>
+        <p:blipFill rotWithShape="1">
+          <a:blip r:embed="rId4"/>
+          <a:srcRect l="6420"/>
+          <a:stretch/>
+        </p:blipFill>
+        <p:spPr>
+          <a:xfrm>
+            <a:off x="4574173" y="1755590"/>
+            <a:ext cx="2210762" cy="2216294"/>
+          </a:xfrm>
+          <a:prstGeom prst="rect">
+            <a:avLst/>
+          </a:prstGeom>
+        </p:spPr>
+      </p:pic>
+      <p:sp>
+        <p:nvSpPr>
+          <p:cNvPr id="20" name="직사각형 19"/>
+          <p:cNvSpPr/>
+          <p:nvPr/>
+        </p:nvSpPr>
+        <p:spPr>
+          <a:xfrm>
+            <a:off x="4783040" y="1839627"/>
+            <a:ext cx="1442238" cy="471312"/>
+          </a:xfrm>
+          <a:prstGeom prst="rect">
+            <a:avLst/>
+          </a:prstGeom>
+          <a:noFill/>
+          <a:ln w="38100">
+            <a:solidFill>
+              <a:srgbClr val="00B0F0"/>
+            </a:solidFill>
+          </a:ln>
+        </p:spPr>
+        <p:style>
+          <a:lnRef idx="2">
+            <a:schemeClr val="accent1">
+              <a:shade val="50000"/>
+            </a:schemeClr>
+          </a:lnRef>
+          <a:fillRef idx="1">
+            <a:schemeClr val="accent1"/>
+          </a:fillRef>
+          <a:effectRef idx="0">
+            <a:schemeClr val="accent1"/>
+          </a:effectRef>
+          <a:fontRef idx="minor">
+            <a:schemeClr val="lt1"/>
+          </a:fontRef>
+        </p:style>
+        <p:txBody>
+          <a:bodyPr rtlCol="0" anchor="ctr"/>
+          <a:lstStyle/>
+          <a:p>
+            <a:pPr algn="ctr"/>
+            <a:endParaRPr lang="ko-KR" altLang="en-US"/>
+          </a:p>
+        </p:txBody>
+      </p:sp>
+      <p:cxnSp>
+        <p:nvCxnSpPr>
+          <p:cNvPr id="21" name="직선 화살표 연결선 20"/>
+          <p:cNvCxnSpPr>
+            <a:stCxn id="20" idx="2"/>
+          </p:cNvCxnSpPr>
+          <p:nvPr/>
+        </p:nvCxnSpPr>
+        <p:spPr>
+          <a:xfrm>
+            <a:off x="5504159" y="2310939"/>
+            <a:ext cx="0" cy="1845087"/>
+          </a:xfrm>
+          <a:prstGeom prst="straightConnector1">
+            <a:avLst/>
+          </a:prstGeom>
+          <a:ln>
+            <a:tailEnd type="triangle"/>
+          </a:ln>
+        </p:spPr>
+        <p:style>
+          <a:lnRef idx="3">
+            <a:schemeClr val="accent4"/>
+          </a:lnRef>
+          <a:fillRef idx="0">
+            <a:schemeClr val="accent4"/>
+          </a:fillRef>
+          <a:effectRef idx="2">
+            <a:schemeClr val="accent4"/>
+          </a:effectRef>
+          <a:fontRef idx="minor">
+            <a:schemeClr val="tx1"/>
+          </a:fontRef>
+        </p:style>
+      </p:cxnSp>
+      <p:sp>
+        <p:nvSpPr>
+          <p:cNvPr id="26" name="TextBox 25"/>
+          <p:cNvSpPr txBox="1"/>
+          <p:nvPr/>
+        </p:nvSpPr>
+        <p:spPr>
+          <a:xfrm>
+            <a:off x="4580444" y="4156026"/>
+            <a:ext cx="3289667" cy="430887"/>
+          </a:xfrm>
+          <a:prstGeom prst="rect">
+            <a:avLst/>
+          </a:prstGeom>
+          <a:noFill/>
+        </p:spPr>
+        <p:txBody>
+          <a:bodyPr wrap="square" rtlCol="0">
+            <a:spAutoFit/>
+          </a:bodyPr>
+          <a:lstStyle/>
+          <a:p>
+            <a:r>
+              <a:rPr lang="en-US" altLang="ko-KR" sz="1100" dirty="0" smtClean="0"/>
+              <a:t>Column</a:t>
+            </a:r>
+            <a:r>
+              <a:rPr lang="ko-KR" altLang="en-US" sz="1100" dirty="0" smtClean="0"/>
+              <a:t>을 드래그하여 원하는 곳에 놓을 수 있음</a:t>
+            </a:r>
+            <a:r>
+              <a:rPr lang="en-US" altLang="ko-KR" sz="1100" dirty="0" smtClean="0"/>
+              <a:t>(</a:t>
+            </a:r>
+            <a:r>
+              <a:rPr lang="ko-KR" altLang="en-US" sz="1100" dirty="0" smtClean="0"/>
+              <a:t>저장되지는 않음</a:t>
+            </a:r>
+            <a:r>
+              <a:rPr lang="en-US" altLang="ko-KR" sz="1100" dirty="0" smtClean="0"/>
+              <a:t>)</a:t>
+            </a:r>
+            <a:endParaRPr lang="ko-KR" altLang="en-US" sz="1100" dirty="0"/>
+          </a:p>
+        </p:txBody>
+      </p:sp>
+      <p:cxnSp>
+        <p:nvCxnSpPr>
+          <p:cNvPr id="27" name="직선 화살표 연결선 26"/>
+          <p:cNvCxnSpPr>
+            <a:stCxn id="20" idx="3"/>
+            <a:endCxn id="30" idx="1"/>
+          </p:cNvCxnSpPr>
+          <p:nvPr/>
+        </p:nvCxnSpPr>
+        <p:spPr>
+          <a:xfrm>
+            <a:off x="6225278" y="2075283"/>
+            <a:ext cx="2242126" cy="0"/>
+          </a:xfrm>
+          <a:prstGeom prst="straightConnector1">
+            <a:avLst/>
+          </a:prstGeom>
+          <a:ln>
+            <a:tailEnd type="triangle"/>
+          </a:ln>
+        </p:spPr>
+        <p:style>
+          <a:lnRef idx="3">
+            <a:schemeClr val="accent4"/>
+          </a:lnRef>
+          <a:fillRef idx="0">
+            <a:schemeClr val="accent4"/>
+          </a:fillRef>
+          <a:effectRef idx="2">
+            <a:schemeClr val="accent4"/>
+          </a:effectRef>
+          <a:fontRef idx="minor">
+            <a:schemeClr val="tx1"/>
+          </a:fontRef>
+        </p:style>
+      </p:cxnSp>
+      <p:sp>
+        <p:nvSpPr>
+          <p:cNvPr id="30" name="직사각형 29"/>
+          <p:cNvSpPr/>
+          <p:nvPr/>
+        </p:nvSpPr>
+        <p:spPr>
+          <a:xfrm>
+            <a:off x="8467404" y="1839627"/>
+            <a:ext cx="1625202" cy="471312"/>
+          </a:xfrm>
+          <a:prstGeom prst="rect">
+            <a:avLst/>
+          </a:prstGeom>
+          <a:noFill/>
+          <a:ln w="38100">
+            <a:solidFill>
+              <a:srgbClr val="00B0F0"/>
+            </a:solidFill>
+          </a:ln>
+        </p:spPr>
+        <p:style>
+          <a:lnRef idx="2">
+            <a:schemeClr val="accent1">
+              <a:shade val="50000"/>
+            </a:schemeClr>
+          </a:lnRef>
+          <a:fillRef idx="1">
+            <a:schemeClr val="accent1"/>
+          </a:fillRef>
+          <a:effectRef idx="0">
+            <a:schemeClr val="accent1"/>
+          </a:effectRef>
+          <a:fontRef idx="minor">
+            <a:schemeClr val="lt1"/>
+          </a:fontRef>
+        </p:style>
+        <p:txBody>
+          <a:bodyPr rtlCol="0" anchor="ctr"/>
+          <a:lstStyle/>
+          <a:p>
+            <a:pPr algn="ctr"/>
+            <a:endParaRPr lang="ko-KR" altLang="en-US"/>
+          </a:p>
+        </p:txBody>
+      </p:sp>
+    </p:spTree>
+    <p:extLst>
+      <p:ext uri="{BB962C8B-B14F-4D97-AF65-F5344CB8AC3E}">
+        <p14:creationId xmlns:p14="http://schemas.microsoft.com/office/powerpoint/2010/main" val="668877608"/>
+      </p:ext>
+    </p:extLst>
+  </p:cSld>
+  <p:clrMapOvr>
+    <a:masterClrMapping/>
+  </p:clrMapOvr>
+  <p:timing>
+    <p:tnLst>
+      <p:par>
+        <p:cTn id="1" dur="indefinite" restart="never" nodeType="tmRoot"/>
+      </p:par>
+    </p:tnLst>
+  </p:timing>
+</p:sld>
+</file>
+
+<file path=ppt/slides/slide7.xml><?xml version="1.0" encoding="utf-8"?>
+<p:sld xmlns:a="http://schemas.openxmlformats.org/drawingml/2006/main" xmlns:r="http://schemas.openxmlformats.org/officeDocument/2006/relationships" xmlns:p="http://schemas.openxmlformats.org/presentationml/2006/main">
+  <p:cSld>
+    <p:spTree>
+      <p:nvGrpSpPr>
+        <p:cNvPr id="1" name=""/>
+        <p:cNvGrpSpPr/>
+        <p:nvPr/>
+      </p:nvGrpSpPr>
+      <p:grpSpPr>
+        <a:xfrm>
+          <a:off x="0" y="0"/>
+          <a:ext cx="0" cy="0"/>
+          <a:chOff x="0" y="0"/>
+          <a:chExt cx="0" cy="0"/>
+        </a:xfrm>
+      </p:grpSpPr>
+      <p:sp>
+        <p:nvSpPr>
+          <p:cNvPr id="2" name="제목 1"/>
+          <p:cNvSpPr>
+            <a:spLocks noGrp="1"/>
+          </p:cNvSpPr>
+          <p:nvPr>
+            <p:ph type="title"/>
+          </p:nvPr>
+        </p:nvSpPr>
+        <p:spPr/>
+        <p:txBody>
+          <a:bodyPr/>
+          <a:lstStyle/>
+          <a:p>
+            <a:r>
+              <a:rPr lang="ko-KR" altLang="en-US" dirty="0" smtClean="0"/>
+              <a:t>한계</a:t>
+            </a:r>
+            <a:endParaRPr lang="ko-KR" altLang="en-US" dirty="0"/>
+          </a:p>
+        </p:txBody>
+      </p:sp>
+      <p:sp>
+        <p:nvSpPr>
+          <p:cNvPr id="6" name="내용 개체 틀 5"/>
+          <p:cNvSpPr>
+            <a:spLocks noGrp="1"/>
+          </p:cNvSpPr>
+          <p:nvPr>
+            <p:ph sz="half" idx="1"/>
+          </p:nvPr>
+        </p:nvSpPr>
+        <p:spPr>
+          <a:xfrm>
+            <a:off x="838200" y="1825625"/>
+            <a:ext cx="10515600" cy="4351338"/>
+          </a:xfrm>
+        </p:spPr>
+        <p:txBody>
+          <a:bodyPr>
+            <a:normAutofit/>
+          </a:bodyPr>
+          <a:lstStyle/>
+          <a:p>
+            <a:pPr marL="342900" indent="-342900">
+              <a:buFont typeface="+mj-lt"/>
+              <a:buAutoNum type="arabicPeriod"/>
+            </a:pPr>
+            <a:r>
+              <a:rPr lang="ko-KR" altLang="en-US" sz="2000" dirty="0" smtClean="0"/>
+              <a:t>테이블의 첫 번째 컬럼이 항상 숫자로 이루어진 </a:t>
+            </a:r>
+            <a:r>
+              <a:rPr lang="en-US" altLang="ko-KR" sz="2000" dirty="0" smtClean="0"/>
+              <a:t>id</a:t>
+            </a:r>
+            <a:r>
+              <a:rPr lang="ko-KR" altLang="en-US" sz="2000" dirty="0" smtClean="0"/>
+              <a:t>이어야 함</a:t>
+            </a:r>
+            <a:endParaRPr lang="en-US" altLang="ko-KR" sz="2000" dirty="0"/>
+          </a:p>
+          <a:p>
+            <a:pPr marL="342900" indent="-342900">
+              <a:buFont typeface="+mj-lt"/>
+              <a:buAutoNum type="arabicPeriod"/>
+            </a:pPr>
+            <a:r>
+              <a:rPr lang="ko-KR" altLang="en-US" sz="2000" dirty="0" smtClean="0"/>
+              <a:t>테이블의 데이터 동적 할당을 하지 않았음</a:t>
+            </a:r>
+            <a:endParaRPr lang="en-US" altLang="ko-KR" sz="2000" dirty="0" smtClean="0"/>
+          </a:p>
+          <a:p>
+            <a:pPr marL="342900" indent="-342900">
+              <a:buFont typeface="+mj-lt"/>
+              <a:buAutoNum type="arabicPeriod"/>
+            </a:pPr>
+            <a:r>
+              <a:rPr lang="ko-KR" altLang="en-US" sz="2000" dirty="0" smtClean="0"/>
+              <a:t>서버에서 미리 정한 </a:t>
+            </a:r>
+            <a:r>
+              <a:rPr lang="en-US" altLang="ko-KR" sz="2000" dirty="0" smtClean="0"/>
+              <a:t>schema</a:t>
+            </a:r>
+            <a:r>
+              <a:rPr lang="ko-KR" altLang="en-US" sz="2000" dirty="0" smtClean="0"/>
+              <a:t>에만 접근할 수 있음</a:t>
+            </a:r>
+            <a:endParaRPr lang="en-US" altLang="ko-KR" sz="2000" dirty="0" smtClean="0"/>
+          </a:p>
+          <a:p>
+            <a:pPr marL="342900" indent="-342900">
+              <a:buFont typeface="+mj-lt"/>
+              <a:buAutoNum type="arabicPeriod"/>
+            </a:pPr>
+            <a:r>
+              <a:rPr lang="ko-KR" altLang="en-US" sz="2000" dirty="0" smtClean="0"/>
+              <a:t>테이블에 정규식에 포함되는 특정 패턴이나 </a:t>
+            </a:r>
+            <a:r>
+              <a:rPr lang="en-US" altLang="ko-KR" sz="2000" dirty="0" err="1" smtClean="0"/>
+              <a:t>sql</a:t>
+            </a:r>
+            <a:r>
+              <a:rPr lang="en-US" altLang="ko-KR" sz="2000" dirty="0" smtClean="0"/>
+              <a:t> query</a:t>
+            </a:r>
+            <a:r>
+              <a:rPr lang="ko-KR" altLang="en-US" sz="2000" dirty="0" smtClean="0"/>
+              <a:t>에 영향을 끼치는 특수기호</a:t>
+            </a:r>
+            <a:r>
+              <a:rPr lang="en-US" altLang="ko-KR" sz="2000" dirty="0" smtClean="0"/>
+              <a:t>(</a:t>
+            </a:r>
+            <a:r>
+              <a:rPr lang="ko-KR" altLang="en-US" sz="2000" dirty="0" smtClean="0"/>
+              <a:t>마지막에 </a:t>
+            </a:r>
+            <a:r>
+              <a:rPr lang="en-US" altLang="ko-KR" sz="2000" dirty="0" smtClean="0"/>
+              <a:t>‘ </a:t>
+            </a:r>
+            <a:r>
+              <a:rPr lang="ko-KR" altLang="en-US" sz="2000" dirty="0" smtClean="0"/>
+              <a:t>입력</a:t>
+            </a:r>
+            <a:r>
+              <a:rPr lang="en-US" altLang="ko-KR" sz="2000" dirty="0" smtClean="0"/>
+              <a:t>) </a:t>
+            </a:r>
+            <a:r>
+              <a:rPr lang="ko-KR" altLang="en-US" sz="2000" dirty="0" smtClean="0"/>
+              <a:t>등을 하면 에러가 남</a:t>
+            </a:r>
+            <a:endParaRPr lang="en-US" altLang="ko-KR" sz="2000" dirty="0" smtClean="0"/>
+          </a:p>
+          <a:p>
+            <a:pPr marL="342900" indent="-342900">
+              <a:buFont typeface="+mj-lt"/>
+              <a:buAutoNum type="arabicPeriod"/>
+            </a:pPr>
+            <a:endParaRPr lang="en-US" altLang="ko-KR" sz="2000" dirty="0" smtClean="0"/>
+          </a:p>
+          <a:p>
+            <a:pPr marL="342900" indent="-342900">
+              <a:buFont typeface="+mj-lt"/>
+              <a:buAutoNum type="arabicPeriod"/>
+            </a:pPr>
+            <a:endParaRPr lang="en-US" altLang="ko-KR" sz="2000" dirty="0" smtClean="0"/>
+          </a:p>
+          <a:p>
+            <a:pPr marL="0" indent="0">
+              <a:buNone/>
+            </a:pPr>
+            <a:endParaRPr lang="ko-KR" altLang="en-US" sz="2000" dirty="0"/>
+          </a:p>
+        </p:txBody>
+      </p:sp>
+    </p:spTree>
+    <p:extLst>
+      <p:ext uri="{BB962C8B-B14F-4D97-AF65-F5344CB8AC3E}">
+        <p14:creationId xmlns:p14="http://schemas.microsoft.com/office/powerpoint/2010/main" val="1231034538"/>
+      </p:ext>
+    </p:extLst>
+  </p:cSld>
+  <p:clrMapOvr>
+    <a:masterClrMapping/>
+  </p:clrMapOvr>
+  <p:timing>
+    <p:tnLst>
+      <p:par>
+        <p:cTn id="1" dur="indefinite" restart="never" nodeType="tmRoot"/>
+      </p:par>
+    </p:tnLst>
+  </p:timing>
+</p:sld>
+</file>
+
+<file path=ppt/slides/slide8.xml><?xml version="1.0" encoding="utf-8"?>
+<p:sld xmlns:a="http://schemas.openxmlformats.org/drawingml/2006/main" xmlns:r="http://schemas.openxmlformats.org/officeDocument/2006/relationships" xmlns:p="http://schemas.openxmlformats.org/presentationml/2006/main">
+  <p:cSld>
+    <p:spTree>
+      <p:nvGrpSpPr>
+        <p:cNvPr id="1" name=""/>
+        <p:cNvGrpSpPr/>
+        <p:nvPr/>
+      </p:nvGrpSpPr>
+      <p:grpSpPr>
+        <a:xfrm>
+          <a:off x="0" y="0"/>
+          <a:ext cx="0" cy="0"/>
+          <a:chOff x="0" y="0"/>
+          <a:chExt cx="0" cy="0"/>
+        </a:xfrm>
+      </p:grpSpPr>
+      <p:sp>
+        <p:nvSpPr>
+          <p:cNvPr id="5" name="제목 4"/>
+          <p:cNvSpPr>
+            <a:spLocks noGrp="1"/>
+          </p:cNvSpPr>
+          <p:nvPr>
+            <p:ph type="ctrTitle"/>
+          </p:nvPr>
+        </p:nvSpPr>
+        <p:spPr>
+          <a:xfrm>
+            <a:off x="1524000" y="2601883"/>
+            <a:ext cx="9144000" cy="908079"/>
+          </a:xfrm>
+        </p:spPr>
+        <p:txBody>
+          <a:bodyPr>
+            <a:normAutofit fontScale="90000"/>
+          </a:bodyPr>
+          <a:lstStyle/>
+          <a:p>
+            <a:r>
+              <a:rPr lang="ko-KR" altLang="en-US" dirty="0" err="1" smtClean="0"/>
+              <a:t>감사랑합니다</a:t>
+            </a:r>
+            <a:r>
+              <a:rPr lang="en-US" altLang="ko-KR" dirty="0" smtClean="0"/>
+              <a:t>.</a:t>
+            </a:r>
+            <a:endParaRPr lang="ko-KR" altLang="en-US" dirty="0"/>
+          </a:p>
+        </p:txBody>
+      </p:sp>
+    </p:spTree>
+    <p:extLst>
+      <p:ext uri="{BB962C8B-B14F-4D97-AF65-F5344CB8AC3E}">
+        <p14:creationId xmlns:p14="http://schemas.microsoft.com/office/powerpoint/2010/main" val="751419940"/>
       </p:ext>
     </p:extLst>
   </p:cSld>

--- a/Java Portfolio.pptx
+++ b/Java Portfolio.pptx
@@ -1,6 +1,6 @@
 
 <file path=ppt/presentation.xml><?xml version="1.0" encoding="utf-8"?>
-<p:presentation xmlns:a="http://schemas.openxmlformats.org/drawingml/2006/main" xmlns:r="http://schemas.openxmlformats.org/officeDocument/2006/relationships" xmlns:p="http://schemas.openxmlformats.org/presentationml/2006/main" saveSubsetFonts="1">
+<p:presentation xmlns:a="http://schemas.openxmlformats.org/drawingml/2006/main" xmlns:r="http://schemas.openxmlformats.org/officeDocument/2006/relationships" xmlns:p="http://schemas.openxmlformats.org/presentationml/2006/main" embedTrueTypeFonts="1" saveSubsetFonts="1">
   <p:sldMasterIdLst>
     <p:sldMasterId id="2147483648" r:id="rId1"/>
   </p:sldMasterIdLst>
@@ -16,6 +16,17 @@
   </p:sldIdLst>
   <p:sldSz cx="12192000" cy="6858000"/>
   <p:notesSz cx="6858000" cy="9144000"/>
+  <p:embeddedFontLst>
+    <p:embeddedFont>
+      <p:font typeface="AppleSDGothicNeoR00" panose="02000503000000000000" pitchFamily="2" charset="-127"/>
+      <p:regular r:id="rId10"/>
+    </p:embeddedFont>
+    <p:embeddedFont>
+      <p:font typeface="맑은 고딕" panose="020B0503020000020004" pitchFamily="50" charset="-127"/>
+      <p:regular r:id="rId11"/>
+      <p:bold r:id="rId12"/>
+    </p:embeddedFont>
+  </p:embeddedFontLst>
   <p:defaultTextStyle>
     <a:defPPr>
       <a:defRPr lang="ko-KR"/>
@@ -250,7 +261,7 @@
           <a:p>
             <a:fld id="{981F6B69-1E7B-452E-AEE2-7CF2478E64BD}" type="datetimeFigureOut">
               <a:rPr lang="ko-KR" altLang="en-US" smtClean="0"/>
-              <a:t>2023-12-13</a:t>
+              <a:t>2023-12-15</a:t>
             </a:fld>
             <a:endParaRPr lang="ko-KR" altLang="en-US"/>
           </a:p>
@@ -420,7 +431,7 @@
           <a:p>
             <a:fld id="{981F6B69-1E7B-452E-AEE2-7CF2478E64BD}" type="datetimeFigureOut">
               <a:rPr lang="ko-KR" altLang="en-US" smtClean="0"/>
-              <a:t>2023-12-13</a:t>
+              <a:t>2023-12-15</a:t>
             </a:fld>
             <a:endParaRPr lang="ko-KR" altLang="en-US"/>
           </a:p>
@@ -600,7 +611,7 @@
           <a:p>
             <a:fld id="{981F6B69-1E7B-452E-AEE2-7CF2478E64BD}" type="datetimeFigureOut">
               <a:rPr lang="ko-KR" altLang="en-US" smtClean="0"/>
-              <a:t>2023-12-13</a:t>
+              <a:t>2023-12-15</a:t>
             </a:fld>
             <a:endParaRPr lang="ko-KR" altLang="en-US"/>
           </a:p>
@@ -770,7 +781,7 @@
           <a:p>
             <a:fld id="{981F6B69-1E7B-452E-AEE2-7CF2478E64BD}" type="datetimeFigureOut">
               <a:rPr lang="ko-KR" altLang="en-US" smtClean="0"/>
-              <a:t>2023-12-13</a:t>
+              <a:t>2023-12-15</a:t>
             </a:fld>
             <a:endParaRPr lang="ko-KR" altLang="en-US"/>
           </a:p>
@@ -1016,7 +1027,7 @@
           <a:p>
             <a:fld id="{981F6B69-1E7B-452E-AEE2-7CF2478E64BD}" type="datetimeFigureOut">
               <a:rPr lang="ko-KR" altLang="en-US" smtClean="0"/>
-              <a:t>2023-12-13</a:t>
+              <a:t>2023-12-15</a:t>
             </a:fld>
             <a:endParaRPr lang="ko-KR" altLang="en-US"/>
           </a:p>
@@ -1248,7 +1259,7 @@
           <a:p>
             <a:fld id="{981F6B69-1E7B-452E-AEE2-7CF2478E64BD}" type="datetimeFigureOut">
               <a:rPr lang="ko-KR" altLang="en-US" smtClean="0"/>
-              <a:t>2023-12-13</a:t>
+              <a:t>2023-12-15</a:t>
             </a:fld>
             <a:endParaRPr lang="ko-KR" altLang="en-US"/>
           </a:p>
@@ -1615,7 +1626,7 @@
           <a:p>
             <a:fld id="{981F6B69-1E7B-452E-AEE2-7CF2478E64BD}" type="datetimeFigureOut">
               <a:rPr lang="ko-KR" altLang="en-US" smtClean="0"/>
-              <a:t>2023-12-13</a:t>
+              <a:t>2023-12-15</a:t>
             </a:fld>
             <a:endParaRPr lang="ko-KR" altLang="en-US"/>
           </a:p>
@@ -1733,7 +1744,7 @@
           <a:p>
             <a:fld id="{981F6B69-1E7B-452E-AEE2-7CF2478E64BD}" type="datetimeFigureOut">
               <a:rPr lang="ko-KR" altLang="en-US" smtClean="0"/>
-              <a:t>2023-12-13</a:t>
+              <a:t>2023-12-15</a:t>
             </a:fld>
             <a:endParaRPr lang="ko-KR" altLang="en-US"/>
           </a:p>
@@ -1828,7 +1839,7 @@
           <a:p>
             <a:fld id="{981F6B69-1E7B-452E-AEE2-7CF2478E64BD}" type="datetimeFigureOut">
               <a:rPr lang="ko-KR" altLang="en-US" smtClean="0"/>
-              <a:t>2023-12-13</a:t>
+              <a:t>2023-12-15</a:t>
             </a:fld>
             <a:endParaRPr lang="ko-KR" altLang="en-US"/>
           </a:p>
@@ -2105,7 +2116,7 @@
           <a:p>
             <a:fld id="{981F6B69-1E7B-452E-AEE2-7CF2478E64BD}" type="datetimeFigureOut">
               <a:rPr lang="ko-KR" altLang="en-US" smtClean="0"/>
-              <a:t>2023-12-13</a:t>
+              <a:t>2023-12-15</a:t>
             </a:fld>
             <a:endParaRPr lang="ko-KR" altLang="en-US"/>
           </a:p>
@@ -2358,7 +2369,7 @@
           <a:p>
             <a:fld id="{981F6B69-1E7B-452E-AEE2-7CF2478E64BD}" type="datetimeFigureOut">
               <a:rPr lang="ko-KR" altLang="en-US" smtClean="0"/>
-              <a:t>2023-12-13</a:t>
+              <a:t>2023-12-15</a:t>
             </a:fld>
             <a:endParaRPr lang="ko-KR" altLang="en-US"/>
           </a:p>
@@ -2571,7 +2582,7 @@
           <a:p>
             <a:fld id="{981F6B69-1E7B-452E-AEE2-7CF2478E64BD}" type="datetimeFigureOut">
               <a:rPr lang="ko-KR" altLang="en-US" smtClean="0"/>
-              <a:t>2023-12-13</a:t>
+              <a:t>2023-12-15</a:t>
             </a:fld>
             <a:endParaRPr lang="ko-KR" altLang="en-US"/>
           </a:p>
@@ -2992,10 +3003,16 @@
           <a:lstStyle/>
           <a:p>
             <a:r>
-              <a:rPr lang="en-US" altLang="ko-KR" dirty="0" smtClean="0"/>
-              <a:t>Java Portfolio</a:t>
-            </a:r>
-            <a:endParaRPr lang="ko-KR" altLang="en-US" dirty="0"/>
+              <a:rPr lang="en-US" altLang="ko-KR" dirty="0" smtClean="0">
+                <a:latin typeface="AppleSDGothicNeoR00" panose="02000503000000000000" pitchFamily="2" charset="-127"/>
+                <a:ea typeface="AppleSDGothicNeoR00" panose="02000503000000000000" pitchFamily="2" charset="-127"/>
+              </a:rPr>
+              <a:t>Auto Sync Table GUI</a:t>
+            </a:r>
+            <a:endParaRPr lang="ko-KR" altLang="en-US" dirty="0">
+              <a:latin typeface="AppleSDGothicNeoR00" panose="02000503000000000000" pitchFamily="2" charset="-127"/>
+              <a:ea typeface="AppleSDGothicNeoR00" panose="02000503000000000000" pitchFamily="2" charset="-127"/>
+            </a:endParaRPr>
           </a:p>
         </p:txBody>
       </p:sp>
@@ -3009,49 +3026,174 @@
             <p:ph type="subTitle" idx="1"/>
           </p:nvPr>
         </p:nvSpPr>
-        <p:spPr/>
-        <p:txBody>
-          <a:bodyPr/>
+        <p:spPr>
+          <a:xfrm>
+            <a:off x="2820783" y="3472554"/>
+            <a:ext cx="6550429" cy="1386233"/>
+          </a:xfrm>
+        </p:spPr>
+        <p:txBody>
+          <a:bodyPr>
+            <a:normAutofit/>
+          </a:bodyPr>
           <a:lstStyle/>
           <a:p>
-            <a:r>
-              <a:rPr lang="en-US" altLang="ko-KR" dirty="0" smtClean="0"/>
-              <a:t>Thread, Socket, MySQL, </a:t>
-            </a:r>
-            <a:r>
-              <a:rPr lang="en-US" altLang="ko-KR" dirty="0" err="1" smtClean="0"/>
+            <a:pPr algn="l"/>
+            <a:r>
+              <a:rPr lang="en-US" altLang="ko-KR" sz="1600" dirty="0" smtClean="0">
+                <a:latin typeface="AppleSDGothicNeoR00" panose="02000503000000000000" pitchFamily="2" charset="-127"/>
+                <a:ea typeface="AppleSDGothicNeoR00" panose="02000503000000000000" pitchFamily="2" charset="-127"/>
+              </a:rPr>
+              <a:t>Thread</a:t>
+            </a:r>
+            <a:r>
+              <a:rPr lang="en-US" altLang="ko-KR" sz="1600" dirty="0">
+                <a:latin typeface="AppleSDGothicNeoR00" panose="02000503000000000000" pitchFamily="2" charset="-127"/>
+                <a:ea typeface="AppleSDGothicNeoR00" panose="02000503000000000000" pitchFamily="2" charset="-127"/>
+              </a:rPr>
+              <a:t>, Socket, </a:t>
+            </a:r>
+            <a:r>
+              <a:rPr lang="en-US" altLang="ko-KR" sz="1600" dirty="0" err="1" smtClean="0">
+                <a:latin typeface="AppleSDGothicNeoR00" panose="02000503000000000000" pitchFamily="2" charset="-127"/>
+                <a:ea typeface="AppleSDGothicNeoR00" panose="02000503000000000000" pitchFamily="2" charset="-127"/>
+              </a:rPr>
               <a:t>Javax</a:t>
             </a:r>
             <a:r>
-              <a:rPr lang="en-US" altLang="ko-KR" dirty="0" smtClean="0"/>
-              <a:t>(swing)</a:t>
-            </a:r>
-          </a:p>
-          <a:p>
-            <a:r>
-              <a:rPr lang="ko-KR" altLang="en-US" dirty="0" smtClean="0"/>
-              <a:t>수정</a:t>
-            </a:r>
-            <a:r>
-              <a:rPr lang="en-US" altLang="ko-KR" dirty="0" smtClean="0"/>
-              <a:t>-</a:t>
-            </a:r>
-            <a:r>
-              <a:rPr lang="ko-KR" altLang="en-US" dirty="0" smtClean="0"/>
-              <a:t>즉시반영되는 테이블 </a:t>
-            </a:r>
-            <a:r>
-              <a:rPr lang="en-US" altLang="ko-KR" dirty="0" smtClean="0"/>
-              <a:t>GUI </a:t>
-            </a:r>
-            <a:r>
-              <a:rPr lang="ko-KR" altLang="en-US" dirty="0" smtClean="0"/>
-              <a:t>구현하기</a:t>
-            </a:r>
-            <a:endParaRPr lang="en-US" altLang="ko-KR" dirty="0" smtClean="0"/>
-          </a:p>
-        </p:txBody>
-      </p:sp>
+              <a:rPr lang="en-US" altLang="ko-KR" sz="1600" dirty="0" smtClean="0">
+                <a:latin typeface="AppleSDGothicNeoR00" panose="02000503000000000000" pitchFamily="2" charset="-127"/>
+                <a:ea typeface="AppleSDGothicNeoR00" panose="02000503000000000000" pitchFamily="2" charset="-127"/>
+              </a:rPr>
+              <a:t>(swing)			     Database</a:t>
+            </a:r>
+            <a:r>
+              <a:rPr lang="en-US" altLang="ko-KR" sz="1600" dirty="0">
+                <a:latin typeface="AppleSDGothicNeoR00" panose="02000503000000000000" pitchFamily="2" charset="-127"/>
+                <a:ea typeface="AppleSDGothicNeoR00" panose="02000503000000000000" pitchFamily="2" charset="-127"/>
+              </a:rPr>
+              <a:t>: MySQL</a:t>
+            </a:r>
+          </a:p>
+          <a:p>
+            <a:pPr algn="l"/>
+            <a:endParaRPr lang="en-US" altLang="ko-KR" sz="1600" dirty="0">
+              <a:latin typeface="AppleSDGothicNeoR00" panose="02000503000000000000" pitchFamily="2" charset="-127"/>
+              <a:ea typeface="AppleSDGothicNeoR00" panose="02000503000000000000" pitchFamily="2" charset="-127"/>
+            </a:endParaRPr>
+          </a:p>
+        </p:txBody>
+      </p:sp>
+      <p:grpSp>
+        <p:nvGrpSpPr>
+          <p:cNvPr id="6" name="그룹 5"/>
+          <p:cNvGrpSpPr/>
+          <p:nvPr/>
+        </p:nvGrpSpPr>
+        <p:grpSpPr>
+          <a:xfrm>
+            <a:off x="2820784" y="3337560"/>
+            <a:ext cx="6550429" cy="87282"/>
+            <a:chOff x="2820785" y="3345873"/>
+            <a:chExt cx="6550429" cy="87282"/>
+          </a:xfrm>
+        </p:grpSpPr>
+        <p:sp>
+          <p:nvSpPr>
+            <p:cNvPr id="4" name="직사각형 3"/>
+            <p:cNvSpPr/>
+            <p:nvPr/>
+          </p:nvSpPr>
+          <p:spPr>
+            <a:xfrm flipV="1">
+              <a:off x="2820786" y="3374967"/>
+              <a:ext cx="6550428" cy="58188"/>
+            </a:xfrm>
+            <a:prstGeom prst="rect">
+              <a:avLst/>
+            </a:prstGeom>
+            <a:solidFill>
+              <a:srgbClr val="00B0F0"/>
+            </a:solidFill>
+            <a:ln>
+              <a:noFill/>
+            </a:ln>
+          </p:spPr>
+          <p:style>
+            <a:lnRef idx="2">
+              <a:schemeClr val="accent1">
+                <a:shade val="50000"/>
+              </a:schemeClr>
+            </a:lnRef>
+            <a:fillRef idx="1">
+              <a:schemeClr val="accent1"/>
+            </a:fillRef>
+            <a:effectRef idx="0">
+              <a:schemeClr val="accent1"/>
+            </a:effectRef>
+            <a:fontRef idx="minor">
+              <a:schemeClr val="lt1"/>
+            </a:fontRef>
+          </p:style>
+          <p:txBody>
+            <a:bodyPr rtlCol="0" anchor="ctr"/>
+            <a:lstStyle/>
+            <a:p>
+              <a:pPr algn="ctr"/>
+              <a:endParaRPr lang="ko-KR" altLang="en-US"/>
+            </a:p>
+          </p:txBody>
+        </p:sp>
+        <p:sp>
+          <p:nvSpPr>
+            <p:cNvPr id="5" name="직사각형 4"/>
+            <p:cNvSpPr/>
+            <p:nvPr/>
+          </p:nvSpPr>
+          <p:spPr>
+            <a:xfrm flipV="1">
+              <a:off x="2820785" y="3345873"/>
+              <a:ext cx="6550428" cy="58188"/>
+            </a:xfrm>
+            <a:prstGeom prst="rect">
+              <a:avLst/>
+            </a:prstGeom>
+            <a:solidFill>
+              <a:schemeClr val="accent4">
+                <a:lumMod val="60000"/>
+                <a:lumOff val="40000"/>
+              </a:schemeClr>
+            </a:solidFill>
+            <a:ln>
+              <a:noFill/>
+            </a:ln>
+          </p:spPr>
+          <p:style>
+            <a:lnRef idx="2">
+              <a:schemeClr val="accent1">
+                <a:shade val="50000"/>
+              </a:schemeClr>
+            </a:lnRef>
+            <a:fillRef idx="1">
+              <a:schemeClr val="accent1"/>
+            </a:fillRef>
+            <a:effectRef idx="0">
+              <a:schemeClr val="accent1"/>
+            </a:effectRef>
+            <a:fontRef idx="minor">
+              <a:schemeClr val="lt1"/>
+            </a:fontRef>
+          </p:style>
+          <p:txBody>
+            <a:bodyPr rtlCol="0" anchor="ctr"/>
+            <a:lstStyle/>
+            <a:p>
+              <a:pPr algn="ctr"/>
+              <a:endParaRPr lang="ko-KR" altLang="en-US"/>
+            </a:p>
+          </p:txBody>
+        </p:sp>
+      </p:grpSp>
     </p:spTree>
     <p:extLst>
       <p:ext uri="{BB962C8B-B14F-4D97-AF65-F5344CB8AC3E}">
@@ -3097,8 +3239,8 @@
         </p:nvGrpSpPr>
         <p:grpSpPr>
           <a:xfrm>
-            <a:off x="838201" y="1930401"/>
-            <a:ext cx="10515599" cy="4610468"/>
+            <a:off x="838200" y="1690688"/>
+            <a:ext cx="10515600" cy="4477356"/>
             <a:chOff x="1446415" y="515389"/>
             <a:chExt cx="9518077" cy="6096000"/>
           </a:xfrm>
@@ -3145,7 +3287,10 @@
             <a:lstStyle/>
             <a:p>
               <a:pPr algn="ctr"/>
-              <a:endParaRPr lang="ko-KR" altLang="en-US" sz="1200"/>
+              <a:endParaRPr lang="ko-KR" altLang="en-US" sz="1200">
+                <a:latin typeface="AppleSDGothicNeoR00" panose="02000503000000000000" pitchFamily="2" charset="-127"/>
+                <a:ea typeface="AppleSDGothicNeoR00" panose="02000503000000000000" pitchFamily="2" charset="-127"/>
+              </a:endParaRPr>
             </a:p>
           </p:txBody>
         </p:sp>
@@ -3192,10 +3337,16 @@
             <a:p>
               <a:pPr algn="ctr"/>
               <a:r>
-                <a:rPr lang="en-US" altLang="ko-KR" sz="1200" dirty="0" smtClean="0"/>
+                <a:rPr lang="en-US" altLang="ko-KR" sz="1200" dirty="0" smtClean="0">
+                  <a:latin typeface="AppleSDGothicNeoR00" panose="02000503000000000000" pitchFamily="2" charset="-127"/>
+                  <a:ea typeface="AppleSDGothicNeoR00" panose="02000503000000000000" pitchFamily="2" charset="-127"/>
+                </a:rPr>
                 <a:t>Server</a:t>
               </a:r>
-              <a:endParaRPr lang="ko-KR" altLang="en-US" sz="1200" dirty="0"/>
+              <a:endParaRPr lang="ko-KR" altLang="en-US" sz="1200" dirty="0">
+                <a:latin typeface="AppleSDGothicNeoR00" panose="02000503000000000000" pitchFamily="2" charset="-127"/>
+                <a:ea typeface="AppleSDGothicNeoR00" panose="02000503000000000000" pitchFamily="2" charset="-127"/>
+              </a:endParaRPr>
             </a:p>
           </p:txBody>
         </p:sp>
@@ -3242,10 +3393,16 @@
             <a:p>
               <a:pPr algn="ctr"/>
               <a:r>
-                <a:rPr lang="en-US" altLang="ko-KR" sz="1200" dirty="0" smtClean="0"/>
+                <a:rPr lang="en-US" altLang="ko-KR" sz="1200" dirty="0" smtClean="0">
+                  <a:latin typeface="AppleSDGothicNeoR00" panose="02000503000000000000" pitchFamily="2" charset="-127"/>
+                  <a:ea typeface="AppleSDGothicNeoR00" panose="02000503000000000000" pitchFamily="2" charset="-127"/>
+                </a:rPr>
                 <a:t>MySQL</a:t>
               </a:r>
-              <a:endParaRPr lang="ko-KR" altLang="en-US" sz="1200" dirty="0"/>
+              <a:endParaRPr lang="ko-KR" altLang="en-US" sz="1200" dirty="0">
+                <a:latin typeface="AppleSDGothicNeoR00" panose="02000503000000000000" pitchFamily="2" charset="-127"/>
+                <a:ea typeface="AppleSDGothicNeoR00" panose="02000503000000000000" pitchFamily="2" charset="-127"/>
+              </a:endParaRPr>
             </a:p>
           </p:txBody>
         </p:sp>
@@ -3292,10 +3449,16 @@
             <a:p>
               <a:pPr algn="ctr"/>
               <a:r>
-                <a:rPr lang="en-US" altLang="ko-KR" sz="1200" dirty="0" smtClean="0"/>
+                <a:rPr lang="en-US" altLang="ko-KR" sz="1200" dirty="0" smtClean="0">
+                  <a:latin typeface="AppleSDGothicNeoR00" panose="02000503000000000000" pitchFamily="2" charset="-127"/>
+                  <a:ea typeface="AppleSDGothicNeoR00" panose="02000503000000000000" pitchFamily="2" charset="-127"/>
+                </a:rPr>
                 <a:t>Client</a:t>
               </a:r>
-              <a:endParaRPr lang="ko-KR" altLang="en-US" sz="1200" dirty="0"/>
+              <a:endParaRPr lang="ko-KR" altLang="en-US" sz="1200" dirty="0">
+                <a:latin typeface="AppleSDGothicNeoR00" panose="02000503000000000000" pitchFamily="2" charset="-127"/>
+                <a:ea typeface="AppleSDGothicNeoR00" panose="02000503000000000000" pitchFamily="2" charset="-127"/>
+              </a:endParaRPr>
             </a:p>
           </p:txBody>
         </p:sp>
@@ -3342,10 +3505,16 @@
             <a:p>
               <a:pPr algn="ctr"/>
               <a:r>
-                <a:rPr lang="en-US" altLang="ko-KR" sz="1200" dirty="0" smtClean="0"/>
+                <a:rPr lang="en-US" altLang="ko-KR" sz="1200" dirty="0" smtClean="0">
+                  <a:latin typeface="AppleSDGothicNeoR00" panose="02000503000000000000" pitchFamily="2" charset="-127"/>
+                  <a:ea typeface="AppleSDGothicNeoR00" panose="02000503000000000000" pitchFamily="2" charset="-127"/>
+                </a:rPr>
                 <a:t>GUI</a:t>
               </a:r>
-              <a:endParaRPr lang="ko-KR" altLang="en-US" sz="1200" dirty="0"/>
+              <a:endParaRPr lang="ko-KR" altLang="en-US" sz="1200" dirty="0">
+                <a:latin typeface="AppleSDGothicNeoR00" panose="02000503000000000000" pitchFamily="2" charset="-127"/>
+                <a:ea typeface="AppleSDGothicNeoR00" panose="02000503000000000000" pitchFamily="2" charset="-127"/>
+              </a:endParaRPr>
             </a:p>
           </p:txBody>
         </p:sp>
@@ -3391,7 +3560,10 @@
             <a:lstStyle/>
             <a:p>
               <a:pPr algn="ctr"/>
-              <a:endParaRPr lang="ko-KR" altLang="en-US" sz="1200"/>
+              <a:endParaRPr lang="ko-KR" altLang="en-US" sz="1200">
+                <a:latin typeface="AppleSDGothicNeoR00" panose="02000503000000000000" pitchFamily="2" charset="-127"/>
+                <a:ea typeface="AppleSDGothicNeoR00" panose="02000503000000000000" pitchFamily="2" charset="-127"/>
+              </a:endParaRPr>
             </a:p>
           </p:txBody>
         </p:sp>
@@ -3438,10 +3610,16 @@
             <a:p>
               <a:pPr algn="ctr"/>
               <a:r>
-                <a:rPr lang="en-US" altLang="ko-KR" sz="1200" dirty="0" smtClean="0"/>
+                <a:rPr lang="en-US" altLang="ko-KR" sz="1200" dirty="0" smtClean="0">
+                  <a:latin typeface="AppleSDGothicNeoR00" panose="02000503000000000000" pitchFamily="2" charset="-127"/>
+                  <a:ea typeface="AppleSDGothicNeoR00" panose="02000503000000000000" pitchFamily="2" charset="-127"/>
+                </a:rPr>
                 <a:t>Client</a:t>
               </a:r>
-              <a:endParaRPr lang="ko-KR" altLang="en-US" sz="1200" dirty="0"/>
+              <a:endParaRPr lang="ko-KR" altLang="en-US" sz="1200" dirty="0">
+                <a:latin typeface="AppleSDGothicNeoR00" panose="02000503000000000000" pitchFamily="2" charset="-127"/>
+                <a:ea typeface="AppleSDGothicNeoR00" panose="02000503000000000000" pitchFamily="2" charset="-127"/>
+              </a:endParaRPr>
             </a:p>
           </p:txBody>
         </p:sp>
@@ -3488,10 +3666,16 @@
             <a:p>
               <a:pPr algn="ctr"/>
               <a:r>
-                <a:rPr lang="en-US" altLang="ko-KR" sz="1200" dirty="0" smtClean="0"/>
+                <a:rPr lang="en-US" altLang="ko-KR" sz="1200" dirty="0" smtClean="0">
+                  <a:latin typeface="AppleSDGothicNeoR00" panose="02000503000000000000" pitchFamily="2" charset="-127"/>
+                  <a:ea typeface="AppleSDGothicNeoR00" panose="02000503000000000000" pitchFamily="2" charset="-127"/>
+                </a:rPr>
                 <a:t>GUI</a:t>
               </a:r>
-              <a:endParaRPr lang="ko-KR" altLang="en-US" sz="1200" dirty="0"/>
+              <a:endParaRPr lang="ko-KR" altLang="en-US" sz="1200" dirty="0">
+                <a:latin typeface="AppleSDGothicNeoR00" panose="02000503000000000000" pitchFamily="2" charset="-127"/>
+                <a:ea typeface="AppleSDGothicNeoR00" panose="02000503000000000000" pitchFamily="2" charset="-127"/>
+              </a:endParaRPr>
             </a:p>
           </p:txBody>
         </p:sp>
@@ -3537,7 +3721,10 @@
             <a:lstStyle/>
             <a:p>
               <a:pPr algn="ctr"/>
-              <a:endParaRPr lang="ko-KR" altLang="en-US" sz="1200"/>
+              <a:endParaRPr lang="ko-KR" altLang="en-US" sz="1200">
+                <a:latin typeface="AppleSDGothicNeoR00" panose="02000503000000000000" pitchFamily="2" charset="-127"/>
+                <a:ea typeface="AppleSDGothicNeoR00" panose="02000503000000000000" pitchFamily="2" charset="-127"/>
+              </a:endParaRPr>
             </a:p>
           </p:txBody>
         </p:sp>
@@ -3584,10 +3771,16 @@
             <a:p>
               <a:pPr algn="ctr"/>
               <a:r>
-                <a:rPr lang="en-US" altLang="ko-KR" sz="1200" dirty="0" smtClean="0"/>
+                <a:rPr lang="en-US" altLang="ko-KR" sz="1200" dirty="0" smtClean="0">
+                  <a:latin typeface="AppleSDGothicNeoR00" panose="02000503000000000000" pitchFamily="2" charset="-127"/>
+                  <a:ea typeface="AppleSDGothicNeoR00" panose="02000503000000000000" pitchFamily="2" charset="-127"/>
+                </a:rPr>
                 <a:t>Client</a:t>
               </a:r>
-              <a:endParaRPr lang="ko-KR" altLang="en-US" sz="1200" dirty="0"/>
+              <a:endParaRPr lang="ko-KR" altLang="en-US" sz="1200" dirty="0">
+                <a:latin typeface="AppleSDGothicNeoR00" panose="02000503000000000000" pitchFamily="2" charset="-127"/>
+                <a:ea typeface="AppleSDGothicNeoR00" panose="02000503000000000000" pitchFamily="2" charset="-127"/>
+              </a:endParaRPr>
             </a:p>
           </p:txBody>
         </p:sp>
@@ -3634,10 +3827,16 @@
             <a:p>
               <a:pPr algn="ctr"/>
               <a:r>
-                <a:rPr lang="en-US" altLang="ko-KR" sz="1200" dirty="0" smtClean="0"/>
+                <a:rPr lang="en-US" altLang="ko-KR" sz="1200" dirty="0" smtClean="0">
+                  <a:latin typeface="AppleSDGothicNeoR00" panose="02000503000000000000" pitchFamily="2" charset="-127"/>
+                  <a:ea typeface="AppleSDGothicNeoR00" panose="02000503000000000000" pitchFamily="2" charset="-127"/>
+                </a:rPr>
                 <a:t>GUI</a:t>
               </a:r>
-              <a:endParaRPr lang="ko-KR" altLang="en-US" sz="1200" dirty="0"/>
+              <a:endParaRPr lang="ko-KR" altLang="en-US" sz="1200" dirty="0">
+                <a:latin typeface="AppleSDGothicNeoR00" panose="02000503000000000000" pitchFamily="2" charset="-127"/>
+                <a:ea typeface="AppleSDGothicNeoR00" panose="02000503000000000000" pitchFamily="2" charset="-127"/>
+              </a:endParaRPr>
             </a:p>
           </p:txBody>
         </p:sp>
@@ -3683,7 +3882,10 @@
             <a:lstStyle/>
             <a:p>
               <a:pPr algn="ctr"/>
-              <a:endParaRPr lang="ko-KR" altLang="en-US" sz="1200"/>
+              <a:endParaRPr lang="ko-KR" altLang="en-US" sz="1200">
+                <a:latin typeface="AppleSDGothicNeoR00" panose="02000503000000000000" pitchFamily="2" charset="-127"/>
+                <a:ea typeface="AppleSDGothicNeoR00" panose="02000503000000000000" pitchFamily="2" charset="-127"/>
+              </a:endParaRPr>
             </a:p>
           </p:txBody>
         </p:sp>
@@ -3730,10 +3932,16 @@
             <a:p>
               <a:pPr algn="ctr"/>
               <a:r>
-                <a:rPr lang="en-US" altLang="ko-KR" sz="1200" dirty="0" smtClean="0"/>
+                <a:rPr lang="en-US" altLang="ko-KR" sz="1200" dirty="0" smtClean="0">
+                  <a:latin typeface="AppleSDGothicNeoR00" panose="02000503000000000000" pitchFamily="2" charset="-127"/>
+                  <a:ea typeface="AppleSDGothicNeoR00" panose="02000503000000000000" pitchFamily="2" charset="-127"/>
+                </a:rPr>
                 <a:t>Client</a:t>
               </a:r>
-              <a:endParaRPr lang="ko-KR" altLang="en-US" sz="1200" dirty="0"/>
+              <a:endParaRPr lang="ko-KR" altLang="en-US" sz="1200" dirty="0">
+                <a:latin typeface="AppleSDGothicNeoR00" panose="02000503000000000000" pitchFamily="2" charset="-127"/>
+                <a:ea typeface="AppleSDGothicNeoR00" panose="02000503000000000000" pitchFamily="2" charset="-127"/>
+              </a:endParaRPr>
             </a:p>
           </p:txBody>
         </p:sp>
@@ -3780,10 +3988,16 @@
             <a:p>
               <a:pPr algn="ctr"/>
               <a:r>
-                <a:rPr lang="en-US" altLang="ko-KR" sz="1200" dirty="0" smtClean="0"/>
+                <a:rPr lang="en-US" altLang="ko-KR" sz="1200" dirty="0" smtClean="0">
+                  <a:latin typeface="AppleSDGothicNeoR00" panose="02000503000000000000" pitchFamily="2" charset="-127"/>
+                  <a:ea typeface="AppleSDGothicNeoR00" panose="02000503000000000000" pitchFamily="2" charset="-127"/>
+                </a:rPr>
                 <a:t>GUI</a:t>
               </a:r>
-              <a:endParaRPr lang="ko-KR" altLang="en-US" sz="1200" dirty="0"/>
+              <a:endParaRPr lang="ko-KR" altLang="en-US" sz="1200" dirty="0">
+                <a:latin typeface="AppleSDGothicNeoR00" panose="02000503000000000000" pitchFamily="2" charset="-127"/>
+                <a:ea typeface="AppleSDGothicNeoR00" panose="02000503000000000000" pitchFamily="2" charset="-127"/>
+              </a:endParaRPr>
             </a:p>
           </p:txBody>
         </p:sp>
@@ -4124,10 +4338,16 @@
           <a:lstStyle/>
           <a:p>
             <a:r>
-              <a:rPr lang="ko-KR" altLang="en-US" dirty="0" smtClean="0"/>
+              <a:rPr lang="ko-KR" altLang="en-US" dirty="0" smtClean="0">
+                <a:latin typeface="AppleSDGothicNeoR00" panose="02000503000000000000" pitchFamily="2" charset="-127"/>
+                <a:ea typeface="AppleSDGothicNeoR00" panose="02000503000000000000" pitchFamily="2" charset="-127"/>
+              </a:rPr>
               <a:t>기본 구조</a:t>
             </a:r>
-            <a:endParaRPr lang="ko-KR" altLang="en-US" dirty="0"/>
+            <a:endParaRPr lang="ko-KR" altLang="en-US" dirty="0">
+              <a:latin typeface="AppleSDGothicNeoR00" panose="02000503000000000000" pitchFamily="2" charset="-127"/>
+              <a:ea typeface="AppleSDGothicNeoR00" panose="02000503000000000000" pitchFamily="2" charset="-127"/>
+            </a:endParaRPr>
           </a:p>
         </p:txBody>
       </p:sp>
@@ -4184,10 +4404,16 @@
           <a:lstStyle/>
           <a:p>
             <a:r>
-              <a:rPr lang="ko-KR" altLang="en-US" dirty="0" smtClean="0"/>
+              <a:rPr lang="ko-KR" altLang="en-US" dirty="0" smtClean="0">
+                <a:latin typeface="AppleSDGothicNeoR00" panose="02000503000000000000" pitchFamily="2" charset="-127"/>
+                <a:ea typeface="AppleSDGothicNeoR00" panose="02000503000000000000" pitchFamily="2" charset="-127"/>
+              </a:rPr>
               <a:t>주요 클래스 및 라이브러리</a:t>
             </a:r>
-            <a:endParaRPr lang="ko-KR" altLang="en-US" dirty="0"/>
+            <a:endParaRPr lang="ko-KR" altLang="en-US" dirty="0">
+              <a:latin typeface="AppleSDGothicNeoR00" panose="02000503000000000000" pitchFamily="2" charset="-127"/>
+              <a:ea typeface="AppleSDGothicNeoR00" panose="02000503000000000000" pitchFamily="2" charset="-127"/>
+            </a:endParaRPr>
           </a:p>
         </p:txBody>
       </p:sp>
@@ -4297,14 +4523,23 @@
           <a:lstStyle/>
           <a:p>
             <a:r>
-              <a:rPr lang="en-US" altLang="ko-KR" dirty="0" smtClean="0"/>
+              <a:rPr lang="en-US" altLang="ko-KR" dirty="0" smtClean="0">
+                <a:latin typeface="AppleSDGothicNeoR00" panose="02000503000000000000" pitchFamily="2" charset="-127"/>
+                <a:ea typeface="AppleSDGothicNeoR00" panose="02000503000000000000" pitchFamily="2" charset="-127"/>
+              </a:rPr>
               <a:t>DB</a:t>
             </a:r>
             <a:r>
-              <a:rPr lang="ko-KR" altLang="en-US" dirty="0" smtClean="0"/>
+              <a:rPr lang="ko-KR" altLang="en-US" dirty="0" smtClean="0">
+                <a:latin typeface="AppleSDGothicNeoR00" panose="02000503000000000000" pitchFamily="2" charset="-127"/>
+                <a:ea typeface="AppleSDGothicNeoR00" panose="02000503000000000000" pitchFamily="2" charset="-127"/>
+              </a:rPr>
               <a:t> 연결을 위한 드라이버 및 클래스</a:t>
             </a:r>
-            <a:endParaRPr lang="ko-KR" altLang="en-US" dirty="0"/>
+            <a:endParaRPr lang="ko-KR" altLang="en-US" dirty="0">
+              <a:latin typeface="AppleSDGothicNeoR00" panose="02000503000000000000" pitchFamily="2" charset="-127"/>
+              <a:ea typeface="AppleSDGothicNeoR00" panose="02000503000000000000" pitchFamily="2" charset="-127"/>
+            </a:endParaRPr>
           </a:p>
         </p:txBody>
       </p:sp>
@@ -4397,22 +4632,37 @@
           <a:lstStyle/>
           <a:p>
             <a:r>
-              <a:rPr lang="ko-KR" altLang="en-US" dirty="0" smtClean="0"/>
+              <a:rPr lang="ko-KR" altLang="en-US" dirty="0" smtClean="0">
+                <a:latin typeface="AppleSDGothicNeoR00" panose="02000503000000000000" pitchFamily="2" charset="-127"/>
+                <a:ea typeface="AppleSDGothicNeoR00" panose="02000503000000000000" pitchFamily="2" charset="-127"/>
+              </a:rPr>
               <a:t>각 유저의 </a:t>
             </a:r>
             <a:r>
-              <a:rPr lang="en-US" altLang="ko-KR" dirty="0" err="1" smtClean="0"/>
+              <a:rPr lang="en-US" altLang="ko-KR" dirty="0" err="1" smtClean="0">
+                <a:latin typeface="AppleSDGothicNeoR00" panose="02000503000000000000" pitchFamily="2" charset="-127"/>
+                <a:ea typeface="AppleSDGothicNeoR00" panose="02000503000000000000" pitchFamily="2" charset="-127"/>
+              </a:rPr>
               <a:t>PrintWriter</a:t>
             </a:r>
             <a:r>
-              <a:rPr lang="en-US" altLang="ko-KR" dirty="0" smtClean="0"/>
+              <a:rPr lang="en-US" altLang="ko-KR" dirty="0" smtClean="0">
+                <a:latin typeface="AppleSDGothicNeoR00" panose="02000503000000000000" pitchFamily="2" charset="-127"/>
+                <a:ea typeface="AppleSDGothicNeoR00" panose="02000503000000000000" pitchFamily="2" charset="-127"/>
+              </a:rPr>
               <a:t>, </a:t>
             </a:r>
             <a:r>
-              <a:rPr lang="ko-KR" altLang="en-US" dirty="0" smtClean="0"/>
+              <a:rPr lang="ko-KR" altLang="en-US" dirty="0" smtClean="0">
+                <a:latin typeface="AppleSDGothicNeoR00" panose="02000503000000000000" pitchFamily="2" charset="-127"/>
+                <a:ea typeface="AppleSDGothicNeoR00" panose="02000503000000000000" pitchFamily="2" charset="-127"/>
+              </a:rPr>
               <a:t>테이블 이름을 저장하는 클래스</a:t>
             </a:r>
-            <a:endParaRPr lang="ko-KR" altLang="en-US" dirty="0"/>
+            <a:endParaRPr lang="ko-KR" altLang="en-US" dirty="0">
+              <a:latin typeface="AppleSDGothicNeoR00" panose="02000503000000000000" pitchFamily="2" charset="-127"/>
+              <a:ea typeface="AppleSDGothicNeoR00" panose="02000503000000000000" pitchFamily="2" charset="-127"/>
+            </a:endParaRPr>
           </a:p>
         </p:txBody>
       </p:sp>
@@ -4472,30 +4722,51 @@
           <a:lstStyle/>
           <a:p>
             <a:r>
-              <a:rPr lang="en-US" altLang="ko-KR" dirty="0" err="1" smtClean="0"/>
+              <a:rPr lang="en-US" altLang="ko-KR" dirty="0" err="1" smtClean="0">
+                <a:latin typeface="AppleSDGothicNeoR00" panose="02000503000000000000" pitchFamily="2" charset="-127"/>
+                <a:ea typeface="AppleSDGothicNeoR00" panose="02000503000000000000" pitchFamily="2" charset="-127"/>
+              </a:rPr>
               <a:t>ResultSet</a:t>
             </a:r>
             <a:r>
-              <a:rPr lang="ko-KR" altLang="en-US" dirty="0" smtClean="0"/>
+              <a:rPr lang="ko-KR" altLang="en-US" dirty="0" smtClean="0">
+                <a:latin typeface="AppleSDGothicNeoR00" panose="02000503000000000000" pitchFamily="2" charset="-127"/>
+                <a:ea typeface="AppleSDGothicNeoR00" panose="02000503000000000000" pitchFamily="2" charset="-127"/>
+              </a:rPr>
               <a:t>을 </a:t>
             </a:r>
             <a:r>
-              <a:rPr lang="en-US" altLang="ko-KR" dirty="0" smtClean="0"/>
+              <a:rPr lang="en-US" altLang="ko-KR" dirty="0" smtClean="0">
+                <a:latin typeface="AppleSDGothicNeoR00" panose="02000503000000000000" pitchFamily="2" charset="-127"/>
+                <a:ea typeface="AppleSDGothicNeoR00" panose="02000503000000000000" pitchFamily="2" charset="-127"/>
+              </a:rPr>
               <a:t>List</a:t>
             </a:r>
             <a:r>
-              <a:rPr lang="ko-KR" altLang="en-US" dirty="0" smtClean="0"/>
+              <a:rPr lang="ko-KR" altLang="en-US" dirty="0" smtClean="0">
+                <a:latin typeface="AppleSDGothicNeoR00" panose="02000503000000000000" pitchFamily="2" charset="-127"/>
+                <a:ea typeface="AppleSDGothicNeoR00" panose="02000503000000000000" pitchFamily="2" charset="-127"/>
+              </a:rPr>
               <a:t>로 변환하고 객체 직렬화를 통해 </a:t>
             </a:r>
             <a:r>
-              <a:rPr lang="en-US" altLang="ko-KR" dirty="0" err="1" smtClean="0"/>
+              <a:rPr lang="en-US" altLang="ko-KR" dirty="0" err="1" smtClean="0">
+                <a:latin typeface="AppleSDGothicNeoR00" panose="02000503000000000000" pitchFamily="2" charset="-127"/>
+                <a:ea typeface="AppleSDGothicNeoR00" panose="02000503000000000000" pitchFamily="2" charset="-127"/>
+              </a:rPr>
               <a:t>ObjectOutputStream</a:t>
             </a:r>
             <a:r>
-              <a:rPr lang="ko-KR" altLang="en-US" dirty="0" smtClean="0"/>
+              <a:rPr lang="ko-KR" altLang="en-US" dirty="0" smtClean="0">
+                <a:latin typeface="AppleSDGothicNeoR00" panose="02000503000000000000" pitchFamily="2" charset="-127"/>
+                <a:ea typeface="AppleSDGothicNeoR00" panose="02000503000000000000" pitchFamily="2" charset="-127"/>
+              </a:rPr>
               <a:t>으로 송신 가능하게 하는 클래스</a:t>
             </a:r>
-            <a:endParaRPr lang="ko-KR" altLang="en-US" dirty="0"/>
+            <a:endParaRPr lang="ko-KR" altLang="en-US" dirty="0">
+              <a:latin typeface="AppleSDGothicNeoR00" panose="02000503000000000000" pitchFamily="2" charset="-127"/>
+              <a:ea typeface="AppleSDGothicNeoR00" panose="02000503000000000000" pitchFamily="2" charset="-127"/>
+            </a:endParaRPr>
           </a:p>
         </p:txBody>
       </p:sp>
@@ -4555,14 +4826,23 @@
           <a:lstStyle/>
           <a:p>
             <a:r>
-              <a:rPr lang="en-US" altLang="ko-KR" dirty="0" smtClean="0"/>
+              <a:rPr lang="en-US" altLang="ko-KR" dirty="0" smtClean="0">
+                <a:latin typeface="AppleSDGothicNeoR00" panose="02000503000000000000" pitchFamily="2" charset="-127"/>
+                <a:ea typeface="AppleSDGothicNeoR00" panose="02000503000000000000" pitchFamily="2" charset="-127"/>
+              </a:rPr>
               <a:t>query</a:t>
             </a:r>
             <a:r>
-              <a:rPr lang="ko-KR" altLang="en-US" dirty="0" smtClean="0"/>
+              <a:rPr lang="ko-KR" altLang="en-US" dirty="0" smtClean="0">
+                <a:latin typeface="AppleSDGothicNeoR00" panose="02000503000000000000" pitchFamily="2" charset="-127"/>
+                <a:ea typeface="AppleSDGothicNeoR00" panose="02000503000000000000" pitchFamily="2" charset="-127"/>
+              </a:rPr>
               <a:t>문을 받은 뒤 테이블에 반영하는 클래스</a:t>
             </a:r>
-            <a:endParaRPr lang="ko-KR" altLang="en-US" dirty="0"/>
+            <a:endParaRPr lang="ko-KR" altLang="en-US" dirty="0">
+              <a:latin typeface="AppleSDGothicNeoR00" panose="02000503000000000000" pitchFamily="2" charset="-127"/>
+              <a:ea typeface="AppleSDGothicNeoR00" panose="02000503000000000000" pitchFamily="2" charset="-127"/>
+            </a:endParaRPr>
           </a:p>
         </p:txBody>
       </p:sp>
@@ -4619,18 +4899,16 @@
           <a:lstStyle/>
           <a:p>
             <a:r>
-              <a:rPr lang="ko-KR" altLang="en-US" dirty="0" smtClean="0"/>
-              <a:t>주요 실행</a:t>
-            </a:r>
-            <a:r>
-              <a:rPr lang="ko-KR" altLang="en-US" dirty="0" smtClean="0"/>
-              <a:t> </a:t>
-            </a:r>
-            <a:r>
-              <a:rPr lang="ko-KR" altLang="en-US" dirty="0" smtClean="0"/>
-              <a:t>구조</a:t>
-            </a:r>
-            <a:endParaRPr lang="ko-KR" altLang="en-US" dirty="0"/>
+              <a:rPr lang="ko-KR" altLang="en-US" dirty="0" smtClean="0">
+                <a:latin typeface="AppleSDGothicNeoR00" panose="02000503000000000000" pitchFamily="2" charset="-127"/>
+                <a:ea typeface="AppleSDGothicNeoR00" panose="02000503000000000000" pitchFamily="2" charset="-127"/>
+              </a:rPr>
+              <a:t>주요 실행 구조</a:t>
+            </a:r>
+            <a:endParaRPr lang="ko-KR" altLang="en-US" dirty="0">
+              <a:latin typeface="AppleSDGothicNeoR00" panose="02000503000000000000" pitchFamily="2" charset="-127"/>
+              <a:ea typeface="AppleSDGothicNeoR00" panose="02000503000000000000" pitchFamily="2" charset="-127"/>
+            </a:endParaRPr>
           </a:p>
         </p:txBody>
       </p:sp>
@@ -4734,10 +5012,16 @@
           <a:p>
             <a:pPr algn="ctr"/>
             <a:r>
-              <a:rPr lang="en-US" altLang="ko-KR" dirty="0" smtClean="0"/>
+              <a:rPr lang="en-US" altLang="ko-KR" dirty="0" smtClean="0">
+                <a:latin typeface="AppleSDGothicNeoR00" panose="02000503000000000000" pitchFamily="2" charset="-127"/>
+                <a:ea typeface="AppleSDGothicNeoR00" panose="02000503000000000000" pitchFamily="2" charset="-127"/>
+              </a:rPr>
               <a:t>Client</a:t>
             </a:r>
-            <a:endParaRPr lang="ko-KR" altLang="en-US" dirty="0"/>
+            <a:endParaRPr lang="ko-KR" altLang="en-US" dirty="0">
+              <a:latin typeface="AppleSDGothicNeoR00" panose="02000503000000000000" pitchFamily="2" charset="-127"/>
+              <a:ea typeface="AppleSDGothicNeoR00" panose="02000503000000000000" pitchFamily="2" charset="-127"/>
+            </a:endParaRPr>
           </a:p>
         </p:txBody>
       </p:sp>
@@ -4841,10 +5125,16 @@
           <a:p>
             <a:pPr algn="ctr"/>
             <a:r>
-              <a:rPr lang="en-US" altLang="ko-KR" dirty="0" smtClean="0"/>
+              <a:rPr lang="en-US" altLang="ko-KR" dirty="0" smtClean="0">
+                <a:latin typeface="AppleSDGothicNeoR00" panose="02000503000000000000" pitchFamily="2" charset="-127"/>
+                <a:ea typeface="AppleSDGothicNeoR00" panose="02000503000000000000" pitchFamily="2" charset="-127"/>
+              </a:rPr>
               <a:t>Server</a:t>
             </a:r>
-            <a:endParaRPr lang="ko-KR" altLang="en-US" dirty="0"/>
+            <a:endParaRPr lang="ko-KR" altLang="en-US" dirty="0">
+              <a:latin typeface="AppleSDGothicNeoR00" panose="02000503000000000000" pitchFamily="2" charset="-127"/>
+              <a:ea typeface="AppleSDGothicNeoR00" panose="02000503000000000000" pitchFamily="2" charset="-127"/>
+            </a:endParaRPr>
           </a:p>
         </p:txBody>
       </p:sp>
@@ -4948,10 +5238,16 @@
           <a:p>
             <a:pPr algn="ctr"/>
             <a:r>
-              <a:rPr lang="en-US" altLang="ko-KR" dirty="0" smtClean="0"/>
+              <a:rPr lang="en-US" altLang="ko-KR" dirty="0" smtClean="0">
+                <a:latin typeface="AppleSDGothicNeoR00" panose="02000503000000000000" pitchFamily="2" charset="-127"/>
+                <a:ea typeface="AppleSDGothicNeoR00" panose="02000503000000000000" pitchFamily="2" charset="-127"/>
+              </a:rPr>
               <a:t>Client</a:t>
             </a:r>
-            <a:endParaRPr lang="ko-KR" altLang="en-US" dirty="0"/>
+            <a:endParaRPr lang="ko-KR" altLang="en-US" dirty="0">
+              <a:latin typeface="AppleSDGothicNeoR00" panose="02000503000000000000" pitchFamily="2" charset="-127"/>
+              <a:ea typeface="AppleSDGothicNeoR00" panose="02000503000000000000" pitchFamily="2" charset="-127"/>
+            </a:endParaRPr>
           </a:p>
         </p:txBody>
       </p:sp>
@@ -5021,7 +5317,7 @@
         <p:spPr>
           <a:xfrm>
             <a:off x="5672483" y="5324198"/>
-            <a:ext cx="5213415" cy="307777"/>
+            <a:ext cx="4657044" cy="307777"/>
           </a:xfrm>
           <a:prstGeom prst="rect">
             <a:avLst/>
@@ -5035,42 +5331,79 @@
           <a:lstStyle/>
           <a:p>
             <a:r>
-              <a:rPr lang="ko-KR" altLang="en-US" sz="1400" dirty="0" smtClean="0"/>
+              <a:rPr lang="ko-KR" altLang="en-US" sz="1400" dirty="0" smtClean="0">
+                <a:latin typeface="AppleSDGothicNeoR00" panose="02000503000000000000" pitchFamily="2" charset="-127"/>
+                <a:ea typeface="AppleSDGothicNeoR00" panose="02000503000000000000" pitchFamily="2" charset="-127"/>
+              </a:rPr>
               <a:t>이벤트</a:t>
             </a:r>
             <a:r>
-              <a:rPr lang="en-US" altLang="ko-KR" sz="1400" dirty="0" smtClean="0"/>
+              <a:rPr lang="en-US" altLang="ko-KR" sz="1400" dirty="0" smtClean="0">
+                <a:latin typeface="AppleSDGothicNeoR00" panose="02000503000000000000" pitchFamily="2" charset="-127"/>
+                <a:ea typeface="AppleSDGothicNeoR00" panose="02000503000000000000" pitchFamily="2" charset="-127"/>
+              </a:rPr>
               <a:t>(value</a:t>
             </a:r>
             <a:r>
-              <a:rPr lang="ko-KR" altLang="en-US" sz="1400" dirty="0" smtClean="0"/>
+              <a:rPr lang="ko-KR" altLang="en-US" sz="1400" dirty="0" smtClean="0">
+                <a:latin typeface="AppleSDGothicNeoR00" panose="02000503000000000000" pitchFamily="2" charset="-127"/>
+                <a:ea typeface="AppleSDGothicNeoR00" panose="02000503000000000000" pitchFamily="2" charset="-127"/>
+              </a:rPr>
               <a:t>의 변경</a:t>
             </a:r>
             <a:r>
-              <a:rPr lang="en-US" altLang="ko-KR" sz="1400" dirty="0" smtClean="0"/>
+              <a:rPr lang="en-US" altLang="ko-KR" sz="1400" dirty="0" smtClean="0">
+                <a:latin typeface="AppleSDGothicNeoR00" panose="02000503000000000000" pitchFamily="2" charset="-127"/>
+                <a:ea typeface="AppleSDGothicNeoR00" panose="02000503000000000000" pitchFamily="2" charset="-127"/>
+              </a:rPr>
               <a:t>)</a:t>
             </a:r>
             <a:r>
-              <a:rPr lang="ko-KR" altLang="en-US" sz="1400" dirty="0" smtClean="0"/>
+              <a:rPr lang="ko-KR" altLang="en-US" sz="1400" dirty="0" smtClean="0">
+                <a:latin typeface="AppleSDGothicNeoR00" panose="02000503000000000000" pitchFamily="2" charset="-127"/>
+                <a:ea typeface="AppleSDGothicNeoR00" panose="02000503000000000000" pitchFamily="2" charset="-127"/>
+              </a:rPr>
               <a:t>를 감지하면 </a:t>
             </a:r>
             <a:r>
-              <a:rPr lang="en-US" altLang="ko-KR" sz="1400" dirty="0" err="1" smtClean="0"/>
+              <a:rPr lang="en-US" altLang="ko-KR" sz="1400" dirty="0" err="1" smtClean="0">
+                <a:latin typeface="AppleSDGothicNeoR00" panose="02000503000000000000" pitchFamily="2" charset="-127"/>
+                <a:ea typeface="AppleSDGothicNeoR00" panose="02000503000000000000" pitchFamily="2" charset="-127"/>
+              </a:rPr>
               <a:t>printwriter</a:t>
             </a:r>
             <a:r>
-              <a:rPr lang="ko-KR" altLang="en-US" sz="1400" dirty="0" smtClean="0"/>
+              <a:rPr lang="ko-KR" altLang="en-US" sz="1400" dirty="0" smtClean="0">
+                <a:latin typeface="AppleSDGothicNeoR00" panose="02000503000000000000" pitchFamily="2" charset="-127"/>
+                <a:ea typeface="AppleSDGothicNeoR00" panose="02000503000000000000" pitchFamily="2" charset="-127"/>
+              </a:rPr>
               <a:t>가 </a:t>
             </a:r>
             <a:r>
-              <a:rPr lang="en-US" altLang="ko-KR" sz="1400" dirty="0" smtClean="0"/>
+              <a:rPr lang="en-US" altLang="ko-KR" sz="1400" dirty="0" smtClean="0">
+                <a:latin typeface="AppleSDGothicNeoR00" panose="02000503000000000000" pitchFamily="2" charset="-127"/>
+                <a:ea typeface="AppleSDGothicNeoR00" panose="02000503000000000000" pitchFamily="2" charset="-127"/>
+              </a:rPr>
               <a:t>query</a:t>
             </a:r>
             <a:r>
-              <a:rPr lang="ko-KR" altLang="en-US" sz="1400" dirty="0" smtClean="0"/>
-              <a:t>문을 보냄</a:t>
-            </a:r>
-            <a:endParaRPr lang="ko-KR" altLang="en-US" sz="1400" dirty="0"/>
+              <a:rPr lang="ko-KR" altLang="en-US" sz="1400" dirty="0" smtClean="0">
+                <a:latin typeface="AppleSDGothicNeoR00" panose="02000503000000000000" pitchFamily="2" charset="-127"/>
+                <a:ea typeface="AppleSDGothicNeoR00" panose="02000503000000000000" pitchFamily="2" charset="-127"/>
+              </a:rPr>
+              <a:t>문을 </a:t>
+            </a:r>
+            <a:r>
+              <a:rPr lang="ko-KR" altLang="en-US" sz="1400" dirty="0" smtClean="0">
+                <a:latin typeface="AppleSDGothicNeoR00" panose="02000503000000000000" pitchFamily="2" charset="-127"/>
+                <a:ea typeface="AppleSDGothicNeoR00" panose="02000503000000000000" pitchFamily="2" charset="-127"/>
+              </a:rPr>
+              <a:t>전송</a:t>
+            </a:r>
+            <a:endParaRPr lang="ko-KR" altLang="en-US" sz="1400" dirty="0">
+              <a:latin typeface="AppleSDGothicNeoR00" panose="02000503000000000000" pitchFamily="2" charset="-127"/>
+              <a:ea typeface="AppleSDGothicNeoR00" panose="02000503000000000000" pitchFamily="2" charset="-127"/>
+            </a:endParaRPr>
           </a:p>
         </p:txBody>
       </p:sp>
@@ -5186,10 +5519,16 @@
           <a:lstStyle/>
           <a:p>
             <a:r>
-              <a:rPr lang="ko-KR" altLang="en-US" dirty="0" smtClean="0"/>
+              <a:rPr lang="ko-KR" altLang="en-US" dirty="0" smtClean="0">
+                <a:latin typeface="AppleSDGothicNeoR00" panose="02000503000000000000" pitchFamily="2" charset="-127"/>
+                <a:ea typeface="AppleSDGothicNeoR00" panose="02000503000000000000" pitchFamily="2" charset="-127"/>
+              </a:rPr>
               <a:t>주요 실행 화면</a:t>
             </a:r>
-            <a:endParaRPr lang="ko-KR" altLang="en-US" dirty="0"/>
+            <a:endParaRPr lang="ko-KR" altLang="en-US" dirty="0">
+              <a:latin typeface="AppleSDGothicNeoR00" panose="02000503000000000000" pitchFamily="2" charset="-127"/>
+              <a:ea typeface="AppleSDGothicNeoR00" panose="02000503000000000000" pitchFamily="2" charset="-127"/>
+            </a:endParaRPr>
           </a:p>
         </p:txBody>
       </p:sp>
@@ -5236,10 +5575,16 @@
           <a:p>
             <a:pPr algn="ctr"/>
             <a:r>
-              <a:rPr lang="en-US" altLang="ko-KR" dirty="0" smtClean="0"/>
+              <a:rPr lang="en-US" altLang="ko-KR" dirty="0" smtClean="0">
+                <a:latin typeface="AppleSDGothicNeoR00" panose="02000503000000000000" pitchFamily="2" charset="-127"/>
+                <a:ea typeface="AppleSDGothicNeoR00" panose="02000503000000000000" pitchFamily="2" charset="-127"/>
+              </a:rPr>
               <a:t>Client</a:t>
             </a:r>
-            <a:endParaRPr lang="ko-KR" altLang="en-US" dirty="0"/>
+            <a:endParaRPr lang="ko-KR" altLang="en-US" dirty="0">
+              <a:latin typeface="AppleSDGothicNeoR00" panose="02000503000000000000" pitchFamily="2" charset="-127"/>
+              <a:ea typeface="AppleSDGothicNeoR00" panose="02000503000000000000" pitchFamily="2" charset="-127"/>
+            </a:endParaRPr>
           </a:p>
         </p:txBody>
       </p:sp>
@@ -5454,7 +5799,10 @@
           <a:p>
             <a:pPr algn="ctr"/>
             <a:r>
-              <a:rPr lang="en-US" altLang="ko-KR" dirty="0" smtClean="0"/>
+              <a:rPr lang="en-US" altLang="ko-KR" dirty="0" smtClean="0">
+                <a:latin typeface="AppleSDGothicNeoR00" panose="02000503000000000000" pitchFamily="2" charset="-127"/>
+                <a:ea typeface="AppleSDGothicNeoR00" panose="02000503000000000000" pitchFamily="2" charset="-127"/>
+              </a:rPr>
               <a:t>Server</a:t>
             </a:r>
           </a:p>
@@ -5527,7 +5875,10 @@
           <a:p>
             <a:pPr algn="ctr"/>
             <a:r>
-              <a:rPr lang="en-US" altLang="ko-KR" dirty="0" smtClean="0"/>
+              <a:rPr lang="en-US" altLang="ko-KR" dirty="0" smtClean="0">
+                <a:latin typeface="AppleSDGothicNeoR00" panose="02000503000000000000" pitchFamily="2" charset="-127"/>
+                <a:ea typeface="AppleSDGothicNeoR00" panose="02000503000000000000" pitchFamily="2" charset="-127"/>
+              </a:rPr>
               <a:t>Other Client</a:t>
             </a:r>
           </a:p>
@@ -5735,30 +6086,51 @@
           <a:lstStyle/>
           <a:p>
             <a:r>
-              <a:rPr lang="ko-KR" altLang="en-US" sz="1050" dirty="0" err="1" smtClean="0"/>
+              <a:rPr lang="ko-KR" altLang="en-US" sz="1050" dirty="0" err="1" smtClean="0">
+                <a:latin typeface="AppleSDGothicNeoR00" panose="02000503000000000000" pitchFamily="2" charset="-127"/>
+                <a:ea typeface="AppleSDGothicNeoR00" panose="02000503000000000000" pitchFamily="2" charset="-127"/>
+              </a:rPr>
               <a:t>엔터나</a:t>
             </a:r>
             <a:r>
-              <a:rPr lang="ko-KR" altLang="en-US" sz="1050" dirty="0" smtClean="0"/>
+              <a:rPr lang="ko-KR" altLang="en-US" sz="1050" dirty="0" smtClean="0">
+                <a:latin typeface="AppleSDGothicNeoR00" panose="02000503000000000000" pitchFamily="2" charset="-127"/>
+                <a:ea typeface="AppleSDGothicNeoR00" panose="02000503000000000000" pitchFamily="2" charset="-127"/>
+              </a:rPr>
               <a:t> </a:t>
             </a:r>
             <a:r>
-              <a:rPr lang="en-US" altLang="ko-KR" sz="1050" dirty="0" smtClean="0"/>
+              <a:rPr lang="en-US" altLang="ko-KR" sz="1050" dirty="0" smtClean="0">
+                <a:latin typeface="AppleSDGothicNeoR00" panose="02000503000000000000" pitchFamily="2" charset="-127"/>
+                <a:ea typeface="AppleSDGothicNeoR00" panose="02000503000000000000" pitchFamily="2" charset="-127"/>
+              </a:rPr>
               <a:t>focus out</a:t>
             </a:r>
             <a:r>
-              <a:rPr lang="ko-KR" altLang="en-US" sz="1050" dirty="0" smtClean="0"/>
+              <a:rPr lang="ko-KR" altLang="en-US" sz="1050" dirty="0" smtClean="0">
+                <a:latin typeface="AppleSDGothicNeoR00" panose="02000503000000000000" pitchFamily="2" charset="-127"/>
+                <a:ea typeface="AppleSDGothicNeoR00" panose="02000503000000000000" pitchFamily="2" charset="-127"/>
+              </a:rPr>
               <a:t>을 통해 </a:t>
             </a:r>
             <a:r>
-              <a:rPr lang="en-US" altLang="ko-KR" sz="1050" dirty="0" smtClean="0"/>
+              <a:rPr lang="en-US" altLang="ko-KR" sz="1050" dirty="0" smtClean="0">
+                <a:latin typeface="AppleSDGothicNeoR00" panose="02000503000000000000" pitchFamily="2" charset="-127"/>
+                <a:ea typeface="AppleSDGothicNeoR00" panose="02000503000000000000" pitchFamily="2" charset="-127"/>
+              </a:rPr>
               <a:t>value </a:t>
             </a:r>
             <a:r>
-              <a:rPr lang="ko-KR" altLang="en-US" sz="1050" dirty="0" smtClean="0"/>
+              <a:rPr lang="ko-KR" altLang="en-US" sz="1050" dirty="0" smtClean="0">
+                <a:latin typeface="AppleSDGothicNeoR00" panose="02000503000000000000" pitchFamily="2" charset="-127"/>
+                <a:ea typeface="AppleSDGothicNeoR00" panose="02000503000000000000" pitchFamily="2" charset="-127"/>
+              </a:rPr>
               <a:t>변경</a:t>
             </a:r>
-            <a:endParaRPr lang="ko-KR" altLang="en-US" sz="1050" dirty="0"/>
+            <a:endParaRPr lang="ko-KR" altLang="en-US" sz="1050" dirty="0">
+              <a:latin typeface="AppleSDGothicNeoR00" panose="02000503000000000000" pitchFamily="2" charset="-127"/>
+              <a:ea typeface="AppleSDGothicNeoR00" panose="02000503000000000000" pitchFamily="2" charset="-127"/>
+            </a:endParaRPr>
           </a:p>
         </p:txBody>
       </p:sp>
@@ -5965,10 +6337,16 @@
           <a:p>
             <a:pPr algn="ctr"/>
             <a:r>
-              <a:rPr lang="ko-KR" altLang="en-US" sz="1050" dirty="0" smtClean="0"/>
+              <a:rPr lang="ko-KR" altLang="en-US" sz="1050" dirty="0" smtClean="0">
+                <a:latin typeface="AppleSDGothicNeoR00" panose="02000503000000000000" pitchFamily="2" charset="-127"/>
+                <a:ea typeface="AppleSDGothicNeoR00" panose="02000503000000000000" pitchFamily="2" charset="-127"/>
+              </a:rPr>
               <a:t>테이블 값 변경</a:t>
             </a:r>
-            <a:endParaRPr lang="ko-KR" altLang="en-US" sz="1050" dirty="0"/>
+            <a:endParaRPr lang="ko-KR" altLang="en-US" sz="1050" dirty="0">
+              <a:latin typeface="AppleSDGothicNeoR00" panose="02000503000000000000" pitchFamily="2" charset="-127"/>
+              <a:ea typeface="AppleSDGothicNeoR00" panose="02000503000000000000" pitchFamily="2" charset="-127"/>
+            </a:endParaRPr>
           </a:p>
         </p:txBody>
       </p:sp>
@@ -6053,7 +6431,7 @@
         <p:spPr>
           <a:xfrm>
             <a:off x="466685" y="4167701"/>
-            <a:ext cx="2194832" cy="369332"/>
+            <a:ext cx="1909497" cy="369332"/>
           </a:xfrm>
           <a:prstGeom prst="rect">
             <a:avLst/>
@@ -6067,10 +6445,16 @@
           <a:lstStyle/>
           <a:p>
             <a:r>
-              <a:rPr lang="ko-KR" altLang="en-US" dirty="0" smtClean="0"/>
+              <a:rPr lang="ko-KR" altLang="en-US" dirty="0" smtClean="0">
+                <a:latin typeface="AppleSDGothicNeoR00" panose="02000503000000000000" pitchFamily="2" charset="-127"/>
+                <a:ea typeface="AppleSDGothicNeoR00" panose="02000503000000000000" pitchFamily="2" charset="-127"/>
+              </a:rPr>
               <a:t>오류가 발생할 경우</a:t>
             </a:r>
-            <a:endParaRPr lang="ko-KR" altLang="en-US" dirty="0"/>
+            <a:endParaRPr lang="ko-KR" altLang="en-US" dirty="0">
+              <a:latin typeface="AppleSDGothicNeoR00" panose="02000503000000000000" pitchFamily="2" charset="-127"/>
+              <a:ea typeface="AppleSDGothicNeoR00" panose="02000503000000000000" pitchFamily="2" charset="-127"/>
+            </a:endParaRPr>
           </a:p>
         </p:txBody>
       </p:sp>
@@ -6165,10 +6549,16 @@
           <a:p>
             <a:pPr algn="ctr"/>
             <a:r>
-              <a:rPr lang="en-US" altLang="ko-KR" dirty="0" smtClean="0"/>
+              <a:rPr lang="en-US" altLang="ko-KR" dirty="0" smtClean="0">
+                <a:latin typeface="AppleSDGothicNeoR00" panose="02000503000000000000" pitchFamily="2" charset="-127"/>
+                <a:ea typeface="AppleSDGothicNeoR00" panose="02000503000000000000" pitchFamily="2" charset="-127"/>
+              </a:rPr>
               <a:t>Client</a:t>
             </a:r>
-            <a:endParaRPr lang="ko-KR" altLang="en-US" dirty="0"/>
+            <a:endParaRPr lang="ko-KR" altLang="en-US" dirty="0">
+              <a:latin typeface="AppleSDGothicNeoR00" panose="02000503000000000000" pitchFamily="2" charset="-127"/>
+              <a:ea typeface="AppleSDGothicNeoR00" panose="02000503000000000000" pitchFamily="2" charset="-127"/>
+            </a:endParaRPr>
           </a:p>
         </p:txBody>
       </p:sp>
@@ -6215,7 +6605,10 @@
           <a:p>
             <a:pPr algn="ctr"/>
             <a:r>
-              <a:rPr lang="en-US" altLang="ko-KR" dirty="0" smtClean="0"/>
+              <a:rPr lang="en-US" altLang="ko-KR" dirty="0" smtClean="0">
+                <a:latin typeface="AppleSDGothicNeoR00" panose="02000503000000000000" pitchFamily="2" charset="-127"/>
+                <a:ea typeface="AppleSDGothicNeoR00" panose="02000503000000000000" pitchFamily="2" charset="-127"/>
+              </a:rPr>
               <a:t>Server</a:t>
             </a:r>
           </a:p>
@@ -6281,14 +6674,23 @@
           <a:p>
             <a:pPr algn="ctr"/>
             <a:r>
-              <a:rPr lang="en-US" altLang="ko-KR" sz="1050" dirty="0" smtClean="0"/>
+              <a:rPr lang="en-US" altLang="ko-KR" sz="1050" dirty="0" smtClean="0">
+                <a:latin typeface="AppleSDGothicNeoR00" panose="02000503000000000000" pitchFamily="2" charset="-127"/>
+                <a:ea typeface="AppleSDGothicNeoR00" panose="02000503000000000000" pitchFamily="2" charset="-127"/>
+              </a:rPr>
               <a:t>try-catch</a:t>
             </a:r>
             <a:r>
-              <a:rPr lang="ko-KR" altLang="en-US" sz="1050" dirty="0" smtClean="0"/>
+              <a:rPr lang="ko-KR" altLang="en-US" sz="1050" dirty="0" smtClean="0">
+                <a:latin typeface="AppleSDGothicNeoR00" panose="02000503000000000000" pitchFamily="2" charset="-127"/>
+                <a:ea typeface="AppleSDGothicNeoR00" panose="02000503000000000000" pitchFamily="2" charset="-127"/>
+              </a:rPr>
               <a:t>를 통해 오류 캐치</a:t>
             </a:r>
-            <a:endParaRPr lang="ko-KR" altLang="en-US" sz="1050" dirty="0"/>
+            <a:endParaRPr lang="ko-KR" altLang="en-US" sz="1050" dirty="0">
+              <a:latin typeface="AppleSDGothicNeoR00" panose="02000503000000000000" pitchFamily="2" charset="-127"/>
+              <a:ea typeface="AppleSDGothicNeoR00" panose="02000503000000000000" pitchFamily="2" charset="-127"/>
+            </a:endParaRPr>
           </a:p>
         </p:txBody>
       </p:sp>
@@ -6375,10 +6777,16 @@
           <a:lstStyle/>
           <a:p>
             <a:r>
-              <a:rPr lang="ko-KR" altLang="en-US" sz="1050" dirty="0" smtClean="0"/>
+              <a:rPr lang="ko-KR" altLang="en-US" sz="1050" dirty="0" smtClean="0">
+                <a:latin typeface="AppleSDGothicNeoR00" panose="02000503000000000000" pitchFamily="2" charset="-127"/>
+                <a:ea typeface="AppleSDGothicNeoR00" panose="02000503000000000000" pitchFamily="2" charset="-127"/>
+              </a:rPr>
               <a:t>오류 구문을 전달받으면 프로그램 종료</a:t>
             </a:r>
-            <a:endParaRPr lang="ko-KR" altLang="en-US" sz="1050" dirty="0"/>
+            <a:endParaRPr lang="ko-KR" altLang="en-US" sz="1050" dirty="0">
+              <a:latin typeface="AppleSDGothicNeoR00" panose="02000503000000000000" pitchFamily="2" charset="-127"/>
+              <a:ea typeface="AppleSDGothicNeoR00" panose="02000503000000000000" pitchFamily="2" charset="-127"/>
+            </a:endParaRPr>
           </a:p>
         </p:txBody>
       </p:sp>
@@ -6405,18 +6813,30 @@
           <a:lstStyle/>
           <a:p>
             <a:r>
-              <a:rPr lang="en-US" altLang="ko-KR" sz="1050" dirty="0" smtClean="0"/>
+              <a:rPr lang="en-US" altLang="ko-KR" sz="1050" dirty="0" smtClean="0">
+                <a:latin typeface="AppleSDGothicNeoR00" panose="02000503000000000000" pitchFamily="2" charset="-127"/>
+                <a:ea typeface="AppleSDGothicNeoR00" panose="02000503000000000000" pitchFamily="2" charset="-127"/>
+              </a:rPr>
               <a:t>Broadcast </a:t>
             </a:r>
             <a:r>
-              <a:rPr lang="ko-KR" altLang="en-US" sz="1050" dirty="0" err="1" smtClean="0"/>
+              <a:rPr lang="ko-KR" altLang="en-US" sz="1050" dirty="0" err="1" smtClean="0">
+                <a:latin typeface="AppleSDGothicNeoR00" panose="02000503000000000000" pitchFamily="2" charset="-127"/>
+                <a:ea typeface="AppleSDGothicNeoR00" panose="02000503000000000000" pitchFamily="2" charset="-127"/>
+              </a:rPr>
               <a:t>메소드를</a:t>
             </a:r>
             <a:r>
-              <a:rPr lang="ko-KR" altLang="en-US" sz="1050" dirty="0" smtClean="0"/>
+              <a:rPr lang="ko-KR" altLang="en-US" sz="1050" dirty="0" smtClean="0">
+                <a:latin typeface="AppleSDGothicNeoR00" panose="02000503000000000000" pitchFamily="2" charset="-127"/>
+                <a:ea typeface="AppleSDGothicNeoR00" panose="02000503000000000000" pitchFamily="2" charset="-127"/>
+              </a:rPr>
               <a:t> 통해 전송한 클라이언트를 제외한 모든 클라이언트에 전송 </a:t>
             </a:r>
-            <a:endParaRPr lang="ko-KR" altLang="en-US" sz="1050" dirty="0"/>
+            <a:endParaRPr lang="ko-KR" altLang="en-US" sz="1050" dirty="0">
+              <a:latin typeface="AppleSDGothicNeoR00" panose="02000503000000000000" pitchFamily="2" charset="-127"/>
+              <a:ea typeface="AppleSDGothicNeoR00" panose="02000503000000000000" pitchFamily="2" charset="-127"/>
+            </a:endParaRPr>
           </a:p>
         </p:txBody>
       </p:sp>
@@ -6473,10 +6893,16 @@
           <a:lstStyle/>
           <a:p>
             <a:r>
-              <a:rPr lang="en-US" altLang="ko-KR" dirty="0" smtClean="0"/>
+              <a:rPr lang="en-US" altLang="ko-KR" dirty="0" smtClean="0">
+                <a:latin typeface="AppleSDGothicNeoR00" panose="02000503000000000000" pitchFamily="2" charset="-127"/>
+                <a:ea typeface="AppleSDGothicNeoR00" panose="02000503000000000000" pitchFamily="2" charset="-127"/>
+              </a:rPr>
               <a:t>UI</a:t>
             </a:r>
-            <a:endParaRPr lang="ko-KR" altLang="en-US" dirty="0"/>
+            <a:endParaRPr lang="ko-KR" altLang="en-US" dirty="0">
+              <a:latin typeface="AppleSDGothicNeoR00" panose="02000503000000000000" pitchFamily="2" charset="-127"/>
+              <a:ea typeface="AppleSDGothicNeoR00" panose="02000503000000000000" pitchFamily="2" charset="-127"/>
+            </a:endParaRPr>
           </a:p>
         </p:txBody>
       </p:sp>
@@ -6570,7 +6996,10 @@
           <a:lstStyle/>
           <a:p>
             <a:pPr algn="ctr"/>
-            <a:endParaRPr lang="ko-KR" altLang="en-US"/>
+            <a:endParaRPr lang="ko-KR" altLang="en-US">
+              <a:latin typeface="AppleSDGothicNeoR00" panose="02000503000000000000" pitchFamily="2" charset="-127"/>
+              <a:ea typeface="AppleSDGothicNeoR00" panose="02000503000000000000" pitchFamily="2" charset="-127"/>
+            </a:endParaRPr>
           </a:p>
         </p:txBody>
       </p:sp>
@@ -6632,49 +7061,99 @@
           <a:lstStyle/>
           <a:p>
             <a:r>
-              <a:rPr lang="ko-KR" altLang="en-US" sz="1100" dirty="0" smtClean="0"/>
+              <a:rPr lang="ko-KR" altLang="en-US" sz="1100" dirty="0" smtClean="0">
+                <a:latin typeface="AppleSDGothicNeoR00" panose="02000503000000000000" pitchFamily="2" charset="-127"/>
+                <a:ea typeface="AppleSDGothicNeoR00" panose="02000503000000000000" pitchFamily="2" charset="-127"/>
+              </a:rPr>
               <a:t>추가 버튼 </a:t>
             </a:r>
             <a:r>
-              <a:rPr lang="en-US" altLang="ko-KR" sz="1100" dirty="0" smtClean="0"/>
+              <a:rPr lang="en-US" altLang="ko-KR" sz="1100" dirty="0" smtClean="0">
+                <a:latin typeface="AppleSDGothicNeoR00" panose="02000503000000000000" pitchFamily="2" charset="-127"/>
+                <a:ea typeface="AppleSDGothicNeoR00" panose="02000503000000000000" pitchFamily="2" charset="-127"/>
+              </a:rPr>
               <a:t>-&gt; </a:t>
             </a:r>
             <a:r>
-              <a:rPr lang="ko-KR" altLang="en-US" sz="1100" dirty="0" smtClean="0"/>
+              <a:rPr lang="ko-KR" altLang="en-US" sz="1100" dirty="0" smtClean="0">
+                <a:latin typeface="AppleSDGothicNeoR00" panose="02000503000000000000" pitchFamily="2" charset="-127"/>
+                <a:ea typeface="AppleSDGothicNeoR00" panose="02000503000000000000" pitchFamily="2" charset="-127"/>
+              </a:rPr>
               <a:t>새로운 </a:t>
             </a:r>
             <a:r>
-              <a:rPr lang="en-US" altLang="ko-KR" sz="1100" dirty="0" smtClean="0"/>
+              <a:rPr lang="en-US" altLang="ko-KR" sz="1100" dirty="0" smtClean="0">
+                <a:latin typeface="AppleSDGothicNeoR00" panose="02000503000000000000" pitchFamily="2" charset="-127"/>
+                <a:ea typeface="AppleSDGothicNeoR00" panose="02000503000000000000" pitchFamily="2" charset="-127"/>
+              </a:rPr>
               <a:t>row</a:t>
             </a:r>
             <a:r>
-              <a:rPr lang="ko-KR" altLang="en-US" sz="1100" dirty="0" smtClean="0"/>
-              <a:t>을 추가함</a:t>
-            </a:r>
-            <a:endParaRPr lang="en-US" altLang="ko-KR" sz="1100" dirty="0" smtClean="0"/>
-          </a:p>
-          <a:p>
-            <a:r>
-              <a:rPr lang="ko-KR" altLang="en-US" sz="1100" dirty="0" smtClean="0"/>
+              <a:rPr lang="ko-KR" altLang="en-US" sz="1100" dirty="0" smtClean="0">
+                <a:latin typeface="AppleSDGothicNeoR00" panose="02000503000000000000" pitchFamily="2" charset="-127"/>
+                <a:ea typeface="AppleSDGothicNeoR00" panose="02000503000000000000" pitchFamily="2" charset="-127"/>
+              </a:rPr>
+              <a:t>을 </a:t>
+            </a:r>
+            <a:r>
+              <a:rPr lang="ko-KR" altLang="en-US" sz="1100" dirty="0" smtClean="0">
+                <a:latin typeface="AppleSDGothicNeoR00" panose="02000503000000000000" pitchFamily="2" charset="-127"/>
+                <a:ea typeface="AppleSDGothicNeoR00" panose="02000503000000000000" pitchFamily="2" charset="-127"/>
+              </a:rPr>
+              <a:t>추가</a:t>
+            </a:r>
+            <a:endParaRPr lang="en-US" altLang="ko-KR" sz="1100" dirty="0" smtClean="0">
+              <a:latin typeface="AppleSDGothicNeoR00" panose="02000503000000000000" pitchFamily="2" charset="-127"/>
+              <a:ea typeface="AppleSDGothicNeoR00" panose="02000503000000000000" pitchFamily="2" charset="-127"/>
+            </a:endParaRPr>
+          </a:p>
+          <a:p>
+            <a:r>
+              <a:rPr lang="ko-KR" altLang="en-US" sz="1100" dirty="0" smtClean="0">
+                <a:latin typeface="AppleSDGothicNeoR00" panose="02000503000000000000" pitchFamily="2" charset="-127"/>
+                <a:ea typeface="AppleSDGothicNeoR00" panose="02000503000000000000" pitchFamily="2" charset="-127"/>
+              </a:rPr>
               <a:t>삭제 버튼 </a:t>
             </a:r>
             <a:r>
-              <a:rPr lang="en-US" altLang="ko-KR" sz="1100" dirty="0" smtClean="0"/>
+              <a:rPr lang="en-US" altLang="ko-KR" sz="1100" dirty="0" smtClean="0">
+                <a:latin typeface="AppleSDGothicNeoR00" panose="02000503000000000000" pitchFamily="2" charset="-127"/>
+                <a:ea typeface="AppleSDGothicNeoR00" panose="02000503000000000000" pitchFamily="2" charset="-127"/>
+              </a:rPr>
               <a:t>-&gt; </a:t>
             </a:r>
             <a:r>
-              <a:rPr lang="ko-KR" altLang="en-US" sz="1100" dirty="0" smtClean="0"/>
+              <a:rPr lang="ko-KR" altLang="en-US" sz="1100" dirty="0" smtClean="0">
+                <a:latin typeface="AppleSDGothicNeoR00" panose="02000503000000000000" pitchFamily="2" charset="-127"/>
+                <a:ea typeface="AppleSDGothicNeoR00" panose="02000503000000000000" pitchFamily="2" charset="-127"/>
+              </a:rPr>
               <a:t>선택한 </a:t>
             </a:r>
             <a:r>
-              <a:rPr lang="en-US" altLang="ko-KR" sz="1100" dirty="0" smtClean="0"/>
+              <a:rPr lang="en-US" altLang="ko-KR" sz="1100" dirty="0" smtClean="0">
+                <a:latin typeface="AppleSDGothicNeoR00" panose="02000503000000000000" pitchFamily="2" charset="-127"/>
+                <a:ea typeface="AppleSDGothicNeoR00" panose="02000503000000000000" pitchFamily="2" charset="-127"/>
+              </a:rPr>
               <a:t>row</a:t>
             </a:r>
             <a:r>
-              <a:rPr lang="ko-KR" altLang="en-US" sz="1100" dirty="0" smtClean="0"/>
-              <a:t>을 삭제함</a:t>
-            </a:r>
-            <a:endParaRPr lang="ko-KR" altLang="en-US" sz="1100" dirty="0"/>
+              <a:rPr lang="ko-KR" altLang="en-US" sz="1100" dirty="0" smtClean="0">
+                <a:latin typeface="AppleSDGothicNeoR00" panose="02000503000000000000" pitchFamily="2" charset="-127"/>
+                <a:ea typeface="AppleSDGothicNeoR00" panose="02000503000000000000" pitchFamily="2" charset="-127"/>
+              </a:rPr>
+              <a:t>을 </a:t>
+            </a:r>
+            <a:r>
+              <a:rPr lang="ko-KR" altLang="en-US" sz="1100" dirty="0" smtClean="0">
+                <a:latin typeface="AppleSDGothicNeoR00" panose="02000503000000000000" pitchFamily="2" charset="-127"/>
+                <a:ea typeface="AppleSDGothicNeoR00" panose="02000503000000000000" pitchFamily="2" charset="-127"/>
+              </a:rPr>
+              <a:t>삭제</a:t>
+            </a:r>
+            <a:endParaRPr lang="ko-KR" altLang="en-US" sz="1100" dirty="0">
+              <a:latin typeface="AppleSDGothicNeoR00" panose="02000503000000000000" pitchFamily="2" charset="-127"/>
+              <a:ea typeface="AppleSDGothicNeoR00" panose="02000503000000000000" pitchFamily="2" charset="-127"/>
+            </a:endParaRPr>
           </a:p>
         </p:txBody>
       </p:sp>
@@ -6743,7 +7222,10 @@
           <a:lstStyle/>
           <a:p>
             <a:pPr algn="ctr"/>
-            <a:endParaRPr lang="ko-KR" altLang="en-US"/>
+            <a:endParaRPr lang="ko-KR" altLang="en-US">
+              <a:latin typeface="AppleSDGothicNeoR00" panose="02000503000000000000" pitchFamily="2" charset="-127"/>
+              <a:ea typeface="AppleSDGothicNeoR00" panose="02000503000000000000" pitchFamily="2" charset="-127"/>
+            </a:endParaRPr>
           </a:p>
         </p:txBody>
       </p:sp>
@@ -6790,8 +7272,8 @@
         </p:nvSpPr>
         <p:spPr>
           <a:xfrm>
-            <a:off x="4580444" y="4156026"/>
-            <a:ext cx="3289667" cy="430887"/>
+            <a:off x="4321232" y="4263866"/>
+            <a:ext cx="3989978" cy="430887"/>
           </a:xfrm>
           <a:prstGeom prst="rect">
             <a:avLst/>
@@ -6805,26 +7287,88 @@
           <a:lstStyle/>
           <a:p>
             <a:r>
-              <a:rPr lang="en-US" altLang="ko-KR" sz="1100" dirty="0" smtClean="0"/>
+              <a:rPr lang="en-US" altLang="ko-KR" sz="1100" dirty="0" smtClean="0">
+                <a:latin typeface="AppleSDGothicNeoR00" panose="02000503000000000000" pitchFamily="2" charset="-127"/>
+                <a:ea typeface="AppleSDGothicNeoR00" panose="02000503000000000000" pitchFamily="2" charset="-127"/>
+              </a:rPr>
               <a:t>Column</a:t>
             </a:r>
             <a:r>
-              <a:rPr lang="ko-KR" altLang="en-US" sz="1100" dirty="0" smtClean="0"/>
-              <a:t>을 드래그하여 원하는 곳에 놓을 수 있음</a:t>
-            </a:r>
-            <a:r>
-              <a:rPr lang="en-US" altLang="ko-KR" sz="1100" dirty="0" smtClean="0"/>
+              <a:rPr lang="ko-KR" altLang="en-US" sz="1100" dirty="0" smtClean="0">
+                <a:latin typeface="AppleSDGothicNeoR00" panose="02000503000000000000" pitchFamily="2" charset="-127"/>
+                <a:ea typeface="AppleSDGothicNeoR00" panose="02000503000000000000" pitchFamily="2" charset="-127"/>
+              </a:rPr>
+              <a:t>을 드래그하여 원하는 곳에 놓을 </a:t>
+            </a:r>
+            <a:r>
+              <a:rPr lang="ko-KR" altLang="en-US" sz="1100" dirty="0" smtClean="0">
+                <a:latin typeface="AppleSDGothicNeoR00" panose="02000503000000000000" pitchFamily="2" charset="-127"/>
+                <a:ea typeface="AppleSDGothicNeoR00" panose="02000503000000000000" pitchFamily="2" charset="-127"/>
+              </a:rPr>
+              <a:t>수 있다</a:t>
+            </a:r>
+            <a:r>
+              <a:rPr lang="en-US" altLang="ko-KR" sz="1100" dirty="0" smtClean="0">
+                <a:latin typeface="AppleSDGothicNeoR00" panose="02000503000000000000" pitchFamily="2" charset="-127"/>
+                <a:ea typeface="AppleSDGothicNeoR00" panose="02000503000000000000" pitchFamily="2" charset="-127"/>
+              </a:rPr>
+              <a:t>.</a:t>
+            </a:r>
+          </a:p>
+          <a:p>
+            <a:r>
+              <a:rPr lang="en-US" altLang="ko-KR" sz="1100" dirty="0" smtClean="0">
+                <a:latin typeface="AppleSDGothicNeoR00" panose="02000503000000000000" pitchFamily="2" charset="-127"/>
+                <a:ea typeface="AppleSDGothicNeoR00" panose="02000503000000000000" pitchFamily="2" charset="-127"/>
+              </a:rPr>
               <a:t>(</a:t>
             </a:r>
             <a:r>
-              <a:rPr lang="ko-KR" altLang="en-US" sz="1100" dirty="0" smtClean="0"/>
-              <a:t>저장되지는 않음</a:t>
-            </a:r>
-            <a:r>
-              <a:rPr lang="en-US" altLang="ko-KR" sz="1100" dirty="0" smtClean="0"/>
+              <a:rPr lang="ko-KR" altLang="en-US" sz="1100" dirty="0" err="1" smtClean="0">
+                <a:latin typeface="AppleSDGothicNeoR00" panose="02000503000000000000" pitchFamily="2" charset="-127"/>
+                <a:ea typeface="AppleSDGothicNeoR00" panose="02000503000000000000" pitchFamily="2" charset="-127"/>
+              </a:rPr>
+              <a:t>재실행시</a:t>
+            </a:r>
+            <a:r>
+              <a:rPr lang="ko-KR" altLang="en-US" sz="1100" dirty="0" smtClean="0">
+                <a:latin typeface="AppleSDGothicNeoR00" panose="02000503000000000000" pitchFamily="2" charset="-127"/>
+                <a:ea typeface="AppleSDGothicNeoR00" panose="02000503000000000000" pitchFamily="2" charset="-127"/>
+              </a:rPr>
+              <a:t> </a:t>
+            </a:r>
+            <a:r>
+              <a:rPr lang="ko-KR" altLang="en-US" sz="1100" dirty="0" err="1" smtClean="0">
+                <a:latin typeface="AppleSDGothicNeoR00" panose="02000503000000000000" pitchFamily="2" charset="-127"/>
+                <a:ea typeface="AppleSDGothicNeoR00" panose="02000503000000000000" pitchFamily="2" charset="-127"/>
+              </a:rPr>
+              <a:t>초기화되며</a:t>
+            </a:r>
+            <a:r>
+              <a:rPr lang="ko-KR" altLang="en-US" sz="1100" dirty="0" smtClean="0">
+                <a:latin typeface="AppleSDGothicNeoR00" panose="02000503000000000000" pitchFamily="2" charset="-127"/>
+                <a:ea typeface="AppleSDGothicNeoR00" panose="02000503000000000000" pitchFamily="2" charset="-127"/>
+              </a:rPr>
+              <a:t> 다른 테이블에 반영되지는 않는다</a:t>
+            </a:r>
+            <a:r>
+              <a:rPr lang="en-US" altLang="ko-KR" sz="1100" dirty="0" smtClean="0">
+                <a:latin typeface="AppleSDGothicNeoR00" panose="02000503000000000000" pitchFamily="2" charset="-127"/>
+                <a:ea typeface="AppleSDGothicNeoR00" panose="02000503000000000000" pitchFamily="2" charset="-127"/>
+              </a:rPr>
+              <a:t>.</a:t>
+            </a:r>
+            <a:r>
+              <a:rPr lang="en-US" altLang="ko-KR" sz="1100" dirty="0" smtClean="0">
+                <a:latin typeface="AppleSDGothicNeoR00" panose="02000503000000000000" pitchFamily="2" charset="-127"/>
+                <a:ea typeface="AppleSDGothicNeoR00" panose="02000503000000000000" pitchFamily="2" charset="-127"/>
+              </a:rPr>
               <a:t>)</a:t>
             </a:r>
-            <a:endParaRPr lang="ko-KR" altLang="en-US" sz="1100" dirty="0"/>
+            <a:endParaRPr lang="ko-KR" altLang="en-US" sz="1100" dirty="0">
+              <a:latin typeface="AppleSDGothicNeoR00" panose="02000503000000000000" pitchFamily="2" charset="-127"/>
+              <a:ea typeface="AppleSDGothicNeoR00" panose="02000503000000000000" pitchFamily="2" charset="-127"/>
+            </a:endParaRPr>
           </a:p>
         </p:txBody>
       </p:sp>
@@ -6906,7 +7450,10 @@
           <a:lstStyle/>
           <a:p>
             <a:pPr algn="ctr"/>
-            <a:endParaRPr lang="ko-KR" altLang="en-US"/>
+            <a:endParaRPr lang="ko-KR" altLang="en-US">
+              <a:latin typeface="AppleSDGothicNeoR00" panose="02000503000000000000" pitchFamily="2" charset="-127"/>
+              <a:ea typeface="AppleSDGothicNeoR00" panose="02000503000000000000" pitchFamily="2" charset="-127"/>
+            </a:endParaRPr>
           </a:p>
         </p:txBody>
       </p:sp>
@@ -6963,10 +7510,16 @@
           <a:lstStyle/>
           <a:p>
             <a:r>
-              <a:rPr lang="ko-KR" altLang="en-US" dirty="0" smtClean="0"/>
+              <a:rPr lang="ko-KR" altLang="en-US" dirty="0" smtClean="0">
+                <a:latin typeface="AppleSDGothicNeoR00" panose="02000503000000000000" pitchFamily="2" charset="-127"/>
+                <a:ea typeface="AppleSDGothicNeoR00" panose="02000503000000000000" pitchFamily="2" charset="-127"/>
+              </a:rPr>
               <a:t>한계</a:t>
             </a:r>
-            <a:endParaRPr lang="ko-KR" altLang="en-US" dirty="0"/>
+            <a:endParaRPr lang="ko-KR" altLang="en-US" dirty="0">
+              <a:latin typeface="AppleSDGothicNeoR00" panose="02000503000000000000" pitchFamily="2" charset="-127"/>
+              <a:ea typeface="AppleSDGothicNeoR00" panose="02000503000000000000" pitchFamily="2" charset="-127"/>
+            </a:endParaRPr>
           </a:p>
         </p:txBody>
       </p:sp>
@@ -6997,18 +7550,37 @@
               <a:buAutoNum type="arabicPeriod"/>
             </a:pPr>
             <a:r>
-              <a:rPr lang="ko-KR" altLang="en-US" sz="2000" dirty="0" smtClean="0"/>
+              <a:rPr lang="ko-KR" altLang="en-US" sz="2000" dirty="0" smtClean="0">
+                <a:latin typeface="AppleSDGothicNeoR00" panose="02000503000000000000" pitchFamily="2" charset="-127"/>
+                <a:ea typeface="AppleSDGothicNeoR00" panose="02000503000000000000" pitchFamily="2" charset="-127"/>
+              </a:rPr>
               <a:t>테이블의 첫 번째 컬럼이 항상 숫자로 이루어진 </a:t>
             </a:r>
             <a:r>
-              <a:rPr lang="en-US" altLang="ko-KR" sz="2000" dirty="0" smtClean="0"/>
+              <a:rPr lang="en-US" altLang="ko-KR" sz="2000" dirty="0" smtClean="0">
+                <a:latin typeface="AppleSDGothicNeoR00" panose="02000503000000000000" pitchFamily="2" charset="-127"/>
+                <a:ea typeface="AppleSDGothicNeoR00" panose="02000503000000000000" pitchFamily="2" charset="-127"/>
+              </a:rPr>
               <a:t>id</a:t>
             </a:r>
             <a:r>
-              <a:rPr lang="ko-KR" altLang="en-US" sz="2000" dirty="0" smtClean="0"/>
-              <a:t>이어야 함</a:t>
-            </a:r>
-            <a:endParaRPr lang="en-US" altLang="ko-KR" sz="2000" dirty="0"/>
+              <a:rPr lang="ko-KR" altLang="en-US" sz="2000" dirty="0" smtClean="0">
+                <a:latin typeface="AppleSDGothicNeoR00" panose="02000503000000000000" pitchFamily="2" charset="-127"/>
+                <a:ea typeface="AppleSDGothicNeoR00" panose="02000503000000000000" pitchFamily="2" charset="-127"/>
+              </a:rPr>
+              <a:t>이어야 </a:t>
+            </a:r>
+            <a:r>
+              <a:rPr lang="ko-KR" altLang="en-US" sz="2000" dirty="0" smtClean="0">
+                <a:latin typeface="AppleSDGothicNeoR00" panose="02000503000000000000" pitchFamily="2" charset="-127"/>
+                <a:ea typeface="AppleSDGothicNeoR00" panose="02000503000000000000" pitchFamily="2" charset="-127"/>
+              </a:rPr>
+              <a:t>한다</a:t>
+            </a:r>
+            <a:endParaRPr lang="en-US" altLang="ko-KR" sz="2000" dirty="0">
+              <a:latin typeface="AppleSDGothicNeoR00" panose="02000503000000000000" pitchFamily="2" charset="-127"/>
+              <a:ea typeface="AppleSDGothicNeoR00" panose="02000503000000000000" pitchFamily="2" charset="-127"/>
+            </a:endParaRPr>
           </a:p>
           <a:p>
             <a:pPr marL="342900" indent="-342900">
@@ -7016,10 +7588,23 @@
               <a:buAutoNum type="arabicPeriod"/>
             </a:pPr>
             <a:r>
-              <a:rPr lang="ko-KR" altLang="en-US" sz="2000" dirty="0" smtClean="0"/>
-              <a:t>테이블의 데이터 동적 할당을 하지 않았음</a:t>
-            </a:r>
-            <a:endParaRPr lang="en-US" altLang="ko-KR" sz="2000" dirty="0" smtClean="0"/>
+              <a:rPr lang="ko-KR" altLang="en-US" sz="2000" dirty="0" smtClean="0">
+                <a:latin typeface="AppleSDGothicNeoR00" panose="02000503000000000000" pitchFamily="2" charset="-127"/>
+                <a:ea typeface="AppleSDGothicNeoR00" panose="02000503000000000000" pitchFamily="2" charset="-127"/>
+              </a:rPr>
+              <a:t>테이블의 데이터 동적 할당을 </a:t>
+            </a:r>
+            <a:r>
+              <a:rPr lang="ko-KR" altLang="en-US" sz="2000" dirty="0" smtClean="0">
+                <a:latin typeface="AppleSDGothicNeoR00" panose="02000503000000000000" pitchFamily="2" charset="-127"/>
+                <a:ea typeface="AppleSDGothicNeoR00" panose="02000503000000000000" pitchFamily="2" charset="-127"/>
+              </a:rPr>
+              <a:t>하지 않았기 때문에 리소스 낭비가 생긴다</a:t>
+            </a:r>
+            <a:endParaRPr lang="en-US" altLang="ko-KR" sz="2000" dirty="0" smtClean="0">
+              <a:latin typeface="AppleSDGothicNeoR00" panose="02000503000000000000" pitchFamily="2" charset="-127"/>
+              <a:ea typeface="AppleSDGothicNeoR00" panose="02000503000000000000" pitchFamily="2" charset="-127"/>
+            </a:endParaRPr>
           </a:p>
           <a:p>
             <a:pPr marL="342900" indent="-342900">
@@ -7027,18 +7612,37 @@
               <a:buAutoNum type="arabicPeriod"/>
             </a:pPr>
             <a:r>
-              <a:rPr lang="ko-KR" altLang="en-US" sz="2000" dirty="0" smtClean="0"/>
+              <a:rPr lang="ko-KR" altLang="en-US" sz="2000" dirty="0" smtClean="0">
+                <a:latin typeface="AppleSDGothicNeoR00" panose="02000503000000000000" pitchFamily="2" charset="-127"/>
+                <a:ea typeface="AppleSDGothicNeoR00" panose="02000503000000000000" pitchFamily="2" charset="-127"/>
+              </a:rPr>
               <a:t>서버에서 미리 정한 </a:t>
             </a:r>
             <a:r>
-              <a:rPr lang="en-US" altLang="ko-KR" sz="2000" dirty="0" smtClean="0"/>
+              <a:rPr lang="en-US" altLang="ko-KR" sz="2000" dirty="0" smtClean="0">
+                <a:latin typeface="AppleSDGothicNeoR00" panose="02000503000000000000" pitchFamily="2" charset="-127"/>
+                <a:ea typeface="AppleSDGothicNeoR00" panose="02000503000000000000" pitchFamily="2" charset="-127"/>
+              </a:rPr>
               <a:t>schema</a:t>
             </a:r>
             <a:r>
-              <a:rPr lang="ko-KR" altLang="en-US" sz="2000" dirty="0" smtClean="0"/>
-              <a:t>에만 접근할 수 있음</a:t>
-            </a:r>
-            <a:endParaRPr lang="en-US" altLang="ko-KR" sz="2000" dirty="0" smtClean="0"/>
+              <a:rPr lang="ko-KR" altLang="en-US" sz="2000" dirty="0" smtClean="0">
+                <a:latin typeface="AppleSDGothicNeoR00" panose="02000503000000000000" pitchFamily="2" charset="-127"/>
+                <a:ea typeface="AppleSDGothicNeoR00" panose="02000503000000000000" pitchFamily="2" charset="-127"/>
+              </a:rPr>
+              <a:t>에만 </a:t>
+            </a:r>
+            <a:r>
+              <a:rPr lang="ko-KR" altLang="en-US" sz="2000" dirty="0" smtClean="0">
+                <a:latin typeface="AppleSDGothicNeoR00" panose="02000503000000000000" pitchFamily="2" charset="-127"/>
+                <a:ea typeface="AppleSDGothicNeoR00" panose="02000503000000000000" pitchFamily="2" charset="-127"/>
+              </a:rPr>
+              <a:t>접근 가능</a:t>
+            </a:r>
+            <a:endParaRPr lang="en-US" altLang="ko-KR" sz="2000" dirty="0" smtClean="0">
+              <a:latin typeface="AppleSDGothicNeoR00" panose="02000503000000000000" pitchFamily="2" charset="-127"/>
+              <a:ea typeface="AppleSDGothicNeoR00" panose="02000503000000000000" pitchFamily="2" charset="-127"/>
+            </a:endParaRPr>
           </a:p>
           <a:p>
             <a:pPr marL="342900" indent="-342900">
@@ -7046,66 +7650,115 @@
               <a:buAutoNum type="arabicPeriod"/>
             </a:pPr>
             <a:r>
-              <a:rPr lang="ko-KR" altLang="en-US" sz="2000" dirty="0" smtClean="0"/>
+              <a:rPr lang="ko-KR" altLang="en-US" sz="2000" dirty="0" smtClean="0">
+                <a:latin typeface="AppleSDGothicNeoR00" panose="02000503000000000000" pitchFamily="2" charset="-127"/>
+                <a:ea typeface="AppleSDGothicNeoR00" panose="02000503000000000000" pitchFamily="2" charset="-127"/>
+              </a:rPr>
               <a:t>테이블에 정규식에 포함되는 특정 패턴이나 </a:t>
             </a:r>
             <a:r>
-              <a:rPr lang="en-US" altLang="ko-KR" sz="2000" dirty="0" err="1" smtClean="0"/>
+              <a:rPr lang="en-US" altLang="ko-KR" sz="2000" dirty="0" err="1" smtClean="0">
+                <a:latin typeface="AppleSDGothicNeoR00" panose="02000503000000000000" pitchFamily="2" charset="-127"/>
+                <a:ea typeface="AppleSDGothicNeoR00" panose="02000503000000000000" pitchFamily="2" charset="-127"/>
+              </a:rPr>
               <a:t>sql</a:t>
             </a:r>
             <a:r>
-              <a:rPr lang="en-US" altLang="ko-KR" sz="2000" dirty="0" smtClean="0"/>
+              <a:rPr lang="en-US" altLang="ko-KR" sz="2000" dirty="0" smtClean="0">
+                <a:latin typeface="AppleSDGothicNeoR00" panose="02000503000000000000" pitchFamily="2" charset="-127"/>
+                <a:ea typeface="AppleSDGothicNeoR00" panose="02000503000000000000" pitchFamily="2" charset="-127"/>
+              </a:rPr>
               <a:t> query</a:t>
             </a:r>
             <a:r>
-              <a:rPr lang="ko-KR" altLang="en-US" sz="2000" dirty="0" smtClean="0"/>
+              <a:rPr lang="ko-KR" altLang="en-US" sz="2000" dirty="0" smtClean="0">
+                <a:latin typeface="AppleSDGothicNeoR00" panose="02000503000000000000" pitchFamily="2" charset="-127"/>
+                <a:ea typeface="AppleSDGothicNeoR00" panose="02000503000000000000" pitchFamily="2" charset="-127"/>
+              </a:rPr>
               <a:t>에 영향을 끼치는 특수기호</a:t>
             </a:r>
             <a:r>
-              <a:rPr lang="en-US" altLang="ko-KR" sz="2000" dirty="0" smtClean="0"/>
+              <a:rPr lang="en-US" altLang="ko-KR" sz="2000" dirty="0" smtClean="0">
+                <a:latin typeface="AppleSDGothicNeoR00" panose="02000503000000000000" pitchFamily="2" charset="-127"/>
+                <a:ea typeface="AppleSDGothicNeoR00" panose="02000503000000000000" pitchFamily="2" charset="-127"/>
+              </a:rPr>
               <a:t>(</a:t>
             </a:r>
             <a:r>
-              <a:rPr lang="ko-KR" altLang="en-US" sz="2000" dirty="0" smtClean="0"/>
+              <a:rPr lang="ko-KR" altLang="en-US" sz="2000" dirty="0" smtClean="0">
+                <a:latin typeface="AppleSDGothicNeoR00" panose="02000503000000000000" pitchFamily="2" charset="-127"/>
+                <a:ea typeface="AppleSDGothicNeoR00" panose="02000503000000000000" pitchFamily="2" charset="-127"/>
+              </a:rPr>
               <a:t>마지막에 </a:t>
             </a:r>
             <a:r>
-              <a:rPr lang="en-US" altLang="ko-KR" sz="2000" dirty="0" smtClean="0"/>
+              <a:rPr lang="en-US" altLang="ko-KR" sz="2000" dirty="0" smtClean="0">
+                <a:latin typeface="AppleSDGothicNeoR00" panose="02000503000000000000" pitchFamily="2" charset="-127"/>
+                <a:ea typeface="AppleSDGothicNeoR00" panose="02000503000000000000" pitchFamily="2" charset="-127"/>
+              </a:rPr>
               <a:t>‘ </a:t>
             </a:r>
             <a:r>
-              <a:rPr lang="ko-KR" altLang="en-US" sz="2000" dirty="0" smtClean="0"/>
+              <a:rPr lang="ko-KR" altLang="en-US" sz="2000" dirty="0" smtClean="0">
+                <a:latin typeface="AppleSDGothicNeoR00" panose="02000503000000000000" pitchFamily="2" charset="-127"/>
+                <a:ea typeface="AppleSDGothicNeoR00" panose="02000503000000000000" pitchFamily="2" charset="-127"/>
+              </a:rPr>
               <a:t>입력</a:t>
             </a:r>
             <a:r>
-              <a:rPr lang="en-US" altLang="ko-KR" sz="2000" dirty="0" smtClean="0"/>
+              <a:rPr lang="en-US" altLang="ko-KR" sz="2000" dirty="0" smtClean="0">
+                <a:latin typeface="AppleSDGothicNeoR00" panose="02000503000000000000" pitchFamily="2" charset="-127"/>
+                <a:ea typeface="AppleSDGothicNeoR00" panose="02000503000000000000" pitchFamily="2" charset="-127"/>
+              </a:rPr>
               <a:t>) </a:t>
             </a:r>
             <a:r>
-              <a:rPr lang="ko-KR" altLang="en-US" sz="2000" dirty="0" smtClean="0"/>
-              <a:t>등을 하면 에러가 남</a:t>
-            </a:r>
-            <a:endParaRPr lang="en-US" altLang="ko-KR" sz="2000" dirty="0" smtClean="0"/>
+              <a:rPr lang="ko-KR" altLang="en-US" sz="2000" dirty="0" smtClean="0">
+                <a:latin typeface="AppleSDGothicNeoR00" panose="02000503000000000000" pitchFamily="2" charset="-127"/>
+                <a:ea typeface="AppleSDGothicNeoR00" panose="02000503000000000000" pitchFamily="2" charset="-127"/>
+              </a:rPr>
+              <a:t>등을 하면 </a:t>
+            </a:r>
+            <a:r>
+              <a:rPr lang="ko-KR" altLang="en-US" sz="2000" dirty="0" smtClean="0">
+                <a:latin typeface="AppleSDGothicNeoR00" panose="02000503000000000000" pitchFamily="2" charset="-127"/>
+                <a:ea typeface="AppleSDGothicNeoR00" panose="02000503000000000000" pitchFamily="2" charset="-127"/>
+              </a:rPr>
+              <a:t>에러 발생</a:t>
+            </a:r>
+            <a:endParaRPr lang="en-US" altLang="ko-KR" sz="2000" dirty="0" smtClean="0">
+              <a:latin typeface="AppleSDGothicNeoR00" panose="02000503000000000000" pitchFamily="2" charset="-127"/>
+              <a:ea typeface="AppleSDGothicNeoR00" panose="02000503000000000000" pitchFamily="2" charset="-127"/>
+            </a:endParaRPr>
           </a:p>
           <a:p>
             <a:pPr marL="342900" indent="-342900">
               <a:buFont typeface="+mj-lt"/>
               <a:buAutoNum type="arabicPeriod"/>
             </a:pPr>
-            <a:endParaRPr lang="en-US" altLang="ko-KR" sz="2000" dirty="0" smtClean="0"/>
+            <a:endParaRPr lang="en-US" altLang="ko-KR" sz="2000" dirty="0" smtClean="0">
+              <a:latin typeface="AppleSDGothicNeoR00" panose="02000503000000000000" pitchFamily="2" charset="-127"/>
+              <a:ea typeface="AppleSDGothicNeoR00" panose="02000503000000000000" pitchFamily="2" charset="-127"/>
+            </a:endParaRPr>
           </a:p>
           <a:p>
             <a:pPr marL="342900" indent="-342900">
               <a:buFont typeface="+mj-lt"/>
               <a:buAutoNum type="arabicPeriod"/>
             </a:pPr>
-            <a:endParaRPr lang="en-US" altLang="ko-KR" sz="2000" dirty="0" smtClean="0"/>
+            <a:endParaRPr lang="en-US" altLang="ko-KR" sz="2000" dirty="0" smtClean="0">
+              <a:latin typeface="AppleSDGothicNeoR00" panose="02000503000000000000" pitchFamily="2" charset="-127"/>
+              <a:ea typeface="AppleSDGothicNeoR00" panose="02000503000000000000" pitchFamily="2" charset="-127"/>
+            </a:endParaRPr>
           </a:p>
           <a:p>
             <a:pPr marL="0" indent="0">
               <a:buNone/>
             </a:pPr>
-            <a:endParaRPr lang="ko-KR" altLang="en-US" sz="2000" dirty="0"/>
+            <a:endParaRPr lang="ko-KR" altLang="en-US" sz="2000" dirty="0">
+              <a:latin typeface="AppleSDGothicNeoR00" panose="02000503000000000000" pitchFamily="2" charset="-127"/>
+              <a:ea typeface="AppleSDGothicNeoR00" panose="02000503000000000000" pitchFamily="2" charset="-127"/>
+            </a:endParaRPr>
           </a:p>
         </p:txBody>
       </p:sp>
@@ -7169,14 +7822,23 @@
           <a:lstStyle/>
           <a:p>
             <a:r>
-              <a:rPr lang="ko-KR" altLang="en-US" dirty="0" err="1" smtClean="0"/>
+              <a:rPr lang="ko-KR" altLang="en-US" dirty="0" err="1" smtClean="0">
+                <a:latin typeface="AppleSDGothicNeoR00" panose="02000503000000000000" pitchFamily="2" charset="-127"/>
+                <a:ea typeface="AppleSDGothicNeoR00" panose="02000503000000000000" pitchFamily="2" charset="-127"/>
+              </a:rPr>
               <a:t>감사랑합니다</a:t>
             </a:r>
             <a:r>
-              <a:rPr lang="en-US" altLang="ko-KR" dirty="0" smtClean="0"/>
+              <a:rPr lang="en-US" altLang="ko-KR" dirty="0" smtClean="0">
+                <a:latin typeface="AppleSDGothicNeoR00" panose="02000503000000000000" pitchFamily="2" charset="-127"/>
+                <a:ea typeface="AppleSDGothicNeoR00" panose="02000503000000000000" pitchFamily="2" charset="-127"/>
+              </a:rPr>
               <a:t>.</a:t>
             </a:r>
-            <a:endParaRPr lang="ko-KR" altLang="en-US" dirty="0"/>
+            <a:endParaRPr lang="ko-KR" altLang="en-US" dirty="0">
+              <a:latin typeface="AppleSDGothicNeoR00" panose="02000503000000000000" pitchFamily="2" charset="-127"/>
+              <a:ea typeface="AppleSDGothicNeoR00" panose="02000503000000000000" pitchFamily="2" charset="-127"/>
+            </a:endParaRPr>
           </a:p>
         </p:txBody>
       </p:sp>

--- a/Java Portfolio.pptx
+++ b/Java Portfolio.pptx
@@ -1,30 +1,32 @@
 
 <file path=ppt/presentation.xml><?xml version="1.0" encoding="utf-8"?>
-<p:presentation xmlns:a="http://schemas.openxmlformats.org/drawingml/2006/main" xmlns:r="http://schemas.openxmlformats.org/officeDocument/2006/relationships" xmlns:p="http://schemas.openxmlformats.org/presentationml/2006/main" embedTrueTypeFonts="1" saveSubsetFonts="1">
+<p:presentation xmlns:a="http://schemas.openxmlformats.org/drawingml/2006/main" xmlns:r="http://schemas.openxmlformats.org/officeDocument/2006/relationships" xmlns:p="http://schemas.openxmlformats.org/presentationml/2006/main" embedTrueTypeFonts="1">
   <p:sldMasterIdLst>
     <p:sldMasterId id="2147483648" r:id="rId1"/>
   </p:sldMasterIdLst>
   <p:sldIdLst>
     <p:sldId id="256" r:id="rId2"/>
-    <p:sldId id="257" r:id="rId3"/>
-    <p:sldId id="259" r:id="rId4"/>
-    <p:sldId id="258" r:id="rId5"/>
-    <p:sldId id="260" r:id="rId6"/>
-    <p:sldId id="261" r:id="rId7"/>
-    <p:sldId id="262" r:id="rId8"/>
-    <p:sldId id="263" r:id="rId9"/>
+    <p:sldId id="265" r:id="rId3"/>
+    <p:sldId id="266" r:id="rId4"/>
+    <p:sldId id="257" r:id="rId5"/>
+    <p:sldId id="259" r:id="rId6"/>
+    <p:sldId id="258" r:id="rId7"/>
+    <p:sldId id="260" r:id="rId8"/>
+    <p:sldId id="261" r:id="rId9"/>
+    <p:sldId id="262" r:id="rId10"/>
+    <p:sldId id="263" r:id="rId11"/>
   </p:sldIdLst>
   <p:sldSz cx="12192000" cy="6858000"/>
   <p:notesSz cx="6858000" cy="9144000"/>
   <p:embeddedFontLst>
     <p:embeddedFont>
       <p:font typeface="AppleSDGothicNeoR00" panose="02000503000000000000" pitchFamily="2" charset="-127"/>
-      <p:regular r:id="rId10"/>
+      <p:regular r:id="rId12"/>
     </p:embeddedFont>
     <p:embeddedFont>
       <p:font typeface="맑은 고딕" panose="020B0503020000020004" pitchFamily="50" charset="-127"/>
-      <p:regular r:id="rId11"/>
-      <p:bold r:id="rId12"/>
+      <p:regular r:id="rId13"/>
+      <p:bold r:id="rId14"/>
     </p:embeddedFont>
   </p:embeddedFontLst>
   <p:defaultTextStyle>
@@ -261,7 +263,7 @@
           <a:p>
             <a:fld id="{981F6B69-1E7B-452E-AEE2-7CF2478E64BD}" type="datetimeFigureOut">
               <a:rPr lang="ko-KR" altLang="en-US" smtClean="0"/>
-              <a:t>2023-12-15</a:t>
+              <a:t>2023-12-18</a:t>
             </a:fld>
             <a:endParaRPr lang="ko-KR" altLang="en-US"/>
           </a:p>
@@ -431,7 +433,7 @@
           <a:p>
             <a:fld id="{981F6B69-1E7B-452E-AEE2-7CF2478E64BD}" type="datetimeFigureOut">
               <a:rPr lang="ko-KR" altLang="en-US" smtClean="0"/>
-              <a:t>2023-12-15</a:t>
+              <a:t>2023-12-18</a:t>
             </a:fld>
             <a:endParaRPr lang="ko-KR" altLang="en-US"/>
           </a:p>
@@ -611,7 +613,7 @@
           <a:p>
             <a:fld id="{981F6B69-1E7B-452E-AEE2-7CF2478E64BD}" type="datetimeFigureOut">
               <a:rPr lang="ko-KR" altLang="en-US" smtClean="0"/>
-              <a:t>2023-12-15</a:t>
+              <a:t>2023-12-18</a:t>
             </a:fld>
             <a:endParaRPr lang="ko-KR" altLang="en-US"/>
           </a:p>
@@ -781,7 +783,7 @@
           <a:p>
             <a:fld id="{981F6B69-1E7B-452E-AEE2-7CF2478E64BD}" type="datetimeFigureOut">
               <a:rPr lang="ko-KR" altLang="en-US" smtClean="0"/>
-              <a:t>2023-12-15</a:t>
+              <a:t>2023-12-18</a:t>
             </a:fld>
             <a:endParaRPr lang="ko-KR" altLang="en-US"/>
           </a:p>
@@ -1027,7 +1029,7 @@
           <a:p>
             <a:fld id="{981F6B69-1E7B-452E-AEE2-7CF2478E64BD}" type="datetimeFigureOut">
               <a:rPr lang="ko-KR" altLang="en-US" smtClean="0"/>
-              <a:t>2023-12-15</a:t>
+              <a:t>2023-12-18</a:t>
             </a:fld>
             <a:endParaRPr lang="ko-KR" altLang="en-US"/>
           </a:p>
@@ -1259,7 +1261,7 @@
           <a:p>
             <a:fld id="{981F6B69-1E7B-452E-AEE2-7CF2478E64BD}" type="datetimeFigureOut">
               <a:rPr lang="ko-KR" altLang="en-US" smtClean="0"/>
-              <a:t>2023-12-15</a:t>
+              <a:t>2023-12-18</a:t>
             </a:fld>
             <a:endParaRPr lang="ko-KR" altLang="en-US"/>
           </a:p>
@@ -1626,7 +1628,7 @@
           <a:p>
             <a:fld id="{981F6B69-1E7B-452E-AEE2-7CF2478E64BD}" type="datetimeFigureOut">
               <a:rPr lang="ko-KR" altLang="en-US" smtClean="0"/>
-              <a:t>2023-12-15</a:t>
+              <a:t>2023-12-18</a:t>
             </a:fld>
             <a:endParaRPr lang="ko-KR" altLang="en-US"/>
           </a:p>
@@ -1744,7 +1746,7 @@
           <a:p>
             <a:fld id="{981F6B69-1E7B-452E-AEE2-7CF2478E64BD}" type="datetimeFigureOut">
               <a:rPr lang="ko-KR" altLang="en-US" smtClean="0"/>
-              <a:t>2023-12-15</a:t>
+              <a:t>2023-12-18</a:t>
             </a:fld>
             <a:endParaRPr lang="ko-KR" altLang="en-US"/>
           </a:p>
@@ -1839,7 +1841,7 @@
           <a:p>
             <a:fld id="{981F6B69-1E7B-452E-AEE2-7CF2478E64BD}" type="datetimeFigureOut">
               <a:rPr lang="ko-KR" altLang="en-US" smtClean="0"/>
-              <a:t>2023-12-15</a:t>
+              <a:t>2023-12-18</a:t>
             </a:fld>
             <a:endParaRPr lang="ko-KR" altLang="en-US"/>
           </a:p>
@@ -2116,7 +2118,7 @@
           <a:p>
             <a:fld id="{981F6B69-1E7B-452E-AEE2-7CF2478E64BD}" type="datetimeFigureOut">
               <a:rPr lang="ko-KR" altLang="en-US" smtClean="0"/>
-              <a:t>2023-12-15</a:t>
+              <a:t>2023-12-18</a:t>
             </a:fld>
             <a:endParaRPr lang="ko-KR" altLang="en-US"/>
           </a:p>
@@ -2369,7 +2371,7 @@
           <a:p>
             <a:fld id="{981F6B69-1E7B-452E-AEE2-7CF2478E64BD}" type="datetimeFigureOut">
               <a:rPr lang="ko-KR" altLang="en-US" smtClean="0"/>
-              <a:t>2023-12-15</a:t>
+              <a:t>2023-12-18</a:t>
             </a:fld>
             <a:endParaRPr lang="ko-KR" altLang="en-US"/>
           </a:p>
@@ -2582,7 +2584,7 @@
           <a:p>
             <a:fld id="{981F6B69-1E7B-452E-AEE2-7CF2478E64BD}" type="datetimeFigureOut">
               <a:rPr lang="ko-KR" altLang="en-US" smtClean="0"/>
-              <a:t>2023-12-15</a:t>
+              <a:t>2023-12-18</a:t>
             </a:fld>
             <a:endParaRPr lang="ko-KR" altLang="en-US"/>
           </a:p>
@@ -2973,6 +2975,14 @@
 <file path=ppt/slides/slide1.xml><?xml version="1.0" encoding="utf-8"?>
 <p:sld xmlns:a="http://schemas.openxmlformats.org/drawingml/2006/main" xmlns:r="http://schemas.openxmlformats.org/officeDocument/2006/relationships" xmlns:p="http://schemas.openxmlformats.org/presentationml/2006/main">
   <p:cSld>
+    <p:bg>
+      <p:bgPr>
+        <a:solidFill>
+          <a:schemeClr val="bg1"/>
+        </a:solidFill>
+        <a:effectLst/>
+      </p:bgPr>
+    </p:bg>
     <p:spTree>
       <p:nvGrpSpPr>
         <p:cNvPr id="1" name=""/>
@@ -2997,7 +3007,12 @@
             <p:ph type="ctrTitle"/>
           </p:nvPr>
         </p:nvSpPr>
-        <p:spPr/>
+        <p:spPr>
+          <a:xfrm>
+            <a:off x="2358909" y="2789263"/>
+            <a:ext cx="7043974" cy="945667"/>
+          </a:xfrm>
+        </p:spPr>
         <p:txBody>
           <a:bodyPr/>
           <a:lstStyle/>
@@ -3028,8 +3043,8 @@
         </p:nvSpPr>
         <p:spPr>
           <a:xfrm>
-            <a:off x="2820783" y="3472554"/>
-            <a:ext cx="6550429" cy="1386233"/>
+            <a:off x="2549498" y="3721693"/>
+            <a:ext cx="6703536" cy="513037"/>
           </a:xfrm>
         </p:spPr>
         <p:txBody>
@@ -3065,7 +3080,21 @@
                 <a:latin typeface="AppleSDGothicNeoR00" panose="02000503000000000000" pitchFamily="2" charset="-127"/>
                 <a:ea typeface="AppleSDGothicNeoR00" panose="02000503000000000000" pitchFamily="2" charset="-127"/>
               </a:rPr>
-              <a:t>(swing)			     Database</a:t>
+              <a:t>(swing)			</a:t>
+            </a:r>
+            <a:r>
+              <a:rPr lang="en-US" altLang="ko-KR" sz="1600" dirty="0" smtClean="0">
+                <a:latin typeface="AppleSDGothicNeoR00" panose="02000503000000000000" pitchFamily="2" charset="-127"/>
+                <a:ea typeface="AppleSDGothicNeoR00" panose="02000503000000000000" pitchFamily="2" charset="-127"/>
+              </a:rPr>
+              <a:t>       </a:t>
+            </a:r>
+            <a:r>
+              <a:rPr lang="en-US" altLang="ko-KR" sz="1600" dirty="0" smtClean="0">
+                <a:latin typeface="AppleSDGothicNeoR00" panose="02000503000000000000" pitchFamily="2" charset="-127"/>
+                <a:ea typeface="AppleSDGothicNeoR00" panose="02000503000000000000" pitchFamily="2" charset="-127"/>
+              </a:rPr>
+              <a:t>Database</a:t>
             </a:r>
             <a:r>
               <a:rPr lang="en-US" altLang="ko-KR" sz="1600" dirty="0">
@@ -3086,34 +3115,39 @@
       </p:sp>
       <p:grpSp>
         <p:nvGrpSpPr>
-          <p:cNvPr id="6" name="그룹 5"/>
+          <p:cNvPr id="41" name="그룹 40"/>
           <p:cNvGrpSpPr/>
           <p:nvPr/>
         </p:nvGrpSpPr>
         <p:grpSpPr>
           <a:xfrm>
-            <a:off x="2820784" y="3337560"/>
-            <a:ext cx="6550429" cy="87282"/>
-            <a:chOff x="2820785" y="3345873"/>
-            <a:chExt cx="6550429" cy="87282"/>
+            <a:off x="9763782" y="2308065"/>
+            <a:ext cx="1164669" cy="2241870"/>
+            <a:chOff x="9106557" y="2171484"/>
+            <a:chExt cx="1164669" cy="2241870"/>
           </a:xfrm>
         </p:grpSpPr>
         <p:sp>
           <p:nvSpPr>
-            <p:cNvPr id="4" name="직사각형 3"/>
+            <p:cNvPr id="31" name="모서리가 둥근 직사각형 30"/>
             <p:cNvSpPr/>
             <p:nvPr/>
           </p:nvSpPr>
           <p:spPr>
-            <a:xfrm flipV="1">
-              <a:off x="2820786" y="3374967"/>
-              <a:ext cx="6550428" cy="58188"/>
+            <a:xfrm>
+              <a:off x="9944055" y="2643277"/>
+              <a:ext cx="327171" cy="1770077"/>
             </a:xfrm>
-            <a:prstGeom prst="rect">
-              <a:avLst/>
+            <a:prstGeom prst="roundRect">
+              <a:avLst>
+                <a:gd name="adj" fmla="val 50000"/>
+              </a:avLst>
             </a:prstGeom>
             <a:solidFill>
-              <a:srgbClr val="00B0F0"/>
+              <a:schemeClr val="tx1">
+                <a:lumMod val="75000"/>
+                <a:lumOff val="25000"/>
+              </a:schemeClr>
             </a:solidFill>
             <a:ln>
               <a:noFill/>
@@ -3146,22 +3180,75 @@
         </p:sp>
         <p:sp>
           <p:nvSpPr>
-            <p:cNvPr id="5" name="직사각형 4"/>
+            <p:cNvPr id="32" name="모서리가 둥근 직사각형 31"/>
             <p:cNvSpPr/>
             <p:nvPr/>
           </p:nvSpPr>
           <p:spPr>
-            <a:xfrm flipV="1">
-              <a:off x="2820785" y="3345873"/>
-              <a:ext cx="6550428" cy="58188"/>
+            <a:xfrm>
+              <a:off x="9525306" y="2171484"/>
+              <a:ext cx="327171" cy="1770077"/>
             </a:xfrm>
-            <a:prstGeom prst="rect">
-              <a:avLst/>
+            <a:prstGeom prst="roundRect">
+              <a:avLst>
+                <a:gd name="adj" fmla="val 50000"/>
+              </a:avLst>
             </a:prstGeom>
             <a:solidFill>
-              <a:schemeClr val="accent4">
-                <a:lumMod val="60000"/>
-                <a:lumOff val="40000"/>
+              <a:schemeClr val="tx1">
+                <a:lumMod val="85000"/>
+                <a:lumOff val="15000"/>
+              </a:schemeClr>
+            </a:solidFill>
+            <a:ln>
+              <a:noFill/>
+            </a:ln>
+          </p:spPr>
+          <p:style>
+            <a:lnRef idx="2">
+              <a:schemeClr val="accent1">
+                <a:shade val="50000"/>
+              </a:schemeClr>
+            </a:lnRef>
+            <a:fillRef idx="1">
+              <a:schemeClr val="accent1"/>
+            </a:fillRef>
+            <a:effectRef idx="0">
+              <a:schemeClr val="accent1"/>
+            </a:effectRef>
+            <a:fontRef idx="minor">
+              <a:schemeClr val="lt1"/>
+            </a:fontRef>
+          </p:style>
+          <p:txBody>
+            <a:bodyPr rtlCol="0" anchor="ctr"/>
+            <a:lstStyle/>
+            <a:p>
+              <a:pPr algn="ctr"/>
+              <a:endParaRPr lang="ko-KR" altLang="en-US"/>
+            </a:p>
+          </p:txBody>
+        </p:sp>
+        <p:sp>
+          <p:nvSpPr>
+            <p:cNvPr id="33" name="모서리가 둥근 직사각형 32"/>
+            <p:cNvSpPr/>
+            <p:nvPr/>
+          </p:nvSpPr>
+          <p:spPr>
+            <a:xfrm>
+              <a:off x="9106557" y="2397978"/>
+              <a:ext cx="327171" cy="1770077"/>
+            </a:xfrm>
+            <a:prstGeom prst="roundRect">
+              <a:avLst>
+                <a:gd name="adj" fmla="val 50000"/>
+              </a:avLst>
+            </a:prstGeom>
+            <a:solidFill>
+              <a:schemeClr val="tx1">
+                <a:lumMod val="75000"/>
+                <a:lumOff val="25000"/>
               </a:schemeClr>
             </a:solidFill>
             <a:ln>
@@ -3194,10 +3281,145 @@
           </p:txBody>
         </p:sp>
       </p:grpSp>
+      <p:sp>
+        <p:nvSpPr>
+          <p:cNvPr id="39" name="직사각형 38"/>
+          <p:cNvSpPr/>
+          <p:nvPr/>
+        </p:nvSpPr>
+        <p:spPr>
+          <a:xfrm rot="16200000" flipV="1">
+            <a:off x="1052985" y="3399906"/>
+            <a:ext cx="1831860" cy="58188"/>
+          </a:xfrm>
+          <a:prstGeom prst="rect">
+            <a:avLst/>
+          </a:prstGeom>
+          <a:solidFill>
+            <a:schemeClr val="tx1">
+              <a:lumMod val="85000"/>
+              <a:lumOff val="15000"/>
+            </a:schemeClr>
+          </a:solidFill>
+          <a:ln>
+            <a:noFill/>
+          </a:ln>
+        </p:spPr>
+        <p:style>
+          <a:lnRef idx="2">
+            <a:schemeClr val="accent1">
+              <a:shade val="50000"/>
+            </a:schemeClr>
+          </a:lnRef>
+          <a:fillRef idx="1">
+            <a:schemeClr val="accent1"/>
+          </a:fillRef>
+          <a:effectRef idx="0">
+            <a:schemeClr val="accent1"/>
+          </a:effectRef>
+          <a:fontRef idx="minor">
+            <a:schemeClr val="lt1"/>
+          </a:fontRef>
+        </p:style>
+        <p:txBody>
+          <a:bodyPr rtlCol="0" anchor="ctr"/>
+          <a:lstStyle/>
+          <a:p>
+            <a:pPr algn="ctr"/>
+            <a:endParaRPr lang="ko-KR" altLang="en-US">
+              <a:solidFill>
+                <a:srgbClr val="FF6699"/>
+              </a:solidFill>
+              <a:latin typeface="AppleSDGothicNeoR00" panose="02000503000000000000" pitchFamily="2" charset="-127"/>
+              <a:ea typeface="AppleSDGothicNeoR00" panose="02000503000000000000" pitchFamily="2" charset="-127"/>
+            </a:endParaRPr>
+          </a:p>
+        </p:txBody>
+      </p:sp>
     </p:spTree>
     <p:extLst>
       <p:ext uri="{BB962C8B-B14F-4D97-AF65-F5344CB8AC3E}">
         <p14:creationId xmlns:p14="http://schemas.microsoft.com/office/powerpoint/2010/main" val="3827474698"/>
+      </p:ext>
+    </p:extLst>
+  </p:cSld>
+  <p:clrMapOvr>
+    <a:masterClrMapping/>
+  </p:clrMapOvr>
+  <p:timing>
+    <p:tnLst>
+      <p:par>
+        <p:cTn id="1" dur="indefinite" restart="never" nodeType="tmRoot"/>
+      </p:par>
+    </p:tnLst>
+  </p:timing>
+</p:sld>
+</file>
+
+<file path=ppt/slides/slide10.xml><?xml version="1.0" encoding="utf-8"?>
+<p:sld xmlns:a="http://schemas.openxmlformats.org/drawingml/2006/main" xmlns:r="http://schemas.openxmlformats.org/officeDocument/2006/relationships" xmlns:p="http://schemas.openxmlformats.org/presentationml/2006/main">
+  <p:cSld>
+    <p:spTree>
+      <p:nvGrpSpPr>
+        <p:cNvPr id="1" name=""/>
+        <p:cNvGrpSpPr/>
+        <p:nvPr/>
+      </p:nvGrpSpPr>
+      <p:grpSpPr>
+        <a:xfrm>
+          <a:off x="0" y="0"/>
+          <a:ext cx="0" cy="0"/>
+          <a:chOff x="0" y="0"/>
+          <a:chExt cx="0" cy="0"/>
+        </a:xfrm>
+      </p:grpSpPr>
+      <p:sp>
+        <p:nvSpPr>
+          <p:cNvPr id="5" name="제목 4"/>
+          <p:cNvSpPr>
+            <a:spLocks noGrp="1"/>
+          </p:cNvSpPr>
+          <p:nvPr>
+            <p:ph type="ctrTitle"/>
+          </p:nvPr>
+        </p:nvSpPr>
+        <p:spPr>
+          <a:xfrm>
+            <a:off x="1524000" y="2601883"/>
+            <a:ext cx="9144000" cy="908079"/>
+          </a:xfrm>
+        </p:spPr>
+        <p:txBody>
+          <a:bodyPr>
+            <a:normAutofit fontScale="90000"/>
+          </a:bodyPr>
+          <a:lstStyle/>
+          <a:p>
+            <a:r>
+              <a:rPr lang="ko-KR" altLang="en-US" dirty="0" err="1" smtClean="0">
+                <a:latin typeface="AppleSDGothicNeoR00" panose="02000503000000000000" pitchFamily="2" charset="-127"/>
+                <a:ea typeface="AppleSDGothicNeoR00" panose="02000503000000000000" pitchFamily="2" charset="-127"/>
+              </a:rPr>
+              <a:t>감사랑합니다</a:t>
+            </a:r>
+            <a:r>
+              <a:rPr lang="en-US" altLang="ko-KR" dirty="0" smtClean="0">
+                <a:latin typeface="AppleSDGothicNeoR00" panose="02000503000000000000" pitchFamily="2" charset="-127"/>
+                <a:ea typeface="AppleSDGothicNeoR00" panose="02000503000000000000" pitchFamily="2" charset="-127"/>
+              </a:rPr>
+              <a:t>.</a:t>
+            </a:r>
+            <a:endParaRPr lang="ko-KR" altLang="en-US" dirty="0">
+              <a:latin typeface="AppleSDGothicNeoR00" panose="02000503000000000000" pitchFamily="2" charset="-127"/>
+              <a:ea typeface="AppleSDGothicNeoR00" panose="02000503000000000000" pitchFamily="2" charset="-127"/>
+            </a:endParaRPr>
+          </a:p>
+        </p:txBody>
+      </p:sp>
+    </p:spTree>
+    <p:extLst>
+      <p:ext uri="{BB962C8B-B14F-4D97-AF65-F5344CB8AC3E}">
+        <p14:creationId xmlns:p14="http://schemas.microsoft.com/office/powerpoint/2010/main" val="751419940"/>
       </p:ext>
     </p:extLst>
   </p:cSld>
@@ -3231,6 +3453,1177 @@
           <a:chExt cx="0" cy="0"/>
         </a:xfrm>
       </p:grpSpPr>
+      <p:sp>
+        <p:nvSpPr>
+          <p:cNvPr id="3" name="텍스트 개체 틀 2"/>
+          <p:cNvSpPr>
+            <a:spLocks noGrp="1"/>
+          </p:cNvSpPr>
+          <p:nvPr>
+            <p:ph type="body" idx="1"/>
+          </p:nvPr>
+        </p:nvSpPr>
+        <p:spPr>
+          <a:xfrm>
+            <a:off x="3938520" y="2499283"/>
+            <a:ext cx="6396105" cy="1558367"/>
+          </a:xfrm>
+        </p:spPr>
+        <p:txBody>
+          <a:bodyPr>
+            <a:noAutofit/>
+          </a:bodyPr>
+          <a:lstStyle/>
+          <a:p>
+            <a:pPr>
+              <a:lnSpc>
+                <a:spcPct val="160000"/>
+              </a:lnSpc>
+            </a:pPr>
+            <a:r>
+              <a:rPr lang="ko-KR" altLang="en-US" sz="1800" dirty="0">
+                <a:solidFill>
+                  <a:schemeClr val="tx1"/>
+                </a:solidFill>
+                <a:latin typeface="AppleSDGothicNeoR00" panose="02000503000000000000" pitchFamily="2" charset="-127"/>
+                <a:ea typeface="AppleSDGothicNeoR00" panose="02000503000000000000" pitchFamily="2" charset="-127"/>
+              </a:rPr>
+              <a:t>기존 테이블 관리 시스템에서는 하나의 컴퓨터에서 하나의 테이블을 관리할 수 있어 불편함이 많았습니다</a:t>
+            </a:r>
+            <a:r>
+              <a:rPr lang="en-US" altLang="ko-KR" sz="1800" dirty="0">
+                <a:solidFill>
+                  <a:schemeClr val="tx1"/>
+                </a:solidFill>
+                <a:latin typeface="AppleSDGothicNeoR00" panose="02000503000000000000" pitchFamily="2" charset="-127"/>
+                <a:ea typeface="AppleSDGothicNeoR00" panose="02000503000000000000" pitchFamily="2" charset="-127"/>
+              </a:rPr>
+              <a:t>. </a:t>
+            </a:r>
+            <a:r>
+              <a:rPr lang="ko-KR" altLang="en-US" sz="1800" dirty="0">
+                <a:solidFill>
+                  <a:schemeClr val="tx1"/>
+                </a:solidFill>
+                <a:latin typeface="AppleSDGothicNeoR00" panose="02000503000000000000" pitchFamily="2" charset="-127"/>
+                <a:ea typeface="AppleSDGothicNeoR00" panose="02000503000000000000" pitchFamily="2" charset="-127"/>
+              </a:rPr>
+              <a:t>따라서 여러 명이 동시에 관리 가능한 테이블 관리 시스템을 </a:t>
+            </a:r>
+            <a:r>
+              <a:rPr lang="en-US" altLang="ko-KR" sz="1800" dirty="0">
+                <a:solidFill>
+                  <a:schemeClr val="tx1"/>
+                </a:solidFill>
+                <a:latin typeface="AppleSDGothicNeoR00" panose="02000503000000000000" pitchFamily="2" charset="-127"/>
+                <a:ea typeface="AppleSDGothicNeoR00" panose="02000503000000000000" pitchFamily="2" charset="-127"/>
+              </a:rPr>
+              <a:t>Java</a:t>
+            </a:r>
+            <a:r>
+              <a:rPr lang="ko-KR" altLang="en-US" sz="1800" dirty="0">
+                <a:solidFill>
+                  <a:schemeClr val="tx1"/>
+                </a:solidFill>
+                <a:latin typeface="AppleSDGothicNeoR00" panose="02000503000000000000" pitchFamily="2" charset="-127"/>
+                <a:ea typeface="AppleSDGothicNeoR00" panose="02000503000000000000" pitchFamily="2" charset="-127"/>
+              </a:rPr>
+              <a:t>를 이용해 만들어보았습니다</a:t>
+            </a:r>
+            <a:r>
+              <a:rPr lang="en-US" altLang="ko-KR" sz="1800" dirty="0">
+                <a:solidFill>
+                  <a:schemeClr val="tx1"/>
+                </a:solidFill>
+                <a:latin typeface="AppleSDGothicNeoR00" panose="02000503000000000000" pitchFamily="2" charset="-127"/>
+                <a:ea typeface="AppleSDGothicNeoR00" panose="02000503000000000000" pitchFamily="2" charset="-127"/>
+              </a:rPr>
+              <a:t>.</a:t>
+            </a:r>
+            <a:endParaRPr lang="ko-KR" altLang="en-US" sz="1800" dirty="0">
+              <a:solidFill>
+                <a:schemeClr val="tx1"/>
+              </a:solidFill>
+              <a:latin typeface="AppleSDGothicNeoR00" panose="02000503000000000000" pitchFamily="2" charset="-127"/>
+              <a:ea typeface="AppleSDGothicNeoR00" panose="02000503000000000000" pitchFamily="2" charset="-127"/>
+            </a:endParaRPr>
+          </a:p>
+        </p:txBody>
+      </p:sp>
+      <p:sp>
+        <p:nvSpPr>
+          <p:cNvPr id="6" name="직사각형 5"/>
+          <p:cNvSpPr/>
+          <p:nvPr/>
+        </p:nvSpPr>
+        <p:spPr>
+          <a:xfrm rot="16200000" flipV="1">
+            <a:off x="2845205" y="3399906"/>
+            <a:ext cx="1831860" cy="58188"/>
+          </a:xfrm>
+          <a:prstGeom prst="rect">
+            <a:avLst/>
+          </a:prstGeom>
+          <a:solidFill>
+            <a:schemeClr val="tx1">
+              <a:lumMod val="85000"/>
+              <a:lumOff val="15000"/>
+            </a:schemeClr>
+          </a:solidFill>
+          <a:ln>
+            <a:noFill/>
+          </a:ln>
+        </p:spPr>
+        <p:style>
+          <a:lnRef idx="2">
+            <a:schemeClr val="accent1">
+              <a:shade val="50000"/>
+            </a:schemeClr>
+          </a:lnRef>
+          <a:fillRef idx="1">
+            <a:schemeClr val="accent1"/>
+          </a:fillRef>
+          <a:effectRef idx="0">
+            <a:schemeClr val="accent1"/>
+          </a:effectRef>
+          <a:fontRef idx="minor">
+            <a:schemeClr val="lt1"/>
+          </a:fontRef>
+        </p:style>
+        <p:txBody>
+          <a:bodyPr rtlCol="0" anchor="ctr"/>
+          <a:lstStyle/>
+          <a:p>
+            <a:pPr algn="ctr"/>
+            <a:endParaRPr lang="ko-KR" altLang="en-US" sz="2000">
+              <a:solidFill>
+                <a:schemeClr val="tx1"/>
+              </a:solidFill>
+            </a:endParaRPr>
+          </a:p>
+        </p:txBody>
+      </p:sp>
+      <p:sp>
+        <p:nvSpPr>
+          <p:cNvPr id="15" name="제목 1"/>
+          <p:cNvSpPr txBox="1">
+            <a:spLocks/>
+          </p:cNvSpPr>
+          <p:nvPr/>
+        </p:nvSpPr>
+        <p:spPr>
+          <a:xfrm>
+            <a:off x="10507067" y="171061"/>
+            <a:ext cx="1000653" cy="582587"/>
+          </a:xfrm>
+          <a:prstGeom prst="rect">
+            <a:avLst/>
+          </a:prstGeom>
+        </p:spPr>
+        <p:txBody>
+          <a:bodyPr vert="horz" lIns="91440" tIns="45720" rIns="91440" bIns="45720" rtlCol="0" anchor="b">
+            <a:normAutofit fontScale="25000" lnSpcReduction="20000"/>
+          </a:bodyPr>
+          <a:lstStyle>
+            <a:lvl1pPr algn="l" defTabSz="914400" rtl="0" eaLnBrk="1" latinLnBrk="1" hangingPunct="1">
+              <a:lnSpc>
+                <a:spcPct val="90000"/>
+              </a:lnSpc>
+              <a:spcBef>
+                <a:spcPct val="0"/>
+              </a:spcBef>
+              <a:buNone/>
+              <a:defRPr sz="6000" kern="1200">
+                <a:solidFill>
+                  <a:schemeClr val="tx1"/>
+                </a:solidFill>
+                <a:latin typeface="+mj-lt"/>
+                <a:ea typeface="+mj-ea"/>
+                <a:cs typeface="+mj-cs"/>
+              </a:defRPr>
+            </a:lvl1pPr>
+          </a:lstStyle>
+          <a:p>
+            <a:pPr>
+              <a:lnSpc>
+                <a:spcPct val="120000"/>
+              </a:lnSpc>
+            </a:pPr>
+            <a:r>
+              <a:rPr lang="en-US" altLang="ko-KR" dirty="0" smtClean="0">
+                <a:solidFill>
+                  <a:schemeClr val="tx1">
+                    <a:lumMod val="75000"/>
+                    <a:lumOff val="25000"/>
+                  </a:schemeClr>
+                </a:solidFill>
+                <a:latin typeface="AppleSDGothicNeoR00" panose="02000503000000000000" pitchFamily="2" charset="-127"/>
+                <a:ea typeface="AppleSDGothicNeoR00" panose="02000503000000000000" pitchFamily="2" charset="-127"/>
+              </a:rPr>
+              <a:t>Auto Sync Table GUI</a:t>
+            </a:r>
+            <a:endParaRPr lang="ko-KR" altLang="en-US" dirty="0">
+              <a:solidFill>
+                <a:schemeClr val="tx1">
+                  <a:lumMod val="75000"/>
+                  <a:lumOff val="25000"/>
+                </a:schemeClr>
+              </a:solidFill>
+              <a:latin typeface="AppleSDGothicNeoR00" panose="02000503000000000000" pitchFamily="2" charset="-127"/>
+              <a:ea typeface="AppleSDGothicNeoR00" panose="02000503000000000000" pitchFamily="2" charset="-127"/>
+            </a:endParaRPr>
+          </a:p>
+        </p:txBody>
+      </p:sp>
+      <p:grpSp>
+        <p:nvGrpSpPr>
+          <p:cNvPr id="20" name="그룹 19"/>
+          <p:cNvGrpSpPr/>
+          <p:nvPr/>
+        </p:nvGrpSpPr>
+        <p:grpSpPr>
+          <a:xfrm>
+            <a:off x="11507720" y="198462"/>
+            <a:ext cx="434044" cy="532250"/>
+            <a:chOff x="9106557" y="2171484"/>
+            <a:chExt cx="1164669" cy="2241870"/>
+          </a:xfrm>
+        </p:grpSpPr>
+        <p:sp>
+          <p:nvSpPr>
+            <p:cNvPr id="21" name="모서리가 둥근 직사각형 20"/>
+            <p:cNvSpPr/>
+            <p:nvPr/>
+          </p:nvSpPr>
+          <p:spPr>
+            <a:xfrm>
+              <a:off x="9944055" y="2643277"/>
+              <a:ext cx="327171" cy="1770077"/>
+            </a:xfrm>
+            <a:prstGeom prst="roundRect">
+              <a:avLst>
+                <a:gd name="adj" fmla="val 50000"/>
+              </a:avLst>
+            </a:prstGeom>
+            <a:solidFill>
+              <a:schemeClr val="tx1">
+                <a:lumMod val="75000"/>
+                <a:lumOff val="25000"/>
+              </a:schemeClr>
+            </a:solidFill>
+            <a:ln>
+              <a:noFill/>
+            </a:ln>
+          </p:spPr>
+          <p:style>
+            <a:lnRef idx="2">
+              <a:schemeClr val="accent1">
+                <a:shade val="50000"/>
+              </a:schemeClr>
+            </a:lnRef>
+            <a:fillRef idx="1">
+              <a:schemeClr val="accent1"/>
+            </a:fillRef>
+            <a:effectRef idx="0">
+              <a:schemeClr val="accent1"/>
+            </a:effectRef>
+            <a:fontRef idx="minor">
+              <a:schemeClr val="lt1"/>
+            </a:fontRef>
+          </p:style>
+          <p:txBody>
+            <a:bodyPr rtlCol="0" anchor="ctr"/>
+            <a:lstStyle/>
+            <a:p>
+              <a:pPr algn="ctr"/>
+              <a:endParaRPr lang="ko-KR" altLang="en-US"/>
+            </a:p>
+          </p:txBody>
+        </p:sp>
+        <p:sp>
+          <p:nvSpPr>
+            <p:cNvPr id="22" name="모서리가 둥근 직사각형 21"/>
+            <p:cNvSpPr/>
+            <p:nvPr/>
+          </p:nvSpPr>
+          <p:spPr>
+            <a:xfrm>
+              <a:off x="9525306" y="2171484"/>
+              <a:ext cx="327171" cy="1770077"/>
+            </a:xfrm>
+            <a:prstGeom prst="roundRect">
+              <a:avLst>
+                <a:gd name="adj" fmla="val 50000"/>
+              </a:avLst>
+            </a:prstGeom>
+            <a:solidFill>
+              <a:schemeClr val="tx1">
+                <a:lumMod val="85000"/>
+                <a:lumOff val="15000"/>
+              </a:schemeClr>
+            </a:solidFill>
+            <a:ln>
+              <a:noFill/>
+            </a:ln>
+          </p:spPr>
+          <p:style>
+            <a:lnRef idx="2">
+              <a:schemeClr val="accent1">
+                <a:shade val="50000"/>
+              </a:schemeClr>
+            </a:lnRef>
+            <a:fillRef idx="1">
+              <a:schemeClr val="accent1"/>
+            </a:fillRef>
+            <a:effectRef idx="0">
+              <a:schemeClr val="accent1"/>
+            </a:effectRef>
+            <a:fontRef idx="minor">
+              <a:schemeClr val="lt1"/>
+            </a:fontRef>
+          </p:style>
+          <p:txBody>
+            <a:bodyPr rtlCol="0" anchor="ctr"/>
+            <a:lstStyle/>
+            <a:p>
+              <a:pPr algn="ctr"/>
+              <a:endParaRPr lang="ko-KR" altLang="en-US"/>
+            </a:p>
+          </p:txBody>
+        </p:sp>
+        <p:sp>
+          <p:nvSpPr>
+            <p:cNvPr id="23" name="모서리가 둥근 직사각형 22"/>
+            <p:cNvSpPr/>
+            <p:nvPr/>
+          </p:nvSpPr>
+          <p:spPr>
+            <a:xfrm>
+              <a:off x="9106557" y="2397978"/>
+              <a:ext cx="327171" cy="1770077"/>
+            </a:xfrm>
+            <a:prstGeom prst="roundRect">
+              <a:avLst>
+                <a:gd name="adj" fmla="val 50000"/>
+              </a:avLst>
+            </a:prstGeom>
+            <a:solidFill>
+              <a:schemeClr val="tx1">
+                <a:lumMod val="75000"/>
+                <a:lumOff val="25000"/>
+              </a:schemeClr>
+            </a:solidFill>
+            <a:ln>
+              <a:noFill/>
+            </a:ln>
+          </p:spPr>
+          <p:style>
+            <a:lnRef idx="2">
+              <a:schemeClr val="accent1">
+                <a:shade val="50000"/>
+              </a:schemeClr>
+            </a:lnRef>
+            <a:fillRef idx="1">
+              <a:schemeClr val="accent1"/>
+            </a:fillRef>
+            <a:effectRef idx="0">
+              <a:schemeClr val="accent1"/>
+            </a:effectRef>
+            <a:fontRef idx="minor">
+              <a:schemeClr val="lt1"/>
+            </a:fontRef>
+          </p:style>
+          <p:txBody>
+            <a:bodyPr rtlCol="0" anchor="ctr"/>
+            <a:lstStyle/>
+            <a:p>
+              <a:pPr algn="ctr"/>
+              <a:endParaRPr lang="ko-KR" altLang="en-US"/>
+            </a:p>
+          </p:txBody>
+        </p:sp>
+      </p:grpSp>
+      <p:sp>
+        <p:nvSpPr>
+          <p:cNvPr id="24" name="직사각형 23"/>
+          <p:cNvSpPr/>
+          <p:nvPr/>
+        </p:nvSpPr>
+        <p:spPr>
+          <a:xfrm rot="16200000" flipV="1">
+            <a:off x="10240942" y="435493"/>
+            <a:ext cx="532249" cy="58188"/>
+          </a:xfrm>
+          <a:prstGeom prst="rect">
+            <a:avLst/>
+          </a:prstGeom>
+          <a:solidFill>
+            <a:schemeClr val="tx1">
+              <a:lumMod val="65000"/>
+              <a:lumOff val="35000"/>
+            </a:schemeClr>
+          </a:solidFill>
+          <a:ln>
+            <a:noFill/>
+          </a:ln>
+        </p:spPr>
+        <p:style>
+          <a:lnRef idx="2">
+            <a:schemeClr val="accent1">
+              <a:shade val="50000"/>
+            </a:schemeClr>
+          </a:lnRef>
+          <a:fillRef idx="1">
+            <a:schemeClr val="accent1"/>
+          </a:fillRef>
+          <a:effectRef idx="0">
+            <a:schemeClr val="accent1"/>
+          </a:effectRef>
+          <a:fontRef idx="minor">
+            <a:schemeClr val="lt1"/>
+          </a:fontRef>
+        </p:style>
+        <p:txBody>
+          <a:bodyPr rtlCol="0" anchor="ctr"/>
+          <a:lstStyle/>
+          <a:p>
+            <a:pPr algn="ctr"/>
+            <a:endParaRPr lang="ko-KR" altLang="en-US" sz="2000">
+              <a:solidFill>
+                <a:schemeClr val="tx1">
+                  <a:lumMod val="75000"/>
+                  <a:lumOff val="25000"/>
+                </a:schemeClr>
+              </a:solidFill>
+            </a:endParaRPr>
+          </a:p>
+        </p:txBody>
+      </p:sp>
+      <p:sp>
+        <p:nvSpPr>
+          <p:cNvPr id="27" name="TextBox 26"/>
+          <p:cNvSpPr txBox="1"/>
+          <p:nvPr/>
+        </p:nvSpPr>
+        <p:spPr>
+          <a:xfrm>
+            <a:off x="1676399" y="3105835"/>
+            <a:ext cx="1911351" cy="646331"/>
+          </a:xfrm>
+          <a:prstGeom prst="rect">
+            <a:avLst/>
+          </a:prstGeom>
+          <a:noFill/>
+        </p:spPr>
+        <p:txBody>
+          <a:bodyPr wrap="square" rtlCol="0">
+            <a:spAutoFit/>
+          </a:bodyPr>
+          <a:lstStyle/>
+          <a:p>
+            <a:r>
+              <a:rPr lang="ko-KR" altLang="en-US" sz="3600" dirty="0" smtClean="0">
+                <a:latin typeface="AppleSDGothicNeoR00" panose="02000503000000000000" pitchFamily="2" charset="-127"/>
+                <a:ea typeface="AppleSDGothicNeoR00" panose="02000503000000000000" pitchFamily="2" charset="-127"/>
+              </a:rPr>
+              <a:t>개발 목적 </a:t>
+            </a:r>
+            <a:endParaRPr lang="ko-KR" altLang="en-US" sz="3600" dirty="0">
+              <a:latin typeface="AppleSDGothicNeoR00" panose="02000503000000000000" pitchFamily="2" charset="-127"/>
+              <a:ea typeface="AppleSDGothicNeoR00" panose="02000503000000000000" pitchFamily="2" charset="-127"/>
+            </a:endParaRPr>
+          </a:p>
+        </p:txBody>
+      </p:sp>
+    </p:spTree>
+    <p:extLst>
+      <p:ext uri="{BB962C8B-B14F-4D97-AF65-F5344CB8AC3E}">
+        <p14:creationId xmlns:p14="http://schemas.microsoft.com/office/powerpoint/2010/main" val="940068330"/>
+      </p:ext>
+    </p:extLst>
+  </p:cSld>
+  <p:clrMapOvr>
+    <a:masterClrMapping/>
+  </p:clrMapOvr>
+  <p:timing>
+    <p:tnLst>
+      <p:par>
+        <p:cTn id="1" dur="indefinite" restart="never" nodeType="tmRoot"/>
+      </p:par>
+    </p:tnLst>
+  </p:timing>
+</p:sld>
+</file>
+
+<file path=ppt/slides/slide3.xml><?xml version="1.0" encoding="utf-8"?>
+<p:sld xmlns:a="http://schemas.openxmlformats.org/drawingml/2006/main" xmlns:r="http://schemas.openxmlformats.org/officeDocument/2006/relationships" xmlns:p="http://schemas.openxmlformats.org/presentationml/2006/main">
+  <p:cSld>
+    <p:spTree>
+      <p:nvGrpSpPr>
+        <p:cNvPr id="1" name=""/>
+        <p:cNvGrpSpPr/>
+        <p:nvPr/>
+      </p:nvGrpSpPr>
+      <p:grpSpPr>
+        <a:xfrm>
+          <a:off x="0" y="0"/>
+          <a:ext cx="0" cy="0"/>
+          <a:chOff x="0" y="0"/>
+          <a:chExt cx="0" cy="0"/>
+        </a:xfrm>
+      </p:grpSpPr>
+      <p:sp>
+        <p:nvSpPr>
+          <p:cNvPr id="15" name="제목 1"/>
+          <p:cNvSpPr txBox="1">
+            <a:spLocks/>
+          </p:cNvSpPr>
+          <p:nvPr/>
+        </p:nvSpPr>
+        <p:spPr>
+          <a:xfrm>
+            <a:off x="10507067" y="171061"/>
+            <a:ext cx="1061617" cy="582587"/>
+          </a:xfrm>
+          <a:prstGeom prst="rect">
+            <a:avLst/>
+          </a:prstGeom>
+        </p:spPr>
+        <p:txBody>
+          <a:bodyPr vert="horz" lIns="91440" tIns="45720" rIns="91440" bIns="45720" rtlCol="0" anchor="b">
+            <a:normAutofit fontScale="25000" lnSpcReduction="20000"/>
+          </a:bodyPr>
+          <a:lstStyle>
+            <a:lvl1pPr algn="l" defTabSz="914400" rtl="0" eaLnBrk="1" latinLnBrk="1" hangingPunct="1">
+              <a:lnSpc>
+                <a:spcPct val="90000"/>
+              </a:lnSpc>
+              <a:spcBef>
+                <a:spcPct val="0"/>
+              </a:spcBef>
+              <a:buNone/>
+              <a:defRPr sz="6000" kern="1200">
+                <a:solidFill>
+                  <a:schemeClr val="tx1"/>
+                </a:solidFill>
+                <a:latin typeface="+mj-lt"/>
+                <a:ea typeface="+mj-ea"/>
+                <a:cs typeface="+mj-cs"/>
+              </a:defRPr>
+            </a:lvl1pPr>
+          </a:lstStyle>
+          <a:p>
+            <a:pPr>
+              <a:lnSpc>
+                <a:spcPct val="120000"/>
+              </a:lnSpc>
+            </a:pPr>
+            <a:r>
+              <a:rPr lang="en-US" altLang="ko-KR" dirty="0" smtClean="0">
+                <a:solidFill>
+                  <a:schemeClr val="tx1">
+                    <a:lumMod val="75000"/>
+                    <a:lumOff val="25000"/>
+                  </a:schemeClr>
+                </a:solidFill>
+                <a:latin typeface="AppleSDGothicNeoR00" panose="02000503000000000000" pitchFamily="2" charset="-127"/>
+                <a:ea typeface="AppleSDGothicNeoR00" panose="02000503000000000000" pitchFamily="2" charset="-127"/>
+              </a:rPr>
+              <a:t>Auto Sync Table GUI</a:t>
+            </a:r>
+            <a:endParaRPr lang="ko-KR" altLang="en-US" dirty="0">
+              <a:solidFill>
+                <a:schemeClr val="tx1">
+                  <a:lumMod val="75000"/>
+                  <a:lumOff val="25000"/>
+                </a:schemeClr>
+              </a:solidFill>
+              <a:latin typeface="AppleSDGothicNeoR00" panose="02000503000000000000" pitchFamily="2" charset="-127"/>
+              <a:ea typeface="AppleSDGothicNeoR00" panose="02000503000000000000" pitchFamily="2" charset="-127"/>
+            </a:endParaRPr>
+          </a:p>
+        </p:txBody>
+      </p:sp>
+      <p:grpSp>
+        <p:nvGrpSpPr>
+          <p:cNvPr id="20" name="그룹 19"/>
+          <p:cNvGrpSpPr/>
+          <p:nvPr/>
+        </p:nvGrpSpPr>
+        <p:grpSpPr>
+          <a:xfrm>
+            <a:off x="11507720" y="198462"/>
+            <a:ext cx="434044" cy="532250"/>
+            <a:chOff x="9106557" y="2171484"/>
+            <a:chExt cx="1164669" cy="2241870"/>
+          </a:xfrm>
+        </p:grpSpPr>
+        <p:sp>
+          <p:nvSpPr>
+            <p:cNvPr id="21" name="모서리가 둥근 직사각형 20"/>
+            <p:cNvSpPr/>
+            <p:nvPr/>
+          </p:nvSpPr>
+          <p:spPr>
+            <a:xfrm>
+              <a:off x="9944055" y="2643277"/>
+              <a:ext cx="327171" cy="1770077"/>
+            </a:xfrm>
+            <a:prstGeom prst="roundRect">
+              <a:avLst>
+                <a:gd name="adj" fmla="val 50000"/>
+              </a:avLst>
+            </a:prstGeom>
+            <a:solidFill>
+              <a:schemeClr val="tx1">
+                <a:lumMod val="75000"/>
+                <a:lumOff val="25000"/>
+              </a:schemeClr>
+            </a:solidFill>
+            <a:ln>
+              <a:noFill/>
+            </a:ln>
+          </p:spPr>
+          <p:style>
+            <a:lnRef idx="2">
+              <a:schemeClr val="accent1">
+                <a:shade val="50000"/>
+              </a:schemeClr>
+            </a:lnRef>
+            <a:fillRef idx="1">
+              <a:schemeClr val="accent1"/>
+            </a:fillRef>
+            <a:effectRef idx="0">
+              <a:schemeClr val="accent1"/>
+            </a:effectRef>
+            <a:fontRef idx="minor">
+              <a:schemeClr val="lt1"/>
+            </a:fontRef>
+          </p:style>
+          <p:txBody>
+            <a:bodyPr rtlCol="0" anchor="ctr"/>
+            <a:lstStyle/>
+            <a:p>
+              <a:pPr algn="ctr"/>
+              <a:endParaRPr lang="ko-KR" altLang="en-US"/>
+            </a:p>
+          </p:txBody>
+        </p:sp>
+        <p:sp>
+          <p:nvSpPr>
+            <p:cNvPr id="22" name="모서리가 둥근 직사각형 21"/>
+            <p:cNvSpPr/>
+            <p:nvPr/>
+          </p:nvSpPr>
+          <p:spPr>
+            <a:xfrm>
+              <a:off x="9525306" y="2171484"/>
+              <a:ext cx="327171" cy="1770077"/>
+            </a:xfrm>
+            <a:prstGeom prst="roundRect">
+              <a:avLst>
+                <a:gd name="adj" fmla="val 50000"/>
+              </a:avLst>
+            </a:prstGeom>
+            <a:solidFill>
+              <a:schemeClr val="tx1">
+                <a:lumMod val="85000"/>
+                <a:lumOff val="15000"/>
+              </a:schemeClr>
+            </a:solidFill>
+            <a:ln>
+              <a:noFill/>
+            </a:ln>
+          </p:spPr>
+          <p:style>
+            <a:lnRef idx="2">
+              <a:schemeClr val="accent1">
+                <a:shade val="50000"/>
+              </a:schemeClr>
+            </a:lnRef>
+            <a:fillRef idx="1">
+              <a:schemeClr val="accent1"/>
+            </a:fillRef>
+            <a:effectRef idx="0">
+              <a:schemeClr val="accent1"/>
+            </a:effectRef>
+            <a:fontRef idx="minor">
+              <a:schemeClr val="lt1"/>
+            </a:fontRef>
+          </p:style>
+          <p:txBody>
+            <a:bodyPr rtlCol="0" anchor="ctr"/>
+            <a:lstStyle/>
+            <a:p>
+              <a:pPr algn="ctr"/>
+              <a:endParaRPr lang="ko-KR" altLang="en-US"/>
+            </a:p>
+          </p:txBody>
+        </p:sp>
+        <p:sp>
+          <p:nvSpPr>
+            <p:cNvPr id="23" name="모서리가 둥근 직사각형 22"/>
+            <p:cNvSpPr/>
+            <p:nvPr/>
+          </p:nvSpPr>
+          <p:spPr>
+            <a:xfrm>
+              <a:off x="9106557" y="2397978"/>
+              <a:ext cx="327171" cy="1770077"/>
+            </a:xfrm>
+            <a:prstGeom prst="roundRect">
+              <a:avLst>
+                <a:gd name="adj" fmla="val 50000"/>
+              </a:avLst>
+            </a:prstGeom>
+            <a:solidFill>
+              <a:schemeClr val="tx1">
+                <a:lumMod val="75000"/>
+                <a:lumOff val="25000"/>
+              </a:schemeClr>
+            </a:solidFill>
+            <a:ln>
+              <a:noFill/>
+            </a:ln>
+          </p:spPr>
+          <p:style>
+            <a:lnRef idx="2">
+              <a:schemeClr val="accent1">
+                <a:shade val="50000"/>
+              </a:schemeClr>
+            </a:lnRef>
+            <a:fillRef idx="1">
+              <a:schemeClr val="accent1"/>
+            </a:fillRef>
+            <a:effectRef idx="0">
+              <a:schemeClr val="accent1"/>
+            </a:effectRef>
+            <a:fontRef idx="minor">
+              <a:schemeClr val="lt1"/>
+            </a:fontRef>
+          </p:style>
+          <p:txBody>
+            <a:bodyPr rtlCol="0" anchor="ctr"/>
+            <a:lstStyle/>
+            <a:p>
+              <a:pPr algn="ctr"/>
+              <a:endParaRPr lang="ko-KR" altLang="en-US"/>
+            </a:p>
+          </p:txBody>
+        </p:sp>
+      </p:grpSp>
+      <p:sp>
+        <p:nvSpPr>
+          <p:cNvPr id="24" name="직사각형 23"/>
+          <p:cNvSpPr/>
+          <p:nvPr/>
+        </p:nvSpPr>
+        <p:spPr>
+          <a:xfrm rot="16200000" flipV="1">
+            <a:off x="10240942" y="435493"/>
+            <a:ext cx="532249" cy="58188"/>
+          </a:xfrm>
+          <a:prstGeom prst="rect">
+            <a:avLst/>
+          </a:prstGeom>
+          <a:solidFill>
+            <a:schemeClr val="tx1">
+              <a:lumMod val="65000"/>
+              <a:lumOff val="35000"/>
+            </a:schemeClr>
+          </a:solidFill>
+          <a:ln>
+            <a:noFill/>
+          </a:ln>
+        </p:spPr>
+        <p:style>
+          <a:lnRef idx="2">
+            <a:schemeClr val="accent1">
+              <a:shade val="50000"/>
+            </a:schemeClr>
+          </a:lnRef>
+          <a:fillRef idx="1">
+            <a:schemeClr val="accent1"/>
+          </a:fillRef>
+          <a:effectRef idx="0">
+            <a:schemeClr val="accent1"/>
+          </a:effectRef>
+          <a:fontRef idx="minor">
+            <a:schemeClr val="lt1"/>
+          </a:fontRef>
+        </p:style>
+        <p:txBody>
+          <a:bodyPr rtlCol="0" anchor="ctr"/>
+          <a:lstStyle/>
+          <a:p>
+            <a:pPr algn="ctr"/>
+            <a:endParaRPr lang="ko-KR" altLang="en-US" sz="2000">
+              <a:solidFill>
+                <a:schemeClr val="tx1">
+                  <a:lumMod val="75000"/>
+                  <a:lumOff val="25000"/>
+                </a:schemeClr>
+              </a:solidFill>
+            </a:endParaRPr>
+          </a:p>
+        </p:txBody>
+      </p:sp>
+      <p:sp>
+        <p:nvSpPr>
+          <p:cNvPr id="4" name="TextBox 3"/>
+          <p:cNvSpPr txBox="1"/>
+          <p:nvPr/>
+        </p:nvSpPr>
+        <p:spPr>
+          <a:xfrm>
+            <a:off x="1676399" y="3105835"/>
+            <a:ext cx="1911351" cy="646331"/>
+          </a:xfrm>
+          <a:prstGeom prst="rect">
+            <a:avLst/>
+          </a:prstGeom>
+          <a:noFill/>
+        </p:spPr>
+        <p:txBody>
+          <a:bodyPr wrap="square" rtlCol="0">
+            <a:spAutoFit/>
+          </a:bodyPr>
+          <a:lstStyle/>
+          <a:p>
+            <a:r>
+              <a:rPr lang="ko-KR" altLang="en-US" sz="3600" dirty="0" smtClean="0">
+                <a:latin typeface="AppleSDGothicNeoR00" panose="02000503000000000000" pitchFamily="2" charset="-127"/>
+                <a:ea typeface="AppleSDGothicNeoR00" panose="02000503000000000000" pitchFamily="2" charset="-127"/>
+              </a:rPr>
+              <a:t>개발 환경 </a:t>
+            </a:r>
+            <a:endParaRPr lang="ko-KR" altLang="en-US" sz="3600" dirty="0">
+              <a:latin typeface="AppleSDGothicNeoR00" panose="02000503000000000000" pitchFamily="2" charset="-127"/>
+              <a:ea typeface="AppleSDGothicNeoR00" panose="02000503000000000000" pitchFamily="2" charset="-127"/>
+            </a:endParaRPr>
+          </a:p>
+        </p:txBody>
+      </p:sp>
+      <p:grpSp>
+        <p:nvGrpSpPr>
+          <p:cNvPr id="10" name="그룹 9"/>
+          <p:cNvGrpSpPr/>
+          <p:nvPr/>
+        </p:nvGrpSpPr>
+        <p:grpSpPr>
+          <a:xfrm>
+            <a:off x="5083511" y="2641789"/>
+            <a:ext cx="5394461" cy="1574422"/>
+            <a:chOff x="3396233" y="2746901"/>
+            <a:chExt cx="5394461" cy="1574422"/>
+          </a:xfrm>
+        </p:grpSpPr>
+        <p:pic>
+          <p:nvPicPr>
+            <p:cNvPr id="1026" name="Picture 2" descr="IntelliJ IDEA - 위키백과, 우리 모두의 백과사전"/>
+            <p:cNvPicPr>
+              <a:picLocks noChangeAspect="1" noChangeArrowheads="1"/>
+            </p:cNvPicPr>
+            <p:nvPr/>
+          </p:nvPicPr>
+          <p:blipFill>
+            <a:blip r:embed="rId2" cstate="print">
+              <a:extLst>
+                <a:ext uri="{28A0092B-C50C-407E-A947-70E740481C1C}">
+                  <a14:useLocalDpi xmlns:a14="http://schemas.microsoft.com/office/drawing/2010/main" val="0"/>
+                </a:ext>
+              </a:extLst>
+            </a:blip>
+            <a:srcRect/>
+            <a:stretch>
+              <a:fillRect/>
+            </a:stretch>
+          </p:blipFill>
+          <p:spPr bwMode="auto">
+            <a:xfrm>
+              <a:off x="3537589" y="2747565"/>
+              <a:ext cx="1205090" cy="1205090"/>
+            </a:xfrm>
+            <a:prstGeom prst="rect">
+              <a:avLst/>
+            </a:prstGeom>
+            <a:noFill/>
+            <a:extLst>
+              <a:ext uri="{909E8E84-426E-40DD-AFC4-6F175D3DCCD1}">
+                <a14:hiddenFill xmlns:a14="http://schemas.microsoft.com/office/drawing/2010/main">
+                  <a:solidFill>
+                    <a:srgbClr val="FFFFFF"/>
+                  </a:solidFill>
+                </a14:hiddenFill>
+              </a:ext>
+            </a:extLst>
+          </p:spPr>
+        </p:pic>
+        <p:pic>
+          <p:nvPicPr>
+            <p:cNvPr id="1028" name="Picture 4" descr="MySQL 리뷰"/>
+            <p:cNvPicPr>
+              <a:picLocks noChangeAspect="1" noChangeArrowheads="1"/>
+            </p:cNvPicPr>
+            <p:nvPr/>
+          </p:nvPicPr>
+          <p:blipFill>
+            <a:blip r:embed="rId3" cstate="print">
+              <a:extLst>
+                <a:ext uri="{28A0092B-C50C-407E-A947-70E740481C1C}">
+                  <a14:useLocalDpi xmlns:a14="http://schemas.microsoft.com/office/drawing/2010/main" val="0"/>
+                </a:ext>
+              </a:extLst>
+            </a:blip>
+            <a:srcRect/>
+            <a:stretch>
+              <a:fillRect/>
+            </a:stretch>
+          </p:blipFill>
+          <p:spPr bwMode="auto">
+            <a:xfrm>
+              <a:off x="7503433" y="2746901"/>
+              <a:ext cx="1205090" cy="1205090"/>
+            </a:xfrm>
+            <a:prstGeom prst="rect">
+              <a:avLst/>
+            </a:prstGeom>
+            <a:noFill/>
+            <a:extLst>
+              <a:ext uri="{909E8E84-426E-40DD-AFC4-6F175D3DCCD1}">
+                <a14:hiddenFill xmlns:a14="http://schemas.microsoft.com/office/drawing/2010/main">
+                  <a:solidFill>
+                    <a:srgbClr val="FFFFFF"/>
+                  </a:solidFill>
+                </a14:hiddenFill>
+              </a:ext>
+            </a:extLst>
+          </p:spPr>
+        </p:pic>
+        <p:pic>
+          <p:nvPicPr>
+            <p:cNvPr id="1038" name="Picture 14" descr="JAVA] 클래스"/>
+            <p:cNvPicPr>
+              <a:picLocks noChangeAspect="1" noChangeArrowheads="1"/>
+            </p:cNvPicPr>
+            <p:nvPr/>
+          </p:nvPicPr>
+          <p:blipFill>
+            <a:blip r:embed="rId4" cstate="print">
+              <a:extLst>
+                <a:ext uri="{28A0092B-C50C-407E-A947-70E740481C1C}">
+                  <a14:useLocalDpi xmlns:a14="http://schemas.microsoft.com/office/drawing/2010/main" val="0"/>
+                </a:ext>
+              </a:extLst>
+            </a:blip>
+            <a:srcRect/>
+            <a:stretch>
+              <a:fillRect/>
+            </a:stretch>
+          </p:blipFill>
+          <p:spPr bwMode="auto">
+            <a:xfrm>
+              <a:off x="5276084" y="2747564"/>
+              <a:ext cx="1928144" cy="1205090"/>
+            </a:xfrm>
+            <a:prstGeom prst="rect">
+              <a:avLst/>
+            </a:prstGeom>
+            <a:noFill/>
+            <a:extLst>
+              <a:ext uri="{909E8E84-426E-40DD-AFC4-6F175D3DCCD1}">
+                <a14:hiddenFill xmlns:a14="http://schemas.microsoft.com/office/drawing/2010/main">
+                  <a:solidFill>
+                    <a:srgbClr val="FFFFFF"/>
+                  </a:solidFill>
+                </a14:hiddenFill>
+              </a:ext>
+            </a:extLst>
+          </p:spPr>
+        </p:pic>
+        <p:sp>
+          <p:nvSpPr>
+            <p:cNvPr id="9" name="TextBox 8"/>
+            <p:cNvSpPr txBox="1"/>
+            <p:nvPr/>
+          </p:nvSpPr>
+          <p:spPr>
+            <a:xfrm>
+              <a:off x="3396233" y="3951991"/>
+              <a:ext cx="1487802" cy="369332"/>
+            </a:xfrm>
+            <a:prstGeom prst="rect">
+              <a:avLst/>
+            </a:prstGeom>
+            <a:noFill/>
+          </p:spPr>
+          <p:txBody>
+            <a:bodyPr wrap="square" rtlCol="0">
+              <a:spAutoFit/>
+            </a:bodyPr>
+            <a:lstStyle/>
+            <a:p>
+              <a:pPr algn="ctr"/>
+              <a:r>
+                <a:rPr lang="en-US" altLang="ko-KR" dirty="0"/>
+                <a:t>IntelliJ IDEA</a:t>
+              </a:r>
+            </a:p>
+          </p:txBody>
+        </p:sp>
+        <p:sp>
+          <p:nvSpPr>
+            <p:cNvPr id="25" name="TextBox 24"/>
+            <p:cNvSpPr txBox="1"/>
+            <p:nvPr/>
+          </p:nvSpPr>
+          <p:spPr>
+            <a:xfrm>
+              <a:off x="5785785" y="3951991"/>
+              <a:ext cx="908741" cy="369332"/>
+            </a:xfrm>
+            <a:prstGeom prst="rect">
+              <a:avLst/>
+            </a:prstGeom>
+            <a:noFill/>
+          </p:spPr>
+          <p:txBody>
+            <a:bodyPr wrap="square" rtlCol="0">
+              <a:spAutoFit/>
+            </a:bodyPr>
+            <a:lstStyle/>
+            <a:p>
+              <a:pPr algn="ctr"/>
+              <a:r>
+                <a:rPr lang="en-US" altLang="ko-KR" dirty="0" smtClean="0"/>
+                <a:t>Java</a:t>
+              </a:r>
+              <a:endParaRPr lang="en-US" altLang="ko-KR" dirty="0"/>
+            </a:p>
+          </p:txBody>
+        </p:sp>
+        <p:sp>
+          <p:nvSpPr>
+            <p:cNvPr id="26" name="TextBox 25"/>
+            <p:cNvSpPr txBox="1"/>
+            <p:nvPr/>
+          </p:nvSpPr>
+          <p:spPr>
+            <a:xfrm>
+              <a:off x="7421261" y="3951770"/>
+              <a:ext cx="1369433" cy="369332"/>
+            </a:xfrm>
+            <a:prstGeom prst="rect">
+              <a:avLst/>
+            </a:prstGeom>
+            <a:noFill/>
+          </p:spPr>
+          <p:txBody>
+            <a:bodyPr wrap="square" rtlCol="0">
+              <a:spAutoFit/>
+            </a:bodyPr>
+            <a:lstStyle/>
+            <a:p>
+              <a:pPr algn="ctr"/>
+              <a:r>
+                <a:rPr lang="en-US" altLang="ko-KR" dirty="0" smtClean="0"/>
+                <a:t>MySQL</a:t>
+              </a:r>
+              <a:endParaRPr lang="en-US" altLang="ko-KR" dirty="0"/>
+            </a:p>
+          </p:txBody>
+        </p:sp>
+      </p:grpSp>
+      <p:sp>
+        <p:nvSpPr>
+          <p:cNvPr id="28" name="직사각형 27"/>
+          <p:cNvSpPr/>
+          <p:nvPr/>
+        </p:nvSpPr>
+        <p:spPr>
+          <a:xfrm rot="16200000" flipV="1">
+            <a:off x="2845205" y="3399906"/>
+            <a:ext cx="1831860" cy="58188"/>
+          </a:xfrm>
+          <a:prstGeom prst="rect">
+            <a:avLst/>
+          </a:prstGeom>
+          <a:solidFill>
+            <a:schemeClr val="tx1">
+              <a:lumMod val="85000"/>
+              <a:lumOff val="15000"/>
+            </a:schemeClr>
+          </a:solidFill>
+          <a:ln>
+            <a:noFill/>
+          </a:ln>
+        </p:spPr>
+        <p:style>
+          <a:lnRef idx="2">
+            <a:schemeClr val="accent1">
+              <a:shade val="50000"/>
+            </a:schemeClr>
+          </a:lnRef>
+          <a:fillRef idx="1">
+            <a:schemeClr val="accent1"/>
+          </a:fillRef>
+          <a:effectRef idx="0">
+            <a:schemeClr val="accent1"/>
+          </a:effectRef>
+          <a:fontRef idx="minor">
+            <a:schemeClr val="lt1"/>
+          </a:fontRef>
+        </p:style>
+        <p:txBody>
+          <a:bodyPr rtlCol="0" anchor="ctr"/>
+          <a:lstStyle/>
+          <a:p>
+            <a:pPr algn="ctr"/>
+            <a:endParaRPr lang="ko-KR" altLang="en-US" sz="2000">
+              <a:solidFill>
+                <a:schemeClr val="tx1"/>
+              </a:solidFill>
+            </a:endParaRPr>
+          </a:p>
+        </p:txBody>
+      </p:sp>
+    </p:spTree>
+    <p:extLst>
+      <p:ext uri="{BB962C8B-B14F-4D97-AF65-F5344CB8AC3E}">
+        <p14:creationId xmlns:p14="http://schemas.microsoft.com/office/powerpoint/2010/main" val="2089810620"/>
+      </p:ext>
+    </p:extLst>
+  </p:cSld>
+  <p:clrMapOvr>
+    <a:masterClrMapping/>
+  </p:clrMapOvr>
+  <p:timing>
+    <p:tnLst>
+      <p:par>
+        <p:cTn id="1" dur="indefinite" restart="never" nodeType="tmRoot"/>
+      </p:par>
+    </p:tnLst>
+  </p:timing>
+</p:sld>
+</file>
+
+<file path=ppt/slides/slide4.xml><?xml version="1.0" encoding="utf-8"?>
+<p:sld xmlns:a="http://schemas.openxmlformats.org/drawingml/2006/main" xmlns:r="http://schemas.openxmlformats.org/officeDocument/2006/relationships" xmlns:p="http://schemas.openxmlformats.org/presentationml/2006/main">
+  <p:cSld>
+    <p:spTree>
+      <p:nvGrpSpPr>
+        <p:cNvPr id="1" name=""/>
+        <p:cNvGrpSpPr/>
+        <p:nvPr/>
+      </p:nvGrpSpPr>
+      <p:grpSpPr>
+        <a:xfrm>
+          <a:off x="0" y="0"/>
+          <a:ext cx="0" cy="0"/>
+          <a:chOff x="0" y="0"/>
+          <a:chExt cx="0" cy="0"/>
+        </a:xfrm>
+      </p:grpSpPr>
       <p:grpSp>
         <p:nvGrpSpPr>
           <p:cNvPr id="73" name="그룹 72"/>
@@ -3239,8 +4632,8 @@
         </p:nvGrpSpPr>
         <p:grpSpPr>
           <a:xfrm>
-            <a:off x="838200" y="1690688"/>
-            <a:ext cx="10515600" cy="4477356"/>
+            <a:off x="3276600" y="2038350"/>
+            <a:ext cx="6400800" cy="3706784"/>
             <a:chOff x="1446415" y="515389"/>
             <a:chExt cx="9518077" cy="6096000"/>
           </a:xfrm>
@@ -4329,8 +5722,8 @@
         </p:nvSpPr>
         <p:spPr>
           <a:xfrm>
-            <a:off x="838200" y="365125"/>
-            <a:ext cx="10515600" cy="1325563"/>
+            <a:off x="604729" y="249915"/>
+            <a:ext cx="2671871" cy="1325563"/>
           </a:xfrm>
         </p:spPr>
         <p:txBody>
@@ -4351,640 +5744,25 @@
           </a:p>
         </p:txBody>
       </p:sp>
-    </p:spTree>
-    <p:extLst>
-      <p:ext uri="{BB962C8B-B14F-4D97-AF65-F5344CB8AC3E}">
-        <p14:creationId xmlns:p14="http://schemas.microsoft.com/office/powerpoint/2010/main" val="567418550"/>
-      </p:ext>
-    </p:extLst>
-  </p:cSld>
-  <p:clrMapOvr>
-    <a:masterClrMapping/>
-  </p:clrMapOvr>
-  <p:timing>
-    <p:tnLst>
-      <p:par>
-        <p:cTn id="1" dur="indefinite" restart="never" nodeType="tmRoot"/>
-      </p:par>
-    </p:tnLst>
-  </p:timing>
-</p:sld>
-</file>
-
-<file path=ppt/slides/slide3.xml><?xml version="1.0" encoding="utf-8"?>
-<p:sld xmlns:a="http://schemas.openxmlformats.org/drawingml/2006/main" xmlns:r="http://schemas.openxmlformats.org/officeDocument/2006/relationships" xmlns:p="http://schemas.openxmlformats.org/presentationml/2006/main">
-  <p:cSld>
-    <p:spTree>
-      <p:nvGrpSpPr>
-        <p:cNvPr id="1" name=""/>
-        <p:cNvGrpSpPr/>
-        <p:nvPr/>
-      </p:nvGrpSpPr>
-      <p:grpSpPr>
-        <a:xfrm>
-          <a:off x="0" y="0"/>
-          <a:ext cx="0" cy="0"/>
-          <a:chOff x="0" y="0"/>
-          <a:chExt cx="0" cy="0"/>
-        </a:xfrm>
-      </p:grpSpPr>
-      <p:sp>
-        <p:nvSpPr>
-          <p:cNvPr id="2" name="제목 1"/>
-          <p:cNvSpPr>
-            <a:spLocks noGrp="1"/>
-          </p:cNvSpPr>
-          <p:nvPr>
-            <p:ph type="title"/>
-          </p:nvPr>
-        </p:nvSpPr>
-        <p:spPr/>
-        <p:txBody>
-          <a:bodyPr/>
-          <a:lstStyle/>
-          <a:p>
-            <a:r>
-              <a:rPr lang="ko-KR" altLang="en-US" dirty="0" smtClean="0">
-                <a:latin typeface="AppleSDGothicNeoR00" panose="02000503000000000000" pitchFamily="2" charset="-127"/>
-                <a:ea typeface="AppleSDGothicNeoR00" panose="02000503000000000000" pitchFamily="2" charset="-127"/>
-              </a:rPr>
-              <a:t>주요 클래스 및 라이브러리</a:t>
-            </a:r>
-            <a:endParaRPr lang="ko-KR" altLang="en-US" dirty="0">
-              <a:latin typeface="AppleSDGothicNeoR00" panose="02000503000000000000" pitchFamily="2" charset="-127"/>
-              <a:ea typeface="AppleSDGothicNeoR00" panose="02000503000000000000" pitchFamily="2" charset="-127"/>
-            </a:endParaRPr>
-          </a:p>
-        </p:txBody>
-      </p:sp>
-      <p:pic>
-        <p:nvPicPr>
-          <p:cNvPr id="4" name="내용 개체 틀 3"/>
-          <p:cNvPicPr>
-            <a:picLocks noGrp="1" noChangeAspect="1"/>
-          </p:cNvPicPr>
-          <p:nvPr>
-            <p:ph idx="1"/>
-          </p:nvPr>
-        </p:nvPicPr>
-        <p:blipFill>
-          <a:blip r:embed="rId2"/>
-          <a:stretch>
-            <a:fillRect/>
-          </a:stretch>
-        </p:blipFill>
-        <p:spPr>
-          <a:xfrm>
-            <a:off x="838200" y="1973321"/>
-            <a:ext cx="2219635" cy="3410426"/>
-          </a:xfrm>
-          <a:prstGeom prst="rect">
-            <a:avLst/>
-          </a:prstGeom>
-        </p:spPr>
-      </p:pic>
-      <p:pic>
-        <p:nvPicPr>
-          <p:cNvPr id="5" name="그림 4"/>
-          <p:cNvPicPr>
-            <a:picLocks noChangeAspect="1"/>
-          </p:cNvPicPr>
-          <p:nvPr/>
-        </p:nvPicPr>
-        <p:blipFill>
-          <a:blip r:embed="rId3"/>
-          <a:stretch>
-            <a:fillRect/>
-          </a:stretch>
-        </p:blipFill>
-        <p:spPr>
-          <a:xfrm>
-            <a:off x="838200" y="5383747"/>
-            <a:ext cx="2324424" cy="447737"/>
-          </a:xfrm>
-          <a:prstGeom prst="rect">
-            <a:avLst/>
-          </a:prstGeom>
-        </p:spPr>
-      </p:pic>
-      <p:cxnSp>
-        <p:nvCxnSpPr>
-          <p:cNvPr id="8" name="직선 화살표 연결선 7"/>
-          <p:cNvCxnSpPr/>
-          <p:nvPr/>
-        </p:nvCxnSpPr>
-        <p:spPr>
-          <a:xfrm>
-            <a:off x="2776451" y="5735783"/>
-            <a:ext cx="2086494" cy="191192"/>
-          </a:xfrm>
-          <a:prstGeom prst="straightConnector1">
-            <a:avLst/>
-          </a:prstGeom>
-          <a:ln>
-            <a:tailEnd type="triangle"/>
-          </a:ln>
-        </p:spPr>
-        <p:style>
-          <a:lnRef idx="3">
-            <a:schemeClr val="accent1"/>
-          </a:lnRef>
-          <a:fillRef idx="0">
-            <a:schemeClr val="accent1"/>
-          </a:fillRef>
-          <a:effectRef idx="2">
-            <a:schemeClr val="accent1"/>
-          </a:effectRef>
-          <a:fontRef idx="minor">
-            <a:schemeClr val="tx1"/>
-          </a:fontRef>
-        </p:style>
-      </p:cxnSp>
-      <p:sp>
-        <p:nvSpPr>
-          <p:cNvPr id="10" name="TextBox 9"/>
-          <p:cNvSpPr txBox="1"/>
-          <p:nvPr/>
-        </p:nvSpPr>
-        <p:spPr>
-          <a:xfrm>
-            <a:off x="4862945" y="5735783"/>
-            <a:ext cx="4771505" cy="369332"/>
-          </a:xfrm>
-          <a:prstGeom prst="rect">
-            <a:avLst/>
-          </a:prstGeom>
-          <a:noFill/>
-        </p:spPr>
-        <p:txBody>
-          <a:bodyPr wrap="square" rtlCol="0">
-            <a:spAutoFit/>
-          </a:bodyPr>
-          <a:lstStyle/>
-          <a:p>
-            <a:r>
-              <a:rPr lang="en-US" altLang="ko-KR" dirty="0" smtClean="0">
-                <a:latin typeface="AppleSDGothicNeoR00" panose="02000503000000000000" pitchFamily="2" charset="-127"/>
-                <a:ea typeface="AppleSDGothicNeoR00" panose="02000503000000000000" pitchFamily="2" charset="-127"/>
-              </a:rPr>
-              <a:t>DB</a:t>
-            </a:r>
-            <a:r>
-              <a:rPr lang="ko-KR" altLang="en-US" dirty="0" smtClean="0">
-                <a:latin typeface="AppleSDGothicNeoR00" panose="02000503000000000000" pitchFamily="2" charset="-127"/>
-                <a:ea typeface="AppleSDGothicNeoR00" panose="02000503000000000000" pitchFamily="2" charset="-127"/>
-              </a:rPr>
-              <a:t> 연결을 위한 드라이버 및 클래스</a:t>
-            </a:r>
-            <a:endParaRPr lang="ko-KR" altLang="en-US" dirty="0">
-              <a:latin typeface="AppleSDGothicNeoR00" panose="02000503000000000000" pitchFamily="2" charset="-127"/>
-              <a:ea typeface="AppleSDGothicNeoR00" panose="02000503000000000000" pitchFamily="2" charset="-127"/>
-            </a:endParaRPr>
-          </a:p>
-        </p:txBody>
-      </p:sp>
-      <p:cxnSp>
-        <p:nvCxnSpPr>
-          <p:cNvPr id="16" name="직선 화살표 연결선 15"/>
-          <p:cNvCxnSpPr/>
-          <p:nvPr/>
-        </p:nvCxnSpPr>
-        <p:spPr>
-          <a:xfrm>
-            <a:off x="1948017" y="4837032"/>
-            <a:ext cx="2848357" cy="38791"/>
-          </a:xfrm>
-          <a:prstGeom prst="straightConnector1">
-            <a:avLst/>
-          </a:prstGeom>
-          <a:ln>
-            <a:tailEnd type="triangle"/>
-          </a:ln>
-        </p:spPr>
-        <p:style>
-          <a:lnRef idx="3">
-            <a:schemeClr val="accent1"/>
-          </a:lnRef>
-          <a:fillRef idx="0">
-            <a:schemeClr val="accent1"/>
-          </a:fillRef>
-          <a:effectRef idx="2">
-            <a:schemeClr val="accent1"/>
-          </a:effectRef>
-          <a:fontRef idx="minor">
-            <a:schemeClr val="tx1"/>
-          </a:fontRef>
-        </p:style>
-      </p:cxnSp>
-      <p:cxnSp>
-        <p:nvCxnSpPr>
-          <p:cNvPr id="18" name="직선 화살표 연결선 17"/>
-          <p:cNvCxnSpPr/>
-          <p:nvPr/>
-        </p:nvCxnSpPr>
-        <p:spPr>
-          <a:xfrm>
-            <a:off x="2477193" y="5280645"/>
-            <a:ext cx="2385752" cy="646330"/>
-          </a:xfrm>
-          <a:prstGeom prst="straightConnector1">
-            <a:avLst/>
-          </a:prstGeom>
-          <a:ln>
-            <a:tailEnd type="triangle"/>
-          </a:ln>
-        </p:spPr>
-        <p:style>
-          <a:lnRef idx="3">
-            <a:schemeClr val="accent1"/>
-          </a:lnRef>
-          <a:fillRef idx="0">
-            <a:schemeClr val="accent1"/>
-          </a:fillRef>
-          <a:effectRef idx="2">
-            <a:schemeClr val="accent1"/>
-          </a:effectRef>
-          <a:fontRef idx="minor">
-            <a:schemeClr val="tx1"/>
-          </a:fontRef>
-        </p:style>
-      </p:cxnSp>
-      <p:sp>
-        <p:nvSpPr>
-          <p:cNvPr id="21" name="TextBox 20"/>
-          <p:cNvSpPr txBox="1"/>
-          <p:nvPr/>
-        </p:nvSpPr>
-        <p:spPr>
-          <a:xfrm>
-            <a:off x="4862945" y="4691157"/>
-            <a:ext cx="6700059" cy="369332"/>
-          </a:xfrm>
-          <a:prstGeom prst="rect">
-            <a:avLst/>
-          </a:prstGeom>
-          <a:noFill/>
-        </p:spPr>
-        <p:txBody>
-          <a:bodyPr wrap="square" rtlCol="0">
-            <a:spAutoFit/>
-          </a:bodyPr>
-          <a:lstStyle/>
-          <a:p>
-            <a:r>
-              <a:rPr lang="ko-KR" altLang="en-US" dirty="0" smtClean="0">
-                <a:latin typeface="AppleSDGothicNeoR00" panose="02000503000000000000" pitchFamily="2" charset="-127"/>
-                <a:ea typeface="AppleSDGothicNeoR00" panose="02000503000000000000" pitchFamily="2" charset="-127"/>
-              </a:rPr>
-              <a:t>각 유저의 </a:t>
-            </a:r>
-            <a:r>
-              <a:rPr lang="en-US" altLang="ko-KR" dirty="0" err="1" smtClean="0">
-                <a:latin typeface="AppleSDGothicNeoR00" panose="02000503000000000000" pitchFamily="2" charset="-127"/>
-                <a:ea typeface="AppleSDGothicNeoR00" panose="02000503000000000000" pitchFamily="2" charset="-127"/>
-              </a:rPr>
-              <a:t>PrintWriter</a:t>
-            </a:r>
-            <a:r>
-              <a:rPr lang="en-US" altLang="ko-KR" dirty="0" smtClean="0">
-                <a:latin typeface="AppleSDGothicNeoR00" panose="02000503000000000000" pitchFamily="2" charset="-127"/>
-                <a:ea typeface="AppleSDGothicNeoR00" panose="02000503000000000000" pitchFamily="2" charset="-127"/>
-              </a:rPr>
-              <a:t>, </a:t>
-            </a:r>
-            <a:r>
-              <a:rPr lang="ko-KR" altLang="en-US" dirty="0" smtClean="0">
-                <a:latin typeface="AppleSDGothicNeoR00" panose="02000503000000000000" pitchFamily="2" charset="-127"/>
-                <a:ea typeface="AppleSDGothicNeoR00" panose="02000503000000000000" pitchFamily="2" charset="-127"/>
-              </a:rPr>
-              <a:t>테이블 이름을 저장하는 클래스</a:t>
-            </a:r>
-            <a:endParaRPr lang="ko-KR" altLang="en-US" dirty="0">
-              <a:latin typeface="AppleSDGothicNeoR00" panose="02000503000000000000" pitchFamily="2" charset="-127"/>
-              <a:ea typeface="AppleSDGothicNeoR00" panose="02000503000000000000" pitchFamily="2" charset="-127"/>
-            </a:endParaRPr>
-          </a:p>
-        </p:txBody>
-      </p:sp>
-      <p:cxnSp>
-        <p:nvCxnSpPr>
-          <p:cNvPr id="26" name="직선 화살표 연결선 25"/>
-          <p:cNvCxnSpPr/>
-          <p:nvPr/>
-        </p:nvCxnSpPr>
-        <p:spPr>
-          <a:xfrm flipV="1">
-            <a:off x="2906751" y="3427480"/>
-            <a:ext cx="1773314" cy="1"/>
-          </a:xfrm>
-          <a:prstGeom prst="straightConnector1">
-            <a:avLst/>
-          </a:prstGeom>
-          <a:ln>
-            <a:tailEnd type="triangle"/>
-          </a:ln>
-        </p:spPr>
-        <p:style>
-          <a:lnRef idx="3">
-            <a:schemeClr val="accent1"/>
-          </a:lnRef>
-          <a:fillRef idx="0">
-            <a:schemeClr val="accent1"/>
-          </a:fillRef>
-          <a:effectRef idx="2">
-            <a:schemeClr val="accent1"/>
-          </a:effectRef>
-          <a:fontRef idx="minor">
-            <a:schemeClr val="tx1"/>
-          </a:fontRef>
-        </p:style>
-      </p:cxnSp>
-      <p:sp>
-        <p:nvSpPr>
-          <p:cNvPr id="28" name="TextBox 27"/>
-          <p:cNvSpPr txBox="1"/>
-          <p:nvPr/>
-        </p:nvSpPr>
-        <p:spPr>
-          <a:xfrm>
-            <a:off x="4862945" y="3242814"/>
-            <a:ext cx="5769033" cy="646331"/>
-          </a:xfrm>
-          <a:prstGeom prst="rect">
-            <a:avLst/>
-          </a:prstGeom>
-          <a:noFill/>
-        </p:spPr>
-        <p:txBody>
-          <a:bodyPr wrap="square" rtlCol="0">
-            <a:spAutoFit/>
-          </a:bodyPr>
-          <a:lstStyle/>
-          <a:p>
-            <a:r>
-              <a:rPr lang="en-US" altLang="ko-KR" dirty="0" err="1" smtClean="0">
-                <a:latin typeface="AppleSDGothicNeoR00" panose="02000503000000000000" pitchFamily="2" charset="-127"/>
-                <a:ea typeface="AppleSDGothicNeoR00" panose="02000503000000000000" pitchFamily="2" charset="-127"/>
-              </a:rPr>
-              <a:t>ResultSet</a:t>
-            </a:r>
-            <a:r>
-              <a:rPr lang="ko-KR" altLang="en-US" dirty="0" smtClean="0">
-                <a:latin typeface="AppleSDGothicNeoR00" panose="02000503000000000000" pitchFamily="2" charset="-127"/>
-                <a:ea typeface="AppleSDGothicNeoR00" panose="02000503000000000000" pitchFamily="2" charset="-127"/>
-              </a:rPr>
-              <a:t>을 </a:t>
-            </a:r>
-            <a:r>
-              <a:rPr lang="en-US" altLang="ko-KR" dirty="0" smtClean="0">
-                <a:latin typeface="AppleSDGothicNeoR00" panose="02000503000000000000" pitchFamily="2" charset="-127"/>
-                <a:ea typeface="AppleSDGothicNeoR00" panose="02000503000000000000" pitchFamily="2" charset="-127"/>
-              </a:rPr>
-              <a:t>List</a:t>
-            </a:r>
-            <a:r>
-              <a:rPr lang="ko-KR" altLang="en-US" dirty="0" smtClean="0">
-                <a:latin typeface="AppleSDGothicNeoR00" panose="02000503000000000000" pitchFamily="2" charset="-127"/>
-                <a:ea typeface="AppleSDGothicNeoR00" panose="02000503000000000000" pitchFamily="2" charset="-127"/>
-              </a:rPr>
-              <a:t>로 변환하고 객체 직렬화를 통해 </a:t>
-            </a:r>
-            <a:r>
-              <a:rPr lang="en-US" altLang="ko-KR" dirty="0" err="1" smtClean="0">
-                <a:latin typeface="AppleSDGothicNeoR00" panose="02000503000000000000" pitchFamily="2" charset="-127"/>
-                <a:ea typeface="AppleSDGothicNeoR00" panose="02000503000000000000" pitchFamily="2" charset="-127"/>
-              </a:rPr>
-              <a:t>ObjectOutputStream</a:t>
-            </a:r>
-            <a:r>
-              <a:rPr lang="ko-KR" altLang="en-US" dirty="0" smtClean="0">
-                <a:latin typeface="AppleSDGothicNeoR00" panose="02000503000000000000" pitchFamily="2" charset="-127"/>
-                <a:ea typeface="AppleSDGothicNeoR00" panose="02000503000000000000" pitchFamily="2" charset="-127"/>
-              </a:rPr>
-              <a:t>으로 송신 가능하게 하는 클래스</a:t>
-            </a:r>
-            <a:endParaRPr lang="ko-KR" altLang="en-US" dirty="0">
-              <a:latin typeface="AppleSDGothicNeoR00" panose="02000503000000000000" pitchFamily="2" charset="-127"/>
-              <a:ea typeface="AppleSDGothicNeoR00" panose="02000503000000000000" pitchFamily="2" charset="-127"/>
-            </a:endParaRPr>
-          </a:p>
-        </p:txBody>
-      </p:sp>
-      <p:cxnSp>
-        <p:nvCxnSpPr>
-          <p:cNvPr id="32" name="직선 화살표 연결선 31"/>
-          <p:cNvCxnSpPr/>
-          <p:nvPr/>
-        </p:nvCxnSpPr>
-        <p:spPr>
-          <a:xfrm flipV="1">
-            <a:off x="2635135" y="2474472"/>
-            <a:ext cx="2044930" cy="505271"/>
-          </a:xfrm>
-          <a:prstGeom prst="straightConnector1">
-            <a:avLst/>
-          </a:prstGeom>
-          <a:ln>
-            <a:tailEnd type="triangle"/>
-          </a:ln>
-        </p:spPr>
-        <p:style>
-          <a:lnRef idx="3">
-            <a:schemeClr val="accent1"/>
-          </a:lnRef>
-          <a:fillRef idx="0">
-            <a:schemeClr val="accent1"/>
-          </a:fillRef>
-          <a:effectRef idx="2">
-            <a:schemeClr val="accent1"/>
-          </a:effectRef>
-          <a:fontRef idx="minor">
-            <a:schemeClr val="tx1"/>
-          </a:fontRef>
-        </p:style>
-      </p:cxnSp>
-      <p:sp>
-        <p:nvSpPr>
-          <p:cNvPr id="33" name="TextBox 32"/>
-          <p:cNvSpPr txBox="1"/>
-          <p:nvPr/>
-        </p:nvSpPr>
-        <p:spPr>
-          <a:xfrm>
-            <a:off x="4862945" y="2195477"/>
-            <a:ext cx="5062451" cy="369332"/>
-          </a:xfrm>
-          <a:prstGeom prst="rect">
-            <a:avLst/>
-          </a:prstGeom>
-          <a:noFill/>
-        </p:spPr>
-        <p:txBody>
-          <a:bodyPr wrap="square" rtlCol="0">
-            <a:spAutoFit/>
-          </a:bodyPr>
-          <a:lstStyle/>
-          <a:p>
-            <a:r>
-              <a:rPr lang="en-US" altLang="ko-KR" dirty="0" smtClean="0">
-                <a:latin typeface="AppleSDGothicNeoR00" panose="02000503000000000000" pitchFamily="2" charset="-127"/>
-                <a:ea typeface="AppleSDGothicNeoR00" panose="02000503000000000000" pitchFamily="2" charset="-127"/>
-              </a:rPr>
-              <a:t>query</a:t>
-            </a:r>
-            <a:r>
-              <a:rPr lang="ko-KR" altLang="en-US" dirty="0" smtClean="0">
-                <a:latin typeface="AppleSDGothicNeoR00" panose="02000503000000000000" pitchFamily="2" charset="-127"/>
-                <a:ea typeface="AppleSDGothicNeoR00" panose="02000503000000000000" pitchFamily="2" charset="-127"/>
-              </a:rPr>
-              <a:t>문을 받은 뒤 테이블에 반영하는 클래스</a:t>
-            </a:r>
-            <a:endParaRPr lang="ko-KR" altLang="en-US" dirty="0">
-              <a:latin typeface="AppleSDGothicNeoR00" panose="02000503000000000000" pitchFamily="2" charset="-127"/>
-              <a:ea typeface="AppleSDGothicNeoR00" panose="02000503000000000000" pitchFamily="2" charset="-127"/>
-            </a:endParaRPr>
-          </a:p>
-        </p:txBody>
-      </p:sp>
-    </p:spTree>
-    <p:extLst>
-      <p:ext uri="{BB962C8B-B14F-4D97-AF65-F5344CB8AC3E}">
-        <p14:creationId xmlns:p14="http://schemas.microsoft.com/office/powerpoint/2010/main" val="2180499258"/>
-      </p:ext>
-    </p:extLst>
-  </p:cSld>
-  <p:clrMapOvr>
-    <a:masterClrMapping/>
-  </p:clrMapOvr>
-  <p:timing>
-    <p:tnLst>
-      <p:par>
-        <p:cTn id="1" dur="indefinite" restart="never" nodeType="tmRoot"/>
-      </p:par>
-    </p:tnLst>
-  </p:timing>
-</p:sld>
-</file>
-
-<file path=ppt/slides/slide4.xml><?xml version="1.0" encoding="utf-8"?>
-<p:sld xmlns:a="http://schemas.openxmlformats.org/drawingml/2006/main" xmlns:r="http://schemas.openxmlformats.org/officeDocument/2006/relationships" xmlns:p="http://schemas.openxmlformats.org/presentationml/2006/main">
-  <p:cSld>
-    <p:spTree>
-      <p:nvGrpSpPr>
-        <p:cNvPr id="1" name=""/>
-        <p:cNvGrpSpPr/>
-        <p:nvPr/>
-      </p:nvGrpSpPr>
-      <p:grpSpPr>
-        <a:xfrm>
-          <a:off x="0" y="0"/>
-          <a:ext cx="0" cy="0"/>
-          <a:chOff x="0" y="0"/>
-          <a:chExt cx="0" cy="0"/>
-        </a:xfrm>
-      </p:grpSpPr>
-      <p:sp>
-        <p:nvSpPr>
-          <p:cNvPr id="2" name="제목 1"/>
-          <p:cNvSpPr>
-            <a:spLocks noGrp="1"/>
-          </p:cNvSpPr>
-          <p:nvPr>
-            <p:ph type="title"/>
-          </p:nvPr>
-        </p:nvSpPr>
-        <p:spPr/>
-        <p:txBody>
-          <a:bodyPr/>
-          <a:lstStyle/>
-          <a:p>
-            <a:r>
-              <a:rPr lang="ko-KR" altLang="en-US" dirty="0" smtClean="0">
-                <a:latin typeface="AppleSDGothicNeoR00" panose="02000503000000000000" pitchFamily="2" charset="-127"/>
-                <a:ea typeface="AppleSDGothicNeoR00" panose="02000503000000000000" pitchFamily="2" charset="-127"/>
-              </a:rPr>
-              <a:t>주요 실행 구조</a:t>
-            </a:r>
-            <a:endParaRPr lang="ko-KR" altLang="en-US" dirty="0">
-              <a:latin typeface="AppleSDGothicNeoR00" panose="02000503000000000000" pitchFamily="2" charset="-127"/>
-              <a:ea typeface="AppleSDGothicNeoR00" panose="02000503000000000000" pitchFamily="2" charset="-127"/>
-            </a:endParaRPr>
-          </a:p>
-        </p:txBody>
-      </p:sp>
-      <p:cxnSp>
-        <p:nvCxnSpPr>
-          <p:cNvPr id="67" name="직선 화살표 연결선 66"/>
-          <p:cNvCxnSpPr/>
-          <p:nvPr/>
-        </p:nvCxnSpPr>
-        <p:spPr>
-          <a:xfrm flipH="1">
-            <a:off x="3291840" y="3142697"/>
-            <a:ext cx="1718" cy="232924"/>
-          </a:xfrm>
-          <a:prstGeom prst="straightConnector1">
-            <a:avLst/>
-          </a:prstGeom>
-          <a:ln>
-            <a:tailEnd type="triangle"/>
-          </a:ln>
-        </p:spPr>
-        <p:style>
-          <a:lnRef idx="3">
-            <a:schemeClr val="accent4"/>
-          </a:lnRef>
-          <a:fillRef idx="0">
-            <a:schemeClr val="accent4"/>
-          </a:fillRef>
-          <a:effectRef idx="2">
-            <a:schemeClr val="accent4"/>
-          </a:effectRef>
-          <a:fontRef idx="minor">
-            <a:schemeClr val="tx1"/>
-          </a:fontRef>
-        </p:style>
-      </p:cxnSp>
-      <p:pic>
-        <p:nvPicPr>
-          <p:cNvPr id="3" name="그림 2"/>
-          <p:cNvPicPr>
-            <a:picLocks noChangeAspect="1"/>
-          </p:cNvPicPr>
-          <p:nvPr/>
-        </p:nvPicPr>
-        <p:blipFill>
-          <a:blip r:embed="rId2"/>
-          <a:stretch>
-            <a:fillRect/>
-          </a:stretch>
-        </p:blipFill>
-        <p:spPr>
-          <a:xfrm>
-            <a:off x="2158207" y="3375621"/>
-            <a:ext cx="5420600" cy="622036"/>
-          </a:xfrm>
-          <a:prstGeom prst="rect">
-            <a:avLst/>
-          </a:prstGeom>
-        </p:spPr>
-      </p:pic>
-      <p:sp>
-        <p:nvSpPr>
-          <p:cNvPr id="6" name="직사각형 5"/>
+      <p:sp>
+        <p:nvSpPr>
+          <p:cNvPr id="27" name="직사각형 26"/>
           <p:cNvSpPr/>
           <p:nvPr/>
         </p:nvSpPr>
         <p:spPr>
-          <a:xfrm>
-            <a:off x="952304" y="2255081"/>
-            <a:ext cx="905425" cy="887616"/>
+          <a:xfrm rot="16200000" flipV="1">
+            <a:off x="-75465" y="816869"/>
+            <a:ext cx="1192097" cy="58188"/>
           </a:xfrm>
           <a:prstGeom prst="rect">
             <a:avLst/>
           </a:prstGeom>
           <a:solidFill>
-            <a:srgbClr val="00B0F0"/>
+            <a:schemeClr val="tx1">
+              <a:lumMod val="85000"/>
+              <a:lumOff val="15000"/>
+            </a:schemeClr>
           </a:solidFill>
           <a:ln>
             <a:noFill/>
@@ -5011,465 +5789,20 @@
           <a:lstStyle/>
           <a:p>
             <a:pPr algn="ctr"/>
-            <a:r>
-              <a:rPr lang="en-US" altLang="ko-KR" dirty="0" smtClean="0">
-                <a:latin typeface="AppleSDGothicNeoR00" panose="02000503000000000000" pitchFamily="2" charset="-127"/>
-                <a:ea typeface="AppleSDGothicNeoR00" panose="02000503000000000000" pitchFamily="2" charset="-127"/>
-              </a:rPr>
-              <a:t>Client</a:t>
-            </a:r>
-            <a:endParaRPr lang="ko-KR" altLang="en-US" dirty="0">
+            <a:endParaRPr lang="ko-KR" altLang="en-US">
+              <a:solidFill>
+                <a:srgbClr val="FF6699"/>
+              </a:solidFill>
               <a:latin typeface="AppleSDGothicNeoR00" panose="02000503000000000000" pitchFamily="2" charset="-127"/>
               <a:ea typeface="AppleSDGothicNeoR00" panose="02000503000000000000" pitchFamily="2" charset="-127"/>
             </a:endParaRPr>
           </a:p>
         </p:txBody>
       </p:sp>
-      <p:pic>
-        <p:nvPicPr>
-          <p:cNvPr id="7" name="그림 6"/>
-          <p:cNvPicPr>
-            <a:picLocks noChangeAspect="1"/>
-          </p:cNvPicPr>
-          <p:nvPr/>
-        </p:nvPicPr>
-        <p:blipFill>
-          <a:blip r:embed="rId3"/>
-          <a:stretch>
-            <a:fillRect/>
-          </a:stretch>
-        </p:blipFill>
-        <p:spPr>
-          <a:xfrm>
-            <a:off x="2158207" y="4230581"/>
-            <a:ext cx="1648055" cy="409632"/>
-          </a:xfrm>
-          <a:prstGeom prst="rect">
-            <a:avLst/>
-          </a:prstGeom>
-        </p:spPr>
-      </p:pic>
-      <p:cxnSp>
-        <p:nvCxnSpPr>
-          <p:cNvPr id="26" name="직선 화살표 연결선 25"/>
-          <p:cNvCxnSpPr/>
-          <p:nvPr/>
-        </p:nvCxnSpPr>
-        <p:spPr>
-          <a:xfrm flipH="1">
-            <a:off x="3290122" y="3990470"/>
-            <a:ext cx="1718" cy="232924"/>
-          </a:xfrm>
-          <a:prstGeom prst="straightConnector1">
-            <a:avLst/>
-          </a:prstGeom>
-          <a:ln>
-            <a:tailEnd type="triangle"/>
-          </a:ln>
-        </p:spPr>
-        <p:style>
-          <a:lnRef idx="3">
-            <a:schemeClr val="accent4"/>
-          </a:lnRef>
-          <a:fillRef idx="0">
-            <a:schemeClr val="accent4"/>
-          </a:fillRef>
-          <a:effectRef idx="2">
-            <a:schemeClr val="accent4"/>
-          </a:effectRef>
-          <a:fontRef idx="minor">
-            <a:schemeClr val="tx1"/>
-          </a:fontRef>
-        </p:style>
-      </p:cxnSp>
-      <p:sp>
-        <p:nvSpPr>
-          <p:cNvPr id="27" name="직사각형 26"/>
-          <p:cNvSpPr/>
-          <p:nvPr/>
-        </p:nvSpPr>
-        <p:spPr>
-          <a:xfrm>
-            <a:off x="952304" y="3376108"/>
-            <a:ext cx="905425" cy="1264105"/>
-          </a:xfrm>
-          <a:prstGeom prst="rect">
-            <a:avLst/>
-          </a:prstGeom>
-          <a:solidFill>
-            <a:srgbClr val="00B0F0"/>
-          </a:solidFill>
-          <a:ln>
-            <a:noFill/>
-          </a:ln>
-        </p:spPr>
-        <p:style>
-          <a:lnRef idx="2">
-            <a:schemeClr val="accent1">
-              <a:shade val="50000"/>
-            </a:schemeClr>
-          </a:lnRef>
-          <a:fillRef idx="1">
-            <a:schemeClr val="accent1"/>
-          </a:fillRef>
-          <a:effectRef idx="0">
-            <a:schemeClr val="accent1"/>
-          </a:effectRef>
-          <a:fontRef idx="minor">
-            <a:schemeClr val="lt1"/>
-          </a:fontRef>
-        </p:style>
-        <p:txBody>
-          <a:bodyPr rtlCol="0" anchor="ctr"/>
-          <a:lstStyle/>
-          <a:p>
-            <a:pPr algn="ctr"/>
-            <a:r>
-              <a:rPr lang="en-US" altLang="ko-KR" dirty="0" smtClean="0">
-                <a:latin typeface="AppleSDGothicNeoR00" panose="02000503000000000000" pitchFamily="2" charset="-127"/>
-                <a:ea typeface="AppleSDGothicNeoR00" panose="02000503000000000000" pitchFamily="2" charset="-127"/>
-              </a:rPr>
-              <a:t>Server</a:t>
-            </a:r>
-            <a:endParaRPr lang="ko-KR" altLang="en-US" dirty="0">
-              <a:latin typeface="AppleSDGothicNeoR00" panose="02000503000000000000" pitchFamily="2" charset="-127"/>
-              <a:ea typeface="AppleSDGothicNeoR00" panose="02000503000000000000" pitchFamily="2" charset="-127"/>
-            </a:endParaRPr>
-          </a:p>
-        </p:txBody>
-      </p:sp>
-      <p:pic>
-        <p:nvPicPr>
-          <p:cNvPr id="14" name="그림 13"/>
-          <p:cNvPicPr>
-            <a:picLocks noChangeAspect="1"/>
-          </p:cNvPicPr>
-          <p:nvPr/>
-        </p:nvPicPr>
-        <p:blipFill>
-          <a:blip r:embed="rId4"/>
-          <a:stretch>
-            <a:fillRect/>
-          </a:stretch>
-        </p:blipFill>
-        <p:spPr>
-          <a:xfrm>
-            <a:off x="2158207" y="4885273"/>
-            <a:ext cx="3572374" cy="219106"/>
-          </a:xfrm>
-          <a:prstGeom prst="rect">
-            <a:avLst/>
-          </a:prstGeom>
-        </p:spPr>
-      </p:pic>
-      <p:cxnSp>
-        <p:nvCxnSpPr>
-          <p:cNvPr id="29" name="직선 화살표 연결선 28"/>
-          <p:cNvCxnSpPr/>
-          <p:nvPr/>
-        </p:nvCxnSpPr>
-        <p:spPr>
-          <a:xfrm flipH="1">
-            <a:off x="3287693" y="4640213"/>
-            <a:ext cx="1718" cy="232924"/>
-          </a:xfrm>
-          <a:prstGeom prst="straightConnector1">
-            <a:avLst/>
-          </a:prstGeom>
-          <a:ln>
-            <a:tailEnd type="triangle"/>
-          </a:ln>
-        </p:spPr>
-        <p:style>
-          <a:lnRef idx="3">
-            <a:schemeClr val="accent4"/>
-          </a:lnRef>
-          <a:fillRef idx="0">
-            <a:schemeClr val="accent4"/>
-          </a:fillRef>
-          <a:effectRef idx="2">
-            <a:schemeClr val="accent4"/>
-          </a:effectRef>
-          <a:fontRef idx="minor">
-            <a:schemeClr val="tx1"/>
-          </a:fontRef>
-        </p:style>
-      </p:cxnSp>
-      <p:sp>
-        <p:nvSpPr>
-          <p:cNvPr id="30" name="직사각형 29"/>
-          <p:cNvSpPr/>
-          <p:nvPr/>
-        </p:nvSpPr>
-        <p:spPr>
-          <a:xfrm>
-            <a:off x="952304" y="4884796"/>
-            <a:ext cx="905425" cy="943172"/>
-          </a:xfrm>
-          <a:prstGeom prst="rect">
-            <a:avLst/>
-          </a:prstGeom>
-          <a:solidFill>
-            <a:srgbClr val="00B0F0"/>
-          </a:solidFill>
-          <a:ln>
-            <a:noFill/>
-          </a:ln>
-        </p:spPr>
-        <p:style>
-          <a:lnRef idx="2">
-            <a:schemeClr val="accent1">
-              <a:shade val="50000"/>
-            </a:schemeClr>
-          </a:lnRef>
-          <a:fillRef idx="1">
-            <a:schemeClr val="accent1"/>
-          </a:fillRef>
-          <a:effectRef idx="0">
-            <a:schemeClr val="accent1"/>
-          </a:effectRef>
-          <a:fontRef idx="minor">
-            <a:schemeClr val="lt1"/>
-          </a:fontRef>
-        </p:style>
-        <p:txBody>
-          <a:bodyPr rtlCol="0" anchor="ctr"/>
-          <a:lstStyle/>
-          <a:p>
-            <a:pPr algn="ctr"/>
-            <a:r>
-              <a:rPr lang="en-US" altLang="ko-KR" dirty="0" smtClean="0">
-                <a:latin typeface="AppleSDGothicNeoR00" panose="02000503000000000000" pitchFamily="2" charset="-127"/>
-                <a:ea typeface="AppleSDGothicNeoR00" panose="02000503000000000000" pitchFamily="2" charset="-127"/>
-              </a:rPr>
-              <a:t>Client</a:t>
-            </a:r>
-            <a:endParaRPr lang="ko-KR" altLang="en-US" dirty="0">
-              <a:latin typeface="AppleSDGothicNeoR00" panose="02000503000000000000" pitchFamily="2" charset="-127"/>
-              <a:ea typeface="AppleSDGothicNeoR00" panose="02000503000000000000" pitchFamily="2" charset="-127"/>
-            </a:endParaRPr>
-          </a:p>
-        </p:txBody>
-      </p:sp>
-      <p:pic>
-        <p:nvPicPr>
-          <p:cNvPr id="15" name="그림 14"/>
-          <p:cNvPicPr>
-            <a:picLocks noChangeAspect="1"/>
-          </p:cNvPicPr>
-          <p:nvPr/>
-        </p:nvPicPr>
-        <p:blipFill>
-          <a:blip r:embed="rId5"/>
-          <a:stretch>
-            <a:fillRect/>
-          </a:stretch>
-        </p:blipFill>
-        <p:spPr>
-          <a:xfrm>
-            <a:off x="2158207" y="5359599"/>
-            <a:ext cx="3000794" cy="457264"/>
-          </a:xfrm>
-          <a:prstGeom prst="rect">
-            <a:avLst/>
-          </a:prstGeom>
-        </p:spPr>
-      </p:pic>
-      <p:cxnSp>
-        <p:nvCxnSpPr>
-          <p:cNvPr id="32" name="직선 화살표 연결선 31"/>
-          <p:cNvCxnSpPr/>
-          <p:nvPr/>
-        </p:nvCxnSpPr>
-        <p:spPr>
-          <a:xfrm flipH="1">
-            <a:off x="3287693" y="5111010"/>
-            <a:ext cx="1718" cy="232924"/>
-          </a:xfrm>
-          <a:prstGeom prst="straightConnector1">
-            <a:avLst/>
-          </a:prstGeom>
-          <a:ln>
-            <a:tailEnd type="triangle"/>
-          </a:ln>
-        </p:spPr>
-        <p:style>
-          <a:lnRef idx="3">
-            <a:schemeClr val="accent4"/>
-          </a:lnRef>
-          <a:fillRef idx="0">
-            <a:schemeClr val="accent4"/>
-          </a:fillRef>
-          <a:effectRef idx="2">
-            <a:schemeClr val="accent4"/>
-          </a:effectRef>
-          <a:fontRef idx="minor">
-            <a:schemeClr val="tx1"/>
-          </a:fontRef>
-        </p:style>
-      </p:cxnSp>
-      <p:sp>
-        <p:nvSpPr>
-          <p:cNvPr id="17" name="TextBox 16"/>
-          <p:cNvSpPr txBox="1"/>
-          <p:nvPr/>
-        </p:nvSpPr>
-        <p:spPr>
-          <a:xfrm>
-            <a:off x="5672483" y="5324198"/>
-            <a:ext cx="4657044" cy="307777"/>
-          </a:xfrm>
-          <a:prstGeom prst="rect">
-            <a:avLst/>
-          </a:prstGeom>
-          <a:noFill/>
-        </p:spPr>
-        <p:txBody>
-          <a:bodyPr wrap="none" rtlCol="0">
-            <a:spAutoFit/>
-          </a:bodyPr>
-          <a:lstStyle/>
-          <a:p>
-            <a:r>
-              <a:rPr lang="ko-KR" altLang="en-US" sz="1400" dirty="0" smtClean="0">
-                <a:latin typeface="AppleSDGothicNeoR00" panose="02000503000000000000" pitchFamily="2" charset="-127"/>
-                <a:ea typeface="AppleSDGothicNeoR00" panose="02000503000000000000" pitchFamily="2" charset="-127"/>
-              </a:rPr>
-              <a:t>이벤트</a:t>
-            </a:r>
-            <a:r>
-              <a:rPr lang="en-US" altLang="ko-KR" sz="1400" dirty="0" smtClean="0">
-                <a:latin typeface="AppleSDGothicNeoR00" panose="02000503000000000000" pitchFamily="2" charset="-127"/>
-                <a:ea typeface="AppleSDGothicNeoR00" panose="02000503000000000000" pitchFamily="2" charset="-127"/>
-              </a:rPr>
-              <a:t>(value</a:t>
-            </a:r>
-            <a:r>
-              <a:rPr lang="ko-KR" altLang="en-US" sz="1400" dirty="0" smtClean="0">
-                <a:latin typeface="AppleSDGothicNeoR00" panose="02000503000000000000" pitchFamily="2" charset="-127"/>
-                <a:ea typeface="AppleSDGothicNeoR00" panose="02000503000000000000" pitchFamily="2" charset="-127"/>
-              </a:rPr>
-              <a:t>의 변경</a:t>
-            </a:r>
-            <a:r>
-              <a:rPr lang="en-US" altLang="ko-KR" sz="1400" dirty="0" smtClean="0">
-                <a:latin typeface="AppleSDGothicNeoR00" panose="02000503000000000000" pitchFamily="2" charset="-127"/>
-                <a:ea typeface="AppleSDGothicNeoR00" panose="02000503000000000000" pitchFamily="2" charset="-127"/>
-              </a:rPr>
-              <a:t>)</a:t>
-            </a:r>
-            <a:r>
-              <a:rPr lang="ko-KR" altLang="en-US" sz="1400" dirty="0" smtClean="0">
-                <a:latin typeface="AppleSDGothicNeoR00" panose="02000503000000000000" pitchFamily="2" charset="-127"/>
-                <a:ea typeface="AppleSDGothicNeoR00" panose="02000503000000000000" pitchFamily="2" charset="-127"/>
-              </a:rPr>
-              <a:t>를 감지하면 </a:t>
-            </a:r>
-            <a:r>
-              <a:rPr lang="en-US" altLang="ko-KR" sz="1400" dirty="0" err="1" smtClean="0">
-                <a:latin typeface="AppleSDGothicNeoR00" panose="02000503000000000000" pitchFamily="2" charset="-127"/>
-                <a:ea typeface="AppleSDGothicNeoR00" panose="02000503000000000000" pitchFamily="2" charset="-127"/>
-              </a:rPr>
-              <a:t>printwriter</a:t>
-            </a:r>
-            <a:r>
-              <a:rPr lang="ko-KR" altLang="en-US" sz="1400" dirty="0" smtClean="0">
-                <a:latin typeface="AppleSDGothicNeoR00" panose="02000503000000000000" pitchFamily="2" charset="-127"/>
-                <a:ea typeface="AppleSDGothicNeoR00" panose="02000503000000000000" pitchFamily="2" charset="-127"/>
-              </a:rPr>
-              <a:t>가 </a:t>
-            </a:r>
-            <a:r>
-              <a:rPr lang="en-US" altLang="ko-KR" sz="1400" dirty="0" smtClean="0">
-                <a:latin typeface="AppleSDGothicNeoR00" panose="02000503000000000000" pitchFamily="2" charset="-127"/>
-                <a:ea typeface="AppleSDGothicNeoR00" panose="02000503000000000000" pitchFamily="2" charset="-127"/>
-              </a:rPr>
-              <a:t>query</a:t>
-            </a:r>
-            <a:r>
-              <a:rPr lang="ko-KR" altLang="en-US" sz="1400" dirty="0" smtClean="0">
-                <a:latin typeface="AppleSDGothicNeoR00" panose="02000503000000000000" pitchFamily="2" charset="-127"/>
-                <a:ea typeface="AppleSDGothicNeoR00" panose="02000503000000000000" pitchFamily="2" charset="-127"/>
-              </a:rPr>
-              <a:t>문을 </a:t>
-            </a:r>
-            <a:r>
-              <a:rPr lang="ko-KR" altLang="en-US" sz="1400" dirty="0" smtClean="0">
-                <a:latin typeface="AppleSDGothicNeoR00" panose="02000503000000000000" pitchFamily="2" charset="-127"/>
-                <a:ea typeface="AppleSDGothicNeoR00" panose="02000503000000000000" pitchFamily="2" charset="-127"/>
-              </a:rPr>
-              <a:t>전송</a:t>
-            </a:r>
-            <a:endParaRPr lang="ko-KR" altLang="en-US" sz="1400" dirty="0">
-              <a:latin typeface="AppleSDGothicNeoR00" panose="02000503000000000000" pitchFamily="2" charset="-127"/>
-              <a:ea typeface="AppleSDGothicNeoR00" panose="02000503000000000000" pitchFamily="2" charset="-127"/>
-            </a:endParaRPr>
-          </a:p>
-        </p:txBody>
-      </p:sp>
-      <p:cxnSp>
-        <p:nvCxnSpPr>
-          <p:cNvPr id="39" name="직선 화살표 연결선 38"/>
-          <p:cNvCxnSpPr>
-            <a:endCxn id="17" idx="1"/>
-          </p:cNvCxnSpPr>
-          <p:nvPr/>
-        </p:nvCxnSpPr>
-        <p:spPr>
-          <a:xfrm>
-            <a:off x="4247804" y="5478086"/>
-            <a:ext cx="1424679" cy="1"/>
-          </a:xfrm>
-          <a:prstGeom prst="straightConnector1">
-            <a:avLst/>
-          </a:prstGeom>
-          <a:ln>
-            <a:tailEnd type="triangle"/>
-          </a:ln>
-        </p:spPr>
-        <p:style>
-          <a:lnRef idx="3">
-            <a:schemeClr val="accent1"/>
-          </a:lnRef>
-          <a:fillRef idx="0">
-            <a:schemeClr val="accent1"/>
-          </a:fillRef>
-          <a:effectRef idx="2">
-            <a:schemeClr val="accent1"/>
-          </a:effectRef>
-          <a:fontRef idx="minor">
-            <a:schemeClr val="tx1"/>
-          </a:fontRef>
-        </p:style>
-      </p:cxnSp>
-      <p:pic>
-        <p:nvPicPr>
-          <p:cNvPr id="51" name="그림 50"/>
-          <p:cNvPicPr>
-            <a:picLocks noChangeAspect="1"/>
-          </p:cNvPicPr>
-          <p:nvPr/>
-        </p:nvPicPr>
-        <p:blipFill>
-          <a:blip r:embed="rId6"/>
-          <a:stretch>
-            <a:fillRect/>
-          </a:stretch>
-        </p:blipFill>
-        <p:spPr>
-          <a:xfrm>
-            <a:off x="2158207" y="2255081"/>
-            <a:ext cx="3610479" cy="885949"/>
-          </a:xfrm>
-          <a:prstGeom prst="rect">
-            <a:avLst/>
-          </a:prstGeom>
-        </p:spPr>
-      </p:pic>
     </p:spTree>
     <p:extLst>
       <p:ext uri="{BB962C8B-B14F-4D97-AF65-F5344CB8AC3E}">
-        <p14:creationId xmlns:p14="http://schemas.microsoft.com/office/powerpoint/2010/main" val="75030482"/>
+        <p14:creationId xmlns:p14="http://schemas.microsoft.com/office/powerpoint/2010/main" val="567418550"/>
       </p:ext>
     </p:extLst>
   </p:cSld>
@@ -5523,7 +5856,7 @@
                 <a:latin typeface="AppleSDGothicNeoR00" panose="02000503000000000000" pitchFamily="2" charset="-127"/>
                 <a:ea typeface="AppleSDGothicNeoR00" panose="02000503000000000000" pitchFamily="2" charset="-127"/>
               </a:rPr>
-              <a:t>주요 실행 화면</a:t>
+              <a:t>주요 클래스 및 라이브러리</a:t>
             </a:r>
             <a:endParaRPr lang="ko-KR" altLang="en-US" dirty="0">
               <a:latin typeface="AppleSDGothicNeoR00" panose="02000503000000000000" pitchFamily="2" charset="-127"/>
@@ -5532,69 +5865,15 @@
           </a:p>
         </p:txBody>
       </p:sp>
-      <p:sp>
-        <p:nvSpPr>
-          <p:cNvPr id="16" name="직사각형 15"/>
-          <p:cNvSpPr/>
-          <p:nvPr/>
-        </p:nvSpPr>
-        <p:spPr>
-          <a:xfrm>
-            <a:off x="472440" y="1635704"/>
-            <a:ext cx="3617422" cy="325399"/>
-          </a:xfrm>
-          <a:prstGeom prst="rect">
-            <a:avLst/>
-          </a:prstGeom>
-          <a:solidFill>
-            <a:srgbClr val="00B0F0"/>
-          </a:solidFill>
-          <a:ln>
-            <a:noFill/>
-          </a:ln>
-        </p:spPr>
-        <p:style>
-          <a:lnRef idx="2">
-            <a:schemeClr val="accent1">
-              <a:shade val="50000"/>
-            </a:schemeClr>
-          </a:lnRef>
-          <a:fillRef idx="1">
-            <a:schemeClr val="accent1"/>
-          </a:fillRef>
-          <a:effectRef idx="0">
-            <a:schemeClr val="accent1"/>
-          </a:effectRef>
-          <a:fontRef idx="minor">
-            <a:schemeClr val="lt1"/>
-          </a:fontRef>
-        </p:style>
-        <p:txBody>
-          <a:bodyPr rtlCol="0" anchor="ctr"/>
-          <a:lstStyle/>
-          <a:p>
-            <a:pPr algn="ctr"/>
-            <a:r>
-              <a:rPr lang="en-US" altLang="ko-KR" dirty="0" smtClean="0">
-                <a:latin typeface="AppleSDGothicNeoR00" panose="02000503000000000000" pitchFamily="2" charset="-127"/>
-                <a:ea typeface="AppleSDGothicNeoR00" panose="02000503000000000000" pitchFamily="2" charset="-127"/>
-              </a:rPr>
-              <a:t>Client</a:t>
-            </a:r>
-            <a:endParaRPr lang="ko-KR" altLang="en-US" dirty="0">
-              <a:latin typeface="AppleSDGothicNeoR00" panose="02000503000000000000" pitchFamily="2" charset="-127"/>
-              <a:ea typeface="AppleSDGothicNeoR00" panose="02000503000000000000" pitchFamily="2" charset="-127"/>
-            </a:endParaRPr>
-          </a:p>
-        </p:txBody>
-      </p:sp>
       <p:pic>
         <p:nvPicPr>
-          <p:cNvPr id="19" name="그림 18"/>
+          <p:cNvPr id="4" name="내용 개체 틀 3"/>
           <p:cNvPicPr>
-            <a:picLocks noChangeAspect="1"/>
+            <a:picLocks noGrp="1" noChangeAspect="1"/>
           </p:cNvPicPr>
-          <p:nvPr/>
+          <p:nvPr>
+            <p:ph idx="1"/>
+          </p:nvPr>
         </p:nvPicPr>
         <p:blipFill>
           <a:blip r:embed="rId2"/>
@@ -5604,8 +5883,8 @@
         </p:blipFill>
         <p:spPr>
           <a:xfrm>
-            <a:off x="4278023" y="2073159"/>
-            <a:ext cx="1817840" cy="216410"/>
+            <a:off x="838200" y="1973321"/>
+            <a:ext cx="2219635" cy="3410426"/>
           </a:xfrm>
           <a:prstGeom prst="rect">
             <a:avLst/>
@@ -5614,7 +5893,7 @@
       </p:pic>
       <p:pic>
         <p:nvPicPr>
-          <p:cNvPr id="21" name="그림 20"/>
+          <p:cNvPr id="5" name="그림 4"/>
           <p:cNvPicPr>
             <a:picLocks noChangeAspect="1"/>
           </p:cNvPicPr>
@@ -5628,347 +5907,24 @@
         </p:blipFill>
         <p:spPr>
           <a:xfrm>
-            <a:off x="472440" y="2073158"/>
-            <a:ext cx="2146069" cy="216410"/>
+            <a:off x="838200" y="5383747"/>
+            <a:ext cx="2324424" cy="447737"/>
           </a:xfrm>
           <a:prstGeom prst="rect">
             <a:avLst/>
           </a:prstGeom>
         </p:spPr>
       </p:pic>
-      <p:pic>
-        <p:nvPicPr>
-          <p:cNvPr id="22" name="그림 21"/>
-          <p:cNvPicPr>
-            <a:picLocks noChangeAspect="1"/>
-          </p:cNvPicPr>
-          <p:nvPr/>
-        </p:nvPicPr>
-        <p:blipFill>
-          <a:blip r:embed="rId4"/>
-          <a:stretch>
-            <a:fillRect/>
-          </a:stretch>
-        </p:blipFill>
-        <p:spPr>
-          <a:xfrm>
-            <a:off x="4288537" y="2401623"/>
-            <a:ext cx="2075411" cy="207541"/>
-          </a:xfrm>
-          <a:prstGeom prst="rect">
-            <a:avLst/>
-          </a:prstGeom>
-        </p:spPr>
-      </p:pic>
-      <p:pic>
-        <p:nvPicPr>
-          <p:cNvPr id="23" name="그림 22"/>
-          <p:cNvPicPr>
-            <a:picLocks noChangeAspect="1"/>
-          </p:cNvPicPr>
-          <p:nvPr/>
-        </p:nvPicPr>
-        <p:blipFill>
-          <a:blip r:embed="rId5"/>
-          <a:stretch>
-            <a:fillRect/>
-          </a:stretch>
-        </p:blipFill>
-        <p:spPr>
-          <a:xfrm>
-            <a:off x="472440" y="2401623"/>
-            <a:ext cx="1447800" cy="199169"/>
-          </a:xfrm>
-          <a:prstGeom prst="rect">
-            <a:avLst/>
-          </a:prstGeom>
-        </p:spPr>
-      </p:pic>
-      <p:pic>
-        <p:nvPicPr>
-          <p:cNvPr id="26" name="그림 25"/>
-          <p:cNvPicPr>
-            <a:picLocks noChangeAspect="1"/>
-          </p:cNvPicPr>
-          <p:nvPr/>
-        </p:nvPicPr>
-        <p:blipFill>
-          <a:blip r:embed="rId6"/>
-          <a:stretch>
-            <a:fillRect/>
-          </a:stretch>
-        </p:blipFill>
-        <p:spPr>
-          <a:xfrm>
-            <a:off x="472440" y="2712847"/>
-            <a:ext cx="1314633" cy="581106"/>
-          </a:xfrm>
-          <a:prstGeom prst="rect">
-            <a:avLst/>
-          </a:prstGeom>
-        </p:spPr>
-      </p:pic>
-      <p:pic>
-        <p:nvPicPr>
-          <p:cNvPr id="27" name="그림 26"/>
-          <p:cNvPicPr>
-            <a:picLocks noChangeAspect="1"/>
-          </p:cNvPicPr>
-          <p:nvPr/>
-        </p:nvPicPr>
-        <p:blipFill>
-          <a:blip r:embed="rId7"/>
-          <a:stretch>
-            <a:fillRect/>
-          </a:stretch>
-        </p:blipFill>
-        <p:spPr>
-          <a:xfrm>
-            <a:off x="472440" y="3436846"/>
-            <a:ext cx="3617421" cy="238751"/>
-          </a:xfrm>
-          <a:prstGeom prst="rect">
-            <a:avLst/>
-          </a:prstGeom>
-        </p:spPr>
-      </p:pic>
-      <p:pic>
-        <p:nvPicPr>
-          <p:cNvPr id="28" name="그림 27"/>
-          <p:cNvPicPr>
-            <a:picLocks noChangeAspect="1"/>
-          </p:cNvPicPr>
-          <p:nvPr/>
-        </p:nvPicPr>
-        <p:blipFill>
-          <a:blip r:embed="rId8"/>
-          <a:stretch>
-            <a:fillRect/>
-          </a:stretch>
-        </p:blipFill>
-        <p:spPr>
-          <a:xfrm>
-            <a:off x="4288537" y="3449318"/>
-            <a:ext cx="3614651" cy="213806"/>
-          </a:xfrm>
-          <a:prstGeom prst="rect">
-            <a:avLst/>
-          </a:prstGeom>
-        </p:spPr>
-      </p:pic>
-      <p:sp>
-        <p:nvSpPr>
-          <p:cNvPr id="29" name="직사각형 28"/>
-          <p:cNvSpPr/>
-          <p:nvPr/>
-        </p:nvSpPr>
-        <p:spPr>
-          <a:xfrm>
-            <a:off x="4278023" y="1635703"/>
-            <a:ext cx="3617422" cy="325399"/>
-          </a:xfrm>
-          <a:prstGeom prst="rect">
-            <a:avLst/>
-          </a:prstGeom>
-          <a:solidFill>
-            <a:srgbClr val="00B0F0"/>
-          </a:solidFill>
-          <a:ln>
-            <a:noFill/>
-          </a:ln>
-        </p:spPr>
-        <p:style>
-          <a:lnRef idx="2">
-            <a:schemeClr val="accent1">
-              <a:shade val="50000"/>
-            </a:schemeClr>
-          </a:lnRef>
-          <a:fillRef idx="1">
-            <a:schemeClr val="accent1"/>
-          </a:fillRef>
-          <a:effectRef idx="0">
-            <a:schemeClr val="accent1"/>
-          </a:effectRef>
-          <a:fontRef idx="minor">
-            <a:schemeClr val="lt1"/>
-          </a:fontRef>
-        </p:style>
-        <p:txBody>
-          <a:bodyPr rtlCol="0" anchor="ctr"/>
-          <a:lstStyle/>
-          <a:p>
-            <a:pPr algn="ctr"/>
-            <a:r>
-              <a:rPr lang="en-US" altLang="ko-KR" dirty="0" smtClean="0">
-                <a:latin typeface="AppleSDGothicNeoR00" panose="02000503000000000000" pitchFamily="2" charset="-127"/>
-                <a:ea typeface="AppleSDGothicNeoR00" panose="02000503000000000000" pitchFamily="2" charset="-127"/>
-              </a:rPr>
-              <a:t>Server</a:t>
-            </a:r>
-          </a:p>
-        </p:txBody>
-      </p:sp>
-      <p:pic>
-        <p:nvPicPr>
-          <p:cNvPr id="30" name="그림 29"/>
-          <p:cNvPicPr>
-            <a:picLocks noChangeAspect="1"/>
-          </p:cNvPicPr>
-          <p:nvPr/>
-        </p:nvPicPr>
-        <p:blipFill>
-          <a:blip r:embed="rId9"/>
-          <a:stretch>
-            <a:fillRect/>
-          </a:stretch>
-        </p:blipFill>
-        <p:spPr>
-          <a:xfrm>
-            <a:off x="8101864" y="3462487"/>
-            <a:ext cx="3617422" cy="187467"/>
-          </a:xfrm>
-          <a:prstGeom prst="rect">
-            <a:avLst/>
-          </a:prstGeom>
-        </p:spPr>
-      </p:pic>
-      <p:sp>
-        <p:nvSpPr>
-          <p:cNvPr id="31" name="직사각형 30"/>
-          <p:cNvSpPr/>
-          <p:nvPr/>
-        </p:nvSpPr>
-        <p:spPr>
-          <a:xfrm>
-            <a:off x="8083606" y="1635703"/>
-            <a:ext cx="3617422" cy="325399"/>
-          </a:xfrm>
-          <a:prstGeom prst="rect">
-            <a:avLst/>
-          </a:prstGeom>
-          <a:solidFill>
-            <a:srgbClr val="00B0F0"/>
-          </a:solidFill>
-          <a:ln>
-            <a:noFill/>
-          </a:ln>
-        </p:spPr>
-        <p:style>
-          <a:lnRef idx="2">
-            <a:schemeClr val="accent1">
-              <a:shade val="50000"/>
-            </a:schemeClr>
-          </a:lnRef>
-          <a:fillRef idx="1">
-            <a:schemeClr val="accent1"/>
-          </a:fillRef>
-          <a:effectRef idx="0">
-            <a:schemeClr val="accent1"/>
-          </a:effectRef>
-          <a:fontRef idx="minor">
-            <a:schemeClr val="lt1"/>
-          </a:fontRef>
-        </p:style>
-        <p:txBody>
-          <a:bodyPr rtlCol="0" anchor="ctr"/>
-          <a:lstStyle/>
-          <a:p>
-            <a:pPr algn="ctr"/>
-            <a:r>
-              <a:rPr lang="en-US" altLang="ko-KR" dirty="0" smtClean="0">
-                <a:latin typeface="AppleSDGothicNeoR00" panose="02000503000000000000" pitchFamily="2" charset="-127"/>
-                <a:ea typeface="AppleSDGothicNeoR00" panose="02000503000000000000" pitchFamily="2" charset="-127"/>
-              </a:rPr>
-              <a:t>Other Client</a:t>
-            </a:r>
-          </a:p>
-        </p:txBody>
-      </p:sp>
-      <p:pic>
-        <p:nvPicPr>
-          <p:cNvPr id="32" name="그림 31"/>
-          <p:cNvPicPr>
-            <a:picLocks noChangeAspect="1"/>
-          </p:cNvPicPr>
-          <p:nvPr/>
-        </p:nvPicPr>
-        <p:blipFill>
-          <a:blip r:embed="rId3"/>
-          <a:stretch>
-            <a:fillRect/>
-          </a:stretch>
-        </p:blipFill>
-        <p:spPr>
-          <a:xfrm>
-            <a:off x="8083606" y="2071353"/>
-            <a:ext cx="2146069" cy="216410"/>
-          </a:xfrm>
-          <a:prstGeom prst="rect">
-            <a:avLst/>
-          </a:prstGeom>
-        </p:spPr>
-      </p:pic>
-      <p:pic>
-        <p:nvPicPr>
-          <p:cNvPr id="33" name="그림 32"/>
-          <p:cNvPicPr>
-            <a:picLocks noChangeAspect="1"/>
-          </p:cNvPicPr>
-          <p:nvPr/>
-        </p:nvPicPr>
-        <p:blipFill>
-          <a:blip r:embed="rId5"/>
-          <a:stretch>
-            <a:fillRect/>
-          </a:stretch>
-        </p:blipFill>
-        <p:spPr>
-          <a:xfrm>
-            <a:off x="8129326" y="2738462"/>
-            <a:ext cx="1447800" cy="199169"/>
-          </a:xfrm>
-          <a:prstGeom prst="rect">
-            <a:avLst/>
-          </a:prstGeom>
-        </p:spPr>
-      </p:pic>
-      <p:pic>
-        <p:nvPicPr>
-          <p:cNvPr id="34" name="그림 33"/>
-          <p:cNvPicPr>
-            <a:picLocks noChangeAspect="1"/>
-          </p:cNvPicPr>
-          <p:nvPr/>
-        </p:nvPicPr>
-        <p:blipFill>
-          <a:blip r:embed="rId4"/>
-          <a:stretch>
-            <a:fillRect/>
-          </a:stretch>
-        </p:blipFill>
-        <p:spPr>
-          <a:xfrm>
-            <a:off x="5827777" y="2730090"/>
-            <a:ext cx="2075411" cy="207541"/>
-          </a:xfrm>
-          <a:prstGeom prst="rect">
-            <a:avLst/>
-          </a:prstGeom>
-        </p:spPr>
-      </p:pic>
       <p:cxnSp>
         <p:nvCxnSpPr>
-          <p:cNvPr id="37" name="직선 화살표 연결선 36"/>
-          <p:cNvCxnSpPr>
-            <a:stCxn id="21" idx="3"/>
-            <a:endCxn id="22" idx="1"/>
-          </p:cNvCxnSpPr>
+          <p:cNvPr id="8" name="직선 화살표 연결선 7"/>
+          <p:cNvCxnSpPr/>
           <p:nvPr/>
         </p:nvCxnSpPr>
         <p:spPr>
           <a:xfrm>
-            <a:off x="2618509" y="2181363"/>
-            <a:ext cx="1670028" cy="324031"/>
+            <a:off x="2776451" y="5735783"/>
+            <a:ext cx="2086494" cy="191192"/>
           </a:xfrm>
           <a:prstGeom prst="straightConnector1">
             <a:avLst/>
@@ -5979,13 +5935,89 @@
         </p:spPr>
         <p:style>
           <a:lnRef idx="3">
-            <a:schemeClr val="accent4"/>
+            <a:schemeClr val="accent1"/>
           </a:lnRef>
           <a:fillRef idx="0">
-            <a:schemeClr val="accent4"/>
+            <a:schemeClr val="accent1"/>
           </a:fillRef>
           <a:effectRef idx="2">
-            <a:schemeClr val="accent4"/>
+            <a:schemeClr val="accent1"/>
+          </a:effectRef>
+          <a:fontRef idx="minor">
+            <a:schemeClr val="tx1"/>
+          </a:fontRef>
+        </p:style>
+      </p:cxnSp>
+      <p:sp>
+        <p:nvSpPr>
+          <p:cNvPr id="10" name="TextBox 9"/>
+          <p:cNvSpPr txBox="1"/>
+          <p:nvPr/>
+        </p:nvSpPr>
+        <p:spPr>
+          <a:xfrm>
+            <a:off x="4862945" y="5735783"/>
+            <a:ext cx="4771505" cy="369332"/>
+          </a:xfrm>
+          <a:prstGeom prst="rect">
+            <a:avLst/>
+          </a:prstGeom>
+          <a:noFill/>
+        </p:spPr>
+        <p:txBody>
+          <a:bodyPr wrap="square" rtlCol="0">
+            <a:spAutoFit/>
+          </a:bodyPr>
+          <a:lstStyle/>
+          <a:p>
+            <a:r>
+              <a:rPr lang="en-US" altLang="ko-KR" dirty="0" smtClean="0">
+                <a:latin typeface="AppleSDGothicNeoR00" panose="02000503000000000000" pitchFamily="2" charset="-127"/>
+                <a:ea typeface="AppleSDGothicNeoR00" panose="02000503000000000000" pitchFamily="2" charset="-127"/>
+              </a:rPr>
+              <a:t>DB</a:t>
+            </a:r>
+            <a:r>
+              <a:rPr lang="ko-KR" altLang="en-US" dirty="0" smtClean="0">
+                <a:latin typeface="AppleSDGothicNeoR00" panose="02000503000000000000" pitchFamily="2" charset="-127"/>
+                <a:ea typeface="AppleSDGothicNeoR00" panose="02000503000000000000" pitchFamily="2" charset="-127"/>
+              </a:rPr>
+              <a:t> 연결을 위한 드라이버 및 클래스</a:t>
+            </a:r>
+            <a:endParaRPr lang="ko-KR" altLang="en-US" dirty="0">
+              <a:latin typeface="AppleSDGothicNeoR00" panose="02000503000000000000" pitchFamily="2" charset="-127"/>
+              <a:ea typeface="AppleSDGothicNeoR00" panose="02000503000000000000" pitchFamily="2" charset="-127"/>
+            </a:endParaRPr>
+          </a:p>
+        </p:txBody>
+      </p:sp>
+      <p:cxnSp>
+        <p:nvCxnSpPr>
+          <p:cNvPr id="16" name="직선 화살표 연결선 15"/>
+          <p:cNvCxnSpPr/>
+          <p:nvPr/>
+        </p:nvCxnSpPr>
+        <p:spPr>
+          <a:xfrm>
+            <a:off x="1948017" y="4837032"/>
+            <a:ext cx="2848357" cy="38791"/>
+          </a:xfrm>
+          <a:prstGeom prst="straightConnector1">
+            <a:avLst/>
+          </a:prstGeom>
+          <a:ln>
+            <a:tailEnd type="triangle"/>
+          </a:ln>
+        </p:spPr>
+        <p:style>
+          <a:lnRef idx="3">
+            <a:schemeClr val="accent1"/>
+          </a:lnRef>
+          <a:fillRef idx="0">
+            <a:schemeClr val="accent1"/>
+          </a:fillRef>
+          <a:effectRef idx="2">
+            <a:schemeClr val="accent1"/>
           </a:effectRef>
           <a:fontRef idx="minor">
             <a:schemeClr val="tx1"/>
@@ -5994,17 +6026,14 @@
       </p:cxnSp>
       <p:cxnSp>
         <p:nvCxnSpPr>
-          <p:cNvPr id="38" name="직선 화살표 연결선 37"/>
-          <p:cNvCxnSpPr>
-            <a:stCxn id="22" idx="1"/>
-            <a:endCxn id="23" idx="3"/>
-          </p:cNvCxnSpPr>
+          <p:cNvPr id="18" name="직선 화살표 연결선 17"/>
+          <p:cNvCxnSpPr/>
           <p:nvPr/>
         </p:nvCxnSpPr>
         <p:spPr>
-          <a:xfrm flipH="1" flipV="1">
-            <a:off x="1920240" y="2501208"/>
-            <a:ext cx="2368297" cy="4186"/>
+          <a:xfrm>
+            <a:off x="2477193" y="5280645"/>
+            <a:ext cx="2385752" cy="646330"/>
           </a:xfrm>
           <a:prstGeom prst="straightConnector1">
             <a:avLst/>
@@ -6015,33 +6044,88 @@
         </p:spPr>
         <p:style>
           <a:lnRef idx="3">
-            <a:schemeClr val="accent4"/>
+            <a:schemeClr val="accent1"/>
           </a:lnRef>
           <a:fillRef idx="0">
-            <a:schemeClr val="accent4"/>
+            <a:schemeClr val="accent1"/>
           </a:fillRef>
           <a:effectRef idx="2">
-            <a:schemeClr val="accent4"/>
+            <a:schemeClr val="accent1"/>
           </a:effectRef>
           <a:fontRef idx="minor">
             <a:schemeClr val="tx1"/>
           </a:fontRef>
         </p:style>
       </p:cxnSp>
+      <p:sp>
+        <p:nvSpPr>
+          <p:cNvPr id="21" name="TextBox 20"/>
+          <p:cNvSpPr txBox="1"/>
+          <p:nvPr/>
+        </p:nvSpPr>
+        <p:spPr>
+          <a:xfrm>
+            <a:off x="4862945" y="4691157"/>
+            <a:ext cx="6700059" cy="369332"/>
+          </a:xfrm>
+          <a:prstGeom prst="rect">
+            <a:avLst/>
+          </a:prstGeom>
+          <a:noFill/>
+        </p:spPr>
+        <p:txBody>
+          <a:bodyPr wrap="square" rtlCol="0">
+            <a:spAutoFit/>
+          </a:bodyPr>
+          <a:lstStyle/>
+          <a:p>
+            <a:r>
+              <a:rPr lang="ko-KR" altLang="en-US" dirty="0" smtClean="0">
+                <a:latin typeface="AppleSDGothicNeoR00" panose="02000503000000000000" pitchFamily="2" charset="-127"/>
+                <a:ea typeface="AppleSDGothicNeoR00" panose="02000503000000000000" pitchFamily="2" charset="-127"/>
+              </a:rPr>
+              <a:t>각 유저의 </a:t>
+            </a:r>
+            <a:r>
+              <a:rPr lang="en-US" altLang="ko-KR" dirty="0" err="1" smtClean="0">
+                <a:latin typeface="AppleSDGothicNeoR00" panose="02000503000000000000" pitchFamily="2" charset="-127"/>
+                <a:ea typeface="AppleSDGothicNeoR00" panose="02000503000000000000" pitchFamily="2" charset="-127"/>
+              </a:rPr>
+              <a:t>PrintWriter</a:t>
+            </a:r>
+            <a:r>
+              <a:rPr lang="en-US" altLang="ko-KR" dirty="0" smtClean="0">
+                <a:latin typeface="AppleSDGothicNeoR00" panose="02000503000000000000" pitchFamily="2" charset="-127"/>
+                <a:ea typeface="AppleSDGothicNeoR00" panose="02000503000000000000" pitchFamily="2" charset="-127"/>
+              </a:rPr>
+              <a:t>, </a:t>
+            </a:r>
+            <a:r>
+              <a:rPr lang="ko-KR" altLang="en-US" dirty="0" smtClean="0">
+                <a:latin typeface="AppleSDGothicNeoR00" panose="02000503000000000000" pitchFamily="2" charset="-127"/>
+                <a:ea typeface="AppleSDGothicNeoR00" panose="02000503000000000000" pitchFamily="2" charset="-127"/>
+              </a:rPr>
+              <a:t>테이블 이름을 저장하는 클래스</a:t>
+            </a:r>
+            <a:endParaRPr lang="ko-KR" altLang="en-US" dirty="0">
+              <a:latin typeface="AppleSDGothicNeoR00" panose="02000503000000000000" pitchFamily="2" charset="-127"/>
+              <a:ea typeface="AppleSDGothicNeoR00" panose="02000503000000000000" pitchFamily="2" charset="-127"/>
+            </a:endParaRPr>
+          </a:p>
+        </p:txBody>
+      </p:sp>
       <p:cxnSp>
         <p:nvCxnSpPr>
-          <p:cNvPr id="63" name="꺾인 연결선 62"/>
-          <p:cNvCxnSpPr>
-            <a:endCxn id="26" idx="3"/>
-          </p:cNvCxnSpPr>
+          <p:cNvPr id="26" name="직선 화살표 연결선 25"/>
+          <p:cNvCxnSpPr/>
           <p:nvPr/>
         </p:nvCxnSpPr>
         <p:spPr>
-          <a:xfrm rot="5400000">
-            <a:off x="1682161" y="2765318"/>
-            <a:ext cx="342995" cy="133169"/>
-          </a:xfrm>
-          <a:prstGeom prst="bentConnector2">
+          <a:xfrm flipV="1">
+            <a:off x="2906751" y="3427480"/>
+            <a:ext cx="1773314" cy="1"/>
+          </a:xfrm>
+          <a:prstGeom prst="straightConnector1">
             <a:avLst/>
           </a:prstGeom>
           <a:ln>
@@ -6050,13 +6134,13 @@
         </p:spPr>
         <p:style>
           <a:lnRef idx="3">
-            <a:schemeClr val="accent4"/>
+            <a:schemeClr val="accent1"/>
           </a:lnRef>
           <a:fillRef idx="0">
-            <a:schemeClr val="accent4"/>
+            <a:schemeClr val="accent1"/>
           </a:fillRef>
           <a:effectRef idx="2">
-            <a:schemeClr val="accent4"/>
+            <a:schemeClr val="accent1"/>
           </a:effectRef>
           <a:fontRef idx="minor">
             <a:schemeClr val="tx1"/>
@@ -6065,14 +6149,14 @@
       </p:cxnSp>
       <p:sp>
         <p:nvSpPr>
-          <p:cNvPr id="67" name="TextBox 66"/>
+          <p:cNvPr id="28" name="TextBox 27"/>
           <p:cNvSpPr txBox="1"/>
           <p:nvPr/>
         </p:nvSpPr>
         <p:spPr>
           <a:xfrm>
-            <a:off x="2365375" y="2771151"/>
-            <a:ext cx="1438102" cy="415498"/>
+            <a:off x="4862945" y="3242814"/>
+            <a:ext cx="5769033" cy="646331"/>
           </a:xfrm>
           <a:prstGeom prst="rect">
             <a:avLst/>
@@ -6086,48 +6170,48 @@
           <a:lstStyle/>
           <a:p>
             <a:r>
-              <a:rPr lang="ko-KR" altLang="en-US" sz="1050" dirty="0" err="1" smtClean="0">
-                <a:latin typeface="AppleSDGothicNeoR00" panose="02000503000000000000" pitchFamily="2" charset="-127"/>
-                <a:ea typeface="AppleSDGothicNeoR00" panose="02000503000000000000" pitchFamily="2" charset="-127"/>
-              </a:rPr>
-              <a:t>엔터나</a:t>
-            </a:r>
-            <a:r>
-              <a:rPr lang="ko-KR" altLang="en-US" sz="1050" dirty="0" smtClean="0">
-                <a:latin typeface="AppleSDGothicNeoR00" panose="02000503000000000000" pitchFamily="2" charset="-127"/>
-                <a:ea typeface="AppleSDGothicNeoR00" panose="02000503000000000000" pitchFamily="2" charset="-127"/>
-              </a:rPr>
-              <a:t> </a:t>
-            </a:r>
-            <a:r>
-              <a:rPr lang="en-US" altLang="ko-KR" sz="1050" dirty="0" smtClean="0">
-                <a:latin typeface="AppleSDGothicNeoR00" panose="02000503000000000000" pitchFamily="2" charset="-127"/>
-                <a:ea typeface="AppleSDGothicNeoR00" panose="02000503000000000000" pitchFamily="2" charset="-127"/>
-              </a:rPr>
-              <a:t>focus out</a:t>
-            </a:r>
-            <a:r>
-              <a:rPr lang="ko-KR" altLang="en-US" sz="1050" dirty="0" smtClean="0">
-                <a:latin typeface="AppleSDGothicNeoR00" panose="02000503000000000000" pitchFamily="2" charset="-127"/>
-                <a:ea typeface="AppleSDGothicNeoR00" panose="02000503000000000000" pitchFamily="2" charset="-127"/>
-              </a:rPr>
-              <a:t>을 통해 </a:t>
-            </a:r>
-            <a:r>
-              <a:rPr lang="en-US" altLang="ko-KR" sz="1050" dirty="0" smtClean="0">
-                <a:latin typeface="AppleSDGothicNeoR00" panose="02000503000000000000" pitchFamily="2" charset="-127"/>
-                <a:ea typeface="AppleSDGothicNeoR00" panose="02000503000000000000" pitchFamily="2" charset="-127"/>
-              </a:rPr>
-              <a:t>value </a:t>
-            </a:r>
-            <a:r>
-              <a:rPr lang="ko-KR" altLang="en-US" sz="1050" dirty="0" smtClean="0">
-                <a:latin typeface="AppleSDGothicNeoR00" panose="02000503000000000000" pitchFamily="2" charset="-127"/>
-                <a:ea typeface="AppleSDGothicNeoR00" panose="02000503000000000000" pitchFamily="2" charset="-127"/>
-              </a:rPr>
-              <a:t>변경</a:t>
-            </a:r>
-            <a:endParaRPr lang="ko-KR" altLang="en-US" sz="1050" dirty="0">
+              <a:rPr lang="en-US" altLang="ko-KR" dirty="0" err="1" smtClean="0">
+                <a:latin typeface="AppleSDGothicNeoR00" panose="02000503000000000000" pitchFamily="2" charset="-127"/>
+                <a:ea typeface="AppleSDGothicNeoR00" panose="02000503000000000000" pitchFamily="2" charset="-127"/>
+              </a:rPr>
+              <a:t>ResultSet</a:t>
+            </a:r>
+            <a:r>
+              <a:rPr lang="ko-KR" altLang="en-US" dirty="0" smtClean="0">
+                <a:latin typeface="AppleSDGothicNeoR00" panose="02000503000000000000" pitchFamily="2" charset="-127"/>
+                <a:ea typeface="AppleSDGothicNeoR00" panose="02000503000000000000" pitchFamily="2" charset="-127"/>
+              </a:rPr>
+              <a:t>을 </a:t>
+            </a:r>
+            <a:r>
+              <a:rPr lang="en-US" altLang="ko-KR" dirty="0" smtClean="0">
+                <a:latin typeface="AppleSDGothicNeoR00" panose="02000503000000000000" pitchFamily="2" charset="-127"/>
+                <a:ea typeface="AppleSDGothicNeoR00" panose="02000503000000000000" pitchFamily="2" charset="-127"/>
+              </a:rPr>
+              <a:t>List</a:t>
+            </a:r>
+            <a:r>
+              <a:rPr lang="ko-KR" altLang="en-US" dirty="0" smtClean="0">
+                <a:latin typeface="AppleSDGothicNeoR00" panose="02000503000000000000" pitchFamily="2" charset="-127"/>
+                <a:ea typeface="AppleSDGothicNeoR00" panose="02000503000000000000" pitchFamily="2" charset="-127"/>
+              </a:rPr>
+              <a:t>로 변환하고 객체 직렬화를 통해 </a:t>
+            </a:r>
+            <a:r>
+              <a:rPr lang="en-US" altLang="ko-KR" dirty="0" err="1" smtClean="0">
+                <a:latin typeface="AppleSDGothicNeoR00" panose="02000503000000000000" pitchFamily="2" charset="-127"/>
+                <a:ea typeface="AppleSDGothicNeoR00" panose="02000503000000000000" pitchFamily="2" charset="-127"/>
+              </a:rPr>
+              <a:t>ObjectOutputStream</a:t>
+            </a:r>
+            <a:r>
+              <a:rPr lang="ko-KR" altLang="en-US" dirty="0" smtClean="0">
+                <a:latin typeface="AppleSDGothicNeoR00" panose="02000503000000000000" pitchFamily="2" charset="-127"/>
+                <a:ea typeface="AppleSDGothicNeoR00" panose="02000503000000000000" pitchFamily="2" charset="-127"/>
+              </a:rPr>
+              <a:t>으로 송신 가능하게 하는 클래스</a:t>
+            </a:r>
+            <a:endParaRPr lang="ko-KR" altLang="en-US" dirty="0">
               <a:latin typeface="AppleSDGothicNeoR00" panose="02000503000000000000" pitchFamily="2" charset="-127"/>
               <a:ea typeface="AppleSDGothicNeoR00" panose="02000503000000000000" pitchFamily="2" charset="-127"/>
             </a:endParaRPr>
@@ -6136,17 +6220,14 @@
       </p:sp>
       <p:cxnSp>
         <p:nvCxnSpPr>
-          <p:cNvPr id="68" name="직선 화살표 연결선 67"/>
-          <p:cNvCxnSpPr>
-            <a:stCxn id="27" idx="3"/>
-            <a:endCxn id="28" idx="1"/>
-          </p:cNvCxnSpPr>
+          <p:cNvPr id="32" name="직선 화살표 연결선 31"/>
+          <p:cNvCxnSpPr/>
           <p:nvPr/>
         </p:nvCxnSpPr>
         <p:spPr>
           <a:xfrm flipV="1">
-            <a:off x="4089861" y="3556221"/>
-            <a:ext cx="198676" cy="1"/>
+            <a:off x="2635135" y="2474472"/>
+            <a:ext cx="2044930" cy="505271"/>
           </a:xfrm>
           <a:prstGeom prst="straightConnector1">
             <a:avLst/>
@@ -6157,172 +6238,29 @@
         </p:spPr>
         <p:style>
           <a:lnRef idx="3">
-            <a:schemeClr val="accent4"/>
+            <a:schemeClr val="accent1"/>
           </a:lnRef>
           <a:fillRef idx="0">
-            <a:schemeClr val="accent4"/>
+            <a:schemeClr val="accent1"/>
           </a:fillRef>
           <a:effectRef idx="2">
-            <a:schemeClr val="accent4"/>
+            <a:schemeClr val="accent1"/>
           </a:effectRef>
           <a:fontRef idx="minor">
             <a:schemeClr val="tx1"/>
           </a:fontRef>
         </p:style>
       </p:cxnSp>
-      <p:cxnSp>
-        <p:nvCxnSpPr>
-          <p:cNvPr id="74" name="직선 화살표 연결선 73"/>
-          <p:cNvCxnSpPr>
-            <a:stCxn id="32" idx="1"/>
-            <a:endCxn id="34" idx="0"/>
-          </p:cNvCxnSpPr>
-          <p:nvPr/>
-        </p:nvCxnSpPr>
-        <p:spPr>
-          <a:xfrm flipH="1">
-            <a:off x="6865483" y="2179558"/>
-            <a:ext cx="1218123" cy="550532"/>
-          </a:xfrm>
-          <a:prstGeom prst="straightConnector1">
-            <a:avLst/>
-          </a:prstGeom>
-          <a:ln>
-            <a:tailEnd type="triangle"/>
-          </a:ln>
-        </p:spPr>
-        <p:style>
-          <a:lnRef idx="3">
-            <a:schemeClr val="accent4"/>
-          </a:lnRef>
-          <a:fillRef idx="0">
-            <a:schemeClr val="accent4"/>
-          </a:fillRef>
-          <a:effectRef idx="2">
-            <a:schemeClr val="accent4"/>
-          </a:effectRef>
-          <a:fontRef idx="minor">
-            <a:schemeClr val="tx1"/>
-          </a:fontRef>
-        </p:style>
-      </p:cxnSp>
-      <p:cxnSp>
-        <p:nvCxnSpPr>
-          <p:cNvPr id="77" name="직선 화살표 연결선 76"/>
-          <p:cNvCxnSpPr>
-            <a:stCxn id="34" idx="3"/>
-            <a:endCxn id="33" idx="1"/>
-          </p:cNvCxnSpPr>
-          <p:nvPr/>
-        </p:nvCxnSpPr>
-        <p:spPr>
-          <a:xfrm>
-            <a:off x="7903188" y="2833861"/>
-            <a:ext cx="226138" cy="4186"/>
-          </a:xfrm>
-          <a:prstGeom prst="straightConnector1">
-            <a:avLst/>
-          </a:prstGeom>
-          <a:ln>
-            <a:tailEnd type="triangle"/>
-          </a:ln>
-        </p:spPr>
-        <p:style>
-          <a:lnRef idx="3">
-            <a:schemeClr val="accent4"/>
-          </a:lnRef>
-          <a:fillRef idx="0">
-            <a:schemeClr val="accent4"/>
-          </a:fillRef>
-          <a:effectRef idx="2">
-            <a:schemeClr val="accent4"/>
-          </a:effectRef>
-          <a:fontRef idx="minor">
-            <a:schemeClr val="tx1"/>
-          </a:fontRef>
-        </p:style>
-      </p:cxnSp>
-      <p:cxnSp>
-        <p:nvCxnSpPr>
-          <p:cNvPr id="83" name="직선 화살표 연결선 82"/>
-          <p:cNvCxnSpPr>
-            <a:stCxn id="28" idx="3"/>
-            <a:endCxn id="30" idx="1"/>
-          </p:cNvCxnSpPr>
-          <p:nvPr/>
-        </p:nvCxnSpPr>
-        <p:spPr>
-          <a:xfrm>
-            <a:off x="7903188" y="3556221"/>
-            <a:ext cx="198676" cy="0"/>
-          </a:xfrm>
-          <a:prstGeom prst="straightConnector1">
-            <a:avLst/>
-          </a:prstGeom>
-          <a:ln>
-            <a:tailEnd type="triangle"/>
-          </a:ln>
-        </p:spPr>
-        <p:style>
-          <a:lnRef idx="3">
-            <a:schemeClr val="accent4"/>
-          </a:lnRef>
-          <a:fillRef idx="0">
-            <a:schemeClr val="accent4"/>
-          </a:fillRef>
-          <a:effectRef idx="2">
-            <a:schemeClr val="accent4"/>
-          </a:effectRef>
-          <a:fontRef idx="minor">
-            <a:schemeClr val="tx1"/>
-          </a:fontRef>
-        </p:style>
-      </p:cxnSp>
-      <p:cxnSp>
-        <p:nvCxnSpPr>
-          <p:cNvPr id="86" name="직선 화살표 연결선 85"/>
-          <p:cNvCxnSpPr>
-            <a:stCxn id="30" idx="2"/>
-          </p:cNvCxnSpPr>
-          <p:nvPr/>
-        </p:nvCxnSpPr>
-        <p:spPr>
-          <a:xfrm>
-            <a:off x="9910575" y="3649954"/>
-            <a:ext cx="0" cy="323530"/>
-          </a:xfrm>
-          <a:prstGeom prst="straightConnector1">
-            <a:avLst/>
-          </a:prstGeom>
-          <a:ln>
-            <a:tailEnd type="triangle"/>
-          </a:ln>
-        </p:spPr>
-        <p:style>
-          <a:lnRef idx="3">
-            <a:schemeClr val="accent4"/>
-          </a:lnRef>
-          <a:fillRef idx="0">
-            <a:schemeClr val="accent4"/>
-          </a:fillRef>
-          <a:effectRef idx="2">
-            <a:schemeClr val="accent4"/>
-          </a:effectRef>
-          <a:fontRef idx="minor">
-            <a:schemeClr val="tx1"/>
-          </a:fontRef>
-        </p:style>
-      </p:cxnSp>
-      <p:sp>
-        <p:nvSpPr>
-          <p:cNvPr id="89" name="TextBox 88"/>
+      <p:sp>
+        <p:nvSpPr>
+          <p:cNvPr id="33" name="TextBox 32"/>
           <p:cNvSpPr txBox="1"/>
           <p:nvPr/>
         </p:nvSpPr>
         <p:spPr>
           <a:xfrm>
-            <a:off x="9357728" y="3973484"/>
-            <a:ext cx="1105694" cy="253916"/>
+            <a:off x="4862945" y="2195477"/>
+            <a:ext cx="5062451" cy="369332"/>
           </a:xfrm>
           <a:prstGeom prst="rect">
             <a:avLst/>
@@ -6330,126 +6268,24 @@
           <a:noFill/>
         </p:spPr>
         <p:txBody>
-          <a:bodyPr wrap="square" rtlCol="0" anchor="t">
+          <a:bodyPr wrap="square" rtlCol="0">
             <a:spAutoFit/>
           </a:bodyPr>
           <a:lstStyle/>
           <a:p>
-            <a:pPr algn="ctr"/>
-            <a:r>
-              <a:rPr lang="ko-KR" altLang="en-US" sz="1050" dirty="0" smtClean="0">
-                <a:latin typeface="AppleSDGothicNeoR00" panose="02000503000000000000" pitchFamily="2" charset="-127"/>
-                <a:ea typeface="AppleSDGothicNeoR00" panose="02000503000000000000" pitchFamily="2" charset="-127"/>
-              </a:rPr>
-              <a:t>테이블 값 변경</a:t>
-            </a:r>
-            <a:endParaRPr lang="ko-KR" altLang="en-US" sz="1050" dirty="0">
-              <a:latin typeface="AppleSDGothicNeoR00" panose="02000503000000000000" pitchFamily="2" charset="-127"/>
-              <a:ea typeface="AppleSDGothicNeoR00" panose="02000503000000000000" pitchFamily="2" charset="-127"/>
-            </a:endParaRPr>
-          </a:p>
-        </p:txBody>
-      </p:sp>
-      <p:cxnSp>
-        <p:nvCxnSpPr>
-          <p:cNvPr id="90" name="꺾인 연결선 89"/>
-          <p:cNvCxnSpPr>
-            <a:endCxn id="67" idx="1"/>
-          </p:cNvCxnSpPr>
-          <p:nvPr/>
-        </p:nvCxnSpPr>
-        <p:spPr>
-          <a:xfrm flipV="1">
-            <a:off x="1787073" y="2978900"/>
-            <a:ext cx="578302" cy="177873"/>
-          </a:xfrm>
-          <a:prstGeom prst="bentConnector3">
-            <a:avLst>
-              <a:gd name="adj1" fmla="val 50000"/>
-            </a:avLst>
-          </a:prstGeom>
-          <a:ln>
-            <a:tailEnd type="triangle"/>
-          </a:ln>
-        </p:spPr>
-        <p:style>
-          <a:lnRef idx="3">
-            <a:schemeClr val="accent4"/>
-          </a:lnRef>
-          <a:fillRef idx="0">
-            <a:schemeClr val="accent4"/>
-          </a:fillRef>
-          <a:effectRef idx="2">
-            <a:schemeClr val="accent4"/>
-          </a:effectRef>
-          <a:fontRef idx="minor">
-            <a:schemeClr val="tx1"/>
-          </a:fontRef>
-        </p:style>
-      </p:cxnSp>
-      <p:cxnSp>
-        <p:nvCxnSpPr>
-          <p:cNvPr id="101" name="직선 화살표 연결선 100"/>
-          <p:cNvCxnSpPr>
-            <a:stCxn id="67" idx="2"/>
-          </p:cNvCxnSpPr>
-          <p:nvPr/>
-        </p:nvCxnSpPr>
-        <p:spPr>
-          <a:xfrm flipH="1">
-            <a:off x="3084022" y="3186649"/>
-            <a:ext cx="404" cy="250197"/>
-          </a:xfrm>
-          <a:prstGeom prst="straightConnector1">
-            <a:avLst/>
-          </a:prstGeom>
-          <a:ln>
-            <a:tailEnd type="triangle"/>
-          </a:ln>
-        </p:spPr>
-        <p:style>
-          <a:lnRef idx="3">
-            <a:schemeClr val="accent4"/>
-          </a:lnRef>
-          <a:fillRef idx="0">
-            <a:schemeClr val="accent4"/>
-          </a:fillRef>
-          <a:effectRef idx="2">
-            <a:schemeClr val="accent4"/>
-          </a:effectRef>
-          <a:fontRef idx="minor">
-            <a:schemeClr val="tx1"/>
-          </a:fontRef>
-        </p:style>
-      </p:cxnSp>
-      <p:sp>
-        <p:nvSpPr>
-          <p:cNvPr id="105" name="TextBox 104"/>
-          <p:cNvSpPr txBox="1"/>
-          <p:nvPr/>
-        </p:nvSpPr>
-        <p:spPr>
-          <a:xfrm>
-            <a:off x="466685" y="4167701"/>
-            <a:ext cx="1909497" cy="369332"/>
-          </a:xfrm>
-          <a:prstGeom prst="rect">
-            <a:avLst/>
-          </a:prstGeom>
-          <a:noFill/>
-        </p:spPr>
-        <p:txBody>
-          <a:bodyPr wrap="none" rtlCol="0">
-            <a:spAutoFit/>
-          </a:bodyPr>
-          <a:lstStyle/>
-          <a:p>
+            <a:r>
+              <a:rPr lang="en-US" altLang="ko-KR" dirty="0" smtClean="0">
+                <a:latin typeface="AppleSDGothicNeoR00" panose="02000503000000000000" pitchFamily="2" charset="-127"/>
+                <a:ea typeface="AppleSDGothicNeoR00" panose="02000503000000000000" pitchFamily="2" charset="-127"/>
+              </a:rPr>
+              <a:t>query</a:t>
+            </a:r>
             <a:r>
               <a:rPr lang="ko-KR" altLang="en-US" dirty="0" smtClean="0">
                 <a:latin typeface="AppleSDGothicNeoR00" panose="02000503000000000000" pitchFamily="2" charset="-127"/>
                 <a:ea typeface="AppleSDGothicNeoR00" panose="02000503000000000000" pitchFamily="2" charset="-127"/>
               </a:rPr>
-              <a:t>오류가 발생할 경우</a:t>
+              <a:t>문을 받은 뒤 테이블에 반영하는 클래스</a:t>
             </a:r>
             <a:endParaRPr lang="ko-KR" altLang="en-US" dirty="0">
               <a:latin typeface="AppleSDGothicNeoR00" panose="02000503000000000000" pitchFamily="2" charset="-127"/>
@@ -6458,392 +6294,10 @@
           </a:p>
         </p:txBody>
       </p:sp>
-      <p:pic>
-        <p:nvPicPr>
-          <p:cNvPr id="106" name="그림 105"/>
-          <p:cNvPicPr>
-            <a:picLocks noChangeAspect="1"/>
-          </p:cNvPicPr>
-          <p:nvPr/>
-        </p:nvPicPr>
-        <p:blipFill>
-          <a:blip r:embed="rId10"/>
-          <a:stretch>
-            <a:fillRect/>
-          </a:stretch>
-        </p:blipFill>
-        <p:spPr>
-          <a:xfrm>
-            <a:off x="466685" y="5075168"/>
-            <a:ext cx="3636769" cy="194827"/>
-          </a:xfrm>
-          <a:prstGeom prst="rect">
-            <a:avLst/>
-          </a:prstGeom>
-        </p:spPr>
-      </p:pic>
-      <p:pic>
-        <p:nvPicPr>
-          <p:cNvPr id="107" name="그림 106"/>
-          <p:cNvPicPr>
-            <a:picLocks noChangeAspect="1"/>
-          </p:cNvPicPr>
-          <p:nvPr/>
-        </p:nvPicPr>
-        <p:blipFill>
-          <a:blip r:embed="rId11"/>
-          <a:stretch>
-            <a:fillRect/>
-          </a:stretch>
-        </p:blipFill>
-        <p:spPr>
-          <a:xfrm>
-            <a:off x="5349903" y="5103352"/>
-            <a:ext cx="5486396" cy="333286"/>
-          </a:xfrm>
-          <a:prstGeom prst="rect">
-            <a:avLst/>
-          </a:prstGeom>
-        </p:spPr>
-      </p:pic>
-      <p:sp>
-        <p:nvSpPr>
-          <p:cNvPr id="108" name="직사각형 107"/>
-          <p:cNvSpPr/>
-          <p:nvPr/>
-        </p:nvSpPr>
-        <p:spPr>
-          <a:xfrm>
-            <a:off x="466685" y="4611289"/>
-            <a:ext cx="3617422" cy="325399"/>
-          </a:xfrm>
-          <a:prstGeom prst="rect">
-            <a:avLst/>
-          </a:prstGeom>
-          <a:solidFill>
-            <a:srgbClr val="00B0F0"/>
-          </a:solidFill>
-          <a:ln>
-            <a:noFill/>
-          </a:ln>
-        </p:spPr>
-        <p:style>
-          <a:lnRef idx="2">
-            <a:schemeClr val="accent1">
-              <a:shade val="50000"/>
-            </a:schemeClr>
-          </a:lnRef>
-          <a:fillRef idx="1">
-            <a:schemeClr val="accent1"/>
-          </a:fillRef>
-          <a:effectRef idx="0">
-            <a:schemeClr val="accent1"/>
-          </a:effectRef>
-          <a:fontRef idx="minor">
-            <a:schemeClr val="lt1"/>
-          </a:fontRef>
-        </p:style>
-        <p:txBody>
-          <a:bodyPr rtlCol="0" anchor="ctr"/>
-          <a:lstStyle/>
-          <a:p>
-            <a:pPr algn="ctr"/>
-            <a:r>
-              <a:rPr lang="en-US" altLang="ko-KR" dirty="0" smtClean="0">
-                <a:latin typeface="AppleSDGothicNeoR00" panose="02000503000000000000" pitchFamily="2" charset="-127"/>
-                <a:ea typeface="AppleSDGothicNeoR00" panose="02000503000000000000" pitchFamily="2" charset="-127"/>
-              </a:rPr>
-              <a:t>Client</a:t>
-            </a:r>
-            <a:endParaRPr lang="ko-KR" altLang="en-US" dirty="0">
-              <a:latin typeface="AppleSDGothicNeoR00" panose="02000503000000000000" pitchFamily="2" charset="-127"/>
-              <a:ea typeface="AppleSDGothicNeoR00" panose="02000503000000000000" pitchFamily="2" charset="-127"/>
-            </a:endParaRPr>
-          </a:p>
-        </p:txBody>
-      </p:sp>
-      <p:sp>
-        <p:nvSpPr>
-          <p:cNvPr id="109" name="직사각형 108"/>
-          <p:cNvSpPr/>
-          <p:nvPr/>
-        </p:nvSpPr>
-        <p:spPr>
-          <a:xfrm>
-            <a:off x="5349903" y="4598817"/>
-            <a:ext cx="3617422" cy="325399"/>
-          </a:xfrm>
-          <a:prstGeom prst="rect">
-            <a:avLst/>
-          </a:prstGeom>
-          <a:solidFill>
-            <a:srgbClr val="00B0F0"/>
-          </a:solidFill>
-          <a:ln>
-            <a:noFill/>
-          </a:ln>
-        </p:spPr>
-        <p:style>
-          <a:lnRef idx="2">
-            <a:schemeClr val="accent1">
-              <a:shade val="50000"/>
-            </a:schemeClr>
-          </a:lnRef>
-          <a:fillRef idx="1">
-            <a:schemeClr val="accent1"/>
-          </a:fillRef>
-          <a:effectRef idx="0">
-            <a:schemeClr val="accent1"/>
-          </a:effectRef>
-          <a:fontRef idx="minor">
-            <a:schemeClr val="lt1"/>
-          </a:fontRef>
-        </p:style>
-        <p:txBody>
-          <a:bodyPr rtlCol="0" anchor="ctr"/>
-          <a:lstStyle/>
-          <a:p>
-            <a:pPr algn="ctr"/>
-            <a:r>
-              <a:rPr lang="en-US" altLang="ko-KR" dirty="0" smtClean="0">
-                <a:latin typeface="AppleSDGothicNeoR00" panose="02000503000000000000" pitchFamily="2" charset="-127"/>
-                <a:ea typeface="AppleSDGothicNeoR00" panose="02000503000000000000" pitchFamily="2" charset="-127"/>
-              </a:rPr>
-              <a:t>Server</a:t>
-            </a:r>
-          </a:p>
-        </p:txBody>
-      </p:sp>
-      <p:cxnSp>
-        <p:nvCxnSpPr>
-          <p:cNvPr id="110" name="직선 화살표 연결선 109"/>
-          <p:cNvCxnSpPr>
-            <a:stCxn id="106" idx="3"/>
-            <a:endCxn id="107" idx="1"/>
-          </p:cNvCxnSpPr>
-          <p:nvPr/>
-        </p:nvCxnSpPr>
-        <p:spPr>
-          <a:xfrm>
-            <a:off x="4103454" y="5172582"/>
-            <a:ext cx="1246449" cy="97413"/>
-          </a:xfrm>
-          <a:prstGeom prst="straightConnector1">
-            <a:avLst/>
-          </a:prstGeom>
-          <a:ln>
-            <a:tailEnd type="triangle"/>
-          </a:ln>
-        </p:spPr>
-        <p:style>
-          <a:lnRef idx="3">
-            <a:schemeClr val="accent4"/>
-          </a:lnRef>
-          <a:fillRef idx="0">
-            <a:schemeClr val="accent4"/>
-          </a:fillRef>
-          <a:effectRef idx="2">
-            <a:schemeClr val="accent4"/>
-          </a:effectRef>
-          <a:fontRef idx="minor">
-            <a:schemeClr val="tx1"/>
-          </a:fontRef>
-        </p:style>
-      </p:cxnSp>
-      <p:sp>
-        <p:nvSpPr>
-          <p:cNvPr id="114" name="TextBox 113"/>
-          <p:cNvSpPr txBox="1"/>
-          <p:nvPr/>
-        </p:nvSpPr>
-        <p:spPr>
-          <a:xfrm>
-            <a:off x="5298591" y="5442506"/>
-            <a:ext cx="1923892" cy="253916"/>
-          </a:xfrm>
-          <a:prstGeom prst="rect">
-            <a:avLst/>
-          </a:prstGeom>
-          <a:noFill/>
-        </p:spPr>
-        <p:txBody>
-          <a:bodyPr wrap="square" rtlCol="0" anchor="t">
-            <a:spAutoFit/>
-          </a:bodyPr>
-          <a:lstStyle/>
-          <a:p>
-            <a:pPr algn="ctr"/>
-            <a:r>
-              <a:rPr lang="en-US" altLang="ko-KR" sz="1050" dirty="0" smtClean="0">
-                <a:latin typeface="AppleSDGothicNeoR00" panose="02000503000000000000" pitchFamily="2" charset="-127"/>
-                <a:ea typeface="AppleSDGothicNeoR00" panose="02000503000000000000" pitchFamily="2" charset="-127"/>
-              </a:rPr>
-              <a:t>try-catch</a:t>
-            </a:r>
-            <a:r>
-              <a:rPr lang="ko-KR" altLang="en-US" sz="1050" dirty="0" smtClean="0">
-                <a:latin typeface="AppleSDGothicNeoR00" panose="02000503000000000000" pitchFamily="2" charset="-127"/>
-                <a:ea typeface="AppleSDGothicNeoR00" panose="02000503000000000000" pitchFamily="2" charset="-127"/>
-              </a:rPr>
-              <a:t>를 통해 오류 캐치</a:t>
-            </a:r>
-            <a:endParaRPr lang="ko-KR" altLang="en-US" sz="1050" dirty="0">
-              <a:latin typeface="AppleSDGothicNeoR00" panose="02000503000000000000" pitchFamily="2" charset="-127"/>
-              <a:ea typeface="AppleSDGothicNeoR00" panose="02000503000000000000" pitchFamily="2" charset="-127"/>
-            </a:endParaRPr>
-          </a:p>
-        </p:txBody>
-      </p:sp>
-      <p:pic>
-        <p:nvPicPr>
-          <p:cNvPr id="115" name="그림 114"/>
-          <p:cNvPicPr>
-            <a:picLocks noChangeAspect="1"/>
-          </p:cNvPicPr>
-          <p:nvPr/>
-        </p:nvPicPr>
-        <p:blipFill>
-          <a:blip r:embed="rId12"/>
-          <a:stretch>
-            <a:fillRect/>
-          </a:stretch>
-        </p:blipFill>
-        <p:spPr>
-          <a:xfrm>
-            <a:off x="467345" y="5369282"/>
-            <a:ext cx="4302327" cy="505843"/>
-          </a:xfrm>
-          <a:prstGeom prst="rect">
-            <a:avLst/>
-          </a:prstGeom>
-        </p:spPr>
-      </p:pic>
-      <p:cxnSp>
-        <p:nvCxnSpPr>
-          <p:cNvPr id="116" name="직선 화살표 연결선 115"/>
-          <p:cNvCxnSpPr>
-            <a:stCxn id="107" idx="1"/>
-            <a:endCxn id="115" idx="3"/>
-          </p:cNvCxnSpPr>
-          <p:nvPr/>
-        </p:nvCxnSpPr>
-        <p:spPr>
-          <a:xfrm flipH="1">
-            <a:off x="4769672" y="5269995"/>
-            <a:ext cx="580231" cy="352209"/>
-          </a:xfrm>
-          <a:prstGeom prst="straightConnector1">
-            <a:avLst/>
-          </a:prstGeom>
-          <a:ln>
-            <a:tailEnd type="triangle"/>
-          </a:ln>
-        </p:spPr>
-        <p:style>
-          <a:lnRef idx="3">
-            <a:schemeClr val="accent4"/>
-          </a:lnRef>
-          <a:fillRef idx="0">
-            <a:schemeClr val="accent4"/>
-          </a:fillRef>
-          <a:effectRef idx="2">
-            <a:schemeClr val="accent4"/>
-          </a:effectRef>
-          <a:fontRef idx="minor">
-            <a:schemeClr val="tx1"/>
-          </a:fontRef>
-        </p:style>
-      </p:cxnSp>
-      <p:sp>
-        <p:nvSpPr>
-          <p:cNvPr id="124" name="TextBox 123"/>
-          <p:cNvSpPr txBox="1"/>
-          <p:nvPr/>
-        </p:nvSpPr>
-        <p:spPr>
-          <a:xfrm>
-            <a:off x="466685" y="5926318"/>
-            <a:ext cx="2956961" cy="253916"/>
-          </a:xfrm>
-          <a:prstGeom prst="rect">
-            <a:avLst/>
-          </a:prstGeom>
-          <a:noFill/>
-        </p:spPr>
-        <p:txBody>
-          <a:bodyPr wrap="square" rtlCol="0" anchor="t">
-            <a:spAutoFit/>
-          </a:bodyPr>
-          <a:lstStyle/>
-          <a:p>
-            <a:r>
-              <a:rPr lang="ko-KR" altLang="en-US" sz="1050" dirty="0" smtClean="0">
-                <a:latin typeface="AppleSDGothicNeoR00" panose="02000503000000000000" pitchFamily="2" charset="-127"/>
-                <a:ea typeface="AppleSDGothicNeoR00" panose="02000503000000000000" pitchFamily="2" charset="-127"/>
-              </a:rPr>
-              <a:t>오류 구문을 전달받으면 프로그램 종료</a:t>
-            </a:r>
-            <a:endParaRPr lang="ko-KR" altLang="en-US" sz="1050" dirty="0">
-              <a:latin typeface="AppleSDGothicNeoR00" panose="02000503000000000000" pitchFamily="2" charset="-127"/>
-              <a:ea typeface="AppleSDGothicNeoR00" panose="02000503000000000000" pitchFamily="2" charset="-127"/>
-            </a:endParaRPr>
-          </a:p>
-        </p:txBody>
-      </p:sp>
-      <p:sp>
-        <p:nvSpPr>
-          <p:cNvPr id="125" name="TextBox 124"/>
-          <p:cNvSpPr txBox="1"/>
-          <p:nvPr/>
-        </p:nvSpPr>
-        <p:spPr>
-          <a:xfrm>
-            <a:off x="4278023" y="3675597"/>
-            <a:ext cx="3617422" cy="415498"/>
-          </a:xfrm>
-          <a:prstGeom prst="rect">
-            <a:avLst/>
-          </a:prstGeom>
-          <a:noFill/>
-        </p:spPr>
-        <p:txBody>
-          <a:bodyPr wrap="square" rtlCol="0" anchor="t">
-            <a:spAutoFit/>
-          </a:bodyPr>
-          <a:lstStyle/>
-          <a:p>
-            <a:r>
-              <a:rPr lang="en-US" altLang="ko-KR" sz="1050" dirty="0" smtClean="0">
-                <a:latin typeface="AppleSDGothicNeoR00" panose="02000503000000000000" pitchFamily="2" charset="-127"/>
-                <a:ea typeface="AppleSDGothicNeoR00" panose="02000503000000000000" pitchFamily="2" charset="-127"/>
-              </a:rPr>
-              <a:t>Broadcast </a:t>
-            </a:r>
-            <a:r>
-              <a:rPr lang="ko-KR" altLang="en-US" sz="1050" dirty="0" err="1" smtClean="0">
-                <a:latin typeface="AppleSDGothicNeoR00" panose="02000503000000000000" pitchFamily="2" charset="-127"/>
-                <a:ea typeface="AppleSDGothicNeoR00" panose="02000503000000000000" pitchFamily="2" charset="-127"/>
-              </a:rPr>
-              <a:t>메소드를</a:t>
-            </a:r>
-            <a:r>
-              <a:rPr lang="ko-KR" altLang="en-US" sz="1050" dirty="0" smtClean="0">
-                <a:latin typeface="AppleSDGothicNeoR00" panose="02000503000000000000" pitchFamily="2" charset="-127"/>
-                <a:ea typeface="AppleSDGothicNeoR00" panose="02000503000000000000" pitchFamily="2" charset="-127"/>
-              </a:rPr>
-              <a:t> 통해 전송한 클라이언트를 제외한 모든 클라이언트에 전송 </a:t>
-            </a:r>
-            <a:endParaRPr lang="ko-KR" altLang="en-US" sz="1050" dirty="0">
-              <a:latin typeface="AppleSDGothicNeoR00" panose="02000503000000000000" pitchFamily="2" charset="-127"/>
-              <a:ea typeface="AppleSDGothicNeoR00" panose="02000503000000000000" pitchFamily="2" charset="-127"/>
-            </a:endParaRPr>
-          </a:p>
-        </p:txBody>
-      </p:sp>
     </p:spTree>
     <p:extLst>
       <p:ext uri="{BB962C8B-B14F-4D97-AF65-F5344CB8AC3E}">
-        <p14:creationId xmlns:p14="http://schemas.microsoft.com/office/powerpoint/2010/main" val="3995892497"/>
+        <p14:creationId xmlns:p14="http://schemas.microsoft.com/office/powerpoint/2010/main" val="2180499258"/>
       </p:ext>
     </p:extLst>
   </p:cSld>
@@ -6893,11 +6347,11 @@
           <a:lstStyle/>
           <a:p>
             <a:r>
-              <a:rPr lang="en-US" altLang="ko-KR" dirty="0" smtClean="0">
-                <a:latin typeface="AppleSDGothicNeoR00" panose="02000503000000000000" pitchFamily="2" charset="-127"/>
-                <a:ea typeface="AppleSDGothicNeoR00" panose="02000503000000000000" pitchFamily="2" charset="-127"/>
-              </a:rPr>
-              <a:t>UI</a:t>
+              <a:rPr lang="ko-KR" altLang="en-US" dirty="0" smtClean="0">
+                <a:latin typeface="AppleSDGothicNeoR00" panose="02000503000000000000" pitchFamily="2" charset="-127"/>
+                <a:ea typeface="AppleSDGothicNeoR00" panose="02000503000000000000" pitchFamily="2" charset="-127"/>
+              </a:rPr>
+              <a:t>주요 실행 구조</a:t>
             </a:r>
             <a:endParaRPr lang="ko-KR" altLang="en-US" dirty="0">
               <a:latin typeface="AppleSDGothicNeoR00" panose="02000503000000000000" pitchFamily="2" charset="-127"/>
@@ -6906,9 +6360,42 @@
           </a:p>
         </p:txBody>
       </p:sp>
+      <p:cxnSp>
+        <p:nvCxnSpPr>
+          <p:cNvPr id="67" name="직선 화살표 연결선 66"/>
+          <p:cNvCxnSpPr/>
+          <p:nvPr/>
+        </p:nvCxnSpPr>
+        <p:spPr>
+          <a:xfrm flipH="1">
+            <a:off x="3291840" y="3142697"/>
+            <a:ext cx="1718" cy="232924"/>
+          </a:xfrm>
+          <a:prstGeom prst="straightConnector1">
+            <a:avLst/>
+          </a:prstGeom>
+          <a:ln>
+            <a:tailEnd type="triangle"/>
+          </a:ln>
+        </p:spPr>
+        <p:style>
+          <a:lnRef idx="3">
+            <a:schemeClr val="accent4"/>
+          </a:lnRef>
+          <a:fillRef idx="0">
+            <a:schemeClr val="accent4"/>
+          </a:fillRef>
+          <a:effectRef idx="2">
+            <a:schemeClr val="accent4"/>
+          </a:effectRef>
+          <a:fontRef idx="minor">
+            <a:schemeClr val="tx1"/>
+          </a:fontRef>
+        </p:style>
+      </p:cxnSp>
       <p:pic>
         <p:nvPicPr>
-          <p:cNvPr id="4" name="그림 3"/>
+          <p:cNvPr id="3" name="그림 2"/>
           <p:cNvPicPr>
             <a:picLocks noChangeAspect="1"/>
           </p:cNvPicPr>
@@ -6922,57 +6409,33 @@
         </p:blipFill>
         <p:spPr>
           <a:xfrm>
-            <a:off x="838200" y="1755590"/>
-            <a:ext cx="3133979" cy="3315174"/>
+            <a:off x="2158207" y="3375621"/>
+            <a:ext cx="5420600" cy="622036"/>
           </a:xfrm>
           <a:prstGeom prst="rect">
             <a:avLst/>
           </a:prstGeom>
         </p:spPr>
       </p:pic>
-      <p:pic>
-        <p:nvPicPr>
-          <p:cNvPr id="6" name="그림 5"/>
-          <p:cNvPicPr>
-            <a:picLocks noChangeAspect="1"/>
-          </p:cNvPicPr>
+      <p:sp>
+        <p:nvSpPr>
+          <p:cNvPr id="6" name="직사각형 5"/>
+          <p:cNvSpPr/>
           <p:nvPr/>
-        </p:nvPicPr>
-        <p:blipFill>
-          <a:blip r:embed="rId3"/>
-          <a:stretch>
-            <a:fillRect/>
-          </a:stretch>
-        </p:blipFill>
-        <p:spPr>
-          <a:xfrm>
-            <a:off x="8467404" y="1755590"/>
-            <a:ext cx="3112204" cy="3315174"/>
+        </p:nvSpPr>
+        <p:spPr>
+          <a:xfrm>
+            <a:off x="952304" y="2255081"/>
+            <a:ext cx="905425" cy="887616"/>
           </a:xfrm>
           <a:prstGeom prst="rect">
             <a:avLst/>
           </a:prstGeom>
-        </p:spPr>
-      </p:pic>
-      <p:sp>
-        <p:nvSpPr>
-          <p:cNvPr id="12" name="직사각형 11"/>
-          <p:cNvSpPr/>
-          <p:nvPr/>
-        </p:nvSpPr>
-        <p:spPr>
-          <a:xfrm>
-            <a:off x="1864862" y="4729684"/>
-            <a:ext cx="1077843" cy="405982"/>
-          </a:xfrm>
-          <a:prstGeom prst="rect">
-            <a:avLst/>
-          </a:prstGeom>
-          <a:noFill/>
-          <a:ln w="38100">
-            <a:solidFill>
-              <a:srgbClr val="00B0F0"/>
-            </a:solidFill>
+          <a:solidFill>
+            <a:srgbClr val="00B0F0"/>
+          </a:solidFill>
+          <a:ln>
+            <a:noFill/>
           </a:ln>
         </p:spPr>
         <p:style>
@@ -6996,25 +6459,54 @@
           <a:lstStyle/>
           <a:p>
             <a:pPr algn="ctr"/>
-            <a:endParaRPr lang="ko-KR" altLang="en-US">
+            <a:r>
+              <a:rPr lang="en-US" altLang="ko-KR" dirty="0" smtClean="0">
+                <a:latin typeface="AppleSDGothicNeoR00" panose="02000503000000000000" pitchFamily="2" charset="-127"/>
+                <a:ea typeface="AppleSDGothicNeoR00" panose="02000503000000000000" pitchFamily="2" charset="-127"/>
+              </a:rPr>
+              <a:t>Client</a:t>
+            </a:r>
+            <a:endParaRPr lang="ko-KR" altLang="en-US" dirty="0">
               <a:latin typeface="AppleSDGothicNeoR00" panose="02000503000000000000" pitchFamily="2" charset="-127"/>
               <a:ea typeface="AppleSDGothicNeoR00" panose="02000503000000000000" pitchFamily="2" charset="-127"/>
             </a:endParaRPr>
           </a:p>
         </p:txBody>
       </p:sp>
+      <p:pic>
+        <p:nvPicPr>
+          <p:cNvPr id="7" name="그림 6"/>
+          <p:cNvPicPr>
+            <a:picLocks noChangeAspect="1"/>
+          </p:cNvPicPr>
+          <p:nvPr/>
+        </p:nvPicPr>
+        <p:blipFill>
+          <a:blip r:embed="rId3"/>
+          <a:stretch>
+            <a:fillRect/>
+          </a:stretch>
+        </p:blipFill>
+        <p:spPr>
+          <a:xfrm>
+            <a:off x="2158207" y="4230581"/>
+            <a:ext cx="1648055" cy="409632"/>
+          </a:xfrm>
+          <a:prstGeom prst="rect">
+            <a:avLst/>
+          </a:prstGeom>
+        </p:spPr>
+      </p:pic>
       <p:cxnSp>
         <p:nvCxnSpPr>
-          <p:cNvPr id="13" name="직선 화살표 연결선 12"/>
-          <p:cNvCxnSpPr>
-            <a:stCxn id="12" idx="2"/>
-          </p:cNvCxnSpPr>
+          <p:cNvPr id="26" name="직선 화살표 연결선 25"/>
+          <p:cNvCxnSpPr/>
           <p:nvPr/>
         </p:nvCxnSpPr>
         <p:spPr>
           <a:xfrm flipH="1">
-            <a:off x="2402378" y="5135666"/>
-            <a:ext cx="1406" cy="408923"/>
+            <a:off x="3290122" y="3990470"/>
+            <a:ext cx="1718" cy="232924"/>
           </a:xfrm>
           <a:prstGeom prst="straightConnector1">
             <a:avLst/>
@@ -7040,165 +6532,23 @@
       </p:cxnSp>
       <p:sp>
         <p:nvSpPr>
-          <p:cNvPr id="16" name="TextBox 15"/>
-          <p:cNvSpPr txBox="1"/>
+          <p:cNvPr id="27" name="직사각형 26"/>
+          <p:cNvSpPr/>
           <p:nvPr/>
         </p:nvSpPr>
         <p:spPr>
           <a:xfrm>
-            <a:off x="838200" y="5609491"/>
-            <a:ext cx="3483032" cy="430887"/>
+            <a:off x="952304" y="3376108"/>
+            <a:ext cx="905425" cy="1264105"/>
           </a:xfrm>
           <a:prstGeom prst="rect">
             <a:avLst/>
           </a:prstGeom>
-          <a:noFill/>
-        </p:spPr>
-        <p:txBody>
-          <a:bodyPr wrap="square" rtlCol="0">
-            <a:spAutoFit/>
-          </a:bodyPr>
-          <a:lstStyle/>
-          <a:p>
-            <a:r>
-              <a:rPr lang="ko-KR" altLang="en-US" sz="1100" dirty="0" smtClean="0">
-                <a:latin typeface="AppleSDGothicNeoR00" panose="02000503000000000000" pitchFamily="2" charset="-127"/>
-                <a:ea typeface="AppleSDGothicNeoR00" panose="02000503000000000000" pitchFamily="2" charset="-127"/>
-              </a:rPr>
-              <a:t>추가 버튼 </a:t>
-            </a:r>
-            <a:r>
-              <a:rPr lang="en-US" altLang="ko-KR" sz="1100" dirty="0" smtClean="0">
-                <a:latin typeface="AppleSDGothicNeoR00" panose="02000503000000000000" pitchFamily="2" charset="-127"/>
-                <a:ea typeface="AppleSDGothicNeoR00" panose="02000503000000000000" pitchFamily="2" charset="-127"/>
-              </a:rPr>
-              <a:t>-&gt; </a:t>
-            </a:r>
-            <a:r>
-              <a:rPr lang="ko-KR" altLang="en-US" sz="1100" dirty="0" smtClean="0">
-                <a:latin typeface="AppleSDGothicNeoR00" panose="02000503000000000000" pitchFamily="2" charset="-127"/>
-                <a:ea typeface="AppleSDGothicNeoR00" panose="02000503000000000000" pitchFamily="2" charset="-127"/>
-              </a:rPr>
-              <a:t>새로운 </a:t>
-            </a:r>
-            <a:r>
-              <a:rPr lang="en-US" altLang="ko-KR" sz="1100" dirty="0" smtClean="0">
-                <a:latin typeface="AppleSDGothicNeoR00" panose="02000503000000000000" pitchFamily="2" charset="-127"/>
-                <a:ea typeface="AppleSDGothicNeoR00" panose="02000503000000000000" pitchFamily="2" charset="-127"/>
-              </a:rPr>
-              <a:t>row</a:t>
-            </a:r>
-            <a:r>
-              <a:rPr lang="ko-KR" altLang="en-US" sz="1100" dirty="0" smtClean="0">
-                <a:latin typeface="AppleSDGothicNeoR00" panose="02000503000000000000" pitchFamily="2" charset="-127"/>
-                <a:ea typeface="AppleSDGothicNeoR00" panose="02000503000000000000" pitchFamily="2" charset="-127"/>
-              </a:rPr>
-              <a:t>을 </a:t>
-            </a:r>
-            <a:r>
-              <a:rPr lang="ko-KR" altLang="en-US" sz="1100" dirty="0" smtClean="0">
-                <a:latin typeface="AppleSDGothicNeoR00" panose="02000503000000000000" pitchFamily="2" charset="-127"/>
-                <a:ea typeface="AppleSDGothicNeoR00" panose="02000503000000000000" pitchFamily="2" charset="-127"/>
-              </a:rPr>
-              <a:t>추가</a:t>
-            </a:r>
-            <a:endParaRPr lang="en-US" altLang="ko-KR" sz="1100" dirty="0" smtClean="0">
-              <a:latin typeface="AppleSDGothicNeoR00" panose="02000503000000000000" pitchFamily="2" charset="-127"/>
-              <a:ea typeface="AppleSDGothicNeoR00" panose="02000503000000000000" pitchFamily="2" charset="-127"/>
-            </a:endParaRPr>
-          </a:p>
-          <a:p>
-            <a:r>
-              <a:rPr lang="ko-KR" altLang="en-US" sz="1100" dirty="0" smtClean="0">
-                <a:latin typeface="AppleSDGothicNeoR00" panose="02000503000000000000" pitchFamily="2" charset="-127"/>
-                <a:ea typeface="AppleSDGothicNeoR00" panose="02000503000000000000" pitchFamily="2" charset="-127"/>
-              </a:rPr>
-              <a:t>삭제 버튼 </a:t>
-            </a:r>
-            <a:r>
-              <a:rPr lang="en-US" altLang="ko-KR" sz="1100" dirty="0" smtClean="0">
-                <a:latin typeface="AppleSDGothicNeoR00" panose="02000503000000000000" pitchFamily="2" charset="-127"/>
-                <a:ea typeface="AppleSDGothicNeoR00" panose="02000503000000000000" pitchFamily="2" charset="-127"/>
-              </a:rPr>
-              <a:t>-&gt; </a:t>
-            </a:r>
-            <a:r>
-              <a:rPr lang="ko-KR" altLang="en-US" sz="1100" dirty="0" smtClean="0">
-                <a:latin typeface="AppleSDGothicNeoR00" panose="02000503000000000000" pitchFamily="2" charset="-127"/>
-                <a:ea typeface="AppleSDGothicNeoR00" panose="02000503000000000000" pitchFamily="2" charset="-127"/>
-              </a:rPr>
-              <a:t>선택한 </a:t>
-            </a:r>
-            <a:r>
-              <a:rPr lang="en-US" altLang="ko-KR" sz="1100" dirty="0" smtClean="0">
-                <a:latin typeface="AppleSDGothicNeoR00" panose="02000503000000000000" pitchFamily="2" charset="-127"/>
-                <a:ea typeface="AppleSDGothicNeoR00" panose="02000503000000000000" pitchFamily="2" charset="-127"/>
-              </a:rPr>
-              <a:t>row</a:t>
-            </a:r>
-            <a:r>
-              <a:rPr lang="ko-KR" altLang="en-US" sz="1100" dirty="0" smtClean="0">
-                <a:latin typeface="AppleSDGothicNeoR00" panose="02000503000000000000" pitchFamily="2" charset="-127"/>
-                <a:ea typeface="AppleSDGothicNeoR00" panose="02000503000000000000" pitchFamily="2" charset="-127"/>
-              </a:rPr>
-              <a:t>을 </a:t>
-            </a:r>
-            <a:r>
-              <a:rPr lang="ko-KR" altLang="en-US" sz="1100" dirty="0" smtClean="0">
-                <a:latin typeface="AppleSDGothicNeoR00" panose="02000503000000000000" pitchFamily="2" charset="-127"/>
-                <a:ea typeface="AppleSDGothicNeoR00" panose="02000503000000000000" pitchFamily="2" charset="-127"/>
-              </a:rPr>
-              <a:t>삭제</a:t>
-            </a:r>
-            <a:endParaRPr lang="ko-KR" altLang="en-US" sz="1100" dirty="0">
-              <a:latin typeface="AppleSDGothicNeoR00" panose="02000503000000000000" pitchFamily="2" charset="-127"/>
-              <a:ea typeface="AppleSDGothicNeoR00" panose="02000503000000000000" pitchFamily="2" charset="-127"/>
-            </a:endParaRPr>
-          </a:p>
-        </p:txBody>
-      </p:sp>
-      <p:pic>
-        <p:nvPicPr>
-          <p:cNvPr id="18" name="그림 17"/>
-          <p:cNvPicPr>
-            <a:picLocks noChangeAspect="1"/>
-          </p:cNvPicPr>
-          <p:nvPr/>
-        </p:nvPicPr>
-        <p:blipFill rotWithShape="1">
-          <a:blip r:embed="rId4"/>
-          <a:srcRect l="6420"/>
-          <a:stretch/>
-        </p:blipFill>
-        <p:spPr>
-          <a:xfrm>
-            <a:off x="4574173" y="1755590"/>
-            <a:ext cx="2210762" cy="2216294"/>
-          </a:xfrm>
-          <a:prstGeom prst="rect">
-            <a:avLst/>
-          </a:prstGeom>
-        </p:spPr>
-      </p:pic>
-      <p:sp>
-        <p:nvSpPr>
-          <p:cNvPr id="20" name="직사각형 19"/>
-          <p:cNvSpPr/>
-          <p:nvPr/>
-        </p:nvSpPr>
-        <p:spPr>
-          <a:xfrm>
-            <a:off x="4783040" y="1839627"/>
-            <a:ext cx="1442238" cy="471312"/>
-          </a:xfrm>
-          <a:prstGeom prst="rect">
-            <a:avLst/>
-          </a:prstGeom>
-          <a:noFill/>
-          <a:ln w="38100">
-            <a:solidFill>
-              <a:srgbClr val="00B0F0"/>
-            </a:solidFill>
+          <a:solidFill>
+            <a:srgbClr val="00B0F0"/>
+          </a:solidFill>
+          <a:ln>
+            <a:noFill/>
           </a:ln>
         </p:spPr>
         <p:style>
@@ -7222,25 +6572,54 @@
           <a:lstStyle/>
           <a:p>
             <a:pPr algn="ctr"/>
-            <a:endParaRPr lang="ko-KR" altLang="en-US">
+            <a:r>
+              <a:rPr lang="en-US" altLang="ko-KR" dirty="0" smtClean="0">
+                <a:latin typeface="AppleSDGothicNeoR00" panose="02000503000000000000" pitchFamily="2" charset="-127"/>
+                <a:ea typeface="AppleSDGothicNeoR00" panose="02000503000000000000" pitchFamily="2" charset="-127"/>
+              </a:rPr>
+              <a:t>Server</a:t>
+            </a:r>
+            <a:endParaRPr lang="ko-KR" altLang="en-US" dirty="0">
               <a:latin typeface="AppleSDGothicNeoR00" panose="02000503000000000000" pitchFamily="2" charset="-127"/>
               <a:ea typeface="AppleSDGothicNeoR00" panose="02000503000000000000" pitchFamily="2" charset="-127"/>
             </a:endParaRPr>
           </a:p>
         </p:txBody>
       </p:sp>
+      <p:pic>
+        <p:nvPicPr>
+          <p:cNvPr id="14" name="그림 13"/>
+          <p:cNvPicPr>
+            <a:picLocks noChangeAspect="1"/>
+          </p:cNvPicPr>
+          <p:nvPr/>
+        </p:nvPicPr>
+        <p:blipFill>
+          <a:blip r:embed="rId4"/>
+          <a:stretch>
+            <a:fillRect/>
+          </a:stretch>
+        </p:blipFill>
+        <p:spPr>
+          <a:xfrm>
+            <a:off x="2158207" y="4885273"/>
+            <a:ext cx="3572374" cy="219106"/>
+          </a:xfrm>
+          <a:prstGeom prst="rect">
+            <a:avLst/>
+          </a:prstGeom>
+        </p:spPr>
+      </p:pic>
       <p:cxnSp>
         <p:nvCxnSpPr>
-          <p:cNvPr id="21" name="직선 화살표 연결선 20"/>
-          <p:cNvCxnSpPr>
-            <a:stCxn id="20" idx="2"/>
-          </p:cNvCxnSpPr>
+          <p:cNvPr id="29" name="직선 화살표 연결선 28"/>
+          <p:cNvCxnSpPr/>
           <p:nvPr/>
         </p:nvCxnSpPr>
         <p:spPr>
-          <a:xfrm>
-            <a:off x="5504159" y="2310939"/>
-            <a:ext cx="0" cy="1845087"/>
+          <a:xfrm flipH="1">
+            <a:off x="3287693" y="4640213"/>
+            <a:ext cx="1718" cy="232924"/>
           </a:xfrm>
           <a:prstGeom prst="straightConnector1">
             <a:avLst/>
@@ -7266,167 +6645,23 @@
       </p:cxnSp>
       <p:sp>
         <p:nvSpPr>
-          <p:cNvPr id="26" name="TextBox 25"/>
-          <p:cNvSpPr txBox="1"/>
+          <p:cNvPr id="30" name="직사각형 29"/>
+          <p:cNvSpPr/>
           <p:nvPr/>
         </p:nvSpPr>
         <p:spPr>
           <a:xfrm>
-            <a:off x="4321232" y="4263866"/>
-            <a:ext cx="3989978" cy="430887"/>
+            <a:off x="952304" y="4884796"/>
+            <a:ext cx="905425" cy="943172"/>
           </a:xfrm>
           <a:prstGeom prst="rect">
             <a:avLst/>
           </a:prstGeom>
-          <a:noFill/>
-        </p:spPr>
-        <p:txBody>
-          <a:bodyPr wrap="square" rtlCol="0">
-            <a:spAutoFit/>
-          </a:bodyPr>
-          <a:lstStyle/>
-          <a:p>
-            <a:r>
-              <a:rPr lang="en-US" altLang="ko-KR" sz="1100" dirty="0" smtClean="0">
-                <a:latin typeface="AppleSDGothicNeoR00" panose="02000503000000000000" pitchFamily="2" charset="-127"/>
-                <a:ea typeface="AppleSDGothicNeoR00" panose="02000503000000000000" pitchFamily="2" charset="-127"/>
-              </a:rPr>
-              <a:t>Column</a:t>
-            </a:r>
-            <a:r>
-              <a:rPr lang="ko-KR" altLang="en-US" sz="1100" dirty="0" smtClean="0">
-                <a:latin typeface="AppleSDGothicNeoR00" panose="02000503000000000000" pitchFamily="2" charset="-127"/>
-                <a:ea typeface="AppleSDGothicNeoR00" panose="02000503000000000000" pitchFamily="2" charset="-127"/>
-              </a:rPr>
-              <a:t>을 드래그하여 원하는 곳에 놓을 </a:t>
-            </a:r>
-            <a:r>
-              <a:rPr lang="ko-KR" altLang="en-US" sz="1100" dirty="0" smtClean="0">
-                <a:latin typeface="AppleSDGothicNeoR00" panose="02000503000000000000" pitchFamily="2" charset="-127"/>
-                <a:ea typeface="AppleSDGothicNeoR00" panose="02000503000000000000" pitchFamily="2" charset="-127"/>
-              </a:rPr>
-              <a:t>수 있다</a:t>
-            </a:r>
-            <a:r>
-              <a:rPr lang="en-US" altLang="ko-KR" sz="1100" dirty="0" smtClean="0">
-                <a:latin typeface="AppleSDGothicNeoR00" panose="02000503000000000000" pitchFamily="2" charset="-127"/>
-                <a:ea typeface="AppleSDGothicNeoR00" panose="02000503000000000000" pitchFamily="2" charset="-127"/>
-              </a:rPr>
-              <a:t>.</a:t>
-            </a:r>
-          </a:p>
-          <a:p>
-            <a:r>
-              <a:rPr lang="en-US" altLang="ko-KR" sz="1100" dirty="0" smtClean="0">
-                <a:latin typeface="AppleSDGothicNeoR00" panose="02000503000000000000" pitchFamily="2" charset="-127"/>
-                <a:ea typeface="AppleSDGothicNeoR00" panose="02000503000000000000" pitchFamily="2" charset="-127"/>
-              </a:rPr>
-              <a:t>(</a:t>
-            </a:r>
-            <a:r>
-              <a:rPr lang="ko-KR" altLang="en-US" sz="1100" dirty="0" err="1" smtClean="0">
-                <a:latin typeface="AppleSDGothicNeoR00" panose="02000503000000000000" pitchFamily="2" charset="-127"/>
-                <a:ea typeface="AppleSDGothicNeoR00" panose="02000503000000000000" pitchFamily="2" charset="-127"/>
-              </a:rPr>
-              <a:t>재실행시</a:t>
-            </a:r>
-            <a:r>
-              <a:rPr lang="ko-KR" altLang="en-US" sz="1100" dirty="0" smtClean="0">
-                <a:latin typeface="AppleSDGothicNeoR00" panose="02000503000000000000" pitchFamily="2" charset="-127"/>
-                <a:ea typeface="AppleSDGothicNeoR00" panose="02000503000000000000" pitchFamily="2" charset="-127"/>
-              </a:rPr>
-              <a:t> </a:t>
-            </a:r>
-            <a:r>
-              <a:rPr lang="ko-KR" altLang="en-US" sz="1100" dirty="0" err="1" smtClean="0">
-                <a:latin typeface="AppleSDGothicNeoR00" panose="02000503000000000000" pitchFamily="2" charset="-127"/>
-                <a:ea typeface="AppleSDGothicNeoR00" panose="02000503000000000000" pitchFamily="2" charset="-127"/>
-              </a:rPr>
-              <a:t>초기화되며</a:t>
-            </a:r>
-            <a:r>
-              <a:rPr lang="ko-KR" altLang="en-US" sz="1100" dirty="0" smtClean="0">
-                <a:latin typeface="AppleSDGothicNeoR00" panose="02000503000000000000" pitchFamily="2" charset="-127"/>
-                <a:ea typeface="AppleSDGothicNeoR00" panose="02000503000000000000" pitchFamily="2" charset="-127"/>
-              </a:rPr>
-              <a:t> 다른 테이블에 반영되지는 않는다</a:t>
-            </a:r>
-            <a:r>
-              <a:rPr lang="en-US" altLang="ko-KR" sz="1100" dirty="0" smtClean="0">
-                <a:latin typeface="AppleSDGothicNeoR00" panose="02000503000000000000" pitchFamily="2" charset="-127"/>
-                <a:ea typeface="AppleSDGothicNeoR00" panose="02000503000000000000" pitchFamily="2" charset="-127"/>
-              </a:rPr>
-              <a:t>.</a:t>
-            </a:r>
-            <a:r>
-              <a:rPr lang="en-US" altLang="ko-KR" sz="1100" dirty="0" smtClean="0">
-                <a:latin typeface="AppleSDGothicNeoR00" panose="02000503000000000000" pitchFamily="2" charset="-127"/>
-                <a:ea typeface="AppleSDGothicNeoR00" panose="02000503000000000000" pitchFamily="2" charset="-127"/>
-              </a:rPr>
-              <a:t>)</a:t>
-            </a:r>
-            <a:endParaRPr lang="ko-KR" altLang="en-US" sz="1100" dirty="0">
-              <a:latin typeface="AppleSDGothicNeoR00" panose="02000503000000000000" pitchFamily="2" charset="-127"/>
-              <a:ea typeface="AppleSDGothicNeoR00" panose="02000503000000000000" pitchFamily="2" charset="-127"/>
-            </a:endParaRPr>
-          </a:p>
-        </p:txBody>
-      </p:sp>
-      <p:cxnSp>
-        <p:nvCxnSpPr>
-          <p:cNvPr id="27" name="직선 화살표 연결선 26"/>
-          <p:cNvCxnSpPr>
-            <a:stCxn id="20" idx="3"/>
-            <a:endCxn id="30" idx="1"/>
-          </p:cNvCxnSpPr>
-          <p:nvPr/>
-        </p:nvCxnSpPr>
-        <p:spPr>
-          <a:xfrm>
-            <a:off x="6225278" y="2075283"/>
-            <a:ext cx="2242126" cy="0"/>
-          </a:xfrm>
-          <a:prstGeom prst="straightConnector1">
-            <a:avLst/>
-          </a:prstGeom>
+          <a:solidFill>
+            <a:srgbClr val="00B0F0"/>
+          </a:solidFill>
           <a:ln>
-            <a:tailEnd type="triangle"/>
-          </a:ln>
-        </p:spPr>
-        <p:style>
-          <a:lnRef idx="3">
-            <a:schemeClr val="accent4"/>
-          </a:lnRef>
-          <a:fillRef idx="0">
-            <a:schemeClr val="accent4"/>
-          </a:fillRef>
-          <a:effectRef idx="2">
-            <a:schemeClr val="accent4"/>
-          </a:effectRef>
-          <a:fontRef idx="minor">
-            <a:schemeClr val="tx1"/>
-          </a:fontRef>
-        </p:style>
-      </p:cxnSp>
-      <p:sp>
-        <p:nvSpPr>
-          <p:cNvPr id="30" name="직사각형 29"/>
-          <p:cNvSpPr/>
-          <p:nvPr/>
-        </p:nvSpPr>
-        <p:spPr>
-          <a:xfrm>
-            <a:off x="8467404" y="1839627"/>
-            <a:ext cx="1625202" cy="471312"/>
-          </a:xfrm>
-          <a:prstGeom prst="rect">
-            <a:avLst/>
-          </a:prstGeom>
-          <a:noFill/>
-          <a:ln w="38100">
-            <a:solidFill>
-              <a:srgbClr val="00B0F0"/>
-            </a:solidFill>
+            <a:noFill/>
           </a:ln>
         </p:spPr>
         <p:style>
@@ -7450,17 +6685,232 @@
           <a:lstStyle/>
           <a:p>
             <a:pPr algn="ctr"/>
-            <a:endParaRPr lang="ko-KR" altLang="en-US">
+            <a:r>
+              <a:rPr lang="en-US" altLang="ko-KR" dirty="0" smtClean="0">
+                <a:latin typeface="AppleSDGothicNeoR00" panose="02000503000000000000" pitchFamily="2" charset="-127"/>
+                <a:ea typeface="AppleSDGothicNeoR00" panose="02000503000000000000" pitchFamily="2" charset="-127"/>
+              </a:rPr>
+              <a:t>Client</a:t>
+            </a:r>
+            <a:endParaRPr lang="ko-KR" altLang="en-US" dirty="0">
               <a:latin typeface="AppleSDGothicNeoR00" panose="02000503000000000000" pitchFamily="2" charset="-127"/>
               <a:ea typeface="AppleSDGothicNeoR00" panose="02000503000000000000" pitchFamily="2" charset="-127"/>
             </a:endParaRPr>
           </a:p>
         </p:txBody>
       </p:sp>
+      <p:pic>
+        <p:nvPicPr>
+          <p:cNvPr id="15" name="그림 14"/>
+          <p:cNvPicPr>
+            <a:picLocks noChangeAspect="1"/>
+          </p:cNvPicPr>
+          <p:nvPr/>
+        </p:nvPicPr>
+        <p:blipFill>
+          <a:blip r:embed="rId5"/>
+          <a:stretch>
+            <a:fillRect/>
+          </a:stretch>
+        </p:blipFill>
+        <p:spPr>
+          <a:xfrm>
+            <a:off x="2158207" y="5359599"/>
+            <a:ext cx="3000794" cy="457264"/>
+          </a:xfrm>
+          <a:prstGeom prst="rect">
+            <a:avLst/>
+          </a:prstGeom>
+        </p:spPr>
+      </p:pic>
+      <p:cxnSp>
+        <p:nvCxnSpPr>
+          <p:cNvPr id="32" name="직선 화살표 연결선 31"/>
+          <p:cNvCxnSpPr/>
+          <p:nvPr/>
+        </p:nvCxnSpPr>
+        <p:spPr>
+          <a:xfrm flipH="1">
+            <a:off x="3287693" y="5111010"/>
+            <a:ext cx="1718" cy="232924"/>
+          </a:xfrm>
+          <a:prstGeom prst="straightConnector1">
+            <a:avLst/>
+          </a:prstGeom>
+          <a:ln>
+            <a:tailEnd type="triangle"/>
+          </a:ln>
+        </p:spPr>
+        <p:style>
+          <a:lnRef idx="3">
+            <a:schemeClr val="accent4"/>
+          </a:lnRef>
+          <a:fillRef idx="0">
+            <a:schemeClr val="accent4"/>
+          </a:fillRef>
+          <a:effectRef idx="2">
+            <a:schemeClr val="accent4"/>
+          </a:effectRef>
+          <a:fontRef idx="minor">
+            <a:schemeClr val="tx1"/>
+          </a:fontRef>
+        </p:style>
+      </p:cxnSp>
+      <p:sp>
+        <p:nvSpPr>
+          <p:cNvPr id="17" name="TextBox 16"/>
+          <p:cNvSpPr txBox="1"/>
+          <p:nvPr/>
+        </p:nvSpPr>
+        <p:spPr>
+          <a:xfrm>
+            <a:off x="5672483" y="5324198"/>
+            <a:ext cx="4657044" cy="307777"/>
+          </a:xfrm>
+          <a:prstGeom prst="rect">
+            <a:avLst/>
+          </a:prstGeom>
+          <a:noFill/>
+        </p:spPr>
+        <p:txBody>
+          <a:bodyPr wrap="none" rtlCol="0">
+            <a:spAutoFit/>
+          </a:bodyPr>
+          <a:lstStyle/>
+          <a:p>
+            <a:r>
+              <a:rPr lang="ko-KR" altLang="en-US" sz="1400" dirty="0" smtClean="0">
+                <a:latin typeface="AppleSDGothicNeoR00" panose="02000503000000000000" pitchFamily="2" charset="-127"/>
+                <a:ea typeface="AppleSDGothicNeoR00" panose="02000503000000000000" pitchFamily="2" charset="-127"/>
+              </a:rPr>
+              <a:t>이벤트</a:t>
+            </a:r>
+            <a:r>
+              <a:rPr lang="en-US" altLang="ko-KR" sz="1400" dirty="0" smtClean="0">
+                <a:latin typeface="AppleSDGothicNeoR00" panose="02000503000000000000" pitchFamily="2" charset="-127"/>
+                <a:ea typeface="AppleSDGothicNeoR00" panose="02000503000000000000" pitchFamily="2" charset="-127"/>
+              </a:rPr>
+              <a:t>(value</a:t>
+            </a:r>
+            <a:r>
+              <a:rPr lang="ko-KR" altLang="en-US" sz="1400" dirty="0" smtClean="0">
+                <a:latin typeface="AppleSDGothicNeoR00" panose="02000503000000000000" pitchFamily="2" charset="-127"/>
+                <a:ea typeface="AppleSDGothicNeoR00" panose="02000503000000000000" pitchFamily="2" charset="-127"/>
+              </a:rPr>
+              <a:t>의 변경</a:t>
+            </a:r>
+            <a:r>
+              <a:rPr lang="en-US" altLang="ko-KR" sz="1400" dirty="0" smtClean="0">
+                <a:latin typeface="AppleSDGothicNeoR00" panose="02000503000000000000" pitchFamily="2" charset="-127"/>
+                <a:ea typeface="AppleSDGothicNeoR00" panose="02000503000000000000" pitchFamily="2" charset="-127"/>
+              </a:rPr>
+              <a:t>)</a:t>
+            </a:r>
+            <a:r>
+              <a:rPr lang="ko-KR" altLang="en-US" sz="1400" dirty="0" smtClean="0">
+                <a:latin typeface="AppleSDGothicNeoR00" panose="02000503000000000000" pitchFamily="2" charset="-127"/>
+                <a:ea typeface="AppleSDGothicNeoR00" panose="02000503000000000000" pitchFamily="2" charset="-127"/>
+              </a:rPr>
+              <a:t>를 감지하면 </a:t>
+            </a:r>
+            <a:r>
+              <a:rPr lang="en-US" altLang="ko-KR" sz="1400" dirty="0" err="1" smtClean="0">
+                <a:latin typeface="AppleSDGothicNeoR00" panose="02000503000000000000" pitchFamily="2" charset="-127"/>
+                <a:ea typeface="AppleSDGothicNeoR00" panose="02000503000000000000" pitchFamily="2" charset="-127"/>
+              </a:rPr>
+              <a:t>printwriter</a:t>
+            </a:r>
+            <a:r>
+              <a:rPr lang="ko-KR" altLang="en-US" sz="1400" dirty="0" smtClean="0">
+                <a:latin typeface="AppleSDGothicNeoR00" panose="02000503000000000000" pitchFamily="2" charset="-127"/>
+                <a:ea typeface="AppleSDGothicNeoR00" panose="02000503000000000000" pitchFamily="2" charset="-127"/>
+              </a:rPr>
+              <a:t>가 </a:t>
+            </a:r>
+            <a:r>
+              <a:rPr lang="en-US" altLang="ko-KR" sz="1400" dirty="0" smtClean="0">
+                <a:latin typeface="AppleSDGothicNeoR00" panose="02000503000000000000" pitchFamily="2" charset="-127"/>
+                <a:ea typeface="AppleSDGothicNeoR00" panose="02000503000000000000" pitchFamily="2" charset="-127"/>
+              </a:rPr>
+              <a:t>query</a:t>
+            </a:r>
+            <a:r>
+              <a:rPr lang="ko-KR" altLang="en-US" sz="1400" dirty="0" smtClean="0">
+                <a:latin typeface="AppleSDGothicNeoR00" panose="02000503000000000000" pitchFamily="2" charset="-127"/>
+                <a:ea typeface="AppleSDGothicNeoR00" panose="02000503000000000000" pitchFamily="2" charset="-127"/>
+              </a:rPr>
+              <a:t>문을 전송</a:t>
+            </a:r>
+            <a:endParaRPr lang="ko-KR" altLang="en-US" sz="1400" dirty="0">
+              <a:latin typeface="AppleSDGothicNeoR00" panose="02000503000000000000" pitchFamily="2" charset="-127"/>
+              <a:ea typeface="AppleSDGothicNeoR00" panose="02000503000000000000" pitchFamily="2" charset="-127"/>
+            </a:endParaRPr>
+          </a:p>
+        </p:txBody>
+      </p:sp>
+      <p:cxnSp>
+        <p:nvCxnSpPr>
+          <p:cNvPr id="39" name="직선 화살표 연결선 38"/>
+          <p:cNvCxnSpPr>
+            <a:endCxn id="17" idx="1"/>
+          </p:cNvCxnSpPr>
+          <p:nvPr/>
+        </p:nvCxnSpPr>
+        <p:spPr>
+          <a:xfrm>
+            <a:off x="4247804" y="5478086"/>
+            <a:ext cx="1424679" cy="1"/>
+          </a:xfrm>
+          <a:prstGeom prst="straightConnector1">
+            <a:avLst/>
+          </a:prstGeom>
+          <a:ln>
+            <a:tailEnd type="triangle"/>
+          </a:ln>
+        </p:spPr>
+        <p:style>
+          <a:lnRef idx="3">
+            <a:schemeClr val="accent1"/>
+          </a:lnRef>
+          <a:fillRef idx="0">
+            <a:schemeClr val="accent1"/>
+          </a:fillRef>
+          <a:effectRef idx="2">
+            <a:schemeClr val="accent1"/>
+          </a:effectRef>
+          <a:fontRef idx="minor">
+            <a:schemeClr val="tx1"/>
+          </a:fontRef>
+        </p:style>
+      </p:cxnSp>
+      <p:pic>
+        <p:nvPicPr>
+          <p:cNvPr id="51" name="그림 50"/>
+          <p:cNvPicPr>
+            <a:picLocks noChangeAspect="1"/>
+          </p:cNvPicPr>
+          <p:nvPr/>
+        </p:nvPicPr>
+        <p:blipFill>
+          <a:blip r:embed="rId6"/>
+          <a:stretch>
+            <a:fillRect/>
+          </a:stretch>
+        </p:blipFill>
+        <p:spPr>
+          <a:xfrm>
+            <a:off x="2158207" y="2255081"/>
+            <a:ext cx="3610479" cy="885949"/>
+          </a:xfrm>
+          <a:prstGeom prst="rect">
+            <a:avLst/>
+          </a:prstGeom>
+        </p:spPr>
+      </p:pic>
     </p:spTree>
     <p:extLst>
       <p:ext uri="{BB962C8B-B14F-4D97-AF65-F5344CB8AC3E}">
-        <p14:creationId xmlns:p14="http://schemas.microsoft.com/office/powerpoint/2010/main" val="668877608"/>
+        <p14:creationId xmlns:p14="http://schemas.microsoft.com/office/powerpoint/2010/main" val="75030482"/>
       </p:ext>
     </p:extLst>
   </p:cSld>
@@ -7514,7 +6964,7 @@
                 <a:latin typeface="AppleSDGothicNeoR00" panose="02000503000000000000" pitchFamily="2" charset="-127"/>
                 <a:ea typeface="AppleSDGothicNeoR00" panose="02000503000000000000" pitchFamily="2" charset="-127"/>
               </a:rPr>
-              <a:t>한계</a:t>
+              <a:t>주요 실행 화면</a:t>
             </a:r>
             <a:endParaRPr lang="ko-KR" altLang="en-US" dirty="0">
               <a:latin typeface="AppleSDGothicNeoR00" panose="02000503000000000000" pitchFamily="2" charset="-127"/>
@@ -7525,247 +6975,1316 @@
       </p:sp>
       <p:sp>
         <p:nvSpPr>
-          <p:cNvPr id="6" name="내용 개체 틀 5"/>
-          <p:cNvSpPr>
-            <a:spLocks noGrp="1"/>
-          </p:cNvSpPr>
-          <p:nvPr>
-            <p:ph sz="half" idx="1"/>
-          </p:nvPr>
-        </p:nvSpPr>
-        <p:spPr>
-          <a:xfrm>
-            <a:off x="838200" y="1825625"/>
-            <a:ext cx="10515600" cy="4351338"/>
-          </a:xfrm>
-        </p:spPr>
-        <p:txBody>
-          <a:bodyPr>
-            <a:normAutofit/>
-          </a:bodyPr>
+          <p:cNvPr id="16" name="직사각형 15"/>
+          <p:cNvSpPr/>
+          <p:nvPr/>
+        </p:nvSpPr>
+        <p:spPr>
+          <a:xfrm>
+            <a:off x="472440" y="1635704"/>
+            <a:ext cx="3617422" cy="325399"/>
+          </a:xfrm>
+          <a:prstGeom prst="rect">
+            <a:avLst/>
+          </a:prstGeom>
+          <a:solidFill>
+            <a:srgbClr val="00B0F0"/>
+          </a:solidFill>
+          <a:ln>
+            <a:noFill/>
+          </a:ln>
+        </p:spPr>
+        <p:style>
+          <a:lnRef idx="2">
+            <a:schemeClr val="accent1">
+              <a:shade val="50000"/>
+            </a:schemeClr>
+          </a:lnRef>
+          <a:fillRef idx="1">
+            <a:schemeClr val="accent1"/>
+          </a:fillRef>
+          <a:effectRef idx="0">
+            <a:schemeClr val="accent1"/>
+          </a:effectRef>
+          <a:fontRef idx="minor">
+            <a:schemeClr val="lt1"/>
+          </a:fontRef>
+        </p:style>
+        <p:txBody>
+          <a:bodyPr rtlCol="0" anchor="ctr"/>
           <a:lstStyle/>
           <a:p>
-            <a:pPr marL="342900" indent="-342900">
-              <a:buFont typeface="+mj-lt"/>
-              <a:buAutoNum type="arabicPeriod"/>
-            </a:pPr>
-            <a:r>
-              <a:rPr lang="ko-KR" altLang="en-US" sz="2000" dirty="0" smtClean="0">
-                <a:latin typeface="AppleSDGothicNeoR00" panose="02000503000000000000" pitchFamily="2" charset="-127"/>
-                <a:ea typeface="AppleSDGothicNeoR00" panose="02000503000000000000" pitchFamily="2" charset="-127"/>
-              </a:rPr>
-              <a:t>테이블의 첫 번째 컬럼이 항상 숫자로 이루어진 </a:t>
-            </a:r>
-            <a:r>
-              <a:rPr lang="en-US" altLang="ko-KR" sz="2000" dirty="0" smtClean="0">
-                <a:latin typeface="AppleSDGothicNeoR00" panose="02000503000000000000" pitchFamily="2" charset="-127"/>
-                <a:ea typeface="AppleSDGothicNeoR00" panose="02000503000000000000" pitchFamily="2" charset="-127"/>
-              </a:rPr>
-              <a:t>id</a:t>
-            </a:r>
-            <a:r>
-              <a:rPr lang="ko-KR" altLang="en-US" sz="2000" dirty="0" smtClean="0">
-                <a:latin typeface="AppleSDGothicNeoR00" panose="02000503000000000000" pitchFamily="2" charset="-127"/>
-                <a:ea typeface="AppleSDGothicNeoR00" panose="02000503000000000000" pitchFamily="2" charset="-127"/>
-              </a:rPr>
-              <a:t>이어야 </a:t>
-            </a:r>
-            <a:r>
-              <a:rPr lang="ko-KR" altLang="en-US" sz="2000" dirty="0" smtClean="0">
-                <a:latin typeface="AppleSDGothicNeoR00" panose="02000503000000000000" pitchFamily="2" charset="-127"/>
-                <a:ea typeface="AppleSDGothicNeoR00" panose="02000503000000000000" pitchFamily="2" charset="-127"/>
-              </a:rPr>
-              <a:t>한다</a:t>
-            </a:r>
-            <a:endParaRPr lang="en-US" altLang="ko-KR" sz="2000" dirty="0">
+            <a:pPr algn="ctr"/>
+            <a:r>
+              <a:rPr lang="en-US" altLang="ko-KR" dirty="0" smtClean="0">
+                <a:latin typeface="AppleSDGothicNeoR00" panose="02000503000000000000" pitchFamily="2" charset="-127"/>
+                <a:ea typeface="AppleSDGothicNeoR00" panose="02000503000000000000" pitchFamily="2" charset="-127"/>
+              </a:rPr>
+              <a:t>Client</a:t>
+            </a:r>
+            <a:endParaRPr lang="ko-KR" altLang="en-US" dirty="0">
               <a:latin typeface="AppleSDGothicNeoR00" panose="02000503000000000000" pitchFamily="2" charset="-127"/>
               <a:ea typeface="AppleSDGothicNeoR00" panose="02000503000000000000" pitchFamily="2" charset="-127"/>
             </a:endParaRPr>
           </a:p>
-          <a:p>
-            <a:pPr marL="342900" indent="-342900">
-              <a:buFont typeface="+mj-lt"/>
-              <a:buAutoNum type="arabicPeriod"/>
-            </a:pPr>
-            <a:r>
-              <a:rPr lang="ko-KR" altLang="en-US" sz="2000" dirty="0" smtClean="0">
-                <a:latin typeface="AppleSDGothicNeoR00" panose="02000503000000000000" pitchFamily="2" charset="-127"/>
-                <a:ea typeface="AppleSDGothicNeoR00" panose="02000503000000000000" pitchFamily="2" charset="-127"/>
-              </a:rPr>
-              <a:t>테이블의 데이터 동적 할당을 </a:t>
-            </a:r>
-            <a:r>
-              <a:rPr lang="ko-KR" altLang="en-US" sz="2000" dirty="0" smtClean="0">
-                <a:latin typeface="AppleSDGothicNeoR00" panose="02000503000000000000" pitchFamily="2" charset="-127"/>
-                <a:ea typeface="AppleSDGothicNeoR00" panose="02000503000000000000" pitchFamily="2" charset="-127"/>
-              </a:rPr>
-              <a:t>하지 않았기 때문에 리소스 낭비가 생긴다</a:t>
-            </a:r>
-            <a:endParaRPr lang="en-US" altLang="ko-KR" sz="2000" dirty="0" smtClean="0">
+        </p:txBody>
+      </p:sp>
+      <p:pic>
+        <p:nvPicPr>
+          <p:cNvPr id="19" name="그림 18"/>
+          <p:cNvPicPr>
+            <a:picLocks noChangeAspect="1"/>
+          </p:cNvPicPr>
+          <p:nvPr/>
+        </p:nvPicPr>
+        <p:blipFill>
+          <a:blip r:embed="rId2"/>
+          <a:stretch>
+            <a:fillRect/>
+          </a:stretch>
+        </p:blipFill>
+        <p:spPr>
+          <a:xfrm>
+            <a:off x="4278023" y="2073159"/>
+            <a:ext cx="1817840" cy="216410"/>
+          </a:xfrm>
+          <a:prstGeom prst="rect">
+            <a:avLst/>
+          </a:prstGeom>
+        </p:spPr>
+      </p:pic>
+      <p:pic>
+        <p:nvPicPr>
+          <p:cNvPr id="21" name="그림 20"/>
+          <p:cNvPicPr>
+            <a:picLocks noChangeAspect="1"/>
+          </p:cNvPicPr>
+          <p:nvPr/>
+        </p:nvPicPr>
+        <p:blipFill>
+          <a:blip r:embed="rId3"/>
+          <a:stretch>
+            <a:fillRect/>
+          </a:stretch>
+        </p:blipFill>
+        <p:spPr>
+          <a:xfrm>
+            <a:off x="472440" y="2073158"/>
+            <a:ext cx="2146069" cy="216410"/>
+          </a:xfrm>
+          <a:prstGeom prst="rect">
+            <a:avLst/>
+          </a:prstGeom>
+        </p:spPr>
+      </p:pic>
+      <p:pic>
+        <p:nvPicPr>
+          <p:cNvPr id="22" name="그림 21"/>
+          <p:cNvPicPr>
+            <a:picLocks noChangeAspect="1"/>
+          </p:cNvPicPr>
+          <p:nvPr/>
+        </p:nvPicPr>
+        <p:blipFill>
+          <a:blip r:embed="rId4"/>
+          <a:stretch>
+            <a:fillRect/>
+          </a:stretch>
+        </p:blipFill>
+        <p:spPr>
+          <a:xfrm>
+            <a:off x="4288537" y="2401623"/>
+            <a:ext cx="2075411" cy="207541"/>
+          </a:xfrm>
+          <a:prstGeom prst="rect">
+            <a:avLst/>
+          </a:prstGeom>
+        </p:spPr>
+      </p:pic>
+      <p:pic>
+        <p:nvPicPr>
+          <p:cNvPr id="23" name="그림 22"/>
+          <p:cNvPicPr>
+            <a:picLocks noChangeAspect="1"/>
+          </p:cNvPicPr>
+          <p:nvPr/>
+        </p:nvPicPr>
+        <p:blipFill>
+          <a:blip r:embed="rId5"/>
+          <a:stretch>
+            <a:fillRect/>
+          </a:stretch>
+        </p:blipFill>
+        <p:spPr>
+          <a:xfrm>
+            <a:off x="472440" y="2401623"/>
+            <a:ext cx="1447800" cy="199169"/>
+          </a:xfrm>
+          <a:prstGeom prst="rect">
+            <a:avLst/>
+          </a:prstGeom>
+        </p:spPr>
+      </p:pic>
+      <p:pic>
+        <p:nvPicPr>
+          <p:cNvPr id="26" name="그림 25"/>
+          <p:cNvPicPr>
+            <a:picLocks noChangeAspect="1"/>
+          </p:cNvPicPr>
+          <p:nvPr/>
+        </p:nvPicPr>
+        <p:blipFill>
+          <a:blip r:embed="rId6"/>
+          <a:stretch>
+            <a:fillRect/>
+          </a:stretch>
+        </p:blipFill>
+        <p:spPr>
+          <a:xfrm>
+            <a:off x="472440" y="2712847"/>
+            <a:ext cx="1314633" cy="581106"/>
+          </a:xfrm>
+          <a:prstGeom prst="rect">
+            <a:avLst/>
+          </a:prstGeom>
+        </p:spPr>
+      </p:pic>
+      <p:pic>
+        <p:nvPicPr>
+          <p:cNvPr id="27" name="그림 26"/>
+          <p:cNvPicPr>
+            <a:picLocks noChangeAspect="1"/>
+          </p:cNvPicPr>
+          <p:nvPr/>
+        </p:nvPicPr>
+        <p:blipFill>
+          <a:blip r:embed="rId7"/>
+          <a:stretch>
+            <a:fillRect/>
+          </a:stretch>
+        </p:blipFill>
+        <p:spPr>
+          <a:xfrm>
+            <a:off x="472440" y="3436846"/>
+            <a:ext cx="3617421" cy="238751"/>
+          </a:xfrm>
+          <a:prstGeom prst="rect">
+            <a:avLst/>
+          </a:prstGeom>
+        </p:spPr>
+      </p:pic>
+      <p:pic>
+        <p:nvPicPr>
+          <p:cNvPr id="28" name="그림 27"/>
+          <p:cNvPicPr>
+            <a:picLocks noChangeAspect="1"/>
+          </p:cNvPicPr>
+          <p:nvPr/>
+        </p:nvPicPr>
+        <p:blipFill>
+          <a:blip r:embed="rId8"/>
+          <a:stretch>
+            <a:fillRect/>
+          </a:stretch>
+        </p:blipFill>
+        <p:spPr>
+          <a:xfrm>
+            <a:off x="4288537" y="3449318"/>
+            <a:ext cx="3614651" cy="213806"/>
+          </a:xfrm>
+          <a:prstGeom prst="rect">
+            <a:avLst/>
+          </a:prstGeom>
+        </p:spPr>
+      </p:pic>
+      <p:sp>
+        <p:nvSpPr>
+          <p:cNvPr id="29" name="직사각형 28"/>
+          <p:cNvSpPr/>
+          <p:nvPr/>
+        </p:nvSpPr>
+        <p:spPr>
+          <a:xfrm>
+            <a:off x="4278023" y="1635703"/>
+            <a:ext cx="3617422" cy="325399"/>
+          </a:xfrm>
+          <a:prstGeom prst="rect">
+            <a:avLst/>
+          </a:prstGeom>
+          <a:solidFill>
+            <a:srgbClr val="00B0F0"/>
+          </a:solidFill>
+          <a:ln>
+            <a:noFill/>
+          </a:ln>
+        </p:spPr>
+        <p:style>
+          <a:lnRef idx="2">
+            <a:schemeClr val="accent1">
+              <a:shade val="50000"/>
+            </a:schemeClr>
+          </a:lnRef>
+          <a:fillRef idx="1">
+            <a:schemeClr val="accent1"/>
+          </a:fillRef>
+          <a:effectRef idx="0">
+            <a:schemeClr val="accent1"/>
+          </a:effectRef>
+          <a:fontRef idx="minor">
+            <a:schemeClr val="lt1"/>
+          </a:fontRef>
+        </p:style>
+        <p:txBody>
+          <a:bodyPr rtlCol="0" anchor="ctr"/>
+          <a:lstStyle/>
+          <a:p>
+            <a:pPr algn="ctr"/>
+            <a:r>
+              <a:rPr lang="en-US" altLang="ko-KR" dirty="0" smtClean="0">
+                <a:latin typeface="AppleSDGothicNeoR00" panose="02000503000000000000" pitchFamily="2" charset="-127"/>
+                <a:ea typeface="AppleSDGothicNeoR00" panose="02000503000000000000" pitchFamily="2" charset="-127"/>
+              </a:rPr>
+              <a:t>Server</a:t>
+            </a:r>
+          </a:p>
+        </p:txBody>
+      </p:sp>
+      <p:pic>
+        <p:nvPicPr>
+          <p:cNvPr id="30" name="그림 29"/>
+          <p:cNvPicPr>
+            <a:picLocks noChangeAspect="1"/>
+          </p:cNvPicPr>
+          <p:nvPr/>
+        </p:nvPicPr>
+        <p:blipFill>
+          <a:blip r:embed="rId9"/>
+          <a:stretch>
+            <a:fillRect/>
+          </a:stretch>
+        </p:blipFill>
+        <p:spPr>
+          <a:xfrm>
+            <a:off x="8101864" y="3462487"/>
+            <a:ext cx="3617422" cy="187467"/>
+          </a:xfrm>
+          <a:prstGeom prst="rect">
+            <a:avLst/>
+          </a:prstGeom>
+        </p:spPr>
+      </p:pic>
+      <p:sp>
+        <p:nvSpPr>
+          <p:cNvPr id="31" name="직사각형 30"/>
+          <p:cNvSpPr/>
+          <p:nvPr/>
+        </p:nvSpPr>
+        <p:spPr>
+          <a:xfrm>
+            <a:off x="8083606" y="1635703"/>
+            <a:ext cx="3617422" cy="325399"/>
+          </a:xfrm>
+          <a:prstGeom prst="rect">
+            <a:avLst/>
+          </a:prstGeom>
+          <a:solidFill>
+            <a:srgbClr val="00B0F0"/>
+          </a:solidFill>
+          <a:ln>
+            <a:noFill/>
+          </a:ln>
+        </p:spPr>
+        <p:style>
+          <a:lnRef idx="2">
+            <a:schemeClr val="accent1">
+              <a:shade val="50000"/>
+            </a:schemeClr>
+          </a:lnRef>
+          <a:fillRef idx="1">
+            <a:schemeClr val="accent1"/>
+          </a:fillRef>
+          <a:effectRef idx="0">
+            <a:schemeClr val="accent1"/>
+          </a:effectRef>
+          <a:fontRef idx="minor">
+            <a:schemeClr val="lt1"/>
+          </a:fontRef>
+        </p:style>
+        <p:txBody>
+          <a:bodyPr rtlCol="0" anchor="ctr"/>
+          <a:lstStyle/>
+          <a:p>
+            <a:pPr algn="ctr"/>
+            <a:r>
+              <a:rPr lang="en-US" altLang="ko-KR" dirty="0" smtClean="0">
+                <a:latin typeface="AppleSDGothicNeoR00" panose="02000503000000000000" pitchFamily="2" charset="-127"/>
+                <a:ea typeface="AppleSDGothicNeoR00" panose="02000503000000000000" pitchFamily="2" charset="-127"/>
+              </a:rPr>
+              <a:t>Other Client</a:t>
+            </a:r>
+          </a:p>
+        </p:txBody>
+      </p:sp>
+      <p:pic>
+        <p:nvPicPr>
+          <p:cNvPr id="32" name="그림 31"/>
+          <p:cNvPicPr>
+            <a:picLocks noChangeAspect="1"/>
+          </p:cNvPicPr>
+          <p:nvPr/>
+        </p:nvPicPr>
+        <p:blipFill>
+          <a:blip r:embed="rId3"/>
+          <a:stretch>
+            <a:fillRect/>
+          </a:stretch>
+        </p:blipFill>
+        <p:spPr>
+          <a:xfrm>
+            <a:off x="8083606" y="2071353"/>
+            <a:ext cx="2146069" cy="216410"/>
+          </a:xfrm>
+          <a:prstGeom prst="rect">
+            <a:avLst/>
+          </a:prstGeom>
+        </p:spPr>
+      </p:pic>
+      <p:pic>
+        <p:nvPicPr>
+          <p:cNvPr id="33" name="그림 32"/>
+          <p:cNvPicPr>
+            <a:picLocks noChangeAspect="1"/>
+          </p:cNvPicPr>
+          <p:nvPr/>
+        </p:nvPicPr>
+        <p:blipFill>
+          <a:blip r:embed="rId5"/>
+          <a:stretch>
+            <a:fillRect/>
+          </a:stretch>
+        </p:blipFill>
+        <p:spPr>
+          <a:xfrm>
+            <a:off x="8129326" y="2738462"/>
+            <a:ext cx="1447800" cy="199169"/>
+          </a:xfrm>
+          <a:prstGeom prst="rect">
+            <a:avLst/>
+          </a:prstGeom>
+        </p:spPr>
+      </p:pic>
+      <p:pic>
+        <p:nvPicPr>
+          <p:cNvPr id="34" name="그림 33"/>
+          <p:cNvPicPr>
+            <a:picLocks noChangeAspect="1"/>
+          </p:cNvPicPr>
+          <p:nvPr/>
+        </p:nvPicPr>
+        <p:blipFill>
+          <a:blip r:embed="rId4"/>
+          <a:stretch>
+            <a:fillRect/>
+          </a:stretch>
+        </p:blipFill>
+        <p:spPr>
+          <a:xfrm>
+            <a:off x="5827777" y="2730090"/>
+            <a:ext cx="2075411" cy="207541"/>
+          </a:xfrm>
+          <a:prstGeom prst="rect">
+            <a:avLst/>
+          </a:prstGeom>
+        </p:spPr>
+      </p:pic>
+      <p:cxnSp>
+        <p:nvCxnSpPr>
+          <p:cNvPr id="37" name="직선 화살표 연결선 36"/>
+          <p:cNvCxnSpPr>
+            <a:stCxn id="21" idx="3"/>
+            <a:endCxn id="22" idx="1"/>
+          </p:cNvCxnSpPr>
+          <p:nvPr/>
+        </p:nvCxnSpPr>
+        <p:spPr>
+          <a:xfrm>
+            <a:off x="2618509" y="2181363"/>
+            <a:ext cx="1670028" cy="324031"/>
+          </a:xfrm>
+          <a:prstGeom prst="straightConnector1">
+            <a:avLst/>
+          </a:prstGeom>
+          <a:ln>
+            <a:tailEnd type="triangle"/>
+          </a:ln>
+        </p:spPr>
+        <p:style>
+          <a:lnRef idx="3">
+            <a:schemeClr val="accent4"/>
+          </a:lnRef>
+          <a:fillRef idx="0">
+            <a:schemeClr val="accent4"/>
+          </a:fillRef>
+          <a:effectRef idx="2">
+            <a:schemeClr val="accent4"/>
+          </a:effectRef>
+          <a:fontRef idx="minor">
+            <a:schemeClr val="tx1"/>
+          </a:fontRef>
+        </p:style>
+      </p:cxnSp>
+      <p:cxnSp>
+        <p:nvCxnSpPr>
+          <p:cNvPr id="38" name="직선 화살표 연결선 37"/>
+          <p:cNvCxnSpPr>
+            <a:stCxn id="22" idx="1"/>
+            <a:endCxn id="23" idx="3"/>
+          </p:cNvCxnSpPr>
+          <p:nvPr/>
+        </p:nvCxnSpPr>
+        <p:spPr>
+          <a:xfrm flipH="1" flipV="1">
+            <a:off x="1920240" y="2501208"/>
+            <a:ext cx="2368297" cy="4186"/>
+          </a:xfrm>
+          <a:prstGeom prst="straightConnector1">
+            <a:avLst/>
+          </a:prstGeom>
+          <a:ln>
+            <a:tailEnd type="triangle"/>
+          </a:ln>
+        </p:spPr>
+        <p:style>
+          <a:lnRef idx="3">
+            <a:schemeClr val="accent4"/>
+          </a:lnRef>
+          <a:fillRef idx="0">
+            <a:schemeClr val="accent4"/>
+          </a:fillRef>
+          <a:effectRef idx="2">
+            <a:schemeClr val="accent4"/>
+          </a:effectRef>
+          <a:fontRef idx="minor">
+            <a:schemeClr val="tx1"/>
+          </a:fontRef>
+        </p:style>
+      </p:cxnSp>
+      <p:cxnSp>
+        <p:nvCxnSpPr>
+          <p:cNvPr id="63" name="꺾인 연결선 62"/>
+          <p:cNvCxnSpPr>
+            <a:endCxn id="26" idx="3"/>
+          </p:cNvCxnSpPr>
+          <p:nvPr/>
+        </p:nvCxnSpPr>
+        <p:spPr>
+          <a:xfrm rot="5400000">
+            <a:off x="1682161" y="2765318"/>
+            <a:ext cx="342995" cy="133169"/>
+          </a:xfrm>
+          <a:prstGeom prst="bentConnector2">
+            <a:avLst/>
+          </a:prstGeom>
+          <a:ln>
+            <a:tailEnd type="triangle"/>
+          </a:ln>
+        </p:spPr>
+        <p:style>
+          <a:lnRef idx="3">
+            <a:schemeClr val="accent4"/>
+          </a:lnRef>
+          <a:fillRef idx="0">
+            <a:schemeClr val="accent4"/>
+          </a:fillRef>
+          <a:effectRef idx="2">
+            <a:schemeClr val="accent4"/>
+          </a:effectRef>
+          <a:fontRef idx="minor">
+            <a:schemeClr val="tx1"/>
+          </a:fontRef>
+        </p:style>
+      </p:cxnSp>
+      <p:sp>
+        <p:nvSpPr>
+          <p:cNvPr id="67" name="TextBox 66"/>
+          <p:cNvSpPr txBox="1"/>
+          <p:nvPr/>
+        </p:nvSpPr>
+        <p:spPr>
+          <a:xfrm>
+            <a:off x="2365375" y="2771151"/>
+            <a:ext cx="1438102" cy="415498"/>
+          </a:xfrm>
+          <a:prstGeom prst="rect">
+            <a:avLst/>
+          </a:prstGeom>
+          <a:noFill/>
+        </p:spPr>
+        <p:txBody>
+          <a:bodyPr wrap="square" rtlCol="0">
+            <a:spAutoFit/>
+          </a:bodyPr>
+          <a:lstStyle/>
+          <a:p>
+            <a:r>
+              <a:rPr lang="ko-KR" altLang="en-US" sz="1050" dirty="0" err="1" smtClean="0">
+                <a:latin typeface="AppleSDGothicNeoR00" panose="02000503000000000000" pitchFamily="2" charset="-127"/>
+                <a:ea typeface="AppleSDGothicNeoR00" panose="02000503000000000000" pitchFamily="2" charset="-127"/>
+              </a:rPr>
+              <a:t>엔터나</a:t>
+            </a:r>
+            <a:r>
+              <a:rPr lang="ko-KR" altLang="en-US" sz="1050" dirty="0" smtClean="0">
+                <a:latin typeface="AppleSDGothicNeoR00" panose="02000503000000000000" pitchFamily="2" charset="-127"/>
+                <a:ea typeface="AppleSDGothicNeoR00" panose="02000503000000000000" pitchFamily="2" charset="-127"/>
+              </a:rPr>
+              <a:t> </a:t>
+            </a:r>
+            <a:r>
+              <a:rPr lang="en-US" altLang="ko-KR" sz="1050" dirty="0" smtClean="0">
+                <a:latin typeface="AppleSDGothicNeoR00" panose="02000503000000000000" pitchFamily="2" charset="-127"/>
+                <a:ea typeface="AppleSDGothicNeoR00" panose="02000503000000000000" pitchFamily="2" charset="-127"/>
+              </a:rPr>
+              <a:t>focus out</a:t>
+            </a:r>
+            <a:r>
+              <a:rPr lang="ko-KR" altLang="en-US" sz="1050" dirty="0" smtClean="0">
+                <a:latin typeface="AppleSDGothicNeoR00" panose="02000503000000000000" pitchFamily="2" charset="-127"/>
+                <a:ea typeface="AppleSDGothicNeoR00" panose="02000503000000000000" pitchFamily="2" charset="-127"/>
+              </a:rPr>
+              <a:t>을 통해 </a:t>
+            </a:r>
+            <a:r>
+              <a:rPr lang="en-US" altLang="ko-KR" sz="1050" dirty="0" smtClean="0">
+                <a:latin typeface="AppleSDGothicNeoR00" panose="02000503000000000000" pitchFamily="2" charset="-127"/>
+                <a:ea typeface="AppleSDGothicNeoR00" panose="02000503000000000000" pitchFamily="2" charset="-127"/>
+              </a:rPr>
+              <a:t>value </a:t>
+            </a:r>
+            <a:r>
+              <a:rPr lang="ko-KR" altLang="en-US" sz="1050" dirty="0" smtClean="0">
+                <a:latin typeface="AppleSDGothicNeoR00" panose="02000503000000000000" pitchFamily="2" charset="-127"/>
+                <a:ea typeface="AppleSDGothicNeoR00" panose="02000503000000000000" pitchFamily="2" charset="-127"/>
+              </a:rPr>
+              <a:t>변경</a:t>
+            </a:r>
+            <a:endParaRPr lang="ko-KR" altLang="en-US" sz="1050" dirty="0">
               <a:latin typeface="AppleSDGothicNeoR00" panose="02000503000000000000" pitchFamily="2" charset="-127"/>
               <a:ea typeface="AppleSDGothicNeoR00" panose="02000503000000000000" pitchFamily="2" charset="-127"/>
             </a:endParaRPr>
           </a:p>
-          <a:p>
-            <a:pPr marL="342900" indent="-342900">
-              <a:buFont typeface="+mj-lt"/>
-              <a:buAutoNum type="arabicPeriod"/>
-            </a:pPr>
-            <a:r>
-              <a:rPr lang="ko-KR" altLang="en-US" sz="2000" dirty="0" smtClean="0">
-                <a:latin typeface="AppleSDGothicNeoR00" panose="02000503000000000000" pitchFamily="2" charset="-127"/>
-                <a:ea typeface="AppleSDGothicNeoR00" panose="02000503000000000000" pitchFamily="2" charset="-127"/>
-              </a:rPr>
-              <a:t>서버에서 미리 정한 </a:t>
-            </a:r>
-            <a:r>
-              <a:rPr lang="en-US" altLang="ko-KR" sz="2000" dirty="0" smtClean="0">
-                <a:latin typeface="AppleSDGothicNeoR00" panose="02000503000000000000" pitchFamily="2" charset="-127"/>
-                <a:ea typeface="AppleSDGothicNeoR00" panose="02000503000000000000" pitchFamily="2" charset="-127"/>
-              </a:rPr>
-              <a:t>schema</a:t>
-            </a:r>
-            <a:r>
-              <a:rPr lang="ko-KR" altLang="en-US" sz="2000" dirty="0" smtClean="0">
-                <a:latin typeface="AppleSDGothicNeoR00" panose="02000503000000000000" pitchFamily="2" charset="-127"/>
-                <a:ea typeface="AppleSDGothicNeoR00" panose="02000503000000000000" pitchFamily="2" charset="-127"/>
-              </a:rPr>
-              <a:t>에만 </a:t>
-            </a:r>
-            <a:r>
-              <a:rPr lang="ko-KR" altLang="en-US" sz="2000" dirty="0" smtClean="0">
-                <a:latin typeface="AppleSDGothicNeoR00" panose="02000503000000000000" pitchFamily="2" charset="-127"/>
-                <a:ea typeface="AppleSDGothicNeoR00" panose="02000503000000000000" pitchFamily="2" charset="-127"/>
-              </a:rPr>
-              <a:t>접근 가능</a:t>
-            </a:r>
-            <a:endParaRPr lang="en-US" altLang="ko-KR" sz="2000" dirty="0" smtClean="0">
+        </p:txBody>
+      </p:sp>
+      <p:cxnSp>
+        <p:nvCxnSpPr>
+          <p:cNvPr id="68" name="직선 화살표 연결선 67"/>
+          <p:cNvCxnSpPr>
+            <a:stCxn id="27" idx="3"/>
+            <a:endCxn id="28" idx="1"/>
+          </p:cNvCxnSpPr>
+          <p:nvPr/>
+        </p:nvCxnSpPr>
+        <p:spPr>
+          <a:xfrm flipV="1">
+            <a:off x="4089861" y="3556221"/>
+            <a:ext cx="198676" cy="1"/>
+          </a:xfrm>
+          <a:prstGeom prst="straightConnector1">
+            <a:avLst/>
+          </a:prstGeom>
+          <a:ln>
+            <a:tailEnd type="triangle"/>
+          </a:ln>
+        </p:spPr>
+        <p:style>
+          <a:lnRef idx="3">
+            <a:schemeClr val="accent4"/>
+          </a:lnRef>
+          <a:fillRef idx="0">
+            <a:schemeClr val="accent4"/>
+          </a:fillRef>
+          <a:effectRef idx="2">
+            <a:schemeClr val="accent4"/>
+          </a:effectRef>
+          <a:fontRef idx="minor">
+            <a:schemeClr val="tx1"/>
+          </a:fontRef>
+        </p:style>
+      </p:cxnSp>
+      <p:cxnSp>
+        <p:nvCxnSpPr>
+          <p:cNvPr id="74" name="직선 화살표 연결선 73"/>
+          <p:cNvCxnSpPr>
+            <a:stCxn id="32" idx="1"/>
+            <a:endCxn id="34" idx="0"/>
+          </p:cNvCxnSpPr>
+          <p:nvPr/>
+        </p:nvCxnSpPr>
+        <p:spPr>
+          <a:xfrm flipH="1">
+            <a:off x="6865483" y="2179558"/>
+            <a:ext cx="1218123" cy="550532"/>
+          </a:xfrm>
+          <a:prstGeom prst="straightConnector1">
+            <a:avLst/>
+          </a:prstGeom>
+          <a:ln>
+            <a:tailEnd type="triangle"/>
+          </a:ln>
+        </p:spPr>
+        <p:style>
+          <a:lnRef idx="3">
+            <a:schemeClr val="accent4"/>
+          </a:lnRef>
+          <a:fillRef idx="0">
+            <a:schemeClr val="accent4"/>
+          </a:fillRef>
+          <a:effectRef idx="2">
+            <a:schemeClr val="accent4"/>
+          </a:effectRef>
+          <a:fontRef idx="minor">
+            <a:schemeClr val="tx1"/>
+          </a:fontRef>
+        </p:style>
+      </p:cxnSp>
+      <p:cxnSp>
+        <p:nvCxnSpPr>
+          <p:cNvPr id="77" name="직선 화살표 연결선 76"/>
+          <p:cNvCxnSpPr>
+            <a:stCxn id="34" idx="3"/>
+            <a:endCxn id="33" idx="1"/>
+          </p:cNvCxnSpPr>
+          <p:nvPr/>
+        </p:nvCxnSpPr>
+        <p:spPr>
+          <a:xfrm>
+            <a:off x="7903188" y="2833861"/>
+            <a:ext cx="226138" cy="4186"/>
+          </a:xfrm>
+          <a:prstGeom prst="straightConnector1">
+            <a:avLst/>
+          </a:prstGeom>
+          <a:ln>
+            <a:tailEnd type="triangle"/>
+          </a:ln>
+        </p:spPr>
+        <p:style>
+          <a:lnRef idx="3">
+            <a:schemeClr val="accent4"/>
+          </a:lnRef>
+          <a:fillRef idx="0">
+            <a:schemeClr val="accent4"/>
+          </a:fillRef>
+          <a:effectRef idx="2">
+            <a:schemeClr val="accent4"/>
+          </a:effectRef>
+          <a:fontRef idx="minor">
+            <a:schemeClr val="tx1"/>
+          </a:fontRef>
+        </p:style>
+      </p:cxnSp>
+      <p:cxnSp>
+        <p:nvCxnSpPr>
+          <p:cNvPr id="83" name="직선 화살표 연결선 82"/>
+          <p:cNvCxnSpPr>
+            <a:stCxn id="28" idx="3"/>
+            <a:endCxn id="30" idx="1"/>
+          </p:cNvCxnSpPr>
+          <p:nvPr/>
+        </p:nvCxnSpPr>
+        <p:spPr>
+          <a:xfrm>
+            <a:off x="7903188" y="3556221"/>
+            <a:ext cx="198676" cy="0"/>
+          </a:xfrm>
+          <a:prstGeom prst="straightConnector1">
+            <a:avLst/>
+          </a:prstGeom>
+          <a:ln>
+            <a:tailEnd type="triangle"/>
+          </a:ln>
+        </p:spPr>
+        <p:style>
+          <a:lnRef idx="3">
+            <a:schemeClr val="accent4"/>
+          </a:lnRef>
+          <a:fillRef idx="0">
+            <a:schemeClr val="accent4"/>
+          </a:fillRef>
+          <a:effectRef idx="2">
+            <a:schemeClr val="accent4"/>
+          </a:effectRef>
+          <a:fontRef idx="minor">
+            <a:schemeClr val="tx1"/>
+          </a:fontRef>
+        </p:style>
+      </p:cxnSp>
+      <p:cxnSp>
+        <p:nvCxnSpPr>
+          <p:cNvPr id="86" name="직선 화살표 연결선 85"/>
+          <p:cNvCxnSpPr>
+            <a:stCxn id="30" idx="2"/>
+          </p:cNvCxnSpPr>
+          <p:nvPr/>
+        </p:nvCxnSpPr>
+        <p:spPr>
+          <a:xfrm>
+            <a:off x="9910575" y="3649954"/>
+            <a:ext cx="0" cy="323530"/>
+          </a:xfrm>
+          <a:prstGeom prst="straightConnector1">
+            <a:avLst/>
+          </a:prstGeom>
+          <a:ln>
+            <a:tailEnd type="triangle"/>
+          </a:ln>
+        </p:spPr>
+        <p:style>
+          <a:lnRef idx="3">
+            <a:schemeClr val="accent4"/>
+          </a:lnRef>
+          <a:fillRef idx="0">
+            <a:schemeClr val="accent4"/>
+          </a:fillRef>
+          <a:effectRef idx="2">
+            <a:schemeClr val="accent4"/>
+          </a:effectRef>
+          <a:fontRef idx="minor">
+            <a:schemeClr val="tx1"/>
+          </a:fontRef>
+        </p:style>
+      </p:cxnSp>
+      <p:sp>
+        <p:nvSpPr>
+          <p:cNvPr id="89" name="TextBox 88"/>
+          <p:cNvSpPr txBox="1"/>
+          <p:nvPr/>
+        </p:nvSpPr>
+        <p:spPr>
+          <a:xfrm>
+            <a:off x="9357728" y="3973484"/>
+            <a:ext cx="1105694" cy="253916"/>
+          </a:xfrm>
+          <a:prstGeom prst="rect">
+            <a:avLst/>
+          </a:prstGeom>
+          <a:noFill/>
+        </p:spPr>
+        <p:txBody>
+          <a:bodyPr wrap="square" rtlCol="0" anchor="t">
+            <a:spAutoFit/>
+          </a:bodyPr>
+          <a:lstStyle/>
+          <a:p>
+            <a:pPr algn="ctr"/>
+            <a:r>
+              <a:rPr lang="ko-KR" altLang="en-US" sz="1050" dirty="0" smtClean="0">
+                <a:latin typeface="AppleSDGothicNeoR00" panose="02000503000000000000" pitchFamily="2" charset="-127"/>
+                <a:ea typeface="AppleSDGothicNeoR00" panose="02000503000000000000" pitchFamily="2" charset="-127"/>
+              </a:rPr>
+              <a:t>테이블 값 변경</a:t>
+            </a:r>
+            <a:endParaRPr lang="ko-KR" altLang="en-US" sz="1050" dirty="0">
               <a:latin typeface="AppleSDGothicNeoR00" panose="02000503000000000000" pitchFamily="2" charset="-127"/>
               <a:ea typeface="AppleSDGothicNeoR00" panose="02000503000000000000" pitchFamily="2" charset="-127"/>
             </a:endParaRPr>
           </a:p>
-          <a:p>
-            <a:pPr marL="342900" indent="-342900">
-              <a:buFont typeface="+mj-lt"/>
-              <a:buAutoNum type="arabicPeriod"/>
-            </a:pPr>
-            <a:r>
-              <a:rPr lang="ko-KR" altLang="en-US" sz="2000" dirty="0" smtClean="0">
-                <a:latin typeface="AppleSDGothicNeoR00" panose="02000503000000000000" pitchFamily="2" charset="-127"/>
-                <a:ea typeface="AppleSDGothicNeoR00" panose="02000503000000000000" pitchFamily="2" charset="-127"/>
-              </a:rPr>
-              <a:t>테이블에 정규식에 포함되는 특정 패턴이나 </a:t>
-            </a:r>
-            <a:r>
-              <a:rPr lang="en-US" altLang="ko-KR" sz="2000" dirty="0" err="1" smtClean="0">
-                <a:latin typeface="AppleSDGothicNeoR00" panose="02000503000000000000" pitchFamily="2" charset="-127"/>
-                <a:ea typeface="AppleSDGothicNeoR00" panose="02000503000000000000" pitchFamily="2" charset="-127"/>
-              </a:rPr>
-              <a:t>sql</a:t>
-            </a:r>
-            <a:r>
-              <a:rPr lang="en-US" altLang="ko-KR" sz="2000" dirty="0" smtClean="0">
-                <a:latin typeface="AppleSDGothicNeoR00" panose="02000503000000000000" pitchFamily="2" charset="-127"/>
-                <a:ea typeface="AppleSDGothicNeoR00" panose="02000503000000000000" pitchFamily="2" charset="-127"/>
-              </a:rPr>
-              <a:t> query</a:t>
-            </a:r>
-            <a:r>
-              <a:rPr lang="ko-KR" altLang="en-US" sz="2000" dirty="0" smtClean="0">
-                <a:latin typeface="AppleSDGothicNeoR00" panose="02000503000000000000" pitchFamily="2" charset="-127"/>
-                <a:ea typeface="AppleSDGothicNeoR00" panose="02000503000000000000" pitchFamily="2" charset="-127"/>
-              </a:rPr>
-              <a:t>에 영향을 끼치는 특수기호</a:t>
-            </a:r>
-            <a:r>
-              <a:rPr lang="en-US" altLang="ko-KR" sz="2000" dirty="0" smtClean="0">
-                <a:latin typeface="AppleSDGothicNeoR00" panose="02000503000000000000" pitchFamily="2" charset="-127"/>
-                <a:ea typeface="AppleSDGothicNeoR00" panose="02000503000000000000" pitchFamily="2" charset="-127"/>
-              </a:rPr>
-              <a:t>(</a:t>
-            </a:r>
-            <a:r>
-              <a:rPr lang="ko-KR" altLang="en-US" sz="2000" dirty="0" smtClean="0">
-                <a:latin typeface="AppleSDGothicNeoR00" panose="02000503000000000000" pitchFamily="2" charset="-127"/>
-                <a:ea typeface="AppleSDGothicNeoR00" panose="02000503000000000000" pitchFamily="2" charset="-127"/>
-              </a:rPr>
-              <a:t>마지막에 </a:t>
-            </a:r>
-            <a:r>
-              <a:rPr lang="en-US" altLang="ko-KR" sz="2000" dirty="0" smtClean="0">
-                <a:latin typeface="AppleSDGothicNeoR00" panose="02000503000000000000" pitchFamily="2" charset="-127"/>
-                <a:ea typeface="AppleSDGothicNeoR00" panose="02000503000000000000" pitchFamily="2" charset="-127"/>
-              </a:rPr>
-              <a:t>‘ </a:t>
-            </a:r>
-            <a:r>
-              <a:rPr lang="ko-KR" altLang="en-US" sz="2000" dirty="0" smtClean="0">
-                <a:latin typeface="AppleSDGothicNeoR00" panose="02000503000000000000" pitchFamily="2" charset="-127"/>
-                <a:ea typeface="AppleSDGothicNeoR00" panose="02000503000000000000" pitchFamily="2" charset="-127"/>
-              </a:rPr>
-              <a:t>입력</a:t>
-            </a:r>
-            <a:r>
-              <a:rPr lang="en-US" altLang="ko-KR" sz="2000" dirty="0" smtClean="0">
-                <a:latin typeface="AppleSDGothicNeoR00" panose="02000503000000000000" pitchFamily="2" charset="-127"/>
-                <a:ea typeface="AppleSDGothicNeoR00" panose="02000503000000000000" pitchFamily="2" charset="-127"/>
-              </a:rPr>
-              <a:t>) </a:t>
-            </a:r>
-            <a:r>
-              <a:rPr lang="ko-KR" altLang="en-US" sz="2000" dirty="0" smtClean="0">
-                <a:latin typeface="AppleSDGothicNeoR00" panose="02000503000000000000" pitchFamily="2" charset="-127"/>
-                <a:ea typeface="AppleSDGothicNeoR00" panose="02000503000000000000" pitchFamily="2" charset="-127"/>
-              </a:rPr>
-              <a:t>등을 하면 </a:t>
-            </a:r>
-            <a:r>
-              <a:rPr lang="ko-KR" altLang="en-US" sz="2000" dirty="0" smtClean="0">
-                <a:latin typeface="AppleSDGothicNeoR00" panose="02000503000000000000" pitchFamily="2" charset="-127"/>
-                <a:ea typeface="AppleSDGothicNeoR00" panose="02000503000000000000" pitchFamily="2" charset="-127"/>
-              </a:rPr>
-              <a:t>에러 발생</a:t>
-            </a:r>
-            <a:endParaRPr lang="en-US" altLang="ko-KR" sz="2000" dirty="0" smtClean="0">
+        </p:txBody>
+      </p:sp>
+      <p:cxnSp>
+        <p:nvCxnSpPr>
+          <p:cNvPr id="90" name="꺾인 연결선 89"/>
+          <p:cNvCxnSpPr>
+            <a:endCxn id="67" idx="1"/>
+          </p:cNvCxnSpPr>
+          <p:nvPr/>
+        </p:nvCxnSpPr>
+        <p:spPr>
+          <a:xfrm flipV="1">
+            <a:off x="1787073" y="2978900"/>
+            <a:ext cx="578302" cy="177873"/>
+          </a:xfrm>
+          <a:prstGeom prst="bentConnector3">
+            <a:avLst>
+              <a:gd name="adj1" fmla="val 50000"/>
+            </a:avLst>
+          </a:prstGeom>
+          <a:ln>
+            <a:tailEnd type="triangle"/>
+          </a:ln>
+        </p:spPr>
+        <p:style>
+          <a:lnRef idx="3">
+            <a:schemeClr val="accent4"/>
+          </a:lnRef>
+          <a:fillRef idx="0">
+            <a:schemeClr val="accent4"/>
+          </a:fillRef>
+          <a:effectRef idx="2">
+            <a:schemeClr val="accent4"/>
+          </a:effectRef>
+          <a:fontRef idx="minor">
+            <a:schemeClr val="tx1"/>
+          </a:fontRef>
+        </p:style>
+      </p:cxnSp>
+      <p:cxnSp>
+        <p:nvCxnSpPr>
+          <p:cNvPr id="101" name="직선 화살표 연결선 100"/>
+          <p:cNvCxnSpPr>
+            <a:stCxn id="67" idx="2"/>
+          </p:cNvCxnSpPr>
+          <p:nvPr/>
+        </p:nvCxnSpPr>
+        <p:spPr>
+          <a:xfrm flipH="1">
+            <a:off x="3084022" y="3186649"/>
+            <a:ext cx="404" cy="250197"/>
+          </a:xfrm>
+          <a:prstGeom prst="straightConnector1">
+            <a:avLst/>
+          </a:prstGeom>
+          <a:ln>
+            <a:tailEnd type="triangle"/>
+          </a:ln>
+        </p:spPr>
+        <p:style>
+          <a:lnRef idx="3">
+            <a:schemeClr val="accent4"/>
+          </a:lnRef>
+          <a:fillRef idx="0">
+            <a:schemeClr val="accent4"/>
+          </a:fillRef>
+          <a:effectRef idx="2">
+            <a:schemeClr val="accent4"/>
+          </a:effectRef>
+          <a:fontRef idx="minor">
+            <a:schemeClr val="tx1"/>
+          </a:fontRef>
+        </p:style>
+      </p:cxnSp>
+      <p:sp>
+        <p:nvSpPr>
+          <p:cNvPr id="105" name="TextBox 104"/>
+          <p:cNvSpPr txBox="1"/>
+          <p:nvPr/>
+        </p:nvSpPr>
+        <p:spPr>
+          <a:xfrm>
+            <a:off x="466685" y="4167701"/>
+            <a:ext cx="1909497" cy="369332"/>
+          </a:xfrm>
+          <a:prstGeom prst="rect">
+            <a:avLst/>
+          </a:prstGeom>
+          <a:noFill/>
+        </p:spPr>
+        <p:txBody>
+          <a:bodyPr wrap="none" rtlCol="0">
+            <a:spAutoFit/>
+          </a:bodyPr>
+          <a:lstStyle/>
+          <a:p>
+            <a:r>
+              <a:rPr lang="ko-KR" altLang="en-US" dirty="0" smtClean="0">
+                <a:latin typeface="AppleSDGothicNeoR00" panose="02000503000000000000" pitchFamily="2" charset="-127"/>
+                <a:ea typeface="AppleSDGothicNeoR00" panose="02000503000000000000" pitchFamily="2" charset="-127"/>
+              </a:rPr>
+              <a:t>오류가 발생할 경우</a:t>
+            </a:r>
+            <a:endParaRPr lang="ko-KR" altLang="en-US" dirty="0">
               <a:latin typeface="AppleSDGothicNeoR00" panose="02000503000000000000" pitchFamily="2" charset="-127"/>
               <a:ea typeface="AppleSDGothicNeoR00" panose="02000503000000000000" pitchFamily="2" charset="-127"/>
             </a:endParaRPr>
           </a:p>
-          <a:p>
-            <a:pPr marL="342900" indent="-342900">
-              <a:buFont typeface="+mj-lt"/>
-              <a:buAutoNum type="arabicPeriod"/>
-            </a:pPr>
-            <a:endParaRPr lang="en-US" altLang="ko-KR" sz="2000" dirty="0" smtClean="0">
+        </p:txBody>
+      </p:sp>
+      <p:pic>
+        <p:nvPicPr>
+          <p:cNvPr id="106" name="그림 105"/>
+          <p:cNvPicPr>
+            <a:picLocks noChangeAspect="1"/>
+          </p:cNvPicPr>
+          <p:nvPr/>
+        </p:nvPicPr>
+        <p:blipFill>
+          <a:blip r:embed="rId10"/>
+          <a:stretch>
+            <a:fillRect/>
+          </a:stretch>
+        </p:blipFill>
+        <p:spPr>
+          <a:xfrm>
+            <a:off x="466685" y="5075168"/>
+            <a:ext cx="3636769" cy="194827"/>
+          </a:xfrm>
+          <a:prstGeom prst="rect">
+            <a:avLst/>
+          </a:prstGeom>
+        </p:spPr>
+      </p:pic>
+      <p:pic>
+        <p:nvPicPr>
+          <p:cNvPr id="107" name="그림 106"/>
+          <p:cNvPicPr>
+            <a:picLocks noChangeAspect="1"/>
+          </p:cNvPicPr>
+          <p:nvPr/>
+        </p:nvPicPr>
+        <p:blipFill>
+          <a:blip r:embed="rId11"/>
+          <a:stretch>
+            <a:fillRect/>
+          </a:stretch>
+        </p:blipFill>
+        <p:spPr>
+          <a:xfrm>
+            <a:off x="5349903" y="5103352"/>
+            <a:ext cx="5486396" cy="333286"/>
+          </a:xfrm>
+          <a:prstGeom prst="rect">
+            <a:avLst/>
+          </a:prstGeom>
+        </p:spPr>
+      </p:pic>
+      <p:sp>
+        <p:nvSpPr>
+          <p:cNvPr id="108" name="직사각형 107"/>
+          <p:cNvSpPr/>
+          <p:nvPr/>
+        </p:nvSpPr>
+        <p:spPr>
+          <a:xfrm>
+            <a:off x="466685" y="4611289"/>
+            <a:ext cx="3617422" cy="325399"/>
+          </a:xfrm>
+          <a:prstGeom prst="rect">
+            <a:avLst/>
+          </a:prstGeom>
+          <a:solidFill>
+            <a:srgbClr val="00B0F0"/>
+          </a:solidFill>
+          <a:ln>
+            <a:noFill/>
+          </a:ln>
+        </p:spPr>
+        <p:style>
+          <a:lnRef idx="2">
+            <a:schemeClr val="accent1">
+              <a:shade val="50000"/>
+            </a:schemeClr>
+          </a:lnRef>
+          <a:fillRef idx="1">
+            <a:schemeClr val="accent1"/>
+          </a:fillRef>
+          <a:effectRef idx="0">
+            <a:schemeClr val="accent1"/>
+          </a:effectRef>
+          <a:fontRef idx="minor">
+            <a:schemeClr val="lt1"/>
+          </a:fontRef>
+        </p:style>
+        <p:txBody>
+          <a:bodyPr rtlCol="0" anchor="ctr"/>
+          <a:lstStyle/>
+          <a:p>
+            <a:pPr algn="ctr"/>
+            <a:r>
+              <a:rPr lang="en-US" altLang="ko-KR" dirty="0" smtClean="0">
+                <a:latin typeface="AppleSDGothicNeoR00" panose="02000503000000000000" pitchFamily="2" charset="-127"/>
+                <a:ea typeface="AppleSDGothicNeoR00" panose="02000503000000000000" pitchFamily="2" charset="-127"/>
+              </a:rPr>
+              <a:t>Client</a:t>
+            </a:r>
+            <a:endParaRPr lang="ko-KR" altLang="en-US" dirty="0">
               <a:latin typeface="AppleSDGothicNeoR00" panose="02000503000000000000" pitchFamily="2" charset="-127"/>
               <a:ea typeface="AppleSDGothicNeoR00" panose="02000503000000000000" pitchFamily="2" charset="-127"/>
             </a:endParaRPr>
           </a:p>
-          <a:p>
-            <a:pPr marL="342900" indent="-342900">
-              <a:buFont typeface="+mj-lt"/>
-              <a:buAutoNum type="arabicPeriod"/>
-            </a:pPr>
-            <a:endParaRPr lang="en-US" altLang="ko-KR" sz="2000" dirty="0" smtClean="0">
+        </p:txBody>
+      </p:sp>
+      <p:sp>
+        <p:nvSpPr>
+          <p:cNvPr id="109" name="직사각형 108"/>
+          <p:cNvSpPr/>
+          <p:nvPr/>
+        </p:nvSpPr>
+        <p:spPr>
+          <a:xfrm>
+            <a:off x="5349903" y="4598817"/>
+            <a:ext cx="3617422" cy="325399"/>
+          </a:xfrm>
+          <a:prstGeom prst="rect">
+            <a:avLst/>
+          </a:prstGeom>
+          <a:solidFill>
+            <a:srgbClr val="00B0F0"/>
+          </a:solidFill>
+          <a:ln>
+            <a:noFill/>
+          </a:ln>
+        </p:spPr>
+        <p:style>
+          <a:lnRef idx="2">
+            <a:schemeClr val="accent1">
+              <a:shade val="50000"/>
+            </a:schemeClr>
+          </a:lnRef>
+          <a:fillRef idx="1">
+            <a:schemeClr val="accent1"/>
+          </a:fillRef>
+          <a:effectRef idx="0">
+            <a:schemeClr val="accent1"/>
+          </a:effectRef>
+          <a:fontRef idx="minor">
+            <a:schemeClr val="lt1"/>
+          </a:fontRef>
+        </p:style>
+        <p:txBody>
+          <a:bodyPr rtlCol="0" anchor="ctr"/>
+          <a:lstStyle/>
+          <a:p>
+            <a:pPr algn="ctr"/>
+            <a:r>
+              <a:rPr lang="en-US" altLang="ko-KR" dirty="0" smtClean="0">
+                <a:latin typeface="AppleSDGothicNeoR00" panose="02000503000000000000" pitchFamily="2" charset="-127"/>
+                <a:ea typeface="AppleSDGothicNeoR00" panose="02000503000000000000" pitchFamily="2" charset="-127"/>
+              </a:rPr>
+              <a:t>Server</a:t>
+            </a:r>
+          </a:p>
+        </p:txBody>
+      </p:sp>
+      <p:cxnSp>
+        <p:nvCxnSpPr>
+          <p:cNvPr id="110" name="직선 화살표 연결선 109"/>
+          <p:cNvCxnSpPr>
+            <a:stCxn id="106" idx="3"/>
+            <a:endCxn id="107" idx="1"/>
+          </p:cNvCxnSpPr>
+          <p:nvPr/>
+        </p:nvCxnSpPr>
+        <p:spPr>
+          <a:xfrm>
+            <a:off x="4103454" y="5172582"/>
+            <a:ext cx="1246449" cy="97413"/>
+          </a:xfrm>
+          <a:prstGeom prst="straightConnector1">
+            <a:avLst/>
+          </a:prstGeom>
+          <a:ln>
+            <a:tailEnd type="triangle"/>
+          </a:ln>
+        </p:spPr>
+        <p:style>
+          <a:lnRef idx="3">
+            <a:schemeClr val="accent4"/>
+          </a:lnRef>
+          <a:fillRef idx="0">
+            <a:schemeClr val="accent4"/>
+          </a:fillRef>
+          <a:effectRef idx="2">
+            <a:schemeClr val="accent4"/>
+          </a:effectRef>
+          <a:fontRef idx="minor">
+            <a:schemeClr val="tx1"/>
+          </a:fontRef>
+        </p:style>
+      </p:cxnSp>
+      <p:sp>
+        <p:nvSpPr>
+          <p:cNvPr id="114" name="TextBox 113"/>
+          <p:cNvSpPr txBox="1"/>
+          <p:nvPr/>
+        </p:nvSpPr>
+        <p:spPr>
+          <a:xfrm>
+            <a:off x="5298591" y="5442506"/>
+            <a:ext cx="1923892" cy="253916"/>
+          </a:xfrm>
+          <a:prstGeom prst="rect">
+            <a:avLst/>
+          </a:prstGeom>
+          <a:noFill/>
+        </p:spPr>
+        <p:txBody>
+          <a:bodyPr wrap="square" rtlCol="0" anchor="t">
+            <a:spAutoFit/>
+          </a:bodyPr>
+          <a:lstStyle/>
+          <a:p>
+            <a:pPr algn="ctr"/>
+            <a:r>
+              <a:rPr lang="en-US" altLang="ko-KR" sz="1050" dirty="0" smtClean="0">
+                <a:latin typeface="AppleSDGothicNeoR00" panose="02000503000000000000" pitchFamily="2" charset="-127"/>
+                <a:ea typeface="AppleSDGothicNeoR00" panose="02000503000000000000" pitchFamily="2" charset="-127"/>
+              </a:rPr>
+              <a:t>try-catch</a:t>
+            </a:r>
+            <a:r>
+              <a:rPr lang="ko-KR" altLang="en-US" sz="1050" dirty="0" smtClean="0">
+                <a:latin typeface="AppleSDGothicNeoR00" panose="02000503000000000000" pitchFamily="2" charset="-127"/>
+                <a:ea typeface="AppleSDGothicNeoR00" panose="02000503000000000000" pitchFamily="2" charset="-127"/>
+              </a:rPr>
+              <a:t>를 통해 오류 캐치</a:t>
+            </a:r>
+            <a:endParaRPr lang="ko-KR" altLang="en-US" sz="1050" dirty="0">
               <a:latin typeface="AppleSDGothicNeoR00" panose="02000503000000000000" pitchFamily="2" charset="-127"/>
               <a:ea typeface="AppleSDGothicNeoR00" panose="02000503000000000000" pitchFamily="2" charset="-127"/>
             </a:endParaRPr>
           </a:p>
-          <a:p>
-            <a:pPr marL="0" indent="0">
-              <a:buNone/>
-            </a:pPr>
-            <a:endParaRPr lang="ko-KR" altLang="en-US" sz="2000" dirty="0">
+        </p:txBody>
+      </p:sp>
+      <p:pic>
+        <p:nvPicPr>
+          <p:cNvPr id="115" name="그림 114"/>
+          <p:cNvPicPr>
+            <a:picLocks noChangeAspect="1"/>
+          </p:cNvPicPr>
+          <p:nvPr/>
+        </p:nvPicPr>
+        <p:blipFill>
+          <a:blip r:embed="rId12"/>
+          <a:stretch>
+            <a:fillRect/>
+          </a:stretch>
+        </p:blipFill>
+        <p:spPr>
+          <a:xfrm>
+            <a:off x="467345" y="5369282"/>
+            <a:ext cx="4302327" cy="505843"/>
+          </a:xfrm>
+          <a:prstGeom prst="rect">
+            <a:avLst/>
+          </a:prstGeom>
+        </p:spPr>
+      </p:pic>
+      <p:cxnSp>
+        <p:nvCxnSpPr>
+          <p:cNvPr id="116" name="직선 화살표 연결선 115"/>
+          <p:cNvCxnSpPr>
+            <a:stCxn id="107" idx="1"/>
+            <a:endCxn id="115" idx="3"/>
+          </p:cNvCxnSpPr>
+          <p:nvPr/>
+        </p:nvCxnSpPr>
+        <p:spPr>
+          <a:xfrm flipH="1">
+            <a:off x="4769672" y="5269995"/>
+            <a:ext cx="580231" cy="352209"/>
+          </a:xfrm>
+          <a:prstGeom prst="straightConnector1">
+            <a:avLst/>
+          </a:prstGeom>
+          <a:ln>
+            <a:tailEnd type="triangle"/>
+          </a:ln>
+        </p:spPr>
+        <p:style>
+          <a:lnRef idx="3">
+            <a:schemeClr val="accent4"/>
+          </a:lnRef>
+          <a:fillRef idx="0">
+            <a:schemeClr val="accent4"/>
+          </a:fillRef>
+          <a:effectRef idx="2">
+            <a:schemeClr val="accent4"/>
+          </a:effectRef>
+          <a:fontRef idx="minor">
+            <a:schemeClr val="tx1"/>
+          </a:fontRef>
+        </p:style>
+      </p:cxnSp>
+      <p:sp>
+        <p:nvSpPr>
+          <p:cNvPr id="124" name="TextBox 123"/>
+          <p:cNvSpPr txBox="1"/>
+          <p:nvPr/>
+        </p:nvSpPr>
+        <p:spPr>
+          <a:xfrm>
+            <a:off x="466685" y="5926318"/>
+            <a:ext cx="2956961" cy="253916"/>
+          </a:xfrm>
+          <a:prstGeom prst="rect">
+            <a:avLst/>
+          </a:prstGeom>
+          <a:noFill/>
+        </p:spPr>
+        <p:txBody>
+          <a:bodyPr wrap="square" rtlCol="0" anchor="t">
+            <a:spAutoFit/>
+          </a:bodyPr>
+          <a:lstStyle/>
+          <a:p>
+            <a:r>
+              <a:rPr lang="ko-KR" altLang="en-US" sz="1050" dirty="0" smtClean="0">
+                <a:latin typeface="AppleSDGothicNeoR00" panose="02000503000000000000" pitchFamily="2" charset="-127"/>
+                <a:ea typeface="AppleSDGothicNeoR00" panose="02000503000000000000" pitchFamily="2" charset="-127"/>
+              </a:rPr>
+              <a:t>오류 구문을 전달받으면 프로그램 종료</a:t>
+            </a:r>
+            <a:endParaRPr lang="ko-KR" altLang="en-US" sz="1050" dirty="0">
               <a:latin typeface="AppleSDGothicNeoR00" panose="02000503000000000000" pitchFamily="2" charset="-127"/>
               <a:ea typeface="AppleSDGothicNeoR00" panose="02000503000000000000" pitchFamily="2" charset="-127"/>
             </a:endParaRPr>
           </a:p>
         </p:txBody>
       </p:sp>
+      <p:sp>
+        <p:nvSpPr>
+          <p:cNvPr id="125" name="TextBox 124"/>
+          <p:cNvSpPr txBox="1"/>
+          <p:nvPr/>
+        </p:nvSpPr>
+        <p:spPr>
+          <a:xfrm>
+            <a:off x="4278023" y="3675597"/>
+            <a:ext cx="3617422" cy="415498"/>
+          </a:xfrm>
+          <a:prstGeom prst="rect">
+            <a:avLst/>
+          </a:prstGeom>
+          <a:noFill/>
+        </p:spPr>
+        <p:txBody>
+          <a:bodyPr wrap="square" rtlCol="0" anchor="t">
+            <a:spAutoFit/>
+          </a:bodyPr>
+          <a:lstStyle/>
+          <a:p>
+            <a:r>
+              <a:rPr lang="en-US" altLang="ko-KR" sz="1050" dirty="0" smtClean="0">
+                <a:latin typeface="AppleSDGothicNeoR00" panose="02000503000000000000" pitchFamily="2" charset="-127"/>
+                <a:ea typeface="AppleSDGothicNeoR00" panose="02000503000000000000" pitchFamily="2" charset="-127"/>
+              </a:rPr>
+              <a:t>Broadcast </a:t>
+            </a:r>
+            <a:r>
+              <a:rPr lang="ko-KR" altLang="en-US" sz="1050" dirty="0" err="1" smtClean="0">
+                <a:latin typeface="AppleSDGothicNeoR00" panose="02000503000000000000" pitchFamily="2" charset="-127"/>
+                <a:ea typeface="AppleSDGothicNeoR00" panose="02000503000000000000" pitchFamily="2" charset="-127"/>
+              </a:rPr>
+              <a:t>메소드를</a:t>
+            </a:r>
+            <a:r>
+              <a:rPr lang="ko-KR" altLang="en-US" sz="1050" dirty="0" smtClean="0">
+                <a:latin typeface="AppleSDGothicNeoR00" panose="02000503000000000000" pitchFamily="2" charset="-127"/>
+                <a:ea typeface="AppleSDGothicNeoR00" panose="02000503000000000000" pitchFamily="2" charset="-127"/>
+              </a:rPr>
+              <a:t> 통해 전송한 클라이언트를 제외한 모든 클라이언트에 전송 </a:t>
+            </a:r>
+            <a:endParaRPr lang="ko-KR" altLang="en-US" sz="1050" dirty="0">
+              <a:latin typeface="AppleSDGothicNeoR00" panose="02000503000000000000" pitchFamily="2" charset="-127"/>
+              <a:ea typeface="AppleSDGothicNeoR00" panose="02000503000000000000" pitchFamily="2" charset="-127"/>
+            </a:endParaRPr>
+          </a:p>
+        </p:txBody>
+      </p:sp>
     </p:spTree>
     <p:extLst>
       <p:ext uri="{BB962C8B-B14F-4D97-AF65-F5344CB8AC3E}">
-        <p14:creationId xmlns:p14="http://schemas.microsoft.com/office/powerpoint/2010/main" val="1231034538"/>
+        <p14:creationId xmlns:p14="http://schemas.microsoft.com/office/powerpoint/2010/main" val="3995892497"/>
       </p:ext>
     </p:extLst>
   </p:cSld>
@@ -7801,39 +8320,25 @@
       </p:grpSpPr>
       <p:sp>
         <p:nvSpPr>
-          <p:cNvPr id="5" name="제목 4"/>
+          <p:cNvPr id="2" name="제목 1"/>
           <p:cNvSpPr>
             <a:spLocks noGrp="1"/>
           </p:cNvSpPr>
           <p:nvPr>
-            <p:ph type="ctrTitle"/>
+            <p:ph type="title"/>
           </p:nvPr>
         </p:nvSpPr>
-        <p:spPr>
-          <a:xfrm>
-            <a:off x="1524000" y="2601883"/>
-            <a:ext cx="9144000" cy="908079"/>
-          </a:xfrm>
-        </p:spPr>
-        <p:txBody>
-          <a:bodyPr>
-            <a:normAutofit fontScale="90000"/>
-          </a:bodyPr>
+        <p:spPr/>
+        <p:txBody>
+          <a:bodyPr/>
           <a:lstStyle/>
           <a:p>
             <a:r>
-              <a:rPr lang="ko-KR" altLang="en-US" dirty="0" err="1" smtClean="0">
-                <a:latin typeface="AppleSDGothicNeoR00" panose="02000503000000000000" pitchFamily="2" charset="-127"/>
-                <a:ea typeface="AppleSDGothicNeoR00" panose="02000503000000000000" pitchFamily="2" charset="-127"/>
-              </a:rPr>
-              <a:t>감사랑합니다</a:t>
-            </a:r>
-            <a:r>
               <a:rPr lang="en-US" altLang="ko-KR" dirty="0" smtClean="0">
                 <a:latin typeface="AppleSDGothicNeoR00" panose="02000503000000000000" pitchFamily="2" charset="-127"/>
                 <a:ea typeface="AppleSDGothicNeoR00" panose="02000503000000000000" pitchFamily="2" charset="-127"/>
               </a:rPr>
-              <a:t>.</a:t>
+              <a:t>UI</a:t>
             </a:r>
             <a:endParaRPr lang="ko-KR" altLang="en-US" dirty="0">
               <a:latin typeface="AppleSDGothicNeoR00" panose="02000503000000000000" pitchFamily="2" charset="-127"/>
@@ -7842,10 +8347,810 @@
           </a:p>
         </p:txBody>
       </p:sp>
+      <p:pic>
+        <p:nvPicPr>
+          <p:cNvPr id="4" name="그림 3"/>
+          <p:cNvPicPr>
+            <a:picLocks noChangeAspect="1"/>
+          </p:cNvPicPr>
+          <p:nvPr/>
+        </p:nvPicPr>
+        <p:blipFill>
+          <a:blip r:embed="rId2"/>
+          <a:stretch>
+            <a:fillRect/>
+          </a:stretch>
+        </p:blipFill>
+        <p:spPr>
+          <a:xfrm>
+            <a:off x="838200" y="1755590"/>
+            <a:ext cx="3133979" cy="3315174"/>
+          </a:xfrm>
+          <a:prstGeom prst="rect">
+            <a:avLst/>
+          </a:prstGeom>
+        </p:spPr>
+      </p:pic>
+      <p:pic>
+        <p:nvPicPr>
+          <p:cNvPr id="6" name="그림 5"/>
+          <p:cNvPicPr>
+            <a:picLocks noChangeAspect="1"/>
+          </p:cNvPicPr>
+          <p:nvPr/>
+        </p:nvPicPr>
+        <p:blipFill>
+          <a:blip r:embed="rId3"/>
+          <a:stretch>
+            <a:fillRect/>
+          </a:stretch>
+        </p:blipFill>
+        <p:spPr>
+          <a:xfrm>
+            <a:off x="8467404" y="1755590"/>
+            <a:ext cx="3112204" cy="3315174"/>
+          </a:xfrm>
+          <a:prstGeom prst="rect">
+            <a:avLst/>
+          </a:prstGeom>
+        </p:spPr>
+      </p:pic>
+      <p:sp>
+        <p:nvSpPr>
+          <p:cNvPr id="12" name="직사각형 11"/>
+          <p:cNvSpPr/>
+          <p:nvPr/>
+        </p:nvSpPr>
+        <p:spPr>
+          <a:xfrm>
+            <a:off x="1864862" y="4729684"/>
+            <a:ext cx="1077843" cy="405982"/>
+          </a:xfrm>
+          <a:prstGeom prst="rect">
+            <a:avLst/>
+          </a:prstGeom>
+          <a:noFill/>
+          <a:ln w="38100">
+            <a:solidFill>
+              <a:srgbClr val="00B0F0"/>
+            </a:solidFill>
+          </a:ln>
+        </p:spPr>
+        <p:style>
+          <a:lnRef idx="2">
+            <a:schemeClr val="accent1">
+              <a:shade val="50000"/>
+            </a:schemeClr>
+          </a:lnRef>
+          <a:fillRef idx="1">
+            <a:schemeClr val="accent1"/>
+          </a:fillRef>
+          <a:effectRef idx="0">
+            <a:schemeClr val="accent1"/>
+          </a:effectRef>
+          <a:fontRef idx="minor">
+            <a:schemeClr val="lt1"/>
+          </a:fontRef>
+        </p:style>
+        <p:txBody>
+          <a:bodyPr rtlCol="0" anchor="ctr"/>
+          <a:lstStyle/>
+          <a:p>
+            <a:pPr algn="ctr"/>
+            <a:endParaRPr lang="ko-KR" altLang="en-US">
+              <a:latin typeface="AppleSDGothicNeoR00" panose="02000503000000000000" pitchFamily="2" charset="-127"/>
+              <a:ea typeface="AppleSDGothicNeoR00" panose="02000503000000000000" pitchFamily="2" charset="-127"/>
+            </a:endParaRPr>
+          </a:p>
+        </p:txBody>
+      </p:sp>
+      <p:cxnSp>
+        <p:nvCxnSpPr>
+          <p:cNvPr id="13" name="직선 화살표 연결선 12"/>
+          <p:cNvCxnSpPr>
+            <a:stCxn id="12" idx="2"/>
+          </p:cNvCxnSpPr>
+          <p:nvPr/>
+        </p:nvCxnSpPr>
+        <p:spPr>
+          <a:xfrm flipH="1">
+            <a:off x="2402378" y="5135666"/>
+            <a:ext cx="1406" cy="408923"/>
+          </a:xfrm>
+          <a:prstGeom prst="straightConnector1">
+            <a:avLst/>
+          </a:prstGeom>
+          <a:ln>
+            <a:tailEnd type="triangle"/>
+          </a:ln>
+        </p:spPr>
+        <p:style>
+          <a:lnRef idx="3">
+            <a:schemeClr val="accent4"/>
+          </a:lnRef>
+          <a:fillRef idx="0">
+            <a:schemeClr val="accent4"/>
+          </a:fillRef>
+          <a:effectRef idx="2">
+            <a:schemeClr val="accent4"/>
+          </a:effectRef>
+          <a:fontRef idx="minor">
+            <a:schemeClr val="tx1"/>
+          </a:fontRef>
+        </p:style>
+      </p:cxnSp>
+      <p:sp>
+        <p:nvSpPr>
+          <p:cNvPr id="16" name="TextBox 15"/>
+          <p:cNvSpPr txBox="1"/>
+          <p:nvPr/>
+        </p:nvSpPr>
+        <p:spPr>
+          <a:xfrm>
+            <a:off x="838200" y="5609491"/>
+            <a:ext cx="3483032" cy="430887"/>
+          </a:xfrm>
+          <a:prstGeom prst="rect">
+            <a:avLst/>
+          </a:prstGeom>
+          <a:noFill/>
+        </p:spPr>
+        <p:txBody>
+          <a:bodyPr wrap="square" rtlCol="0">
+            <a:spAutoFit/>
+          </a:bodyPr>
+          <a:lstStyle/>
+          <a:p>
+            <a:r>
+              <a:rPr lang="ko-KR" altLang="en-US" sz="1100" dirty="0" smtClean="0">
+                <a:latin typeface="AppleSDGothicNeoR00" panose="02000503000000000000" pitchFamily="2" charset="-127"/>
+                <a:ea typeface="AppleSDGothicNeoR00" panose="02000503000000000000" pitchFamily="2" charset="-127"/>
+              </a:rPr>
+              <a:t>추가 버튼 </a:t>
+            </a:r>
+            <a:r>
+              <a:rPr lang="en-US" altLang="ko-KR" sz="1100" dirty="0" smtClean="0">
+                <a:latin typeface="AppleSDGothicNeoR00" panose="02000503000000000000" pitchFamily="2" charset="-127"/>
+                <a:ea typeface="AppleSDGothicNeoR00" panose="02000503000000000000" pitchFamily="2" charset="-127"/>
+              </a:rPr>
+              <a:t>-&gt; </a:t>
+            </a:r>
+            <a:r>
+              <a:rPr lang="ko-KR" altLang="en-US" sz="1100" dirty="0" smtClean="0">
+                <a:latin typeface="AppleSDGothicNeoR00" panose="02000503000000000000" pitchFamily="2" charset="-127"/>
+                <a:ea typeface="AppleSDGothicNeoR00" panose="02000503000000000000" pitchFamily="2" charset="-127"/>
+              </a:rPr>
+              <a:t>새로운 </a:t>
+            </a:r>
+            <a:r>
+              <a:rPr lang="en-US" altLang="ko-KR" sz="1100" dirty="0" smtClean="0">
+                <a:latin typeface="AppleSDGothicNeoR00" panose="02000503000000000000" pitchFamily="2" charset="-127"/>
+                <a:ea typeface="AppleSDGothicNeoR00" panose="02000503000000000000" pitchFamily="2" charset="-127"/>
+              </a:rPr>
+              <a:t>row</a:t>
+            </a:r>
+            <a:r>
+              <a:rPr lang="ko-KR" altLang="en-US" sz="1100" dirty="0" smtClean="0">
+                <a:latin typeface="AppleSDGothicNeoR00" panose="02000503000000000000" pitchFamily="2" charset="-127"/>
+                <a:ea typeface="AppleSDGothicNeoR00" panose="02000503000000000000" pitchFamily="2" charset="-127"/>
+              </a:rPr>
+              <a:t>을 추가</a:t>
+            </a:r>
+            <a:endParaRPr lang="en-US" altLang="ko-KR" sz="1100" dirty="0" smtClean="0">
+              <a:latin typeface="AppleSDGothicNeoR00" panose="02000503000000000000" pitchFamily="2" charset="-127"/>
+              <a:ea typeface="AppleSDGothicNeoR00" panose="02000503000000000000" pitchFamily="2" charset="-127"/>
+            </a:endParaRPr>
+          </a:p>
+          <a:p>
+            <a:r>
+              <a:rPr lang="ko-KR" altLang="en-US" sz="1100" dirty="0" smtClean="0">
+                <a:latin typeface="AppleSDGothicNeoR00" panose="02000503000000000000" pitchFamily="2" charset="-127"/>
+                <a:ea typeface="AppleSDGothicNeoR00" panose="02000503000000000000" pitchFamily="2" charset="-127"/>
+              </a:rPr>
+              <a:t>삭제 버튼 </a:t>
+            </a:r>
+            <a:r>
+              <a:rPr lang="en-US" altLang="ko-KR" sz="1100" dirty="0" smtClean="0">
+                <a:latin typeface="AppleSDGothicNeoR00" panose="02000503000000000000" pitchFamily="2" charset="-127"/>
+                <a:ea typeface="AppleSDGothicNeoR00" panose="02000503000000000000" pitchFamily="2" charset="-127"/>
+              </a:rPr>
+              <a:t>-&gt; </a:t>
+            </a:r>
+            <a:r>
+              <a:rPr lang="ko-KR" altLang="en-US" sz="1100" dirty="0" smtClean="0">
+                <a:latin typeface="AppleSDGothicNeoR00" panose="02000503000000000000" pitchFamily="2" charset="-127"/>
+                <a:ea typeface="AppleSDGothicNeoR00" panose="02000503000000000000" pitchFamily="2" charset="-127"/>
+              </a:rPr>
+              <a:t>선택한 </a:t>
+            </a:r>
+            <a:r>
+              <a:rPr lang="en-US" altLang="ko-KR" sz="1100" dirty="0" smtClean="0">
+                <a:latin typeface="AppleSDGothicNeoR00" panose="02000503000000000000" pitchFamily="2" charset="-127"/>
+                <a:ea typeface="AppleSDGothicNeoR00" panose="02000503000000000000" pitchFamily="2" charset="-127"/>
+              </a:rPr>
+              <a:t>row</a:t>
+            </a:r>
+            <a:r>
+              <a:rPr lang="ko-KR" altLang="en-US" sz="1100" dirty="0" smtClean="0">
+                <a:latin typeface="AppleSDGothicNeoR00" panose="02000503000000000000" pitchFamily="2" charset="-127"/>
+                <a:ea typeface="AppleSDGothicNeoR00" panose="02000503000000000000" pitchFamily="2" charset="-127"/>
+              </a:rPr>
+              <a:t>을 삭제</a:t>
+            </a:r>
+            <a:endParaRPr lang="ko-KR" altLang="en-US" sz="1100" dirty="0">
+              <a:latin typeface="AppleSDGothicNeoR00" panose="02000503000000000000" pitchFamily="2" charset="-127"/>
+              <a:ea typeface="AppleSDGothicNeoR00" panose="02000503000000000000" pitchFamily="2" charset="-127"/>
+            </a:endParaRPr>
+          </a:p>
+        </p:txBody>
+      </p:sp>
+      <p:pic>
+        <p:nvPicPr>
+          <p:cNvPr id="18" name="그림 17"/>
+          <p:cNvPicPr>
+            <a:picLocks noChangeAspect="1"/>
+          </p:cNvPicPr>
+          <p:nvPr/>
+        </p:nvPicPr>
+        <p:blipFill rotWithShape="1">
+          <a:blip r:embed="rId4"/>
+          <a:srcRect l="6420"/>
+          <a:stretch/>
+        </p:blipFill>
+        <p:spPr>
+          <a:xfrm>
+            <a:off x="4574173" y="1755590"/>
+            <a:ext cx="2210762" cy="2216294"/>
+          </a:xfrm>
+          <a:prstGeom prst="rect">
+            <a:avLst/>
+          </a:prstGeom>
+        </p:spPr>
+      </p:pic>
+      <p:sp>
+        <p:nvSpPr>
+          <p:cNvPr id="20" name="직사각형 19"/>
+          <p:cNvSpPr/>
+          <p:nvPr/>
+        </p:nvSpPr>
+        <p:spPr>
+          <a:xfrm>
+            <a:off x="4783040" y="1839627"/>
+            <a:ext cx="1442238" cy="471312"/>
+          </a:xfrm>
+          <a:prstGeom prst="rect">
+            <a:avLst/>
+          </a:prstGeom>
+          <a:noFill/>
+          <a:ln w="38100">
+            <a:solidFill>
+              <a:srgbClr val="00B0F0"/>
+            </a:solidFill>
+          </a:ln>
+        </p:spPr>
+        <p:style>
+          <a:lnRef idx="2">
+            <a:schemeClr val="accent1">
+              <a:shade val="50000"/>
+            </a:schemeClr>
+          </a:lnRef>
+          <a:fillRef idx="1">
+            <a:schemeClr val="accent1"/>
+          </a:fillRef>
+          <a:effectRef idx="0">
+            <a:schemeClr val="accent1"/>
+          </a:effectRef>
+          <a:fontRef idx="minor">
+            <a:schemeClr val="lt1"/>
+          </a:fontRef>
+        </p:style>
+        <p:txBody>
+          <a:bodyPr rtlCol="0" anchor="ctr"/>
+          <a:lstStyle/>
+          <a:p>
+            <a:pPr algn="ctr"/>
+            <a:endParaRPr lang="ko-KR" altLang="en-US">
+              <a:latin typeface="AppleSDGothicNeoR00" panose="02000503000000000000" pitchFamily="2" charset="-127"/>
+              <a:ea typeface="AppleSDGothicNeoR00" panose="02000503000000000000" pitchFamily="2" charset="-127"/>
+            </a:endParaRPr>
+          </a:p>
+        </p:txBody>
+      </p:sp>
+      <p:cxnSp>
+        <p:nvCxnSpPr>
+          <p:cNvPr id="21" name="직선 화살표 연결선 20"/>
+          <p:cNvCxnSpPr>
+            <a:stCxn id="20" idx="2"/>
+          </p:cNvCxnSpPr>
+          <p:nvPr/>
+        </p:nvCxnSpPr>
+        <p:spPr>
+          <a:xfrm>
+            <a:off x="5504159" y="2310939"/>
+            <a:ext cx="0" cy="1845087"/>
+          </a:xfrm>
+          <a:prstGeom prst="straightConnector1">
+            <a:avLst/>
+          </a:prstGeom>
+          <a:ln>
+            <a:tailEnd type="triangle"/>
+          </a:ln>
+        </p:spPr>
+        <p:style>
+          <a:lnRef idx="3">
+            <a:schemeClr val="accent4"/>
+          </a:lnRef>
+          <a:fillRef idx="0">
+            <a:schemeClr val="accent4"/>
+          </a:fillRef>
+          <a:effectRef idx="2">
+            <a:schemeClr val="accent4"/>
+          </a:effectRef>
+          <a:fontRef idx="minor">
+            <a:schemeClr val="tx1"/>
+          </a:fontRef>
+        </p:style>
+      </p:cxnSp>
+      <p:sp>
+        <p:nvSpPr>
+          <p:cNvPr id="26" name="TextBox 25"/>
+          <p:cNvSpPr txBox="1"/>
+          <p:nvPr/>
+        </p:nvSpPr>
+        <p:spPr>
+          <a:xfrm>
+            <a:off x="4321232" y="4263866"/>
+            <a:ext cx="3989978" cy="430887"/>
+          </a:xfrm>
+          <a:prstGeom prst="rect">
+            <a:avLst/>
+          </a:prstGeom>
+          <a:noFill/>
+        </p:spPr>
+        <p:txBody>
+          <a:bodyPr wrap="square" rtlCol="0">
+            <a:spAutoFit/>
+          </a:bodyPr>
+          <a:lstStyle/>
+          <a:p>
+            <a:r>
+              <a:rPr lang="en-US" altLang="ko-KR" sz="1100" dirty="0" smtClean="0">
+                <a:latin typeface="AppleSDGothicNeoR00" panose="02000503000000000000" pitchFamily="2" charset="-127"/>
+                <a:ea typeface="AppleSDGothicNeoR00" panose="02000503000000000000" pitchFamily="2" charset="-127"/>
+              </a:rPr>
+              <a:t>Column</a:t>
+            </a:r>
+            <a:r>
+              <a:rPr lang="ko-KR" altLang="en-US" sz="1100" dirty="0" smtClean="0">
+                <a:latin typeface="AppleSDGothicNeoR00" panose="02000503000000000000" pitchFamily="2" charset="-127"/>
+                <a:ea typeface="AppleSDGothicNeoR00" panose="02000503000000000000" pitchFamily="2" charset="-127"/>
+              </a:rPr>
+              <a:t>을 드래그하여 원하는 곳에 놓을 수 있다</a:t>
+            </a:r>
+            <a:r>
+              <a:rPr lang="en-US" altLang="ko-KR" sz="1100" dirty="0" smtClean="0">
+                <a:latin typeface="AppleSDGothicNeoR00" panose="02000503000000000000" pitchFamily="2" charset="-127"/>
+                <a:ea typeface="AppleSDGothicNeoR00" panose="02000503000000000000" pitchFamily="2" charset="-127"/>
+              </a:rPr>
+              <a:t>.</a:t>
+            </a:r>
+          </a:p>
+          <a:p>
+            <a:r>
+              <a:rPr lang="en-US" altLang="ko-KR" sz="1100" dirty="0" smtClean="0">
+                <a:latin typeface="AppleSDGothicNeoR00" panose="02000503000000000000" pitchFamily="2" charset="-127"/>
+                <a:ea typeface="AppleSDGothicNeoR00" panose="02000503000000000000" pitchFamily="2" charset="-127"/>
+              </a:rPr>
+              <a:t>(</a:t>
+            </a:r>
+            <a:r>
+              <a:rPr lang="ko-KR" altLang="en-US" sz="1100" dirty="0" err="1" smtClean="0">
+                <a:latin typeface="AppleSDGothicNeoR00" panose="02000503000000000000" pitchFamily="2" charset="-127"/>
+                <a:ea typeface="AppleSDGothicNeoR00" panose="02000503000000000000" pitchFamily="2" charset="-127"/>
+              </a:rPr>
+              <a:t>재실행시</a:t>
+            </a:r>
+            <a:r>
+              <a:rPr lang="ko-KR" altLang="en-US" sz="1100" dirty="0" smtClean="0">
+                <a:latin typeface="AppleSDGothicNeoR00" panose="02000503000000000000" pitchFamily="2" charset="-127"/>
+                <a:ea typeface="AppleSDGothicNeoR00" panose="02000503000000000000" pitchFamily="2" charset="-127"/>
+              </a:rPr>
+              <a:t> </a:t>
+            </a:r>
+            <a:r>
+              <a:rPr lang="ko-KR" altLang="en-US" sz="1100" dirty="0" err="1" smtClean="0">
+                <a:latin typeface="AppleSDGothicNeoR00" panose="02000503000000000000" pitchFamily="2" charset="-127"/>
+                <a:ea typeface="AppleSDGothicNeoR00" panose="02000503000000000000" pitchFamily="2" charset="-127"/>
+              </a:rPr>
+              <a:t>초기화되며</a:t>
+            </a:r>
+            <a:r>
+              <a:rPr lang="ko-KR" altLang="en-US" sz="1100" dirty="0" smtClean="0">
+                <a:latin typeface="AppleSDGothicNeoR00" panose="02000503000000000000" pitchFamily="2" charset="-127"/>
+                <a:ea typeface="AppleSDGothicNeoR00" panose="02000503000000000000" pitchFamily="2" charset="-127"/>
+              </a:rPr>
+              <a:t> 다른 테이블에 반영되지는 않는다</a:t>
+            </a:r>
+            <a:r>
+              <a:rPr lang="en-US" altLang="ko-KR" sz="1100" dirty="0" smtClean="0">
+                <a:latin typeface="AppleSDGothicNeoR00" panose="02000503000000000000" pitchFamily="2" charset="-127"/>
+                <a:ea typeface="AppleSDGothicNeoR00" panose="02000503000000000000" pitchFamily="2" charset="-127"/>
+              </a:rPr>
+              <a:t>.)</a:t>
+            </a:r>
+            <a:endParaRPr lang="ko-KR" altLang="en-US" sz="1100" dirty="0">
+              <a:latin typeface="AppleSDGothicNeoR00" panose="02000503000000000000" pitchFamily="2" charset="-127"/>
+              <a:ea typeface="AppleSDGothicNeoR00" panose="02000503000000000000" pitchFamily="2" charset="-127"/>
+            </a:endParaRPr>
+          </a:p>
+        </p:txBody>
+      </p:sp>
+      <p:cxnSp>
+        <p:nvCxnSpPr>
+          <p:cNvPr id="27" name="직선 화살표 연결선 26"/>
+          <p:cNvCxnSpPr>
+            <a:stCxn id="20" idx="3"/>
+            <a:endCxn id="30" idx="1"/>
+          </p:cNvCxnSpPr>
+          <p:nvPr/>
+        </p:nvCxnSpPr>
+        <p:spPr>
+          <a:xfrm>
+            <a:off x="6225278" y="2075283"/>
+            <a:ext cx="2242126" cy="0"/>
+          </a:xfrm>
+          <a:prstGeom prst="straightConnector1">
+            <a:avLst/>
+          </a:prstGeom>
+          <a:ln>
+            <a:tailEnd type="triangle"/>
+          </a:ln>
+        </p:spPr>
+        <p:style>
+          <a:lnRef idx="3">
+            <a:schemeClr val="accent4"/>
+          </a:lnRef>
+          <a:fillRef idx="0">
+            <a:schemeClr val="accent4"/>
+          </a:fillRef>
+          <a:effectRef idx="2">
+            <a:schemeClr val="accent4"/>
+          </a:effectRef>
+          <a:fontRef idx="minor">
+            <a:schemeClr val="tx1"/>
+          </a:fontRef>
+        </p:style>
+      </p:cxnSp>
+      <p:sp>
+        <p:nvSpPr>
+          <p:cNvPr id="30" name="직사각형 29"/>
+          <p:cNvSpPr/>
+          <p:nvPr/>
+        </p:nvSpPr>
+        <p:spPr>
+          <a:xfrm>
+            <a:off x="8467404" y="1839627"/>
+            <a:ext cx="1625202" cy="471312"/>
+          </a:xfrm>
+          <a:prstGeom prst="rect">
+            <a:avLst/>
+          </a:prstGeom>
+          <a:noFill/>
+          <a:ln w="38100">
+            <a:solidFill>
+              <a:srgbClr val="00B0F0"/>
+            </a:solidFill>
+          </a:ln>
+        </p:spPr>
+        <p:style>
+          <a:lnRef idx="2">
+            <a:schemeClr val="accent1">
+              <a:shade val="50000"/>
+            </a:schemeClr>
+          </a:lnRef>
+          <a:fillRef idx="1">
+            <a:schemeClr val="accent1"/>
+          </a:fillRef>
+          <a:effectRef idx="0">
+            <a:schemeClr val="accent1"/>
+          </a:effectRef>
+          <a:fontRef idx="minor">
+            <a:schemeClr val="lt1"/>
+          </a:fontRef>
+        </p:style>
+        <p:txBody>
+          <a:bodyPr rtlCol="0" anchor="ctr"/>
+          <a:lstStyle/>
+          <a:p>
+            <a:pPr algn="ctr"/>
+            <a:endParaRPr lang="ko-KR" altLang="en-US">
+              <a:latin typeface="AppleSDGothicNeoR00" panose="02000503000000000000" pitchFamily="2" charset="-127"/>
+              <a:ea typeface="AppleSDGothicNeoR00" panose="02000503000000000000" pitchFamily="2" charset="-127"/>
+            </a:endParaRPr>
+          </a:p>
+        </p:txBody>
+      </p:sp>
     </p:spTree>
     <p:extLst>
       <p:ext uri="{BB962C8B-B14F-4D97-AF65-F5344CB8AC3E}">
-        <p14:creationId xmlns:p14="http://schemas.microsoft.com/office/powerpoint/2010/main" val="751419940"/>
+        <p14:creationId xmlns:p14="http://schemas.microsoft.com/office/powerpoint/2010/main" val="668877608"/>
+      </p:ext>
+    </p:extLst>
+  </p:cSld>
+  <p:clrMapOvr>
+    <a:masterClrMapping/>
+  </p:clrMapOvr>
+  <p:timing>
+    <p:tnLst>
+      <p:par>
+        <p:cTn id="1" dur="indefinite" restart="never" nodeType="tmRoot"/>
+      </p:par>
+    </p:tnLst>
+  </p:timing>
+</p:sld>
+</file>
+
+<file path=ppt/slides/slide9.xml><?xml version="1.0" encoding="utf-8"?>
+<p:sld xmlns:a="http://schemas.openxmlformats.org/drawingml/2006/main" xmlns:r="http://schemas.openxmlformats.org/officeDocument/2006/relationships" xmlns:p="http://schemas.openxmlformats.org/presentationml/2006/main">
+  <p:cSld>
+    <p:spTree>
+      <p:nvGrpSpPr>
+        <p:cNvPr id="1" name=""/>
+        <p:cNvGrpSpPr/>
+        <p:nvPr/>
+      </p:nvGrpSpPr>
+      <p:grpSpPr>
+        <a:xfrm>
+          <a:off x="0" y="0"/>
+          <a:ext cx="0" cy="0"/>
+          <a:chOff x="0" y="0"/>
+          <a:chExt cx="0" cy="0"/>
+        </a:xfrm>
+      </p:grpSpPr>
+      <p:sp>
+        <p:nvSpPr>
+          <p:cNvPr id="2" name="제목 1"/>
+          <p:cNvSpPr>
+            <a:spLocks noGrp="1"/>
+          </p:cNvSpPr>
+          <p:nvPr>
+            <p:ph type="title"/>
+          </p:nvPr>
+        </p:nvSpPr>
+        <p:spPr/>
+        <p:txBody>
+          <a:bodyPr/>
+          <a:lstStyle/>
+          <a:p>
+            <a:r>
+              <a:rPr lang="ko-KR" altLang="en-US" dirty="0" smtClean="0">
+                <a:latin typeface="AppleSDGothicNeoR00" panose="02000503000000000000" pitchFamily="2" charset="-127"/>
+                <a:ea typeface="AppleSDGothicNeoR00" panose="02000503000000000000" pitchFamily="2" charset="-127"/>
+              </a:rPr>
+              <a:t>한계</a:t>
+            </a:r>
+            <a:endParaRPr lang="ko-KR" altLang="en-US" dirty="0">
+              <a:latin typeface="AppleSDGothicNeoR00" panose="02000503000000000000" pitchFamily="2" charset="-127"/>
+              <a:ea typeface="AppleSDGothicNeoR00" panose="02000503000000000000" pitchFamily="2" charset="-127"/>
+            </a:endParaRPr>
+          </a:p>
+        </p:txBody>
+      </p:sp>
+      <p:sp>
+        <p:nvSpPr>
+          <p:cNvPr id="6" name="내용 개체 틀 5"/>
+          <p:cNvSpPr>
+            <a:spLocks noGrp="1"/>
+          </p:cNvSpPr>
+          <p:nvPr>
+            <p:ph sz="half" idx="1"/>
+          </p:nvPr>
+        </p:nvSpPr>
+        <p:spPr>
+          <a:xfrm>
+            <a:off x="838200" y="1825625"/>
+            <a:ext cx="10515600" cy="4351338"/>
+          </a:xfrm>
+        </p:spPr>
+        <p:txBody>
+          <a:bodyPr>
+            <a:normAutofit/>
+          </a:bodyPr>
+          <a:lstStyle/>
+          <a:p>
+            <a:pPr marL="342900" indent="-342900">
+              <a:buFont typeface="+mj-lt"/>
+              <a:buAutoNum type="arabicPeriod"/>
+            </a:pPr>
+            <a:r>
+              <a:rPr lang="ko-KR" altLang="en-US" sz="2000" dirty="0" smtClean="0">
+                <a:latin typeface="AppleSDGothicNeoR00" panose="02000503000000000000" pitchFamily="2" charset="-127"/>
+                <a:ea typeface="AppleSDGothicNeoR00" panose="02000503000000000000" pitchFamily="2" charset="-127"/>
+              </a:rPr>
+              <a:t>테이블의 첫 번째 컬럼이 항상 숫자로 이루어진 </a:t>
+            </a:r>
+            <a:r>
+              <a:rPr lang="en-US" altLang="ko-KR" sz="2000" dirty="0" smtClean="0">
+                <a:latin typeface="AppleSDGothicNeoR00" panose="02000503000000000000" pitchFamily="2" charset="-127"/>
+                <a:ea typeface="AppleSDGothicNeoR00" panose="02000503000000000000" pitchFamily="2" charset="-127"/>
+              </a:rPr>
+              <a:t>id</a:t>
+            </a:r>
+            <a:r>
+              <a:rPr lang="ko-KR" altLang="en-US" sz="2000" dirty="0" smtClean="0">
+                <a:latin typeface="AppleSDGothicNeoR00" panose="02000503000000000000" pitchFamily="2" charset="-127"/>
+                <a:ea typeface="AppleSDGothicNeoR00" panose="02000503000000000000" pitchFamily="2" charset="-127"/>
+              </a:rPr>
+              <a:t>이어야 한다</a:t>
+            </a:r>
+            <a:endParaRPr lang="en-US" altLang="ko-KR" sz="2000" dirty="0">
+              <a:latin typeface="AppleSDGothicNeoR00" panose="02000503000000000000" pitchFamily="2" charset="-127"/>
+              <a:ea typeface="AppleSDGothicNeoR00" panose="02000503000000000000" pitchFamily="2" charset="-127"/>
+            </a:endParaRPr>
+          </a:p>
+          <a:p>
+            <a:pPr marL="342900" indent="-342900">
+              <a:buFont typeface="+mj-lt"/>
+              <a:buAutoNum type="arabicPeriod"/>
+            </a:pPr>
+            <a:r>
+              <a:rPr lang="ko-KR" altLang="en-US" sz="2000" dirty="0" smtClean="0">
+                <a:latin typeface="AppleSDGothicNeoR00" panose="02000503000000000000" pitchFamily="2" charset="-127"/>
+                <a:ea typeface="AppleSDGothicNeoR00" panose="02000503000000000000" pitchFamily="2" charset="-127"/>
+              </a:rPr>
+              <a:t>테이블의 데이터 동적 할당을 하지 않았기 때문에 리소스 낭비가 생긴다</a:t>
+            </a:r>
+            <a:endParaRPr lang="en-US" altLang="ko-KR" sz="2000" dirty="0" smtClean="0">
+              <a:latin typeface="AppleSDGothicNeoR00" panose="02000503000000000000" pitchFamily="2" charset="-127"/>
+              <a:ea typeface="AppleSDGothicNeoR00" panose="02000503000000000000" pitchFamily="2" charset="-127"/>
+            </a:endParaRPr>
+          </a:p>
+          <a:p>
+            <a:pPr marL="342900" indent="-342900">
+              <a:buFont typeface="+mj-lt"/>
+              <a:buAutoNum type="arabicPeriod"/>
+            </a:pPr>
+            <a:r>
+              <a:rPr lang="ko-KR" altLang="en-US" sz="2000" dirty="0" smtClean="0">
+                <a:latin typeface="AppleSDGothicNeoR00" panose="02000503000000000000" pitchFamily="2" charset="-127"/>
+                <a:ea typeface="AppleSDGothicNeoR00" panose="02000503000000000000" pitchFamily="2" charset="-127"/>
+              </a:rPr>
+              <a:t>서버에서 미리 정한 </a:t>
+            </a:r>
+            <a:r>
+              <a:rPr lang="en-US" altLang="ko-KR" sz="2000" dirty="0" smtClean="0">
+                <a:latin typeface="AppleSDGothicNeoR00" panose="02000503000000000000" pitchFamily="2" charset="-127"/>
+                <a:ea typeface="AppleSDGothicNeoR00" panose="02000503000000000000" pitchFamily="2" charset="-127"/>
+              </a:rPr>
+              <a:t>schema</a:t>
+            </a:r>
+            <a:r>
+              <a:rPr lang="ko-KR" altLang="en-US" sz="2000" dirty="0" smtClean="0">
+                <a:latin typeface="AppleSDGothicNeoR00" panose="02000503000000000000" pitchFamily="2" charset="-127"/>
+                <a:ea typeface="AppleSDGothicNeoR00" panose="02000503000000000000" pitchFamily="2" charset="-127"/>
+              </a:rPr>
+              <a:t>에만 접근 가능</a:t>
+            </a:r>
+            <a:endParaRPr lang="en-US" altLang="ko-KR" sz="2000" dirty="0" smtClean="0">
+              <a:latin typeface="AppleSDGothicNeoR00" panose="02000503000000000000" pitchFamily="2" charset="-127"/>
+              <a:ea typeface="AppleSDGothicNeoR00" panose="02000503000000000000" pitchFamily="2" charset="-127"/>
+            </a:endParaRPr>
+          </a:p>
+          <a:p>
+            <a:pPr marL="342900" indent="-342900">
+              <a:buFont typeface="+mj-lt"/>
+              <a:buAutoNum type="arabicPeriod"/>
+            </a:pPr>
+            <a:r>
+              <a:rPr lang="ko-KR" altLang="en-US" sz="2000" dirty="0" smtClean="0">
+                <a:latin typeface="AppleSDGothicNeoR00" panose="02000503000000000000" pitchFamily="2" charset="-127"/>
+                <a:ea typeface="AppleSDGothicNeoR00" panose="02000503000000000000" pitchFamily="2" charset="-127"/>
+              </a:rPr>
+              <a:t>테이블에 정규식에 포함되는 특정 패턴이나 </a:t>
+            </a:r>
+            <a:r>
+              <a:rPr lang="en-US" altLang="ko-KR" sz="2000" dirty="0" err="1" smtClean="0">
+                <a:latin typeface="AppleSDGothicNeoR00" panose="02000503000000000000" pitchFamily="2" charset="-127"/>
+                <a:ea typeface="AppleSDGothicNeoR00" panose="02000503000000000000" pitchFamily="2" charset="-127"/>
+              </a:rPr>
+              <a:t>sql</a:t>
+            </a:r>
+            <a:r>
+              <a:rPr lang="en-US" altLang="ko-KR" sz="2000" dirty="0" smtClean="0">
+                <a:latin typeface="AppleSDGothicNeoR00" panose="02000503000000000000" pitchFamily="2" charset="-127"/>
+                <a:ea typeface="AppleSDGothicNeoR00" panose="02000503000000000000" pitchFamily="2" charset="-127"/>
+              </a:rPr>
+              <a:t> query</a:t>
+            </a:r>
+            <a:r>
+              <a:rPr lang="ko-KR" altLang="en-US" sz="2000" dirty="0" smtClean="0">
+                <a:latin typeface="AppleSDGothicNeoR00" panose="02000503000000000000" pitchFamily="2" charset="-127"/>
+                <a:ea typeface="AppleSDGothicNeoR00" panose="02000503000000000000" pitchFamily="2" charset="-127"/>
+              </a:rPr>
+              <a:t>에 영향을 끼치는 특수기호</a:t>
+            </a:r>
+            <a:r>
+              <a:rPr lang="en-US" altLang="ko-KR" sz="2000" dirty="0" smtClean="0">
+                <a:latin typeface="AppleSDGothicNeoR00" panose="02000503000000000000" pitchFamily="2" charset="-127"/>
+                <a:ea typeface="AppleSDGothicNeoR00" panose="02000503000000000000" pitchFamily="2" charset="-127"/>
+              </a:rPr>
+              <a:t>(</a:t>
+            </a:r>
+            <a:r>
+              <a:rPr lang="ko-KR" altLang="en-US" sz="2000" dirty="0" smtClean="0">
+                <a:latin typeface="AppleSDGothicNeoR00" panose="02000503000000000000" pitchFamily="2" charset="-127"/>
+                <a:ea typeface="AppleSDGothicNeoR00" panose="02000503000000000000" pitchFamily="2" charset="-127"/>
+              </a:rPr>
+              <a:t>마지막에 </a:t>
+            </a:r>
+            <a:r>
+              <a:rPr lang="en-US" altLang="ko-KR" sz="2000" dirty="0" smtClean="0">
+                <a:latin typeface="AppleSDGothicNeoR00" panose="02000503000000000000" pitchFamily="2" charset="-127"/>
+                <a:ea typeface="AppleSDGothicNeoR00" panose="02000503000000000000" pitchFamily="2" charset="-127"/>
+              </a:rPr>
+              <a:t>‘ </a:t>
+            </a:r>
+            <a:r>
+              <a:rPr lang="ko-KR" altLang="en-US" sz="2000" dirty="0" smtClean="0">
+                <a:latin typeface="AppleSDGothicNeoR00" panose="02000503000000000000" pitchFamily="2" charset="-127"/>
+                <a:ea typeface="AppleSDGothicNeoR00" panose="02000503000000000000" pitchFamily="2" charset="-127"/>
+              </a:rPr>
+              <a:t>입력</a:t>
+            </a:r>
+            <a:r>
+              <a:rPr lang="en-US" altLang="ko-KR" sz="2000" dirty="0" smtClean="0">
+                <a:latin typeface="AppleSDGothicNeoR00" panose="02000503000000000000" pitchFamily="2" charset="-127"/>
+                <a:ea typeface="AppleSDGothicNeoR00" panose="02000503000000000000" pitchFamily="2" charset="-127"/>
+              </a:rPr>
+              <a:t>) </a:t>
+            </a:r>
+            <a:r>
+              <a:rPr lang="ko-KR" altLang="en-US" sz="2000" dirty="0" smtClean="0">
+                <a:latin typeface="AppleSDGothicNeoR00" panose="02000503000000000000" pitchFamily="2" charset="-127"/>
+                <a:ea typeface="AppleSDGothicNeoR00" panose="02000503000000000000" pitchFamily="2" charset="-127"/>
+              </a:rPr>
+              <a:t>등을 하면 에러 발생</a:t>
+            </a:r>
+            <a:endParaRPr lang="en-US" altLang="ko-KR" sz="2000" dirty="0" smtClean="0">
+              <a:latin typeface="AppleSDGothicNeoR00" panose="02000503000000000000" pitchFamily="2" charset="-127"/>
+              <a:ea typeface="AppleSDGothicNeoR00" panose="02000503000000000000" pitchFamily="2" charset="-127"/>
+            </a:endParaRPr>
+          </a:p>
+          <a:p>
+            <a:pPr marL="342900" indent="-342900">
+              <a:buFont typeface="+mj-lt"/>
+              <a:buAutoNum type="arabicPeriod"/>
+            </a:pPr>
+            <a:endParaRPr lang="en-US" altLang="ko-KR" sz="2000" dirty="0" smtClean="0">
+              <a:latin typeface="AppleSDGothicNeoR00" panose="02000503000000000000" pitchFamily="2" charset="-127"/>
+              <a:ea typeface="AppleSDGothicNeoR00" panose="02000503000000000000" pitchFamily="2" charset="-127"/>
+            </a:endParaRPr>
+          </a:p>
+          <a:p>
+            <a:pPr marL="342900" indent="-342900">
+              <a:buFont typeface="+mj-lt"/>
+              <a:buAutoNum type="arabicPeriod"/>
+            </a:pPr>
+            <a:endParaRPr lang="en-US" altLang="ko-KR" sz="2000" dirty="0" smtClean="0">
+              <a:latin typeface="AppleSDGothicNeoR00" panose="02000503000000000000" pitchFamily="2" charset="-127"/>
+              <a:ea typeface="AppleSDGothicNeoR00" panose="02000503000000000000" pitchFamily="2" charset="-127"/>
+            </a:endParaRPr>
+          </a:p>
+          <a:p>
+            <a:pPr marL="0" indent="0">
+              <a:buNone/>
+            </a:pPr>
+            <a:endParaRPr lang="ko-KR" altLang="en-US" sz="2000" dirty="0">
+              <a:latin typeface="AppleSDGothicNeoR00" panose="02000503000000000000" pitchFamily="2" charset="-127"/>
+              <a:ea typeface="AppleSDGothicNeoR00" panose="02000503000000000000" pitchFamily="2" charset="-127"/>
+            </a:endParaRPr>
+          </a:p>
+        </p:txBody>
+      </p:sp>
+    </p:spTree>
+    <p:extLst>
+      <p:ext uri="{BB962C8B-B14F-4D97-AF65-F5344CB8AC3E}">
+        <p14:creationId xmlns:p14="http://schemas.microsoft.com/office/powerpoint/2010/main" val="1231034538"/>
       </p:ext>
     </p:extLst>
   </p:cSld>
